--- a/docs/wiki/media/src/DevOps Self-Hosted Diagrams.pptx
+++ b/docs/wiki/media/src/DevOps Self-Hosted Diagrams.pptx
@@ -6,7 +6,7 @@
   </p:sldMasterIdLst>
   <p:sldIdLst>
     <p:sldId id="256" r:id="rId2"/>
-    <p:sldId id="257" r:id="rId3"/>
+    <p:sldId id="263" r:id="rId3"/>
     <p:sldId id="259" r:id="rId4"/>
     <p:sldId id="261" r:id="rId5"/>
   </p:sldIdLst>
@@ -173,6 +173,142 @@
     </pc:docChg>
   </pc:docChgLst>
   <pc:docChgLst>
+    <pc:chgData name="Alexander Sehr" userId="3813e339-f61f-4746-b280-a0270b0e39af" providerId="ADAL" clId="{5E45229D-4D68-4B35-A217-F252BD67652D}"/>
+    <pc:docChg chg="custSel modSld">
+      <pc:chgData name="Alexander Sehr" userId="3813e339-f61f-4746-b280-a0270b0e39af" providerId="ADAL" clId="{5E45229D-4D68-4B35-A217-F252BD67652D}" dt="2022-02-22T08:16:31.334" v="28" actId="1076"/>
+      <pc:docMkLst>
+        <pc:docMk/>
+      </pc:docMkLst>
+      <pc:sldChg chg="addSp delSp modSp mod">
+        <pc:chgData name="Alexander Sehr" userId="3813e339-f61f-4746-b280-a0270b0e39af" providerId="ADAL" clId="{5E45229D-4D68-4B35-A217-F252BD67652D}" dt="2022-02-22T08:16:31.334" v="28" actId="1076"/>
+        <pc:sldMkLst>
+          <pc:docMk/>
+          <pc:sldMk cId="3870396601" sldId="257"/>
+        </pc:sldMkLst>
+        <pc:spChg chg="topLvl">
+          <ac:chgData name="Alexander Sehr" userId="3813e339-f61f-4746-b280-a0270b0e39af" providerId="ADAL" clId="{5E45229D-4D68-4B35-A217-F252BD67652D}" dt="2022-02-22T08:15:25.855" v="8" actId="478"/>
+          <ac:spMkLst>
+            <pc:docMk/>
+            <pc:sldMk cId="3870396601" sldId="257"/>
+            <ac:spMk id="12" creationId="{A36289ED-8617-4697-B7E6-A8A69297DEEA}"/>
+          </ac:spMkLst>
+        </pc:spChg>
+        <pc:spChg chg="topLvl">
+          <ac:chgData name="Alexander Sehr" userId="3813e339-f61f-4746-b280-a0270b0e39af" providerId="ADAL" clId="{5E45229D-4D68-4B35-A217-F252BD67652D}" dt="2022-02-22T08:15:44.072" v="14" actId="478"/>
+          <ac:spMkLst>
+            <pc:docMk/>
+            <pc:sldMk cId="3870396601" sldId="257"/>
+            <ac:spMk id="15" creationId="{D44F7E60-0BF3-4793-A7E2-E64F8E35C531}"/>
+          </ac:spMkLst>
+        </pc:spChg>
+        <pc:grpChg chg="del">
+          <ac:chgData name="Alexander Sehr" userId="3813e339-f61f-4746-b280-a0270b0e39af" providerId="ADAL" clId="{5E45229D-4D68-4B35-A217-F252BD67652D}" dt="2022-02-22T08:15:25.855" v="8" actId="478"/>
+          <ac:grpSpMkLst>
+            <pc:docMk/>
+            <pc:sldMk cId="3870396601" sldId="257"/>
+            <ac:grpSpMk id="11" creationId="{5A3D9DE8-CE99-4D95-8902-D8EF5C5BBB56}"/>
+          </ac:grpSpMkLst>
+        </pc:grpChg>
+        <pc:grpChg chg="del">
+          <ac:chgData name="Alexander Sehr" userId="3813e339-f61f-4746-b280-a0270b0e39af" providerId="ADAL" clId="{5E45229D-4D68-4B35-A217-F252BD67652D}" dt="2022-02-22T08:15:44.072" v="14" actId="478"/>
+          <ac:grpSpMkLst>
+            <pc:docMk/>
+            <pc:sldMk cId="3870396601" sldId="257"/>
+            <ac:grpSpMk id="14" creationId="{837133E9-3C98-43B2-8D46-894A035F1431}"/>
+          </ac:grpSpMkLst>
+        </pc:grpChg>
+        <pc:grpChg chg="del">
+          <ac:chgData name="Alexander Sehr" userId="3813e339-f61f-4746-b280-a0270b0e39af" providerId="ADAL" clId="{5E45229D-4D68-4B35-A217-F252BD67652D}" dt="2022-02-22T08:15:32.128" v="11" actId="478"/>
+          <ac:grpSpMkLst>
+            <pc:docMk/>
+            <pc:sldMk cId="3870396601" sldId="257"/>
+            <ac:grpSpMk id="23" creationId="{B700C66A-69AF-4431-B22C-13030CD270B3}"/>
+          </ac:grpSpMkLst>
+        </pc:grpChg>
+        <pc:picChg chg="add mod">
+          <ac:chgData name="Alexander Sehr" userId="3813e339-f61f-4746-b280-a0270b0e39af" providerId="ADAL" clId="{5E45229D-4D68-4B35-A217-F252BD67652D}" dt="2022-02-22T08:16:02.804" v="17" actId="1076"/>
+          <ac:picMkLst>
+            <pc:docMk/>
+            <pc:sldMk cId="3870396601" sldId="257"/>
+            <ac:picMk id="3" creationId="{927E4CD8-9A4B-4D61-82AB-5E0F68F90A01}"/>
+          </ac:picMkLst>
+        </pc:picChg>
+        <pc:picChg chg="del">
+          <ac:chgData name="Alexander Sehr" userId="3813e339-f61f-4746-b280-a0270b0e39af" providerId="ADAL" clId="{5E45229D-4D68-4B35-A217-F252BD67652D}" dt="2022-02-22T08:15:30.146" v="10" actId="478"/>
+          <ac:picMkLst>
+            <pc:docMk/>
+            <pc:sldMk cId="3870396601" sldId="257"/>
+            <ac:picMk id="8" creationId="{974C036C-A5F1-4F11-A433-EE08CB0C2AE7}"/>
+          </ac:picMkLst>
+        </pc:picChg>
+        <pc:picChg chg="del">
+          <ac:chgData name="Alexander Sehr" userId="3813e339-f61f-4746-b280-a0270b0e39af" providerId="ADAL" clId="{5E45229D-4D68-4B35-A217-F252BD67652D}" dt="2022-02-22T08:15:28.054" v="9" actId="478"/>
+          <ac:picMkLst>
+            <pc:docMk/>
+            <pc:sldMk cId="3870396601" sldId="257"/>
+            <ac:picMk id="10" creationId="{940639C9-6BD4-4EEF-860A-637379C784CF}"/>
+          </ac:picMkLst>
+        </pc:picChg>
+        <pc:picChg chg="del topLvl">
+          <ac:chgData name="Alexander Sehr" userId="3813e339-f61f-4746-b280-a0270b0e39af" providerId="ADAL" clId="{5E45229D-4D68-4B35-A217-F252BD67652D}" dt="2022-02-22T08:15:25.855" v="8" actId="478"/>
+          <ac:picMkLst>
+            <pc:docMk/>
+            <pc:sldMk cId="3870396601" sldId="257"/>
+            <ac:picMk id="13" creationId="{E46E8124-4565-4958-A01D-C2A06E87129D}"/>
+          </ac:picMkLst>
+        </pc:picChg>
+        <pc:picChg chg="del topLvl">
+          <ac:chgData name="Alexander Sehr" userId="3813e339-f61f-4746-b280-a0270b0e39af" providerId="ADAL" clId="{5E45229D-4D68-4B35-A217-F252BD67652D}" dt="2022-02-22T08:15:44.072" v="14" actId="478"/>
+          <ac:picMkLst>
+            <pc:docMk/>
+            <pc:sldMk cId="3870396601" sldId="257"/>
+            <ac:picMk id="16" creationId="{58263E0D-7BD0-4EC8-A04C-0B0042A1A1CD}"/>
+          </ac:picMkLst>
+        </pc:picChg>
+        <pc:picChg chg="del">
+          <ac:chgData name="Alexander Sehr" userId="3813e339-f61f-4746-b280-a0270b0e39af" providerId="ADAL" clId="{5E45229D-4D68-4B35-A217-F252BD67652D}" dt="2022-02-22T08:15:32.128" v="11" actId="478"/>
+          <ac:picMkLst>
+            <pc:docMk/>
+            <pc:sldMk cId="3870396601" sldId="257"/>
+            <ac:picMk id="25" creationId="{A01F52C4-9094-4FF4-91C0-DFF2015401F8}"/>
+          </ac:picMkLst>
+        </pc:picChg>
+        <pc:picChg chg="add mod">
+          <ac:chgData name="Alexander Sehr" userId="3813e339-f61f-4746-b280-a0270b0e39af" providerId="ADAL" clId="{5E45229D-4D68-4B35-A217-F252BD67652D}" dt="2022-02-22T08:16:31.334" v="28" actId="1076"/>
+          <ac:picMkLst>
+            <pc:docMk/>
+            <pc:sldMk cId="3870396601" sldId="257"/>
+            <ac:picMk id="30" creationId="{C92A80E3-F34D-4C20-86FB-ABBA8B428B1F}"/>
+          </ac:picMkLst>
+        </pc:picChg>
+        <pc:picChg chg="add mod">
+          <ac:chgData name="Alexander Sehr" userId="3813e339-f61f-4746-b280-a0270b0e39af" providerId="ADAL" clId="{5E45229D-4D68-4B35-A217-F252BD67652D}" dt="2022-02-22T08:16:27.289" v="27" actId="1076"/>
+          <ac:picMkLst>
+            <pc:docMk/>
+            <pc:sldMk cId="3870396601" sldId="257"/>
+            <ac:picMk id="32" creationId="{C6B2E2EE-3FE5-4F7B-826A-829E0649B33D}"/>
+          </ac:picMkLst>
+        </pc:picChg>
+        <pc:picChg chg="add mod">
+          <ac:chgData name="Alexander Sehr" userId="3813e339-f61f-4746-b280-a0270b0e39af" providerId="ADAL" clId="{5E45229D-4D68-4B35-A217-F252BD67652D}" dt="2022-02-22T08:16:23.073" v="26" actId="1036"/>
+          <ac:picMkLst>
+            <pc:docMk/>
+            <pc:sldMk cId="3870396601" sldId="257"/>
+            <ac:picMk id="34" creationId="{26E8B24D-DEE4-413C-8396-938124EF667E}"/>
+          </ac:picMkLst>
+        </pc:picChg>
+        <pc:picChg chg="add mod">
+          <ac:chgData name="Alexander Sehr" userId="3813e339-f61f-4746-b280-a0270b0e39af" providerId="ADAL" clId="{5E45229D-4D68-4B35-A217-F252BD67652D}" dt="2022-02-22T08:15:56.665" v="16" actId="1076"/>
+          <ac:picMkLst>
+            <pc:docMk/>
+            <pc:sldMk cId="3870396601" sldId="257"/>
+            <ac:picMk id="36" creationId="{1A9AAA2A-C0EE-4BAB-9EE3-9C5D77675DD4}"/>
+          </ac:picMkLst>
+        </pc:picChg>
+      </pc:sldChg>
+    </pc:docChg>
+  </pc:docChgLst>
+  <pc:docChgLst>
     <pc:chgData name="Alexander Sehr" userId="3813e339-f61f-4746-b280-a0270b0e39af" providerId="ADAL" clId="{1941FA72-C5A5-4028-A3CB-7E91D0C868CF}"/>
     <pc:docChg chg="undo custSel addSld delSld modSld">
       <pc:chgData name="Alexander Sehr" userId="3813e339-f61f-4746-b280-a0270b0e39af" providerId="ADAL" clId="{1941FA72-C5A5-4028-A3CB-7E91D0C868CF}" dt="2022-06-25T11:06:01.482" v="1825" actId="14100"/>
@@ -935,142 +1071,6 @@
             <ac:cxnSpMk id="63" creationId="{AF8BD32B-5BF1-8826-4F0A-D0E15981909B}"/>
           </ac:cxnSpMkLst>
         </pc:cxnChg>
-      </pc:sldChg>
-    </pc:docChg>
-  </pc:docChgLst>
-  <pc:docChgLst>
-    <pc:chgData name="Alexander Sehr" userId="3813e339-f61f-4746-b280-a0270b0e39af" providerId="ADAL" clId="{5E45229D-4D68-4B35-A217-F252BD67652D}"/>
-    <pc:docChg chg="custSel modSld">
-      <pc:chgData name="Alexander Sehr" userId="3813e339-f61f-4746-b280-a0270b0e39af" providerId="ADAL" clId="{5E45229D-4D68-4B35-A217-F252BD67652D}" dt="2022-02-22T08:16:31.334" v="28" actId="1076"/>
-      <pc:docMkLst>
-        <pc:docMk/>
-      </pc:docMkLst>
-      <pc:sldChg chg="addSp delSp modSp mod">
-        <pc:chgData name="Alexander Sehr" userId="3813e339-f61f-4746-b280-a0270b0e39af" providerId="ADAL" clId="{5E45229D-4D68-4B35-A217-F252BD67652D}" dt="2022-02-22T08:16:31.334" v="28" actId="1076"/>
-        <pc:sldMkLst>
-          <pc:docMk/>
-          <pc:sldMk cId="3870396601" sldId="257"/>
-        </pc:sldMkLst>
-        <pc:spChg chg="topLvl">
-          <ac:chgData name="Alexander Sehr" userId="3813e339-f61f-4746-b280-a0270b0e39af" providerId="ADAL" clId="{5E45229D-4D68-4B35-A217-F252BD67652D}" dt="2022-02-22T08:15:25.855" v="8" actId="478"/>
-          <ac:spMkLst>
-            <pc:docMk/>
-            <pc:sldMk cId="3870396601" sldId="257"/>
-            <ac:spMk id="12" creationId="{A36289ED-8617-4697-B7E6-A8A69297DEEA}"/>
-          </ac:spMkLst>
-        </pc:spChg>
-        <pc:spChg chg="topLvl">
-          <ac:chgData name="Alexander Sehr" userId="3813e339-f61f-4746-b280-a0270b0e39af" providerId="ADAL" clId="{5E45229D-4D68-4B35-A217-F252BD67652D}" dt="2022-02-22T08:15:44.072" v="14" actId="478"/>
-          <ac:spMkLst>
-            <pc:docMk/>
-            <pc:sldMk cId="3870396601" sldId="257"/>
-            <ac:spMk id="15" creationId="{D44F7E60-0BF3-4793-A7E2-E64F8E35C531}"/>
-          </ac:spMkLst>
-        </pc:spChg>
-        <pc:grpChg chg="del">
-          <ac:chgData name="Alexander Sehr" userId="3813e339-f61f-4746-b280-a0270b0e39af" providerId="ADAL" clId="{5E45229D-4D68-4B35-A217-F252BD67652D}" dt="2022-02-22T08:15:25.855" v="8" actId="478"/>
-          <ac:grpSpMkLst>
-            <pc:docMk/>
-            <pc:sldMk cId="3870396601" sldId="257"/>
-            <ac:grpSpMk id="11" creationId="{5A3D9DE8-CE99-4D95-8902-D8EF5C5BBB56}"/>
-          </ac:grpSpMkLst>
-        </pc:grpChg>
-        <pc:grpChg chg="del">
-          <ac:chgData name="Alexander Sehr" userId="3813e339-f61f-4746-b280-a0270b0e39af" providerId="ADAL" clId="{5E45229D-4D68-4B35-A217-F252BD67652D}" dt="2022-02-22T08:15:44.072" v="14" actId="478"/>
-          <ac:grpSpMkLst>
-            <pc:docMk/>
-            <pc:sldMk cId="3870396601" sldId="257"/>
-            <ac:grpSpMk id="14" creationId="{837133E9-3C98-43B2-8D46-894A035F1431}"/>
-          </ac:grpSpMkLst>
-        </pc:grpChg>
-        <pc:grpChg chg="del">
-          <ac:chgData name="Alexander Sehr" userId="3813e339-f61f-4746-b280-a0270b0e39af" providerId="ADAL" clId="{5E45229D-4D68-4B35-A217-F252BD67652D}" dt="2022-02-22T08:15:32.128" v="11" actId="478"/>
-          <ac:grpSpMkLst>
-            <pc:docMk/>
-            <pc:sldMk cId="3870396601" sldId="257"/>
-            <ac:grpSpMk id="23" creationId="{B700C66A-69AF-4431-B22C-13030CD270B3}"/>
-          </ac:grpSpMkLst>
-        </pc:grpChg>
-        <pc:picChg chg="add mod">
-          <ac:chgData name="Alexander Sehr" userId="3813e339-f61f-4746-b280-a0270b0e39af" providerId="ADAL" clId="{5E45229D-4D68-4B35-A217-F252BD67652D}" dt="2022-02-22T08:16:02.804" v="17" actId="1076"/>
-          <ac:picMkLst>
-            <pc:docMk/>
-            <pc:sldMk cId="3870396601" sldId="257"/>
-            <ac:picMk id="3" creationId="{927E4CD8-9A4B-4D61-82AB-5E0F68F90A01}"/>
-          </ac:picMkLst>
-        </pc:picChg>
-        <pc:picChg chg="del">
-          <ac:chgData name="Alexander Sehr" userId="3813e339-f61f-4746-b280-a0270b0e39af" providerId="ADAL" clId="{5E45229D-4D68-4B35-A217-F252BD67652D}" dt="2022-02-22T08:15:30.146" v="10" actId="478"/>
-          <ac:picMkLst>
-            <pc:docMk/>
-            <pc:sldMk cId="3870396601" sldId="257"/>
-            <ac:picMk id="8" creationId="{974C036C-A5F1-4F11-A433-EE08CB0C2AE7}"/>
-          </ac:picMkLst>
-        </pc:picChg>
-        <pc:picChg chg="del">
-          <ac:chgData name="Alexander Sehr" userId="3813e339-f61f-4746-b280-a0270b0e39af" providerId="ADAL" clId="{5E45229D-4D68-4B35-A217-F252BD67652D}" dt="2022-02-22T08:15:28.054" v="9" actId="478"/>
-          <ac:picMkLst>
-            <pc:docMk/>
-            <pc:sldMk cId="3870396601" sldId="257"/>
-            <ac:picMk id="10" creationId="{940639C9-6BD4-4EEF-860A-637379C784CF}"/>
-          </ac:picMkLst>
-        </pc:picChg>
-        <pc:picChg chg="del topLvl">
-          <ac:chgData name="Alexander Sehr" userId="3813e339-f61f-4746-b280-a0270b0e39af" providerId="ADAL" clId="{5E45229D-4D68-4B35-A217-F252BD67652D}" dt="2022-02-22T08:15:25.855" v="8" actId="478"/>
-          <ac:picMkLst>
-            <pc:docMk/>
-            <pc:sldMk cId="3870396601" sldId="257"/>
-            <ac:picMk id="13" creationId="{E46E8124-4565-4958-A01D-C2A06E87129D}"/>
-          </ac:picMkLst>
-        </pc:picChg>
-        <pc:picChg chg="del topLvl">
-          <ac:chgData name="Alexander Sehr" userId="3813e339-f61f-4746-b280-a0270b0e39af" providerId="ADAL" clId="{5E45229D-4D68-4B35-A217-F252BD67652D}" dt="2022-02-22T08:15:44.072" v="14" actId="478"/>
-          <ac:picMkLst>
-            <pc:docMk/>
-            <pc:sldMk cId="3870396601" sldId="257"/>
-            <ac:picMk id="16" creationId="{58263E0D-7BD0-4EC8-A04C-0B0042A1A1CD}"/>
-          </ac:picMkLst>
-        </pc:picChg>
-        <pc:picChg chg="del">
-          <ac:chgData name="Alexander Sehr" userId="3813e339-f61f-4746-b280-a0270b0e39af" providerId="ADAL" clId="{5E45229D-4D68-4B35-A217-F252BD67652D}" dt="2022-02-22T08:15:32.128" v="11" actId="478"/>
-          <ac:picMkLst>
-            <pc:docMk/>
-            <pc:sldMk cId="3870396601" sldId="257"/>
-            <ac:picMk id="25" creationId="{A01F52C4-9094-4FF4-91C0-DFF2015401F8}"/>
-          </ac:picMkLst>
-        </pc:picChg>
-        <pc:picChg chg="add mod">
-          <ac:chgData name="Alexander Sehr" userId="3813e339-f61f-4746-b280-a0270b0e39af" providerId="ADAL" clId="{5E45229D-4D68-4B35-A217-F252BD67652D}" dt="2022-02-22T08:16:31.334" v="28" actId="1076"/>
-          <ac:picMkLst>
-            <pc:docMk/>
-            <pc:sldMk cId="3870396601" sldId="257"/>
-            <ac:picMk id="30" creationId="{C92A80E3-F34D-4C20-86FB-ABBA8B428B1F}"/>
-          </ac:picMkLst>
-        </pc:picChg>
-        <pc:picChg chg="add mod">
-          <ac:chgData name="Alexander Sehr" userId="3813e339-f61f-4746-b280-a0270b0e39af" providerId="ADAL" clId="{5E45229D-4D68-4B35-A217-F252BD67652D}" dt="2022-02-22T08:16:27.289" v="27" actId="1076"/>
-          <ac:picMkLst>
-            <pc:docMk/>
-            <pc:sldMk cId="3870396601" sldId="257"/>
-            <ac:picMk id="32" creationId="{C6B2E2EE-3FE5-4F7B-826A-829E0649B33D}"/>
-          </ac:picMkLst>
-        </pc:picChg>
-        <pc:picChg chg="add mod">
-          <ac:chgData name="Alexander Sehr" userId="3813e339-f61f-4746-b280-a0270b0e39af" providerId="ADAL" clId="{5E45229D-4D68-4B35-A217-F252BD67652D}" dt="2022-02-22T08:16:23.073" v="26" actId="1036"/>
-          <ac:picMkLst>
-            <pc:docMk/>
-            <pc:sldMk cId="3870396601" sldId="257"/>
-            <ac:picMk id="34" creationId="{26E8B24D-DEE4-413C-8396-938124EF667E}"/>
-          </ac:picMkLst>
-        </pc:picChg>
-        <pc:picChg chg="add mod">
-          <ac:chgData name="Alexander Sehr" userId="3813e339-f61f-4746-b280-a0270b0e39af" providerId="ADAL" clId="{5E45229D-4D68-4B35-A217-F252BD67652D}" dt="2022-02-22T08:15:56.665" v="16" actId="1076"/>
-          <ac:picMkLst>
-            <pc:docMk/>
-            <pc:sldMk cId="3870396601" sldId="257"/>
-            <ac:picMk id="36" creationId="{1A9AAA2A-C0EE-4BAB-9EE3-9C5D77675DD4}"/>
-          </ac:picMkLst>
-        </pc:picChg>
       </pc:sldChg>
     </pc:docChg>
   </pc:docChgLst>
@@ -5969,149 +5969,12 @@
           <a:chExt cx="0" cy="0"/>
         </a:xfrm>
       </p:grpSpPr>
-      <p:grpSp>
-        <p:nvGrpSpPr>
-          <p:cNvPr id="4" name="Group 3">
-            <a:extLst>
-              <a:ext uri="{FF2B5EF4-FFF2-40B4-BE49-F238E27FC236}">
-                <a16:creationId xmlns:a16="http://schemas.microsoft.com/office/drawing/2014/main" id="{AED6FB01-0C31-4579-8B0E-42D606AFB7AE}"/>
-              </a:ext>
-            </a:extLst>
-          </p:cNvPr>
-          <p:cNvGrpSpPr/>
-          <p:nvPr/>
-        </p:nvGrpSpPr>
-        <p:grpSpPr>
-          <a:xfrm>
-            <a:off x="263637" y="1665000"/>
-            <a:ext cx="2610603" cy="1875482"/>
-            <a:chOff x="3689615" y="5877920"/>
-            <a:chExt cx="1537530" cy="1208526"/>
-          </a:xfrm>
-          <a:solidFill>
-            <a:srgbClr val="495975"/>
-          </a:solidFill>
-        </p:grpSpPr>
-        <p:sp>
-          <p:nvSpPr>
-            <p:cNvPr id="5" name="Rectangle 4">
-              <a:extLst>
-                <a:ext uri="{FF2B5EF4-FFF2-40B4-BE49-F238E27FC236}">
-                  <a16:creationId xmlns:a16="http://schemas.microsoft.com/office/drawing/2014/main" id="{D89AC213-CA1F-4CF9-898C-37708A53F4EB}"/>
-                </a:ext>
-              </a:extLst>
-            </p:cNvPr>
-            <p:cNvSpPr/>
-            <p:nvPr/>
-          </p:nvSpPr>
-          <p:spPr>
-            <a:xfrm>
-              <a:off x="3689615" y="5877920"/>
-              <a:ext cx="1537530" cy="1208526"/>
-            </a:xfrm>
-            <a:prstGeom prst="rect">
-              <a:avLst/>
-            </a:prstGeom>
-            <a:grpFill/>
-            <a:ln w="6350">
-              <a:solidFill>
-                <a:schemeClr val="tx1">
-                  <a:lumMod val="50000"/>
-                  <a:lumOff val="50000"/>
-                </a:schemeClr>
-              </a:solidFill>
-            </a:ln>
-          </p:spPr>
-          <p:style>
-            <a:lnRef idx="2">
-              <a:schemeClr val="accent1">
-                <a:shade val="50000"/>
-              </a:schemeClr>
-            </a:lnRef>
-            <a:fillRef idx="1">
-              <a:schemeClr val="accent1"/>
-            </a:fillRef>
-            <a:effectRef idx="0">
-              <a:schemeClr val="accent1"/>
-            </a:effectRef>
-            <a:fontRef idx="minor">
-              <a:schemeClr val="lt1"/>
-            </a:fontRef>
-          </p:style>
-          <p:txBody>
-            <a:bodyPr rtlCol="0" anchor="t"/>
-            <a:lstStyle/>
-            <a:p>
-              <a:r>
-                <a:rPr lang="en-US" sz="1271" b="1" dirty="0">
-                  <a:solidFill>
-                    <a:schemeClr val="bg1"/>
-                  </a:solidFill>
-                </a:rPr>
-                <a:t>        </a:t>
-              </a:r>
-              <a:r>
-                <a:rPr lang="en-DE" sz="1271" b="1" dirty="0">
-                  <a:solidFill>
-                    <a:schemeClr val="bg1"/>
-                  </a:solidFill>
-                </a:rPr>
-                <a:t>Resource Group</a:t>
-              </a:r>
-              <a:endParaRPr lang="en-US" sz="1271" dirty="0">
-                <a:solidFill>
-                  <a:schemeClr val="bg1"/>
-                </a:solidFill>
-              </a:endParaRPr>
-            </a:p>
-          </p:txBody>
-        </p:sp>
-        <p:pic>
-          <p:nvPicPr>
-            <p:cNvPr id="6" name="Graphic 5">
-              <a:extLst>
-                <a:ext uri="{FF2B5EF4-FFF2-40B4-BE49-F238E27FC236}">
-                  <a16:creationId xmlns:a16="http://schemas.microsoft.com/office/drawing/2014/main" id="{6A9D296E-0CCE-48F1-823A-7D93AB246642}"/>
-                </a:ext>
-              </a:extLst>
-            </p:cNvPr>
-            <p:cNvPicPr>
-              <a:picLocks noChangeAspect="1"/>
-            </p:cNvPicPr>
-            <p:nvPr/>
-          </p:nvPicPr>
-          <p:blipFill>
-            <a:blip r:embed="rId2">
-              <a:extLst>
-                <a:ext uri="{28A0092B-C50C-407E-A947-70E740481C1C}">
-                  <a14:useLocalDpi xmlns:a14="http://schemas.microsoft.com/office/drawing/2010/main" val="0"/>
-                </a:ext>
-                <a:ext uri="{96DAC541-7B7A-43D3-8B79-37D633B846F1}">
-                  <asvg:svgBlip xmlns:asvg="http://schemas.microsoft.com/office/drawing/2016/SVG/main" r:embed="rId3"/>
-                </a:ext>
-              </a:extLst>
-            </a:blip>
-            <a:stretch>
-              <a:fillRect/>
-            </a:stretch>
-          </p:blipFill>
-          <p:spPr>
-            <a:xfrm>
-              <a:off x="3719298" y="5902921"/>
-              <a:ext cx="171450" cy="171450"/>
-            </a:xfrm>
-            <a:prstGeom prst="rect">
-              <a:avLst/>
-            </a:prstGeom>
-          </p:spPr>
-        </p:pic>
-      </p:grpSp>
       <p:sp>
         <p:nvSpPr>
-          <p:cNvPr id="7" name="Rectangle 6">
-            <a:extLst>
-              <a:ext uri="{FF2B5EF4-FFF2-40B4-BE49-F238E27FC236}">
-                <a16:creationId xmlns:a16="http://schemas.microsoft.com/office/drawing/2014/main" id="{7A9BA3DB-953F-422E-BDC4-558551515229}"/>
+          <p:cNvPr id="5" name="Rectangle 4">
+            <a:extLst>
+              <a:ext uri="{FF2B5EF4-FFF2-40B4-BE49-F238E27FC236}">
+                <a16:creationId xmlns:a16="http://schemas.microsoft.com/office/drawing/2014/main" id="{D89AC213-CA1F-4CF9-898C-37708A53F4EB}"/>
               </a:ext>
             </a:extLst>
           </p:cNvPr>
@@ -6120,8 +5983,87 @@
         </p:nvSpPr>
         <p:spPr>
           <a:xfrm>
-            <a:off x="371456" y="2066953"/>
-            <a:ext cx="2401296" cy="1365713"/>
+            <a:off x="276991" y="1668631"/>
+            <a:ext cx="9025759" cy="3703469"/>
+          </a:xfrm>
+          <a:prstGeom prst="rect">
+            <a:avLst/>
+          </a:prstGeom>
+          <a:solidFill>
+            <a:schemeClr val="tx1">
+              <a:lumMod val="85000"/>
+              <a:lumOff val="15000"/>
+            </a:schemeClr>
+          </a:solidFill>
+          <a:ln w="6350">
+            <a:solidFill>
+              <a:schemeClr val="tx1">
+                <a:lumMod val="50000"/>
+                <a:lumOff val="50000"/>
+              </a:schemeClr>
+            </a:solidFill>
+          </a:ln>
+        </p:spPr>
+        <p:style>
+          <a:lnRef idx="2">
+            <a:schemeClr val="accent1">
+              <a:shade val="50000"/>
+            </a:schemeClr>
+          </a:lnRef>
+          <a:fillRef idx="1">
+            <a:schemeClr val="accent1"/>
+          </a:fillRef>
+          <a:effectRef idx="0">
+            <a:schemeClr val="accent1"/>
+          </a:effectRef>
+          <a:fontRef idx="minor">
+            <a:schemeClr val="lt1"/>
+          </a:fontRef>
+        </p:style>
+        <p:txBody>
+          <a:bodyPr rtlCol="0" anchor="t"/>
+          <a:lstStyle/>
+          <a:p>
+            <a:r>
+              <a:rPr lang="en-US" sz="1271" b="1" dirty="0">
+                <a:solidFill>
+                  <a:schemeClr val="bg1"/>
+                </a:solidFill>
+              </a:rPr>
+              <a:t>        </a:t>
+            </a:r>
+            <a:r>
+              <a:rPr lang="en-DE" sz="1271" b="1" dirty="0">
+                <a:solidFill>
+                  <a:schemeClr val="bg1"/>
+                </a:solidFill>
+              </a:rPr>
+              <a:t>Resource Group</a:t>
+            </a:r>
+            <a:endParaRPr lang="en-US" sz="1271" dirty="0">
+              <a:solidFill>
+                <a:schemeClr val="bg1"/>
+              </a:solidFill>
+            </a:endParaRPr>
+          </a:p>
+        </p:txBody>
+      </p:sp>
+      <p:sp>
+        <p:nvSpPr>
+          <p:cNvPr id="7" name="Rectangle 6">
+            <a:extLst>
+              <a:ext uri="{FF2B5EF4-FFF2-40B4-BE49-F238E27FC236}">
+                <a16:creationId xmlns:a16="http://schemas.microsoft.com/office/drawing/2014/main" id="{7A9BA3DB-953F-422E-BDC4-558551515229}"/>
+              </a:ext>
+            </a:extLst>
+          </p:cNvPr>
+          <p:cNvSpPr/>
+          <p:nvPr/>
+        </p:nvSpPr>
+        <p:spPr>
+          <a:xfrm>
+            <a:off x="371456" y="1997104"/>
+            <a:ext cx="5737520" cy="563181"/>
           </a:xfrm>
           <a:prstGeom prst="rect">
             <a:avLst/>
@@ -6155,7 +6097,7 @@
           </a:fontRef>
         </p:style>
         <p:txBody>
-          <a:bodyPr rtlCol="0" anchor="t"/>
+          <a:bodyPr rtlCol="0" anchor="ctr"/>
           <a:lstStyle/>
           <a:p>
             <a:r>
@@ -6183,8 +6125,8 @@
         </p:nvSpPr>
         <p:spPr>
           <a:xfrm>
-            <a:off x="531372" y="2480011"/>
-            <a:ext cx="2091836" cy="880963"/>
+            <a:off x="2399481" y="2024573"/>
+            <a:ext cx="3565554" cy="498696"/>
           </a:xfrm>
           <a:prstGeom prst="rect">
             <a:avLst/>
@@ -6218,7 +6160,7 @@
           </a:fontRef>
         </p:style>
         <p:txBody>
-          <a:bodyPr rtlCol="0" anchor="t"/>
+          <a:bodyPr rtlCol="0" anchor="ctr"/>
           <a:lstStyle/>
           <a:p>
             <a:r>
@@ -6279,7 +6221,7 @@
         </p:nvSpPr>
         <p:spPr>
           <a:xfrm>
-            <a:off x="739626" y="2846677"/>
+            <a:off x="4083547" y="2052159"/>
             <a:ext cx="1748645" cy="438276"/>
           </a:xfrm>
           <a:prstGeom prst="rect">
@@ -6372,85 +6314,6 @@
           </a:p>
         </p:txBody>
       </p:sp>
-      <p:sp>
-        <p:nvSpPr>
-          <p:cNvPr id="15" name="Rectangle 14">
-            <a:extLst>
-              <a:ext uri="{FF2B5EF4-FFF2-40B4-BE49-F238E27FC236}">
-                <a16:creationId xmlns:a16="http://schemas.microsoft.com/office/drawing/2014/main" id="{D44F7E60-0BF3-4793-A7E2-E64F8E35C531}"/>
-              </a:ext>
-            </a:extLst>
-          </p:cNvPr>
-          <p:cNvSpPr/>
-          <p:nvPr/>
-        </p:nvSpPr>
-        <p:spPr>
-          <a:xfrm>
-            <a:off x="3806229" y="2032468"/>
-            <a:ext cx="2147836" cy="438999"/>
-          </a:xfrm>
-          <a:prstGeom prst="rect">
-            <a:avLst/>
-          </a:prstGeom>
-          <a:solidFill>
-            <a:srgbClr val="006668"/>
-          </a:solidFill>
-          <a:ln w="6350">
-            <a:solidFill>
-              <a:schemeClr val="tx1">
-                <a:lumMod val="50000"/>
-                <a:lumOff val="50000"/>
-              </a:schemeClr>
-            </a:solidFill>
-          </a:ln>
-        </p:spPr>
-        <p:style>
-          <a:lnRef idx="2">
-            <a:schemeClr val="accent1">
-              <a:shade val="50000"/>
-            </a:schemeClr>
-          </a:lnRef>
-          <a:fillRef idx="1">
-            <a:schemeClr val="accent1"/>
-          </a:fillRef>
-          <a:effectRef idx="0">
-            <a:schemeClr val="accent1"/>
-          </a:effectRef>
-          <a:fontRef idx="minor">
-            <a:schemeClr val="lt1"/>
-          </a:fontRef>
-        </p:style>
-        <p:txBody>
-          <a:bodyPr rtlCol="0" anchor="ctr"/>
-          <a:lstStyle/>
-          <a:p>
-            <a:r>
-              <a:rPr lang="en-US" sz="1271">
-                <a:solidFill>
-                  <a:schemeClr val="bg1"/>
-                </a:solidFill>
-              </a:rPr>
-              <a:t>     </a:t>
-            </a:r>
-            <a:r>
-              <a:rPr lang="en-DE" sz="1271">
-                <a:solidFill>
-                  <a:schemeClr val="bg1"/>
-                </a:solidFill>
-              </a:rPr>
-              <a:t>   </a:t>
-            </a:r>
-            <a:r>
-              <a:rPr lang="en-US" sz="1271">
-                <a:solidFill>
-                  <a:schemeClr val="bg1"/>
-                </a:solidFill>
-              </a:rPr>
-              <a:t>Managed Service Identity</a:t>
-            </a:r>
-          </a:p>
-        </p:txBody>
-      </p:sp>
       <p:cxnSp>
         <p:nvCxnSpPr>
           <p:cNvPr id="17" name="Straight Arrow Connector 16">
@@ -6462,23 +6325,27 @@
           </p:cNvPr>
           <p:cNvCxnSpPr>
             <a:cxnSpLocks/>
-            <a:endCxn id="27" idx="0"/>
+            <a:stCxn id="15" idx="0"/>
+            <a:endCxn id="24" idx="2"/>
           </p:cNvCxnSpPr>
           <p:nvPr/>
         </p:nvCxnSpPr>
         <p:spPr>
-          <a:xfrm>
-            <a:off x="4880141" y="2471461"/>
-            <a:ext cx="0" cy="253876"/>
+          <a:xfrm rot="16200000" flipV="1">
+            <a:off x="7161082" y="2477365"/>
+            <a:ext cx="996654" cy="1025705"/>
           </a:xfrm>
-          <a:prstGeom prst="straightConnector1">
+          <a:prstGeom prst="bentConnector3">
             <a:avLst/>
           </a:prstGeom>
-          <a:ln w="47625">
+          <a:ln w="28575">
             <a:solidFill>
-              <a:srgbClr val="85DFFF"/>
+              <a:schemeClr val="tx2">
+                <a:lumMod val="60000"/>
+                <a:lumOff val="40000"/>
+              </a:schemeClr>
             </a:solidFill>
-            <a:prstDash val="sysDot"/>
+            <a:prstDash val="solid"/>
             <a:tailEnd type="triangle" w="med" len="sm"/>
           </a:ln>
         </p:spPr>
@@ -6497,34 +6364,86 @@
           </a:fontRef>
         </p:style>
       </p:cxnSp>
+      <p:pic>
+        <p:nvPicPr>
+          <p:cNvPr id="26" name="Graphic 25">
+            <a:extLst>
+              <a:ext uri="{FF2B5EF4-FFF2-40B4-BE49-F238E27FC236}">
+                <a16:creationId xmlns:a16="http://schemas.microsoft.com/office/drawing/2014/main" id="{F0998965-914F-4278-A537-9385B25B7EC8}"/>
+              </a:ext>
+            </a:extLst>
+          </p:cNvPr>
+          <p:cNvPicPr>
+            <a:picLocks noChangeAspect="1"/>
+          </p:cNvPicPr>
+          <p:nvPr/>
+        </p:nvPicPr>
+        <p:blipFill>
+          <a:blip r:embed="rId2">
+            <a:extLst>
+              <a:ext uri="{28A0092B-C50C-407E-A947-70E740481C1C}">
+                <a14:useLocalDpi xmlns:a14="http://schemas.microsoft.com/office/drawing/2010/main" val="0"/>
+              </a:ext>
+              <a:ext uri="{96DAC541-7B7A-43D3-8B79-37D633B846F1}">
+                <asvg:svgBlip xmlns:asvg="http://schemas.microsoft.com/office/drawing/2016/SVG/main" r:embed="rId3"/>
+              </a:ext>
+            </a:extLst>
+          </a:blip>
+          <a:stretch>
+            <a:fillRect/>
+          </a:stretch>
+        </p:blipFill>
+        <p:spPr>
+          <a:xfrm>
+            <a:off x="315091" y="1688388"/>
+            <a:ext cx="259381" cy="259381"/>
+          </a:xfrm>
+          <a:prstGeom prst="rect">
+            <a:avLst/>
+          </a:prstGeom>
+        </p:spPr>
+      </p:pic>
       <p:cxnSp>
         <p:nvCxnSpPr>
-          <p:cNvPr id="18" name="Straight Arrow Connector 16">
-            <a:extLst>
-              <a:ext uri="{FF2B5EF4-FFF2-40B4-BE49-F238E27FC236}">
-                <a16:creationId xmlns:a16="http://schemas.microsoft.com/office/drawing/2014/main" id="{6143981C-F6E4-48D5-9B9D-25A5669C0C76}"/>
+          <p:cNvPr id="28" name="Straight Arrow Connector 27">
+            <a:extLst>
+              <a:ext uri="{FF2B5EF4-FFF2-40B4-BE49-F238E27FC236}">
+                <a16:creationId xmlns:a16="http://schemas.microsoft.com/office/drawing/2014/main" id="{9B295CDC-D11D-4A95-B5D8-59FD165CF7C2}"/>
               </a:ext>
             </a:extLst>
           </p:cNvPr>
           <p:cNvCxnSpPr>
             <a:cxnSpLocks/>
-            <a:stCxn id="27" idx="1"/>
+            <a:stCxn id="24" idx="1"/>
+            <a:endCxn id="12" idx="3"/>
           </p:cNvCxnSpPr>
           <p:nvPr/>
         </p:nvCxnSpPr>
         <p:spPr>
-          <a:xfrm flipH="1">
-            <a:off x="2488271" y="3061207"/>
-            <a:ext cx="810467" cy="4607"/>
+          <a:xfrm flipH="1" flipV="1">
+            <a:off x="5832192" y="2271297"/>
+            <a:ext cx="458838" cy="1456"/>
           </a:xfrm>
           <a:prstGeom prst="straightConnector1">
             <a:avLst/>
           </a:prstGeom>
-          <a:ln w="47625">
-            <a:solidFill>
-              <a:srgbClr val="85DFFF"/>
-            </a:solidFill>
-            <a:prstDash val="sysDot"/>
+          <a:ln w="28575">
+            <a:gradFill flip="none" rotWithShape="1">
+              <a:gsLst>
+                <a:gs pos="100000">
+                  <a:schemeClr val="accent1">
+                    <a:lumMod val="5000"/>
+                    <a:lumOff val="95000"/>
+                  </a:schemeClr>
+                </a:gs>
+                <a:gs pos="40000">
+                  <a:schemeClr val="tx1"/>
+                </a:gs>
+              </a:gsLst>
+              <a:lin ang="10800000" scaled="1"/>
+              <a:tileRect/>
+            </a:gradFill>
+            <a:prstDash val="solid"/>
             <a:tailEnd type="triangle" w="med" len="sm"/>
           </a:ln>
         </p:spPr>
@@ -6543,12 +6462,129 @@
           </a:fontRef>
         </p:style>
       </p:cxnSp>
+      <p:pic>
+        <p:nvPicPr>
+          <p:cNvPr id="3" name="Graphic 2">
+            <a:extLst>
+              <a:ext uri="{FF2B5EF4-FFF2-40B4-BE49-F238E27FC236}">
+                <a16:creationId xmlns:a16="http://schemas.microsoft.com/office/drawing/2014/main" id="{927E4CD8-9A4B-4D61-82AB-5E0F68F90A01}"/>
+              </a:ext>
+            </a:extLst>
+          </p:cNvPr>
+          <p:cNvPicPr>
+            <a:picLocks noChangeAspect="1"/>
+          </p:cNvPicPr>
+          <p:nvPr/>
+        </p:nvPicPr>
+        <p:blipFill>
+          <a:blip r:embed="rId4">
+            <a:extLst>
+              <a:ext uri="{28A0092B-C50C-407E-A947-70E740481C1C}">
+                <a14:useLocalDpi xmlns:a14="http://schemas.microsoft.com/office/drawing/2010/main" val="0"/>
+              </a:ext>
+              <a:ext uri="{96DAC541-7B7A-43D3-8B79-37D633B846F1}">
+                <asvg:svgBlip xmlns:asvg="http://schemas.microsoft.com/office/drawing/2016/SVG/main" r:embed="rId5"/>
+              </a:ext>
+            </a:extLst>
+          </a:blip>
+          <a:stretch>
+            <a:fillRect/>
+          </a:stretch>
+        </p:blipFill>
+        <p:spPr>
+          <a:xfrm>
+            <a:off x="445803" y="2134306"/>
+            <a:ext cx="259200" cy="259200"/>
+          </a:xfrm>
+          <a:prstGeom prst="rect">
+            <a:avLst/>
+          </a:prstGeom>
+        </p:spPr>
+      </p:pic>
+      <p:pic>
+        <p:nvPicPr>
+          <p:cNvPr id="30" name="Graphic 29">
+            <a:extLst>
+              <a:ext uri="{FF2B5EF4-FFF2-40B4-BE49-F238E27FC236}">
+                <a16:creationId xmlns:a16="http://schemas.microsoft.com/office/drawing/2014/main" id="{C92A80E3-F34D-4C20-86FB-ABBA8B428B1F}"/>
+              </a:ext>
+            </a:extLst>
+          </p:cNvPr>
+          <p:cNvPicPr>
+            <a:picLocks noChangeAspect="1"/>
+          </p:cNvPicPr>
+          <p:nvPr/>
+        </p:nvPicPr>
+        <p:blipFill>
+          <a:blip r:embed="rId6">
+            <a:extLst>
+              <a:ext uri="{28A0092B-C50C-407E-A947-70E740481C1C}">
+                <a14:useLocalDpi xmlns:a14="http://schemas.microsoft.com/office/drawing/2010/main" val="0"/>
+              </a:ext>
+              <a:ext uri="{96DAC541-7B7A-43D3-8B79-37D633B846F1}">
+                <asvg:svgBlip xmlns:asvg="http://schemas.microsoft.com/office/drawing/2016/SVG/main" r:embed="rId7"/>
+              </a:ext>
+            </a:extLst>
+          </a:blip>
+          <a:stretch>
+            <a:fillRect/>
+          </a:stretch>
+        </p:blipFill>
+        <p:spPr>
+          <a:xfrm>
+            <a:off x="4196513" y="2125822"/>
+            <a:ext cx="259200" cy="259200"/>
+          </a:xfrm>
+          <a:prstGeom prst="rect">
+            <a:avLst/>
+          </a:prstGeom>
+        </p:spPr>
+      </p:pic>
+      <p:pic>
+        <p:nvPicPr>
+          <p:cNvPr id="32" name="Graphic 31">
+            <a:extLst>
+              <a:ext uri="{FF2B5EF4-FFF2-40B4-BE49-F238E27FC236}">
+                <a16:creationId xmlns:a16="http://schemas.microsoft.com/office/drawing/2014/main" id="{C6B2E2EE-3FE5-4F7B-826A-829E0649B33D}"/>
+              </a:ext>
+            </a:extLst>
+          </p:cNvPr>
+          <p:cNvPicPr>
+            <a:picLocks noChangeAspect="1"/>
+          </p:cNvPicPr>
+          <p:nvPr/>
+        </p:nvPicPr>
+        <p:blipFill>
+          <a:blip r:embed="rId8">
+            <a:extLst>
+              <a:ext uri="{28A0092B-C50C-407E-A947-70E740481C1C}">
+                <a14:useLocalDpi xmlns:a14="http://schemas.microsoft.com/office/drawing/2010/main" val="0"/>
+              </a:ext>
+              <a:ext uri="{96DAC541-7B7A-43D3-8B79-37D633B846F1}">
+                <asvg:svgBlip xmlns:asvg="http://schemas.microsoft.com/office/drawing/2016/SVG/main" r:embed="rId9"/>
+              </a:ext>
+            </a:extLst>
+          </a:blip>
+          <a:stretch>
+            <a:fillRect/>
+          </a:stretch>
+        </p:blipFill>
+        <p:spPr>
+          <a:xfrm>
+            <a:off x="2489336" y="2152977"/>
+            <a:ext cx="259200" cy="259200"/>
+          </a:xfrm>
+          <a:prstGeom prst="rect">
+            <a:avLst/>
+          </a:prstGeom>
+        </p:spPr>
+      </p:pic>
       <p:grpSp>
         <p:nvGrpSpPr>
-          <p:cNvPr id="19" name="Group 18">
-            <a:extLst>
-              <a:ext uri="{FF2B5EF4-FFF2-40B4-BE49-F238E27FC236}">
-                <a16:creationId xmlns:a16="http://schemas.microsoft.com/office/drawing/2014/main" id="{FC800EB9-B863-4DB4-ADC3-390D0D65B408}"/>
+          <p:cNvPr id="25" name="Group 24">
+            <a:extLst>
+              <a:ext uri="{FF2B5EF4-FFF2-40B4-BE49-F238E27FC236}">
+                <a16:creationId xmlns:a16="http://schemas.microsoft.com/office/drawing/2014/main" id="{3D2FB50D-E0B2-71E5-D7F5-0AB4DF038C05}"/>
               </a:ext>
             </a:extLst>
           </p:cNvPr>
@@ -6557,181 +6593,104 @@
         </p:nvGrpSpPr>
         <p:grpSpPr>
           <a:xfrm>
-            <a:off x="6902736" y="2500815"/>
-            <a:ext cx="3115618" cy="855163"/>
-            <a:chOff x="9654072" y="5375921"/>
-            <a:chExt cx="4418334" cy="1212727"/>
+            <a:off x="6139390" y="1247324"/>
+            <a:ext cx="2014329" cy="316359"/>
+            <a:chOff x="6755783" y="2494850"/>
+            <a:chExt cx="2014329" cy="316359"/>
           </a:xfrm>
         </p:grpSpPr>
-        <p:grpSp>
-          <p:nvGrpSpPr>
-            <p:cNvPr id="20" name="Group 19">
+        <p:sp>
+          <p:nvSpPr>
+            <p:cNvPr id="22" name="Rectangle 21">
               <a:extLst>
                 <a:ext uri="{FF2B5EF4-FFF2-40B4-BE49-F238E27FC236}">
-                  <a16:creationId xmlns:a16="http://schemas.microsoft.com/office/drawing/2014/main" id="{9846E845-243E-4034-A14A-19B914FEB02F}"/>
+                  <a16:creationId xmlns:a16="http://schemas.microsoft.com/office/drawing/2014/main" id="{3EEBCC4E-8B07-4808-AFFE-8ADC52BA108C}"/>
                 </a:ext>
               </a:extLst>
             </p:cNvPr>
-            <p:cNvGrpSpPr/>
+            <p:cNvSpPr/>
             <p:nvPr/>
-          </p:nvGrpSpPr>
-          <p:grpSpPr>
+          </p:nvSpPr>
+          <p:spPr>
             <a:xfrm>
-              <a:off x="9654072" y="5377176"/>
-              <a:ext cx="4418334" cy="1211472"/>
-              <a:chOff x="6247282" y="6341415"/>
-              <a:chExt cx="1834962" cy="503132"/>
+              <a:off x="6755783" y="2494850"/>
+              <a:ext cx="2014329" cy="316359"/>
             </a:xfrm>
+            <a:prstGeom prst="rect">
+              <a:avLst/>
+            </a:prstGeom>
             <a:solidFill>
-              <a:srgbClr val="495975"/>
+              <a:srgbClr val="262626"/>
             </a:solidFill>
-          </p:grpSpPr>
-          <p:sp>
-            <p:nvSpPr>
-              <p:cNvPr id="22" name="Rectangle 21">
-                <a:extLst>
-                  <a:ext uri="{FF2B5EF4-FFF2-40B4-BE49-F238E27FC236}">
-                    <a16:creationId xmlns:a16="http://schemas.microsoft.com/office/drawing/2014/main" id="{3EEBCC4E-8B07-4808-AFFE-8ADC52BA108C}"/>
-                  </a:ext>
-                </a:extLst>
-              </p:cNvPr>
-              <p:cNvSpPr/>
-              <p:nvPr/>
-            </p:nvSpPr>
-            <p:spPr>
-              <a:xfrm>
-                <a:off x="6247282" y="6341415"/>
-                <a:ext cx="1834962" cy="503132"/>
-              </a:xfrm>
-              <a:prstGeom prst="rect">
-                <a:avLst/>
-              </a:prstGeom>
-              <a:grpFill/>
-              <a:ln w="6350">
-                <a:solidFill>
-                  <a:schemeClr val="tx1">
-                    <a:lumMod val="50000"/>
-                    <a:lumOff val="50000"/>
-                  </a:schemeClr>
-                </a:solidFill>
-              </a:ln>
-            </p:spPr>
-            <p:style>
-              <a:lnRef idx="2">
-                <a:schemeClr val="accent1">
-                  <a:shade val="50000"/>
+            <a:ln w="6350">
+              <a:solidFill>
+                <a:schemeClr val="tx1">
+                  <a:lumMod val="50000"/>
+                  <a:lumOff val="50000"/>
                 </a:schemeClr>
-              </a:lnRef>
-              <a:fillRef idx="1">
-                <a:schemeClr val="accent1"/>
-              </a:fillRef>
-              <a:effectRef idx="0">
-                <a:schemeClr val="accent1"/>
-              </a:effectRef>
-              <a:fontRef idx="minor">
-                <a:schemeClr val="lt1"/>
-              </a:fontRef>
-            </p:style>
-            <p:txBody>
-              <a:bodyPr rtlCol="0" anchor="t"/>
-              <a:lstStyle/>
-              <a:p>
-                <a:r>
-                  <a:rPr lang="en-DE" sz="1271" b="1" dirty="0">
-                    <a:solidFill>
-                      <a:schemeClr val="bg1"/>
-                    </a:solidFill>
-                  </a:rPr>
-                  <a:t>        </a:t>
-                </a:r>
-                <a:r>
-                  <a:rPr lang="en-US" sz="900" b="1" dirty="0">
-                    <a:solidFill>
-                      <a:schemeClr val="bg1"/>
-                    </a:solidFill>
-                  </a:rPr>
-                  <a:t>Image Template </a:t>
-                </a:r>
-                <a:r>
-                  <a:rPr lang="en-DE" sz="900" b="1" dirty="0">
-                    <a:solidFill>
-                      <a:schemeClr val="bg1"/>
-                    </a:solidFill>
-                  </a:rPr>
-                  <a:t>Resource Group</a:t>
-                </a:r>
-                <a:endParaRPr lang="en-US" sz="900" b="1" dirty="0">
+              </a:solidFill>
+            </a:ln>
+          </p:spPr>
+          <p:style>
+            <a:lnRef idx="2">
+              <a:schemeClr val="accent1">
+                <a:shade val="50000"/>
+              </a:schemeClr>
+            </a:lnRef>
+            <a:fillRef idx="1">
+              <a:schemeClr val="accent1"/>
+            </a:fillRef>
+            <a:effectRef idx="0">
+              <a:schemeClr val="accent1"/>
+            </a:effectRef>
+            <a:fontRef idx="minor">
+              <a:schemeClr val="lt1"/>
+            </a:fontRef>
+          </p:style>
+          <p:txBody>
+            <a:bodyPr rtlCol="0" anchor="t"/>
+            <a:lstStyle/>
+            <a:p>
+              <a:r>
+                <a:rPr lang="en-DE" sz="1271" b="1" dirty="0">
                   <a:solidFill>
                     <a:schemeClr val="bg1"/>
                   </a:solidFill>
-                </a:endParaRPr>
-              </a:p>
-            </p:txBody>
-          </p:sp>
-          <p:sp>
-            <p:nvSpPr>
-              <p:cNvPr id="24" name="Rectangle 23">
-                <a:extLst>
-                  <a:ext uri="{FF2B5EF4-FFF2-40B4-BE49-F238E27FC236}">
-                    <a16:creationId xmlns:a16="http://schemas.microsoft.com/office/drawing/2014/main" id="{626D669F-E038-4F83-8C6E-48505FD222EC}"/>
-                  </a:ext>
-                </a:extLst>
-              </p:cNvPr>
-              <p:cNvSpPr/>
-              <p:nvPr/>
-            </p:nvSpPr>
-            <p:spPr>
-              <a:xfrm>
-                <a:off x="6338192" y="6541877"/>
-                <a:ext cx="1645779" cy="258125"/>
-              </a:xfrm>
-              <a:prstGeom prst="rect">
-                <a:avLst/>
-              </a:prstGeom>
-              <a:solidFill>
-                <a:srgbClr val="006668"/>
-              </a:solidFill>
-              <a:ln w="6350">
+                </a:rPr>
+                <a:t>        </a:t>
+              </a:r>
+              <a:r>
+                <a:rPr lang="en-US" sz="1271" b="1" i="1" dirty="0">
+                  <a:solidFill>
+                    <a:schemeClr val="bg1"/>
+                  </a:solidFill>
+                </a:rPr>
+                <a:t>Image</a:t>
+              </a:r>
+              <a:r>
+                <a:rPr lang="en-US" sz="1271" b="1" dirty="0">
+                  <a:solidFill>
+                    <a:schemeClr val="bg1"/>
+                  </a:solidFill>
+                </a:rPr>
+                <a:t> </a:t>
+              </a:r>
+              <a:r>
+                <a:rPr lang="en-DE" sz="1271" b="1" dirty="0">
+                  <a:solidFill>
+                    <a:schemeClr val="bg1"/>
+                  </a:solidFill>
+                </a:rPr>
+                <a:t>Resource Group</a:t>
+              </a:r>
+              <a:endParaRPr lang="en-US" sz="1271" b="1" dirty="0">
                 <a:solidFill>
-                  <a:schemeClr val="tx1">
-                    <a:lumMod val="50000"/>
-                    <a:lumOff val="50000"/>
-                  </a:schemeClr>
+                  <a:schemeClr val="bg1"/>
                 </a:solidFill>
-              </a:ln>
-            </p:spPr>
-            <p:style>
-              <a:lnRef idx="2">
-                <a:schemeClr val="accent1">
-                  <a:shade val="50000"/>
-                </a:schemeClr>
-              </a:lnRef>
-              <a:fillRef idx="1">
-                <a:schemeClr val="accent1"/>
-              </a:fillRef>
-              <a:effectRef idx="0">
-                <a:schemeClr val="accent1"/>
-              </a:effectRef>
-              <a:fontRef idx="minor">
-                <a:schemeClr val="lt1"/>
-              </a:fontRef>
-            </p:style>
-            <p:txBody>
-              <a:bodyPr rtlCol="0" anchor="ctr"/>
-              <a:lstStyle/>
-              <a:p>
-                <a:r>
-                  <a:rPr lang="en-US" sz="1271" dirty="0">
-                    <a:solidFill>
-                      <a:schemeClr val="bg1"/>
-                    </a:solidFill>
-                  </a:rPr>
-                  <a:t>         Image Template (hidden resource)</a:t>
-                </a:r>
-              </a:p>
-            </p:txBody>
-          </p:sp>
-        </p:grpSp>
+              </a:endParaRPr>
+            </a:p>
+          </p:txBody>
+        </p:sp>
         <p:pic>
           <p:nvPicPr>
             <p:cNvPr id="21" name="Graphic 20">
@@ -6747,13 +6706,13 @@
             <p:nvPr/>
           </p:nvPicPr>
           <p:blipFill>
-            <a:blip r:embed="rId4">
+            <a:blip r:embed="rId2">
               <a:extLst>
                 <a:ext uri="{28A0092B-C50C-407E-A947-70E740481C1C}">
                   <a14:useLocalDpi xmlns:a14="http://schemas.microsoft.com/office/drawing/2010/main" val="0"/>
                 </a:ext>
                 <a:ext uri="{96DAC541-7B7A-43D3-8B79-37D633B846F1}">
-                  <asvg:svgBlip xmlns:asvg="http://schemas.microsoft.com/office/drawing/2016/SVG/main" r:embed="rId5"/>
+                  <asvg:svgBlip xmlns:asvg="http://schemas.microsoft.com/office/drawing/2016/SVG/main" r:embed="rId3"/>
                 </a:ext>
               </a:extLst>
             </a:blip>
@@ -6763,8 +6722,8 @@
           </p:blipFill>
           <p:spPr>
             <a:xfrm>
-              <a:off x="9682645" y="5375921"/>
-              <a:ext cx="380649" cy="380649"/>
+              <a:off x="6798319" y="2514164"/>
+              <a:ext cx="289522" cy="268417"/>
             </a:xfrm>
             <a:prstGeom prst="rect">
               <a:avLst/>
@@ -6772,137 +6731,1125 @@
           </p:spPr>
         </p:pic>
       </p:grpSp>
-      <p:pic>
-        <p:nvPicPr>
-          <p:cNvPr id="26" name="Graphic 25">
-            <a:extLst>
-              <a:ext uri="{FF2B5EF4-FFF2-40B4-BE49-F238E27FC236}">
-                <a16:creationId xmlns:a16="http://schemas.microsoft.com/office/drawing/2014/main" id="{F0998965-914F-4278-A537-9385B25B7EC8}"/>
-              </a:ext>
-            </a:extLst>
-          </p:cNvPr>
-          <p:cNvPicPr>
-            <a:picLocks noChangeAspect="1"/>
-          </p:cNvPicPr>
+      <p:grpSp>
+        <p:nvGrpSpPr>
+          <p:cNvPr id="23" name="Group 22">
+            <a:extLst>
+              <a:ext uri="{FF2B5EF4-FFF2-40B4-BE49-F238E27FC236}">
+                <a16:creationId xmlns:a16="http://schemas.microsoft.com/office/drawing/2014/main" id="{08FD8A64-532C-741A-3B06-A669CC8CB7F1}"/>
+              </a:ext>
+            </a:extLst>
+          </p:cNvPr>
+          <p:cNvGrpSpPr/>
           <p:nvPr/>
-        </p:nvPicPr>
-        <p:blipFill>
-          <a:blip r:embed="rId4">
-            <a:extLst>
-              <a:ext uri="{28A0092B-C50C-407E-A947-70E740481C1C}">
-                <a14:useLocalDpi xmlns:a14="http://schemas.microsoft.com/office/drawing/2010/main" val="0"/>
-              </a:ext>
-              <a:ext uri="{96DAC541-7B7A-43D3-8B79-37D633B846F1}">
-                <asvg:svgBlip xmlns:asvg="http://schemas.microsoft.com/office/drawing/2016/SVG/main" r:embed="rId5"/>
-              </a:ext>
-            </a:extLst>
-          </a:blip>
-          <a:stretch>
-            <a:fillRect/>
-          </a:stretch>
-        </p:blipFill>
-        <p:spPr>
+        </p:nvGrpSpPr>
+        <p:grpSpPr>
           <a:xfrm>
-            <a:off x="289691" y="1688388"/>
-            <a:ext cx="259381" cy="259381"/>
+            <a:off x="6291030" y="2053615"/>
+            <a:ext cx="1711051" cy="438276"/>
+            <a:chOff x="7076430" y="3761274"/>
+            <a:chExt cx="1711051" cy="438276"/>
           </a:xfrm>
-          <a:prstGeom prst="rect">
-            <a:avLst/>
-          </a:prstGeom>
-        </p:spPr>
-      </p:pic>
-      <p:sp>
-        <p:nvSpPr>
-          <p:cNvPr id="27" name="Rectangle 26">
-            <a:extLst>
-              <a:ext uri="{FF2B5EF4-FFF2-40B4-BE49-F238E27FC236}">
-                <a16:creationId xmlns:a16="http://schemas.microsoft.com/office/drawing/2014/main" id="{6EFCCE6B-B60D-4D50-AD61-84DBDAE17717}"/>
-              </a:ext>
-            </a:extLst>
-          </p:cNvPr>
-          <p:cNvSpPr/>
+        </p:grpSpPr>
+        <p:sp>
+          <p:nvSpPr>
+            <p:cNvPr id="24" name="Rectangle 23">
+              <a:extLst>
+                <a:ext uri="{FF2B5EF4-FFF2-40B4-BE49-F238E27FC236}">
+                  <a16:creationId xmlns:a16="http://schemas.microsoft.com/office/drawing/2014/main" id="{626D669F-E038-4F83-8C6E-48505FD222EC}"/>
+                </a:ext>
+              </a:extLst>
+            </p:cNvPr>
+            <p:cNvSpPr/>
+            <p:nvPr/>
+          </p:nvSpPr>
+          <p:spPr>
+            <a:xfrm>
+              <a:off x="7076430" y="3761274"/>
+              <a:ext cx="1711051" cy="438276"/>
+            </a:xfrm>
+            <a:prstGeom prst="rect">
+              <a:avLst/>
+            </a:prstGeom>
+            <a:solidFill>
+              <a:srgbClr val="006668"/>
+            </a:solidFill>
+            <a:ln w="6350">
+              <a:solidFill>
+                <a:schemeClr val="tx1">
+                  <a:lumMod val="50000"/>
+                  <a:lumOff val="50000"/>
+                </a:schemeClr>
+              </a:solidFill>
+            </a:ln>
+          </p:spPr>
+          <p:style>
+            <a:lnRef idx="2">
+              <a:schemeClr val="accent1">
+                <a:shade val="50000"/>
+              </a:schemeClr>
+            </a:lnRef>
+            <a:fillRef idx="1">
+              <a:schemeClr val="accent1"/>
+            </a:fillRef>
+            <a:effectRef idx="0">
+              <a:schemeClr val="accent1"/>
+            </a:effectRef>
+            <a:fontRef idx="minor">
+              <a:schemeClr val="lt1"/>
+            </a:fontRef>
+          </p:style>
+          <p:txBody>
+            <a:bodyPr rtlCol="0" anchor="ctr"/>
+            <a:lstStyle/>
+            <a:p>
+              <a:r>
+                <a:rPr lang="en-US" sz="1271" dirty="0">
+                  <a:solidFill>
+                    <a:schemeClr val="bg1"/>
+                  </a:solidFill>
+                </a:rPr>
+                <a:t>         Image Template</a:t>
+              </a:r>
+            </a:p>
+          </p:txBody>
+        </p:sp>
+        <p:pic>
+          <p:nvPicPr>
+            <p:cNvPr id="34" name="Graphic 33">
+              <a:extLst>
+                <a:ext uri="{FF2B5EF4-FFF2-40B4-BE49-F238E27FC236}">
+                  <a16:creationId xmlns:a16="http://schemas.microsoft.com/office/drawing/2014/main" id="{26E8B24D-DEE4-413C-8396-938124EF667E}"/>
+                </a:ext>
+              </a:extLst>
+            </p:cNvPr>
+            <p:cNvPicPr>
+              <a:picLocks noChangeAspect="1"/>
+            </p:cNvPicPr>
+            <p:nvPr/>
+          </p:nvPicPr>
+          <p:blipFill>
+            <a:blip r:embed="rId10">
+              <a:extLst>
+                <a:ext uri="{28A0092B-C50C-407E-A947-70E740481C1C}">
+                  <a14:useLocalDpi xmlns:a14="http://schemas.microsoft.com/office/drawing/2010/main" val="0"/>
+                </a:ext>
+                <a:ext uri="{96DAC541-7B7A-43D3-8B79-37D633B846F1}">
+                  <asvg:svgBlip xmlns:asvg="http://schemas.microsoft.com/office/drawing/2016/SVG/main" r:embed="rId11"/>
+                </a:ext>
+              </a:extLst>
+            </a:blip>
+            <a:stretch>
+              <a:fillRect/>
+            </a:stretch>
+          </p:blipFill>
+          <p:spPr>
+            <a:xfrm>
+              <a:off x="7193270" y="3858109"/>
+              <a:ext cx="259200" cy="259200"/>
+            </a:xfrm>
+            <a:prstGeom prst="rect">
+              <a:avLst/>
+            </a:prstGeom>
+          </p:spPr>
+        </p:pic>
+      </p:grpSp>
+      <p:grpSp>
+        <p:nvGrpSpPr>
+          <p:cNvPr id="108" name="Group 107">
+            <a:extLst>
+              <a:ext uri="{FF2B5EF4-FFF2-40B4-BE49-F238E27FC236}">
+                <a16:creationId xmlns:a16="http://schemas.microsoft.com/office/drawing/2014/main" id="{B8A1DCA3-269D-3710-7FF9-76E956C561D4}"/>
+              </a:ext>
+            </a:extLst>
+          </p:cNvPr>
+          <p:cNvGrpSpPr/>
           <p:nvPr/>
-        </p:nvSpPr>
-        <p:spPr>
+        </p:nvGrpSpPr>
+        <p:grpSpPr>
           <a:xfrm>
-            <a:off x="3298738" y="2725345"/>
-            <a:ext cx="3162805" cy="671726"/>
+            <a:off x="7160980" y="3488545"/>
+            <a:ext cx="2022562" cy="438999"/>
+            <a:chOff x="3298738" y="2082102"/>
+            <a:chExt cx="2022562" cy="438999"/>
           </a:xfrm>
-          <a:prstGeom prst="rect">
-            <a:avLst/>
-          </a:prstGeom>
-          <a:solidFill>
-            <a:srgbClr val="006668"/>
-          </a:solidFill>
-          <a:ln>
+        </p:grpSpPr>
+        <p:sp>
+          <p:nvSpPr>
+            <p:cNvPr id="15" name="Rectangle 14">
+              <a:extLst>
+                <a:ext uri="{FF2B5EF4-FFF2-40B4-BE49-F238E27FC236}">
+                  <a16:creationId xmlns:a16="http://schemas.microsoft.com/office/drawing/2014/main" id="{D44F7E60-0BF3-4793-A7E2-E64F8E35C531}"/>
+                </a:ext>
+              </a:extLst>
+            </p:cNvPr>
+            <p:cNvSpPr/>
+            <p:nvPr/>
+          </p:nvSpPr>
+          <p:spPr>
+            <a:xfrm>
+              <a:off x="3298738" y="2082102"/>
+              <a:ext cx="2022562" cy="438999"/>
+            </a:xfrm>
+            <a:prstGeom prst="rect">
+              <a:avLst/>
+            </a:prstGeom>
             <a:solidFill>
-              <a:schemeClr val="tx1">
-                <a:lumMod val="95000"/>
-                <a:lumOff val="5000"/>
+              <a:schemeClr val="accent4">
+                <a:lumMod val="50000"/>
               </a:schemeClr>
             </a:solidFill>
-            <a:prstDash val="sysDash"/>
-          </a:ln>
-        </p:spPr>
-        <p:style>
-          <a:lnRef idx="2">
-            <a:schemeClr val="accent1">
-              <a:shade val="50000"/>
-            </a:schemeClr>
-          </a:lnRef>
-          <a:fillRef idx="1">
-            <a:schemeClr val="accent1"/>
-          </a:fillRef>
-          <a:effectRef idx="0">
-            <a:schemeClr val="accent1"/>
-          </a:effectRef>
-          <a:fontRef idx="minor">
-            <a:schemeClr val="lt1"/>
-          </a:fontRef>
-        </p:style>
-        <p:txBody>
-          <a:bodyPr rtlCol="0" anchor="ctr"/>
-          <a:lstStyle/>
-          <a:p>
-            <a:pPr algn="ctr"/>
-            <a:r>
-              <a:rPr lang="en-DE" sz="1692" i="1">
-                <a:solidFill>
-                  <a:schemeClr val="bg1"/>
-                </a:solidFill>
-              </a:rPr>
-              <a:t>Image Builder Service</a:t>
-            </a:r>
-          </a:p>
-        </p:txBody>
-      </p:sp>
+            <a:ln w="6350">
+              <a:solidFill>
+                <a:schemeClr val="tx1">
+                  <a:lumMod val="50000"/>
+                  <a:lumOff val="50000"/>
+                </a:schemeClr>
+              </a:solidFill>
+            </a:ln>
+          </p:spPr>
+          <p:style>
+            <a:lnRef idx="2">
+              <a:schemeClr val="accent1">
+                <a:shade val="50000"/>
+              </a:schemeClr>
+            </a:lnRef>
+            <a:fillRef idx="1">
+              <a:schemeClr val="accent1"/>
+            </a:fillRef>
+            <a:effectRef idx="0">
+              <a:schemeClr val="accent1"/>
+            </a:effectRef>
+            <a:fontRef idx="minor">
+              <a:schemeClr val="lt1"/>
+            </a:fontRef>
+          </p:style>
+          <p:txBody>
+            <a:bodyPr rtlCol="0" anchor="ctr"/>
+            <a:lstStyle/>
+            <a:p>
+              <a:r>
+                <a:rPr lang="en-US" sz="1271" dirty="0">
+                  <a:solidFill>
+                    <a:schemeClr val="bg1"/>
+                  </a:solidFill>
+                </a:rPr>
+                <a:t>     </a:t>
+              </a:r>
+              <a:r>
+                <a:rPr lang="en-DE" sz="1271" dirty="0">
+                  <a:solidFill>
+                    <a:schemeClr val="bg1"/>
+                  </a:solidFill>
+                </a:rPr>
+                <a:t>   </a:t>
+              </a:r>
+              <a:r>
+                <a:rPr lang="en-US" sz="1271" dirty="0">
+                  <a:solidFill>
+                    <a:schemeClr val="bg1"/>
+                  </a:solidFill>
+                </a:rPr>
+                <a:t> </a:t>
+              </a:r>
+              <a:r>
+                <a:rPr lang="en-US" sz="1271" i="1" dirty="0">
+                  <a:solidFill>
+                    <a:schemeClr val="bg1"/>
+                  </a:solidFill>
+                </a:rPr>
+                <a:t>Image</a:t>
+              </a:r>
+            </a:p>
+            <a:p>
+              <a:r>
+                <a:rPr lang="en-US" sz="1271" dirty="0">
+                  <a:solidFill>
+                    <a:schemeClr val="bg1"/>
+                  </a:solidFill>
+                </a:rPr>
+                <a:t>         User-Assigned Identity</a:t>
+              </a:r>
+            </a:p>
+          </p:txBody>
+        </p:sp>
+        <p:pic>
+          <p:nvPicPr>
+            <p:cNvPr id="36" name="Graphic 35">
+              <a:extLst>
+                <a:ext uri="{FF2B5EF4-FFF2-40B4-BE49-F238E27FC236}">
+                  <a16:creationId xmlns:a16="http://schemas.microsoft.com/office/drawing/2014/main" id="{1A9AAA2A-C0EE-4BAB-9EE3-9C5D77675DD4}"/>
+                </a:ext>
+              </a:extLst>
+            </p:cNvPr>
+            <p:cNvPicPr>
+              <a:picLocks noChangeAspect="1"/>
+            </p:cNvPicPr>
+            <p:nvPr/>
+          </p:nvPicPr>
+          <p:blipFill>
+            <a:blip r:embed="rId12">
+              <a:extLst>
+                <a:ext uri="{28A0092B-C50C-407E-A947-70E740481C1C}">
+                  <a14:useLocalDpi xmlns:a14="http://schemas.microsoft.com/office/drawing/2010/main" val="0"/>
+                </a:ext>
+                <a:ext uri="{96DAC541-7B7A-43D3-8B79-37D633B846F1}">
+                  <asvg:svgBlip xmlns:asvg="http://schemas.microsoft.com/office/drawing/2016/SVG/main" r:embed="rId13"/>
+                </a:ext>
+              </a:extLst>
+            </a:blip>
+            <a:stretch>
+              <a:fillRect/>
+            </a:stretch>
+          </p:blipFill>
+          <p:spPr>
+            <a:xfrm>
+              <a:off x="3410213" y="2172001"/>
+              <a:ext cx="259200" cy="259200"/>
+            </a:xfrm>
+            <a:prstGeom prst="rect">
+              <a:avLst/>
+            </a:prstGeom>
+          </p:spPr>
+        </p:pic>
+      </p:grpSp>
       <p:cxnSp>
         <p:nvCxnSpPr>
-          <p:cNvPr id="28" name="Straight Arrow Connector 27">
-            <a:extLst>
-              <a:ext uri="{FF2B5EF4-FFF2-40B4-BE49-F238E27FC236}">
-                <a16:creationId xmlns:a16="http://schemas.microsoft.com/office/drawing/2014/main" id="{9B295CDC-D11D-4A95-B5D8-59FD165CF7C2}"/>
+          <p:cNvPr id="13" name="Straight Arrow Connector 12">
+            <a:extLst>
+              <a:ext uri="{FF2B5EF4-FFF2-40B4-BE49-F238E27FC236}">
+                <a16:creationId xmlns:a16="http://schemas.microsoft.com/office/drawing/2014/main" id="{78518DE0-FE47-8D71-E77F-DF2EBDEE4E17}"/>
               </a:ext>
             </a:extLst>
           </p:cNvPr>
           <p:cNvCxnSpPr>
             <a:cxnSpLocks/>
-            <a:stCxn id="24" idx="1"/>
-            <a:endCxn id="27" idx="3"/>
+            <a:stCxn id="44" idx="0"/>
+            <a:endCxn id="24" idx="2"/>
           </p:cNvCxnSpPr>
           <p:nvPr/>
         </p:nvCxnSpPr>
         <p:spPr>
-          <a:xfrm flipH="1">
-            <a:off x="6461543" y="3061206"/>
-            <a:ext cx="595551" cy="2"/>
+          <a:xfrm rot="5400000" flipH="1" flipV="1">
+            <a:off x="4867551" y="1209541"/>
+            <a:ext cx="996655" cy="3561356"/>
           </a:xfrm>
-          <a:prstGeom prst="straightConnector1">
+          <a:prstGeom prst="bentConnector3">
             <a:avLst/>
           </a:prstGeom>
-          <a:ln w="47625">
+          <a:ln w="28575">
             <a:solidFill>
-              <a:srgbClr val="85DFFF"/>
+              <a:schemeClr val="tx2">
+                <a:lumMod val="60000"/>
+                <a:lumOff val="40000"/>
+              </a:schemeClr>
+            </a:solidFill>
+            <a:prstDash val="solid"/>
+            <a:tailEnd type="triangle" w="med" len="sm"/>
+          </a:ln>
+        </p:spPr>
+        <p:style>
+          <a:lnRef idx="1">
+            <a:schemeClr val="accent1"/>
+          </a:lnRef>
+          <a:fillRef idx="0">
+            <a:schemeClr val="accent1"/>
+          </a:fillRef>
+          <a:effectRef idx="0">
+            <a:schemeClr val="accent1"/>
+          </a:effectRef>
+          <a:fontRef idx="minor">
+            <a:schemeClr val="tx1"/>
+          </a:fontRef>
+        </p:style>
+      </p:cxnSp>
+      <p:grpSp>
+        <p:nvGrpSpPr>
+          <p:cNvPr id="129" name="Group 128">
+            <a:extLst>
+              <a:ext uri="{FF2B5EF4-FFF2-40B4-BE49-F238E27FC236}">
+                <a16:creationId xmlns:a16="http://schemas.microsoft.com/office/drawing/2014/main" id="{B7F976B8-31B3-D2E2-9800-301CFFEE5D82}"/>
+              </a:ext>
+            </a:extLst>
+          </p:cNvPr>
+          <p:cNvGrpSpPr/>
+          <p:nvPr/>
+        </p:nvGrpSpPr>
+        <p:grpSpPr>
+          <a:xfrm>
+            <a:off x="7169212" y="4155913"/>
+            <a:ext cx="2014330" cy="438999"/>
+            <a:chOff x="5792261" y="5264109"/>
+            <a:chExt cx="2014330" cy="438999"/>
+          </a:xfrm>
+        </p:grpSpPr>
+        <p:sp>
+          <p:nvSpPr>
+            <p:cNvPr id="11" name="Rectangle 10">
+              <a:extLst>
+                <a:ext uri="{FF2B5EF4-FFF2-40B4-BE49-F238E27FC236}">
+                  <a16:creationId xmlns:a16="http://schemas.microsoft.com/office/drawing/2014/main" id="{6D4FA483-5A28-9900-FC87-10A226457322}"/>
+                </a:ext>
+              </a:extLst>
+            </p:cNvPr>
+            <p:cNvSpPr/>
+            <p:nvPr/>
+          </p:nvSpPr>
+          <p:spPr>
+            <a:xfrm>
+              <a:off x="5792261" y="5264109"/>
+              <a:ext cx="2014330" cy="438999"/>
+            </a:xfrm>
+            <a:prstGeom prst="rect">
+              <a:avLst/>
+            </a:prstGeom>
+            <a:solidFill>
+              <a:schemeClr val="accent4">
+                <a:lumMod val="50000"/>
+              </a:schemeClr>
+            </a:solidFill>
+            <a:ln w="6350">
+              <a:solidFill>
+                <a:schemeClr val="tx1">
+                  <a:lumMod val="50000"/>
+                  <a:lumOff val="50000"/>
+                </a:schemeClr>
+              </a:solidFill>
+            </a:ln>
+          </p:spPr>
+          <p:style>
+            <a:lnRef idx="2">
+              <a:schemeClr val="accent1">
+                <a:shade val="50000"/>
+              </a:schemeClr>
+            </a:lnRef>
+            <a:fillRef idx="1">
+              <a:schemeClr val="accent1"/>
+            </a:fillRef>
+            <a:effectRef idx="0">
+              <a:schemeClr val="accent1"/>
+            </a:effectRef>
+            <a:fontRef idx="minor">
+              <a:schemeClr val="lt1"/>
+            </a:fontRef>
+          </p:style>
+          <p:txBody>
+            <a:bodyPr rtlCol="0" anchor="ctr"/>
+            <a:lstStyle/>
+            <a:p>
+              <a:r>
+                <a:rPr lang="en-US" sz="1271" i="1" dirty="0">
+                  <a:solidFill>
+                    <a:schemeClr val="bg1"/>
+                  </a:solidFill>
+                </a:rPr>
+                <a:t>     </a:t>
+              </a:r>
+              <a:r>
+                <a:rPr lang="en-DE" sz="1271" i="1" dirty="0">
+                  <a:solidFill>
+                    <a:schemeClr val="bg1"/>
+                  </a:solidFill>
+                </a:rPr>
+                <a:t> </a:t>
+              </a:r>
+              <a:r>
+                <a:rPr lang="en-US" sz="1271" i="1" dirty="0">
+                  <a:solidFill>
+                    <a:schemeClr val="bg1"/>
+                  </a:solidFill>
+                </a:rPr>
+                <a:t> </a:t>
+              </a:r>
+              <a:r>
+                <a:rPr lang="en-DE" sz="1271" i="1" dirty="0">
+                  <a:solidFill>
+                    <a:schemeClr val="bg1"/>
+                  </a:solidFill>
+                </a:rPr>
+                <a:t> </a:t>
+              </a:r>
+              <a:r>
+                <a:rPr lang="en-US" sz="1271" i="1" dirty="0">
+                  <a:solidFill>
+                    <a:schemeClr val="bg1"/>
+                  </a:solidFill>
+                </a:rPr>
+                <a:t>Deployment Script </a:t>
+              </a:r>
+            </a:p>
+            <a:p>
+              <a:r>
+                <a:rPr lang="en-US" sz="1271" dirty="0">
+                  <a:solidFill>
+                    <a:schemeClr val="bg1"/>
+                  </a:solidFill>
+                </a:rPr>
+                <a:t>        User-Assigned Identity</a:t>
+              </a:r>
+            </a:p>
+          </p:txBody>
+        </p:sp>
+        <p:pic>
+          <p:nvPicPr>
+            <p:cNvPr id="14" name="Graphic 13">
+              <a:extLst>
+                <a:ext uri="{FF2B5EF4-FFF2-40B4-BE49-F238E27FC236}">
+                  <a16:creationId xmlns:a16="http://schemas.microsoft.com/office/drawing/2014/main" id="{CDC24291-42C3-7EC3-F022-C522D31A09EF}"/>
+                </a:ext>
+              </a:extLst>
+            </p:cNvPr>
+            <p:cNvPicPr>
+              <a:picLocks noChangeAspect="1"/>
+            </p:cNvPicPr>
+            <p:nvPr/>
+          </p:nvPicPr>
+          <p:blipFill>
+            <a:blip r:embed="rId12">
+              <a:extLst>
+                <a:ext uri="{28A0092B-C50C-407E-A947-70E740481C1C}">
+                  <a14:useLocalDpi xmlns:a14="http://schemas.microsoft.com/office/drawing/2010/main" val="0"/>
+                </a:ext>
+                <a:ext uri="{96DAC541-7B7A-43D3-8B79-37D633B846F1}">
+                  <asvg:svgBlip xmlns:asvg="http://schemas.microsoft.com/office/drawing/2016/SVG/main" r:embed="rId13"/>
+                </a:ext>
+              </a:extLst>
+            </a:blip>
+            <a:stretch>
+              <a:fillRect/>
+            </a:stretch>
+          </p:blipFill>
+          <p:spPr>
+            <a:xfrm>
+              <a:off x="5865759" y="5348663"/>
+              <a:ext cx="259200" cy="259200"/>
+            </a:xfrm>
+            <a:prstGeom prst="rect">
+              <a:avLst/>
+            </a:prstGeom>
+          </p:spPr>
+        </p:pic>
+      </p:grpSp>
+      <p:cxnSp>
+        <p:nvCxnSpPr>
+          <p:cNvPr id="38" name="Straight Arrow Connector 37">
+            <a:extLst>
+              <a:ext uri="{FF2B5EF4-FFF2-40B4-BE49-F238E27FC236}">
+                <a16:creationId xmlns:a16="http://schemas.microsoft.com/office/drawing/2014/main" id="{77121884-5E13-2096-A27A-2ABDFBBFA096}"/>
+              </a:ext>
+            </a:extLst>
+          </p:cNvPr>
+          <p:cNvCxnSpPr>
+            <a:cxnSpLocks/>
+            <a:stCxn id="88" idx="0"/>
+            <a:endCxn id="24" idx="2"/>
+          </p:cNvCxnSpPr>
+          <p:nvPr/>
+        </p:nvCxnSpPr>
+        <p:spPr>
+          <a:xfrm rot="5400000" flipH="1" flipV="1">
+            <a:off x="5977049" y="2301836"/>
+            <a:ext cx="979451" cy="1359563"/>
+          </a:xfrm>
+          <a:prstGeom prst="bentConnector3">
+            <a:avLst/>
+          </a:prstGeom>
+          <a:ln w="28575">
+            <a:solidFill>
+              <a:schemeClr val="tx2">
+                <a:lumMod val="60000"/>
+                <a:lumOff val="40000"/>
+              </a:schemeClr>
+            </a:solidFill>
+            <a:prstDash val="solid"/>
+            <a:tailEnd type="triangle" w="med" len="sm"/>
+          </a:ln>
+        </p:spPr>
+        <p:style>
+          <a:lnRef idx="1">
+            <a:schemeClr val="accent1"/>
+          </a:lnRef>
+          <a:fillRef idx="0">
+            <a:schemeClr val="accent1"/>
+          </a:fillRef>
+          <a:effectRef idx="0">
+            <a:schemeClr val="accent1"/>
+          </a:effectRef>
+          <a:fontRef idx="minor">
+            <a:schemeClr val="tx1"/>
+          </a:fontRef>
+        </p:style>
+      </p:cxnSp>
+      <p:grpSp>
+        <p:nvGrpSpPr>
+          <p:cNvPr id="60" name="Group 59">
+            <a:extLst>
+              <a:ext uri="{FF2B5EF4-FFF2-40B4-BE49-F238E27FC236}">
+                <a16:creationId xmlns:a16="http://schemas.microsoft.com/office/drawing/2014/main" id="{2E181296-43D6-B031-F066-A5726B6106D0}"/>
+              </a:ext>
+            </a:extLst>
+          </p:cNvPr>
+          <p:cNvGrpSpPr/>
+          <p:nvPr/>
+        </p:nvGrpSpPr>
+        <p:grpSpPr>
+          <a:xfrm>
+            <a:off x="2577200" y="3488546"/>
+            <a:ext cx="2016000" cy="438999"/>
+            <a:chOff x="3872306" y="3672500"/>
+            <a:chExt cx="2016000" cy="438999"/>
+          </a:xfrm>
+        </p:grpSpPr>
+        <p:sp>
+          <p:nvSpPr>
+            <p:cNvPr id="44" name="Rectangle 43">
+              <a:extLst>
+                <a:ext uri="{FF2B5EF4-FFF2-40B4-BE49-F238E27FC236}">
+                  <a16:creationId xmlns:a16="http://schemas.microsoft.com/office/drawing/2014/main" id="{1E00316B-A37D-D1B2-E9D9-F5B95DBBC723}"/>
+                </a:ext>
+              </a:extLst>
+            </p:cNvPr>
+            <p:cNvSpPr/>
+            <p:nvPr/>
+          </p:nvSpPr>
+          <p:spPr>
+            <a:xfrm>
+              <a:off x="3872306" y="3672500"/>
+              <a:ext cx="2016000" cy="438999"/>
+            </a:xfrm>
+            <a:prstGeom prst="rect">
+              <a:avLst/>
+            </a:prstGeom>
+            <a:solidFill>
+              <a:schemeClr val="accent1">
+                <a:lumMod val="75000"/>
+              </a:schemeClr>
+            </a:solidFill>
+            <a:ln w="6350">
+              <a:solidFill>
+                <a:schemeClr val="tx1">
+                  <a:lumMod val="50000"/>
+                  <a:lumOff val="50000"/>
+                </a:schemeClr>
+              </a:solidFill>
+            </a:ln>
+          </p:spPr>
+          <p:style>
+            <a:lnRef idx="2">
+              <a:schemeClr val="accent1">
+                <a:shade val="50000"/>
+              </a:schemeClr>
+            </a:lnRef>
+            <a:fillRef idx="1">
+              <a:schemeClr val="accent1"/>
+            </a:fillRef>
+            <a:effectRef idx="0">
+              <a:schemeClr val="accent1"/>
+            </a:effectRef>
+            <a:fontRef idx="minor">
+              <a:schemeClr val="lt1"/>
+            </a:fontRef>
+          </p:style>
+          <p:txBody>
+            <a:bodyPr rtlCol="0" anchor="ctr"/>
+            <a:lstStyle/>
+            <a:p>
+              <a:r>
+                <a:rPr lang="en-US" sz="1271" i="1" dirty="0">
+                  <a:solidFill>
+                    <a:schemeClr val="bg1"/>
+                  </a:solidFill>
+                </a:rPr>
+                <a:t>     </a:t>
+              </a:r>
+              <a:r>
+                <a:rPr lang="en-DE" sz="1271" i="1" dirty="0">
+                  <a:solidFill>
+                    <a:schemeClr val="bg1"/>
+                  </a:solidFill>
+                </a:rPr>
+                <a:t> </a:t>
+              </a:r>
+              <a:r>
+                <a:rPr lang="en-US" sz="1271" i="1" dirty="0">
+                  <a:solidFill>
+                    <a:schemeClr val="bg1"/>
+                  </a:solidFill>
+                </a:rPr>
+                <a:t> </a:t>
+              </a:r>
+              <a:r>
+                <a:rPr lang="en-DE" sz="1271" i="1" dirty="0">
+                  <a:solidFill>
+                    <a:schemeClr val="bg1"/>
+                  </a:solidFill>
+                </a:rPr>
+                <a:t> </a:t>
+              </a:r>
+              <a:r>
+                <a:rPr lang="en-US" sz="1271" i="1" dirty="0">
+                  <a:solidFill>
+                    <a:schemeClr val="bg1"/>
+                  </a:solidFill>
+                </a:rPr>
+                <a:t>Assets </a:t>
+              </a:r>
+            </a:p>
+            <a:p>
+              <a:r>
+                <a:rPr lang="en-US" sz="1271" dirty="0">
+                  <a:solidFill>
+                    <a:schemeClr val="bg1"/>
+                  </a:solidFill>
+                </a:rPr>
+                <a:t>        Storage Account</a:t>
+              </a:r>
+            </a:p>
+          </p:txBody>
+        </p:sp>
+        <p:pic>
+          <p:nvPicPr>
+            <p:cNvPr id="55" name="Graphic 54">
+              <a:extLst>
+                <a:ext uri="{FF2B5EF4-FFF2-40B4-BE49-F238E27FC236}">
+                  <a16:creationId xmlns:a16="http://schemas.microsoft.com/office/drawing/2014/main" id="{B281A63A-54C4-1361-C885-2ECCB7C87AAC}"/>
+                </a:ext>
+              </a:extLst>
+            </p:cNvPr>
+            <p:cNvPicPr>
+              <a:picLocks noChangeAspect="1"/>
+            </p:cNvPicPr>
+            <p:nvPr/>
+          </p:nvPicPr>
+          <p:blipFill>
+            <a:blip r:embed="rId14">
+              <a:extLst>
+                <a:ext uri="{28A0092B-C50C-407E-A947-70E740481C1C}">
+                  <a14:useLocalDpi xmlns:a14="http://schemas.microsoft.com/office/drawing/2010/main" val="0"/>
+                </a:ext>
+                <a:ext uri="{96DAC541-7B7A-43D3-8B79-37D633B846F1}">
+                  <asvg:svgBlip xmlns:asvg="http://schemas.microsoft.com/office/drawing/2016/SVG/main" r:embed="rId15"/>
+                </a:ext>
+              </a:extLst>
+            </a:blip>
+            <a:stretch>
+              <a:fillRect/>
+            </a:stretch>
+          </p:blipFill>
+          <p:spPr>
+            <a:xfrm>
+              <a:off x="3947869" y="3767610"/>
+              <a:ext cx="259200" cy="259200"/>
+            </a:xfrm>
+            <a:prstGeom prst="rect">
+              <a:avLst/>
+            </a:prstGeom>
+          </p:spPr>
+        </p:pic>
+      </p:grpSp>
+      <p:grpSp>
+        <p:nvGrpSpPr>
+          <p:cNvPr id="58" name="Group 57">
+            <a:extLst>
+              <a:ext uri="{FF2B5EF4-FFF2-40B4-BE49-F238E27FC236}">
+                <a16:creationId xmlns:a16="http://schemas.microsoft.com/office/drawing/2014/main" id="{1B7CF07F-4BAA-DBE8-2B04-934224555DAB}"/>
+              </a:ext>
+            </a:extLst>
+          </p:cNvPr>
+          <p:cNvGrpSpPr/>
+          <p:nvPr/>
+        </p:nvGrpSpPr>
+        <p:grpSpPr>
+          <a:xfrm>
+            <a:off x="2577200" y="4837178"/>
+            <a:ext cx="2016000" cy="438999"/>
+            <a:chOff x="441386" y="5034221"/>
+            <a:chExt cx="2016000" cy="438999"/>
+          </a:xfrm>
+        </p:grpSpPr>
+        <p:sp>
+          <p:nvSpPr>
+            <p:cNvPr id="56" name="Rectangle 55">
+              <a:extLst>
+                <a:ext uri="{FF2B5EF4-FFF2-40B4-BE49-F238E27FC236}">
+                  <a16:creationId xmlns:a16="http://schemas.microsoft.com/office/drawing/2014/main" id="{5208EDF9-1843-1A42-19E2-EA1FD47E5D0E}"/>
+                </a:ext>
+              </a:extLst>
+            </p:cNvPr>
+            <p:cNvSpPr/>
+            <p:nvPr/>
+          </p:nvSpPr>
+          <p:spPr>
+            <a:xfrm>
+              <a:off x="441386" y="5034221"/>
+              <a:ext cx="2016000" cy="438999"/>
+            </a:xfrm>
+            <a:prstGeom prst="rect">
+              <a:avLst/>
+            </a:prstGeom>
+            <a:solidFill>
+              <a:schemeClr val="accent1">
+                <a:lumMod val="75000"/>
+              </a:schemeClr>
+            </a:solidFill>
+            <a:ln w="6350">
+              <a:solidFill>
+                <a:schemeClr val="tx1">
+                  <a:lumMod val="50000"/>
+                  <a:lumOff val="50000"/>
+                </a:schemeClr>
+              </a:solidFill>
+            </a:ln>
+          </p:spPr>
+          <p:style>
+            <a:lnRef idx="2">
+              <a:schemeClr val="accent1">
+                <a:shade val="50000"/>
+              </a:schemeClr>
+            </a:lnRef>
+            <a:fillRef idx="1">
+              <a:schemeClr val="accent1"/>
+            </a:fillRef>
+            <a:effectRef idx="0">
+              <a:schemeClr val="accent1"/>
+            </a:effectRef>
+            <a:fontRef idx="minor">
+              <a:schemeClr val="lt1"/>
+            </a:fontRef>
+          </p:style>
+          <p:txBody>
+            <a:bodyPr rtlCol="0" anchor="ctr"/>
+            <a:lstStyle/>
+            <a:p>
+              <a:r>
+                <a:rPr lang="en-US" sz="1271" i="1" dirty="0">
+                  <a:solidFill>
+                    <a:schemeClr val="bg1"/>
+                  </a:solidFill>
+                </a:rPr>
+                <a:t>     </a:t>
+              </a:r>
+              <a:r>
+                <a:rPr lang="en-DE" sz="1271" i="1" dirty="0">
+                  <a:solidFill>
+                    <a:schemeClr val="bg1"/>
+                  </a:solidFill>
+                </a:rPr>
+                <a:t> </a:t>
+              </a:r>
+              <a:r>
+                <a:rPr lang="en-US" sz="1271" i="1" dirty="0">
+                  <a:solidFill>
+                    <a:schemeClr val="bg1"/>
+                  </a:solidFill>
+                </a:rPr>
+                <a:t> </a:t>
+              </a:r>
+              <a:r>
+                <a:rPr lang="en-DE" sz="1271" i="1" dirty="0">
+                  <a:solidFill>
+                    <a:schemeClr val="bg1"/>
+                  </a:solidFill>
+                </a:rPr>
+                <a:t> </a:t>
+              </a:r>
+              <a:r>
+                <a:rPr lang="en-US" sz="1271" i="1" dirty="0">
+                  <a:solidFill>
+                    <a:schemeClr val="bg1"/>
+                  </a:solidFill>
+                </a:rPr>
+                <a:t>Deployment Script </a:t>
+              </a:r>
+            </a:p>
+            <a:p>
+              <a:r>
+                <a:rPr lang="en-US" sz="1271" dirty="0">
+                  <a:solidFill>
+                    <a:schemeClr val="bg1"/>
+                  </a:solidFill>
+                </a:rPr>
+                <a:t>        Storage Account</a:t>
+              </a:r>
+            </a:p>
+          </p:txBody>
+        </p:sp>
+        <p:pic>
+          <p:nvPicPr>
+            <p:cNvPr id="57" name="Graphic 56">
+              <a:extLst>
+                <a:ext uri="{FF2B5EF4-FFF2-40B4-BE49-F238E27FC236}">
+                  <a16:creationId xmlns:a16="http://schemas.microsoft.com/office/drawing/2014/main" id="{D95C2FED-0DB7-F55A-BBB4-32AFFDBFBE55}"/>
+                </a:ext>
+              </a:extLst>
+            </p:cNvPr>
+            <p:cNvPicPr>
+              <a:picLocks noChangeAspect="1"/>
+            </p:cNvPicPr>
+            <p:nvPr/>
+          </p:nvPicPr>
+          <p:blipFill>
+            <a:blip r:embed="rId14">
+              <a:extLst>
+                <a:ext uri="{28A0092B-C50C-407E-A947-70E740481C1C}">
+                  <a14:useLocalDpi xmlns:a14="http://schemas.microsoft.com/office/drawing/2010/main" val="0"/>
+                </a:ext>
+                <a:ext uri="{96DAC541-7B7A-43D3-8B79-37D633B846F1}">
+                  <asvg:svgBlip xmlns:asvg="http://schemas.microsoft.com/office/drawing/2016/SVG/main" r:embed="rId15"/>
+                </a:ext>
+              </a:extLst>
+            </a:blip>
+            <a:stretch>
+              <a:fillRect/>
+            </a:stretch>
+          </p:blipFill>
+          <p:spPr>
+            <a:xfrm>
+              <a:off x="520298" y="5137108"/>
+              <a:ext cx="259200" cy="259200"/>
+            </a:xfrm>
+            <a:prstGeom prst="rect">
+              <a:avLst/>
+            </a:prstGeom>
+          </p:spPr>
+        </p:pic>
+      </p:grpSp>
+      <p:grpSp>
+        <p:nvGrpSpPr>
+          <p:cNvPr id="66" name="Group 65">
+            <a:extLst>
+              <a:ext uri="{FF2B5EF4-FFF2-40B4-BE49-F238E27FC236}">
+                <a16:creationId xmlns:a16="http://schemas.microsoft.com/office/drawing/2014/main" id="{5A0CDFAA-E5D6-B9D1-3915-455759929065}"/>
+              </a:ext>
+            </a:extLst>
+          </p:cNvPr>
+          <p:cNvGrpSpPr/>
+          <p:nvPr/>
+        </p:nvGrpSpPr>
+        <p:grpSpPr>
+          <a:xfrm>
+            <a:off x="440763" y="3471343"/>
+            <a:ext cx="1731848" cy="438999"/>
+            <a:chOff x="2294614" y="3677118"/>
+            <a:chExt cx="1731848" cy="438999"/>
+          </a:xfrm>
+        </p:grpSpPr>
+        <p:sp>
+          <p:nvSpPr>
+            <p:cNvPr id="62" name="Rectangle 61">
+              <a:extLst>
+                <a:ext uri="{FF2B5EF4-FFF2-40B4-BE49-F238E27FC236}">
+                  <a16:creationId xmlns:a16="http://schemas.microsoft.com/office/drawing/2014/main" id="{F385FBF8-ECE7-031B-0672-55D7D817658E}"/>
+                </a:ext>
+              </a:extLst>
+            </p:cNvPr>
+            <p:cNvSpPr/>
+            <p:nvPr/>
+          </p:nvSpPr>
+          <p:spPr>
+            <a:xfrm>
+              <a:off x="2294614" y="3677118"/>
+              <a:ext cx="1731848" cy="438999"/>
+            </a:xfrm>
+            <a:prstGeom prst="rect">
+              <a:avLst/>
+            </a:prstGeom>
+            <a:solidFill>
+              <a:schemeClr val="tx2">
+                <a:lumMod val="75000"/>
+              </a:schemeClr>
+            </a:solidFill>
+            <a:ln w="6350">
+              <a:solidFill>
+                <a:schemeClr val="tx1">
+                  <a:lumMod val="50000"/>
+                  <a:lumOff val="50000"/>
+                </a:schemeClr>
+              </a:solidFill>
+            </a:ln>
+          </p:spPr>
+          <p:style>
+            <a:lnRef idx="2">
+              <a:schemeClr val="accent1">
+                <a:shade val="50000"/>
+              </a:schemeClr>
+            </a:lnRef>
+            <a:fillRef idx="1">
+              <a:schemeClr val="accent1"/>
+            </a:fillRef>
+            <a:effectRef idx="0">
+              <a:schemeClr val="accent1"/>
+            </a:effectRef>
+            <a:fontRef idx="minor">
+              <a:schemeClr val="lt1"/>
+            </a:fontRef>
+          </p:style>
+          <p:txBody>
+            <a:bodyPr rtlCol="0" anchor="ctr"/>
+            <a:lstStyle/>
+            <a:p>
+              <a:r>
+                <a:rPr lang="en-US" sz="1271" dirty="0">
+                  <a:solidFill>
+                    <a:schemeClr val="bg1"/>
+                  </a:solidFill>
+                </a:rPr>
+                <a:t>     </a:t>
+              </a:r>
+              <a:r>
+                <a:rPr lang="en-DE" sz="1271" dirty="0">
+                  <a:solidFill>
+                    <a:schemeClr val="bg1"/>
+                  </a:solidFill>
+                </a:rPr>
+                <a:t> </a:t>
+              </a:r>
+              <a:r>
+                <a:rPr lang="en-US" sz="1271" dirty="0">
+                  <a:solidFill>
+                    <a:schemeClr val="bg1"/>
+                  </a:solidFill>
+                </a:rPr>
+                <a:t> </a:t>
+              </a:r>
+              <a:r>
+                <a:rPr lang="en-DE" sz="1271" dirty="0">
+                  <a:solidFill>
+                    <a:schemeClr val="bg1"/>
+                  </a:solidFill>
+                </a:rPr>
+                <a:t> </a:t>
+              </a:r>
+              <a:r>
+                <a:rPr lang="en-US" sz="1271" dirty="0">
+                  <a:solidFill>
+                    <a:schemeClr val="bg1"/>
+                  </a:solidFill>
+                </a:rPr>
+                <a:t>Virtual Network</a:t>
+              </a:r>
+            </a:p>
+          </p:txBody>
+        </p:sp>
+        <p:pic>
+          <p:nvPicPr>
+            <p:cNvPr id="65" name="Graphic 64">
+              <a:extLst>
+                <a:ext uri="{FF2B5EF4-FFF2-40B4-BE49-F238E27FC236}">
+                  <a16:creationId xmlns:a16="http://schemas.microsoft.com/office/drawing/2014/main" id="{61DC243F-D833-C694-0E10-D07DDE956347}"/>
+                </a:ext>
+              </a:extLst>
+            </p:cNvPr>
+            <p:cNvPicPr>
+              <a:picLocks noChangeAspect="1"/>
+            </p:cNvPicPr>
+            <p:nvPr/>
+          </p:nvPicPr>
+          <p:blipFill>
+            <a:blip r:embed="rId16">
+              <a:extLst>
+                <a:ext uri="{28A0092B-C50C-407E-A947-70E740481C1C}">
+                  <a14:useLocalDpi xmlns:a14="http://schemas.microsoft.com/office/drawing/2010/main" val="0"/>
+                </a:ext>
+                <a:ext uri="{96DAC541-7B7A-43D3-8B79-37D633B846F1}">
+                  <asvg:svgBlip xmlns:asvg="http://schemas.microsoft.com/office/drawing/2016/SVG/main" r:embed="rId17"/>
+                </a:ext>
+              </a:extLst>
+            </a:blip>
+            <a:stretch>
+              <a:fillRect/>
+            </a:stretch>
+          </p:blipFill>
+          <p:spPr>
+            <a:xfrm>
+              <a:off x="2357334" y="3768360"/>
+              <a:ext cx="259200" cy="259200"/>
+            </a:xfrm>
+            <a:prstGeom prst="rect">
+              <a:avLst/>
+            </a:prstGeom>
+          </p:spPr>
+        </p:pic>
+      </p:grpSp>
+      <p:cxnSp>
+        <p:nvCxnSpPr>
+          <p:cNvPr id="67" name="Straight Arrow Connector 12">
+            <a:extLst>
+              <a:ext uri="{FF2B5EF4-FFF2-40B4-BE49-F238E27FC236}">
+                <a16:creationId xmlns:a16="http://schemas.microsoft.com/office/drawing/2014/main" id="{835265C7-DA80-4B63-128D-0C620958131E}"/>
+              </a:ext>
+            </a:extLst>
+          </p:cNvPr>
+          <p:cNvCxnSpPr>
+            <a:cxnSpLocks/>
+            <a:stCxn id="62" idx="0"/>
+            <a:endCxn id="24" idx="2"/>
+          </p:cNvCxnSpPr>
+          <p:nvPr/>
+        </p:nvCxnSpPr>
+        <p:spPr>
+          <a:xfrm rot="5400000" flipH="1" flipV="1">
+            <a:off x="3736895" y="61683"/>
+            <a:ext cx="979452" cy="5839869"/>
+          </a:xfrm>
+          <a:prstGeom prst="bentConnector3">
+            <a:avLst/>
+          </a:prstGeom>
+          <a:ln w="28575">
+            <a:solidFill>
+              <a:schemeClr val="tx2">
+                <a:lumMod val="60000"/>
+                <a:lumOff val="40000"/>
+              </a:schemeClr>
+            </a:solidFill>
+            <a:prstDash val="solid"/>
+            <a:tailEnd type="triangle" w="med" len="sm"/>
+          </a:ln>
+        </p:spPr>
+        <p:style>
+          <a:lnRef idx="1">
+            <a:schemeClr val="accent1"/>
+          </a:lnRef>
+          <a:fillRef idx="0">
+            <a:schemeClr val="accent1"/>
+          </a:fillRef>
+          <a:effectRef idx="0">
+            <a:schemeClr val="accent1"/>
+          </a:effectRef>
+          <a:fontRef idx="minor">
+            <a:schemeClr val="tx1"/>
+          </a:fontRef>
+        </p:style>
+      </p:cxnSp>
+      <p:cxnSp>
+        <p:nvCxnSpPr>
+          <p:cNvPr id="70" name="Straight Arrow Connector 12">
+            <a:extLst>
+              <a:ext uri="{FF2B5EF4-FFF2-40B4-BE49-F238E27FC236}">
+                <a16:creationId xmlns:a16="http://schemas.microsoft.com/office/drawing/2014/main" id="{D119C3DC-BF52-4F7E-D51C-DDD38D13991D}"/>
+              </a:ext>
+            </a:extLst>
+          </p:cNvPr>
+          <p:cNvCxnSpPr>
+            <a:cxnSpLocks/>
+            <a:stCxn id="56" idx="1"/>
+            <a:endCxn id="62" idx="2"/>
+          </p:cNvCxnSpPr>
+          <p:nvPr/>
+        </p:nvCxnSpPr>
+        <p:spPr>
+          <a:xfrm rot="10800000">
+            <a:off x="1306688" y="3910342"/>
+            <a:ext cx="1270513" cy="1146336"/>
+          </a:xfrm>
+          <a:prstGeom prst="bentConnector2">
+            <a:avLst/>
+          </a:prstGeom>
+          <a:ln w="28575">
+            <a:solidFill>
+              <a:schemeClr val="accent1">
+                <a:lumMod val="75000"/>
+              </a:schemeClr>
             </a:solidFill>
             <a:prstDash val="sysDot"/>
             <a:tailEnd type="triangle" w="med" len="sm"/>
@@ -6923,205 +7870,652 @@
           </a:fontRef>
         </p:style>
       </p:cxnSp>
-      <p:pic>
-        <p:nvPicPr>
-          <p:cNvPr id="3" name="Graphic 2">
-            <a:extLst>
-              <a:ext uri="{FF2B5EF4-FFF2-40B4-BE49-F238E27FC236}">
-                <a16:creationId xmlns:a16="http://schemas.microsoft.com/office/drawing/2014/main" id="{927E4CD8-9A4B-4D61-82AB-5E0F68F90A01}"/>
-              </a:ext>
-            </a:extLst>
-          </p:cNvPr>
-          <p:cNvPicPr>
-            <a:picLocks noChangeAspect="1"/>
-          </p:cNvPicPr>
+      <p:cxnSp>
+        <p:nvCxnSpPr>
+          <p:cNvPr id="74" name="Straight Arrow Connector 12">
+            <a:extLst>
+              <a:ext uri="{FF2B5EF4-FFF2-40B4-BE49-F238E27FC236}">
+                <a16:creationId xmlns:a16="http://schemas.microsoft.com/office/drawing/2014/main" id="{93F33973-8135-BC98-031A-8989FB65AF44}"/>
+              </a:ext>
+            </a:extLst>
+          </p:cNvPr>
+          <p:cNvCxnSpPr>
+            <a:cxnSpLocks/>
+            <a:stCxn id="11" idx="1"/>
+            <a:endCxn id="88" idx="3"/>
+          </p:cNvCxnSpPr>
           <p:nvPr/>
-        </p:nvPicPr>
-        <p:blipFill>
-          <a:blip r:embed="rId6">
-            <a:extLst>
-              <a:ext uri="{28A0092B-C50C-407E-A947-70E740481C1C}">
-                <a14:useLocalDpi xmlns:a14="http://schemas.microsoft.com/office/drawing/2010/main" val="0"/>
-              </a:ext>
-              <a:ext uri="{96DAC541-7B7A-43D3-8B79-37D633B846F1}">
-                <asvg:svgBlip xmlns:asvg="http://schemas.microsoft.com/office/drawing/2016/SVG/main" r:embed="rId7"/>
-              </a:ext>
-            </a:extLst>
-          </a:blip>
-          <a:stretch>
-            <a:fillRect/>
-          </a:stretch>
-        </p:blipFill>
+        </p:nvCxnSpPr>
+        <p:spPr>
+          <a:xfrm rot="10800000">
+            <a:off x="6794994" y="3690843"/>
+            <a:ext cx="374219" cy="684571"/>
+          </a:xfrm>
+          <a:prstGeom prst="curvedConnector3">
+            <a:avLst/>
+          </a:prstGeom>
+          <a:ln w="28575">
+            <a:solidFill>
+              <a:schemeClr val="accent4">
+                <a:lumMod val="50000"/>
+              </a:schemeClr>
+            </a:solidFill>
+            <a:prstDash val="sysDot"/>
+            <a:tailEnd type="triangle" w="med" len="sm"/>
+          </a:ln>
+        </p:spPr>
+        <p:style>
+          <a:lnRef idx="1">
+            <a:schemeClr val="accent1"/>
+          </a:lnRef>
+          <a:fillRef idx="0">
+            <a:schemeClr val="accent1"/>
+          </a:fillRef>
+          <a:effectRef idx="0">
+            <a:schemeClr val="accent1"/>
+          </a:effectRef>
+          <a:fontRef idx="minor">
+            <a:schemeClr val="tx1"/>
+          </a:fontRef>
+        </p:style>
+      </p:cxnSp>
+      <p:grpSp>
+        <p:nvGrpSpPr>
+          <p:cNvPr id="90" name="Group 89">
+            <a:extLst>
+              <a:ext uri="{FF2B5EF4-FFF2-40B4-BE49-F238E27FC236}">
+                <a16:creationId xmlns:a16="http://schemas.microsoft.com/office/drawing/2014/main" id="{585DFCBF-CC2A-9231-1A63-442437D3D3E3}"/>
+              </a:ext>
+            </a:extLst>
+          </p:cNvPr>
+          <p:cNvGrpSpPr/>
+          <p:nvPr/>
+        </p:nvGrpSpPr>
+        <p:grpSpPr>
+          <a:xfrm>
+            <a:off x="4778993" y="3471342"/>
+            <a:ext cx="2016000" cy="438999"/>
+            <a:chOff x="3093088" y="5770939"/>
+            <a:chExt cx="2016000" cy="438999"/>
+          </a:xfrm>
+        </p:grpSpPr>
+        <p:sp>
+          <p:nvSpPr>
+            <p:cNvPr id="88" name="Rectangle 87">
+              <a:extLst>
+                <a:ext uri="{FF2B5EF4-FFF2-40B4-BE49-F238E27FC236}">
+                  <a16:creationId xmlns:a16="http://schemas.microsoft.com/office/drawing/2014/main" id="{85BDEE5A-DC45-8CEA-480F-C466A6FC5926}"/>
+                </a:ext>
+              </a:extLst>
+            </p:cNvPr>
+            <p:cNvSpPr/>
+            <p:nvPr/>
+          </p:nvSpPr>
+          <p:spPr>
+            <a:xfrm>
+              <a:off x="3093088" y="5770939"/>
+              <a:ext cx="2016000" cy="438999"/>
+            </a:xfrm>
+            <a:prstGeom prst="rect">
+              <a:avLst/>
+            </a:prstGeom>
+            <a:solidFill>
+              <a:schemeClr val="accent6">
+                <a:lumMod val="75000"/>
+              </a:schemeClr>
+            </a:solidFill>
+            <a:ln w="6350">
+              <a:solidFill>
+                <a:schemeClr val="tx1">
+                  <a:lumMod val="50000"/>
+                  <a:lumOff val="50000"/>
+                </a:schemeClr>
+              </a:solidFill>
+            </a:ln>
+          </p:spPr>
+          <p:style>
+            <a:lnRef idx="2">
+              <a:schemeClr val="accent1">
+                <a:shade val="50000"/>
+              </a:schemeClr>
+            </a:lnRef>
+            <a:fillRef idx="1">
+              <a:schemeClr val="accent1"/>
+            </a:fillRef>
+            <a:effectRef idx="0">
+              <a:schemeClr val="accent1"/>
+            </a:effectRef>
+            <a:fontRef idx="minor">
+              <a:schemeClr val="lt1"/>
+            </a:fontRef>
+          </p:style>
+          <p:txBody>
+            <a:bodyPr rtlCol="0" anchor="ctr"/>
+            <a:lstStyle/>
+            <a:p>
+              <a:r>
+                <a:rPr lang="en-US" sz="1271" dirty="0">
+                  <a:solidFill>
+                    <a:schemeClr val="bg1"/>
+                  </a:solidFill>
+                </a:rPr>
+                <a:t>     </a:t>
+              </a:r>
+              <a:r>
+                <a:rPr lang="en-DE" sz="1271" dirty="0">
+                  <a:solidFill>
+                    <a:schemeClr val="bg1"/>
+                  </a:solidFill>
+                </a:rPr>
+                <a:t> </a:t>
+              </a:r>
+              <a:r>
+                <a:rPr lang="en-US" sz="1271" dirty="0">
+                  <a:solidFill>
+                    <a:schemeClr val="bg1"/>
+                  </a:solidFill>
+                </a:rPr>
+                <a:t> </a:t>
+              </a:r>
+              <a:r>
+                <a:rPr lang="en-DE" sz="1271" dirty="0">
+                  <a:solidFill>
+                    <a:schemeClr val="bg1"/>
+                  </a:solidFill>
+                </a:rPr>
+                <a:t> </a:t>
+              </a:r>
+              <a:r>
+                <a:rPr lang="en-US" sz="1271" i="1" dirty="0">
+                  <a:solidFill>
+                    <a:schemeClr val="bg1"/>
+                  </a:solidFill>
+                </a:rPr>
+                <a:t>Trigger</a:t>
+              </a:r>
+              <a:r>
+                <a:rPr lang="en-US" sz="1271" dirty="0">
+                  <a:solidFill>
+                    <a:schemeClr val="bg1"/>
+                  </a:solidFill>
+                </a:rPr>
+                <a:t> </a:t>
+              </a:r>
+            </a:p>
+            <a:p>
+              <a:r>
+                <a:rPr lang="en-US" sz="1271" dirty="0">
+                  <a:solidFill>
+                    <a:schemeClr val="bg1"/>
+                  </a:solidFill>
+                </a:rPr>
+                <a:t>        Deployment Script</a:t>
+              </a:r>
+            </a:p>
+          </p:txBody>
+        </p:sp>
+        <p:pic>
+          <p:nvPicPr>
+            <p:cNvPr id="86" name="Picture 85" descr="A blue ribbon with a white arrow&#10;&#10;Description automatically generated">
+              <a:extLst>
+                <a:ext uri="{FF2B5EF4-FFF2-40B4-BE49-F238E27FC236}">
+                  <a16:creationId xmlns:a16="http://schemas.microsoft.com/office/drawing/2014/main" id="{83DF5A42-7CC4-8654-E54B-3AEBDE1B5A9F}"/>
+                </a:ext>
+              </a:extLst>
+            </p:cNvPr>
+            <p:cNvPicPr>
+              <a:picLocks noChangeAspect="1"/>
+            </p:cNvPicPr>
+            <p:nvPr/>
+          </p:nvPicPr>
+          <p:blipFill>
+            <a:blip r:embed="rId18">
+              <a:extLst>
+                <a:ext uri="{28A0092B-C50C-407E-A947-70E740481C1C}">
+                  <a14:useLocalDpi xmlns:a14="http://schemas.microsoft.com/office/drawing/2010/main" val="0"/>
+                </a:ext>
+              </a:extLst>
+            </a:blip>
+            <a:stretch>
+              <a:fillRect/>
+            </a:stretch>
+          </p:blipFill>
+          <p:spPr>
+            <a:xfrm>
+              <a:off x="3169138" y="5860838"/>
+              <a:ext cx="259200" cy="259200"/>
+            </a:xfrm>
+            <a:prstGeom prst="rect">
+              <a:avLst/>
+            </a:prstGeom>
+          </p:spPr>
+        </p:pic>
+      </p:grpSp>
+      <p:grpSp>
+        <p:nvGrpSpPr>
+          <p:cNvPr id="91" name="Group 90">
+            <a:extLst>
+              <a:ext uri="{FF2B5EF4-FFF2-40B4-BE49-F238E27FC236}">
+                <a16:creationId xmlns:a16="http://schemas.microsoft.com/office/drawing/2014/main" id="{B2A33FC5-7D28-FD4D-42C8-E98DF202AD15}"/>
+              </a:ext>
+            </a:extLst>
+          </p:cNvPr>
+          <p:cNvGrpSpPr/>
+          <p:nvPr/>
+        </p:nvGrpSpPr>
+        <p:grpSpPr>
+          <a:xfrm>
+            <a:off x="2577200" y="4157888"/>
+            <a:ext cx="2016000" cy="438999"/>
+            <a:chOff x="3096290" y="5770939"/>
+            <a:chExt cx="2016000" cy="438999"/>
+          </a:xfrm>
+        </p:grpSpPr>
+        <p:sp>
+          <p:nvSpPr>
+            <p:cNvPr id="92" name="Rectangle 91">
+              <a:extLst>
+                <a:ext uri="{FF2B5EF4-FFF2-40B4-BE49-F238E27FC236}">
+                  <a16:creationId xmlns:a16="http://schemas.microsoft.com/office/drawing/2014/main" id="{BA04CB25-4FEB-7C38-0D66-63B406719A98}"/>
+                </a:ext>
+              </a:extLst>
+            </p:cNvPr>
+            <p:cNvSpPr/>
+            <p:nvPr/>
+          </p:nvSpPr>
+          <p:spPr>
+            <a:xfrm>
+              <a:off x="3096290" y="5770939"/>
+              <a:ext cx="2016000" cy="438999"/>
+            </a:xfrm>
+            <a:prstGeom prst="rect">
+              <a:avLst/>
+            </a:prstGeom>
+            <a:solidFill>
+              <a:schemeClr val="accent6">
+                <a:lumMod val="75000"/>
+              </a:schemeClr>
+            </a:solidFill>
+            <a:ln w="6350">
+              <a:solidFill>
+                <a:schemeClr val="tx1">
+                  <a:lumMod val="50000"/>
+                  <a:lumOff val="50000"/>
+                </a:schemeClr>
+              </a:solidFill>
+            </a:ln>
+          </p:spPr>
+          <p:style>
+            <a:lnRef idx="2">
+              <a:schemeClr val="accent1">
+                <a:shade val="50000"/>
+              </a:schemeClr>
+            </a:lnRef>
+            <a:fillRef idx="1">
+              <a:schemeClr val="accent1"/>
+            </a:fillRef>
+            <a:effectRef idx="0">
+              <a:schemeClr val="accent1"/>
+            </a:effectRef>
+            <a:fontRef idx="minor">
+              <a:schemeClr val="lt1"/>
+            </a:fontRef>
+          </p:style>
+          <p:txBody>
+            <a:bodyPr rtlCol="0" anchor="ctr"/>
+            <a:lstStyle/>
+            <a:p>
+              <a:r>
+                <a:rPr lang="en-US" sz="1271" i="1" dirty="0">
+                  <a:solidFill>
+                    <a:schemeClr val="bg1"/>
+                  </a:solidFill>
+                </a:rPr>
+                <a:t>     </a:t>
+              </a:r>
+              <a:r>
+                <a:rPr lang="en-DE" sz="1271" i="1" dirty="0">
+                  <a:solidFill>
+                    <a:schemeClr val="bg1"/>
+                  </a:solidFill>
+                </a:rPr>
+                <a:t> </a:t>
+              </a:r>
+              <a:r>
+                <a:rPr lang="en-US" sz="1271" i="1" dirty="0">
+                  <a:solidFill>
+                    <a:schemeClr val="bg1"/>
+                  </a:solidFill>
+                </a:rPr>
+                <a:t> </a:t>
+              </a:r>
+              <a:r>
+                <a:rPr lang="en-DE" sz="1271" i="1" dirty="0">
+                  <a:solidFill>
+                    <a:schemeClr val="bg1"/>
+                  </a:solidFill>
+                </a:rPr>
+                <a:t> </a:t>
+              </a:r>
+              <a:r>
+                <a:rPr lang="en-US" sz="1271" i="1" dirty="0">
+                  <a:solidFill>
+                    <a:schemeClr val="bg1"/>
+                  </a:solidFill>
+                </a:rPr>
+                <a:t>Storage Upload </a:t>
+              </a:r>
+            </a:p>
+            <a:p>
+              <a:r>
+                <a:rPr lang="en-US" sz="1271" dirty="0">
+                  <a:solidFill>
+                    <a:schemeClr val="bg1"/>
+                  </a:solidFill>
+                </a:rPr>
+                <a:t>        Deployment Script</a:t>
+              </a:r>
+            </a:p>
+          </p:txBody>
+        </p:sp>
+        <p:pic>
+          <p:nvPicPr>
+            <p:cNvPr id="93" name="Picture 92" descr="A blue ribbon with a white arrow&#10;&#10;Description automatically generated">
+              <a:extLst>
+                <a:ext uri="{FF2B5EF4-FFF2-40B4-BE49-F238E27FC236}">
+                  <a16:creationId xmlns:a16="http://schemas.microsoft.com/office/drawing/2014/main" id="{683B58BF-73D5-F017-F43D-D6C121ADAD56}"/>
+                </a:ext>
+              </a:extLst>
+            </p:cNvPr>
+            <p:cNvPicPr>
+              <a:picLocks noChangeAspect="1"/>
+            </p:cNvPicPr>
+            <p:nvPr/>
+          </p:nvPicPr>
+          <p:blipFill>
+            <a:blip r:embed="rId18">
+              <a:extLst>
+                <a:ext uri="{28A0092B-C50C-407E-A947-70E740481C1C}">
+                  <a14:useLocalDpi xmlns:a14="http://schemas.microsoft.com/office/drawing/2010/main" val="0"/>
+                </a:ext>
+              </a:extLst>
+            </a:blip>
+            <a:stretch>
+              <a:fillRect/>
+            </a:stretch>
+          </p:blipFill>
+          <p:spPr>
+            <a:xfrm>
+              <a:off x="3169138" y="5860838"/>
+              <a:ext cx="259201" cy="259200"/>
+            </a:xfrm>
+            <a:prstGeom prst="rect">
+              <a:avLst/>
+            </a:prstGeom>
+          </p:spPr>
+        </p:pic>
+      </p:grpSp>
+      <p:cxnSp>
+        <p:nvCxnSpPr>
+          <p:cNvPr id="111" name="Straight Arrow Connector 12">
+            <a:extLst>
+              <a:ext uri="{FF2B5EF4-FFF2-40B4-BE49-F238E27FC236}">
+                <a16:creationId xmlns:a16="http://schemas.microsoft.com/office/drawing/2014/main" id="{A2A4C4A3-06F3-1C5D-49DB-312ADDAF2A3E}"/>
+              </a:ext>
+            </a:extLst>
+          </p:cNvPr>
+          <p:cNvCxnSpPr>
+            <a:cxnSpLocks/>
+            <a:stCxn id="88" idx="2"/>
+            <a:endCxn id="56" idx="3"/>
+          </p:cNvCxnSpPr>
+          <p:nvPr/>
+        </p:nvCxnSpPr>
+        <p:spPr>
+          <a:xfrm rot="5400000">
+            <a:off x="4616929" y="3886613"/>
+            <a:ext cx="1146337" cy="1193793"/>
+          </a:xfrm>
+          <a:prstGeom prst="bentConnector2">
+            <a:avLst/>
+          </a:prstGeom>
+          <a:ln w="28575">
+            <a:solidFill>
+              <a:schemeClr val="accent6">
+                <a:lumMod val="75000"/>
+              </a:schemeClr>
+            </a:solidFill>
+            <a:prstDash val="solid"/>
+            <a:tailEnd type="triangle" w="med" len="sm"/>
+          </a:ln>
+        </p:spPr>
+        <p:style>
+          <a:lnRef idx="1">
+            <a:schemeClr val="accent1"/>
+          </a:lnRef>
+          <a:fillRef idx="0">
+            <a:schemeClr val="accent1"/>
+          </a:fillRef>
+          <a:effectRef idx="0">
+            <a:schemeClr val="accent1"/>
+          </a:effectRef>
+          <a:fontRef idx="minor">
+            <a:schemeClr val="tx1"/>
+          </a:fontRef>
+        </p:style>
+      </p:cxnSp>
+      <p:cxnSp>
+        <p:nvCxnSpPr>
+          <p:cNvPr id="114" name="Straight Arrow Connector 12">
+            <a:extLst>
+              <a:ext uri="{FF2B5EF4-FFF2-40B4-BE49-F238E27FC236}">
+                <a16:creationId xmlns:a16="http://schemas.microsoft.com/office/drawing/2014/main" id="{1C3B7B76-DBF9-7865-9CB8-1B2D1BE1AEFE}"/>
+              </a:ext>
+            </a:extLst>
+          </p:cNvPr>
+          <p:cNvCxnSpPr>
+            <a:cxnSpLocks/>
+            <a:stCxn id="11" idx="1"/>
+            <a:endCxn id="92" idx="3"/>
+          </p:cNvCxnSpPr>
+          <p:nvPr/>
+        </p:nvCxnSpPr>
+        <p:spPr>
+          <a:xfrm rot="10800000" flipV="1">
+            <a:off x="4593200" y="4375412"/>
+            <a:ext cx="2576012" cy="1975"/>
+          </a:xfrm>
+          <a:prstGeom prst="bentConnector3">
+            <a:avLst>
+              <a:gd name="adj1" fmla="val 50000"/>
+            </a:avLst>
+          </a:prstGeom>
+          <a:ln w="28575">
+            <a:solidFill>
+              <a:schemeClr val="accent4">
+                <a:lumMod val="50000"/>
+              </a:schemeClr>
+            </a:solidFill>
+            <a:prstDash val="sysDot"/>
+            <a:tailEnd type="triangle" w="med" len="sm"/>
+          </a:ln>
+        </p:spPr>
+        <p:style>
+          <a:lnRef idx="1">
+            <a:schemeClr val="accent1"/>
+          </a:lnRef>
+          <a:fillRef idx="0">
+            <a:schemeClr val="accent1"/>
+          </a:fillRef>
+          <a:effectRef idx="0">
+            <a:schemeClr val="accent1"/>
+          </a:effectRef>
+          <a:fontRef idx="minor">
+            <a:schemeClr val="tx1"/>
+          </a:fontRef>
+        </p:style>
+      </p:cxnSp>
+      <p:cxnSp>
+        <p:nvCxnSpPr>
+          <p:cNvPr id="117" name="Straight Arrow Connector 12">
+            <a:extLst>
+              <a:ext uri="{FF2B5EF4-FFF2-40B4-BE49-F238E27FC236}">
+                <a16:creationId xmlns:a16="http://schemas.microsoft.com/office/drawing/2014/main" id="{0108775C-6369-9EB5-FF68-2811532470AA}"/>
+              </a:ext>
+            </a:extLst>
+          </p:cNvPr>
+          <p:cNvCxnSpPr>
+            <a:cxnSpLocks/>
+            <a:stCxn id="92" idx="2"/>
+            <a:endCxn id="56" idx="0"/>
+          </p:cNvCxnSpPr>
+          <p:nvPr/>
+        </p:nvCxnSpPr>
         <p:spPr>
           <a:xfrm>
-            <a:off x="419381" y="2106666"/>
-            <a:ext cx="259200" cy="259200"/>
+            <a:off x="3585200" y="4596887"/>
+            <a:ext cx="0" cy="240291"/>
           </a:xfrm>
-          <a:prstGeom prst="rect">
+          <a:prstGeom prst="straightConnector1">
             <a:avLst/>
           </a:prstGeom>
+          <a:ln w="28575">
+            <a:solidFill>
+              <a:schemeClr val="accent6">
+                <a:lumMod val="75000"/>
+              </a:schemeClr>
+            </a:solidFill>
+            <a:prstDash val="solid"/>
+            <a:tailEnd type="triangle" w="med" len="sm"/>
+          </a:ln>
         </p:spPr>
-      </p:pic>
-      <p:pic>
-        <p:nvPicPr>
-          <p:cNvPr id="30" name="Graphic 29">
-            <a:extLst>
-              <a:ext uri="{FF2B5EF4-FFF2-40B4-BE49-F238E27FC236}">
-                <a16:creationId xmlns:a16="http://schemas.microsoft.com/office/drawing/2014/main" id="{C92A80E3-F34D-4C20-86FB-ABBA8B428B1F}"/>
-              </a:ext>
-            </a:extLst>
-          </p:cNvPr>
-          <p:cNvPicPr>
-            <a:picLocks noChangeAspect="1"/>
-          </p:cNvPicPr>
+        <p:style>
+          <a:lnRef idx="1">
+            <a:schemeClr val="accent1"/>
+          </a:lnRef>
+          <a:fillRef idx="0">
+            <a:schemeClr val="accent1"/>
+          </a:fillRef>
+          <a:effectRef idx="0">
+            <a:schemeClr val="accent1"/>
+          </a:effectRef>
+          <a:fontRef idx="minor">
+            <a:schemeClr val="tx1"/>
+          </a:fontRef>
+        </p:style>
+      </p:cxnSp>
+      <p:cxnSp>
+        <p:nvCxnSpPr>
+          <p:cNvPr id="120" name="Straight Arrow Connector 12">
+            <a:extLst>
+              <a:ext uri="{FF2B5EF4-FFF2-40B4-BE49-F238E27FC236}">
+                <a16:creationId xmlns:a16="http://schemas.microsoft.com/office/drawing/2014/main" id="{40A13BBA-8279-4F9B-224C-9DB9296A868A}"/>
+              </a:ext>
+            </a:extLst>
+          </p:cNvPr>
+          <p:cNvCxnSpPr>
+            <a:cxnSpLocks/>
+            <a:stCxn id="92" idx="0"/>
+            <a:endCxn id="44" idx="2"/>
+          </p:cNvCxnSpPr>
           <p:nvPr/>
-        </p:nvPicPr>
-        <p:blipFill>
-          <a:blip r:embed="rId8">
-            <a:extLst>
-              <a:ext uri="{28A0092B-C50C-407E-A947-70E740481C1C}">
-                <a14:useLocalDpi xmlns:a14="http://schemas.microsoft.com/office/drawing/2010/main" val="0"/>
-              </a:ext>
-              <a:ext uri="{96DAC541-7B7A-43D3-8B79-37D633B846F1}">
-                <asvg:svgBlip xmlns:asvg="http://schemas.microsoft.com/office/drawing/2016/SVG/main" r:embed="rId9"/>
-              </a:ext>
-            </a:extLst>
-          </a:blip>
-          <a:stretch>
-            <a:fillRect/>
-          </a:stretch>
-        </p:blipFill>
+        </p:nvCxnSpPr>
         <p:spPr>
-          <a:xfrm>
-            <a:off x="856252" y="2937784"/>
-            <a:ext cx="259200" cy="259200"/>
+          <a:xfrm flipV="1">
+            <a:off x="3585200" y="3927545"/>
+            <a:ext cx="0" cy="230343"/>
           </a:xfrm>
-          <a:prstGeom prst="rect">
+          <a:prstGeom prst="straightConnector1">
             <a:avLst/>
           </a:prstGeom>
+          <a:ln w="28575">
+            <a:solidFill>
+              <a:schemeClr val="accent6">
+                <a:lumMod val="75000"/>
+              </a:schemeClr>
+            </a:solidFill>
+            <a:prstDash val="sysDot"/>
+            <a:tailEnd type="triangle" w="med" len="sm"/>
+          </a:ln>
         </p:spPr>
-      </p:pic>
-      <p:pic>
-        <p:nvPicPr>
-          <p:cNvPr id="32" name="Graphic 31">
-            <a:extLst>
-              <a:ext uri="{FF2B5EF4-FFF2-40B4-BE49-F238E27FC236}">
-                <a16:creationId xmlns:a16="http://schemas.microsoft.com/office/drawing/2014/main" id="{C6B2E2EE-3FE5-4F7B-826A-829E0649B33D}"/>
-              </a:ext>
-            </a:extLst>
-          </p:cNvPr>
-          <p:cNvPicPr>
-            <a:picLocks noChangeAspect="1"/>
-          </p:cNvPicPr>
+        <p:style>
+          <a:lnRef idx="1">
+            <a:schemeClr val="accent1"/>
+          </a:lnRef>
+          <a:fillRef idx="0">
+            <a:schemeClr val="accent1"/>
+          </a:fillRef>
+          <a:effectRef idx="0">
+            <a:schemeClr val="accent1"/>
+          </a:effectRef>
+          <a:fontRef idx="minor">
+            <a:schemeClr val="tx1"/>
+          </a:fontRef>
+        </p:style>
+      </p:cxnSp>
+      <p:cxnSp>
+        <p:nvCxnSpPr>
+          <p:cNvPr id="31" name="Straight Arrow Connector 30">
+            <a:extLst>
+              <a:ext uri="{FF2B5EF4-FFF2-40B4-BE49-F238E27FC236}">
+                <a16:creationId xmlns:a16="http://schemas.microsoft.com/office/drawing/2014/main" id="{2FF70B88-D4A8-21B5-89A6-7250C3517438}"/>
+              </a:ext>
+            </a:extLst>
+          </p:cNvPr>
+          <p:cNvCxnSpPr>
+            <a:cxnSpLocks/>
+            <a:stCxn id="24" idx="0"/>
+            <a:endCxn id="22" idx="2"/>
+          </p:cNvCxnSpPr>
           <p:nvPr/>
-        </p:nvPicPr>
-        <p:blipFill>
-          <a:blip r:embed="rId10">
-            <a:extLst>
-              <a:ext uri="{28A0092B-C50C-407E-A947-70E740481C1C}">
-                <a14:useLocalDpi xmlns:a14="http://schemas.microsoft.com/office/drawing/2010/main" val="0"/>
-              </a:ext>
-              <a:ext uri="{96DAC541-7B7A-43D3-8B79-37D633B846F1}">
-                <asvg:svgBlip xmlns:asvg="http://schemas.microsoft.com/office/drawing/2016/SVG/main" r:embed="rId11"/>
-              </a:ext>
-            </a:extLst>
-          </a:blip>
-          <a:stretch>
-            <a:fillRect/>
-          </a:stretch>
-        </p:blipFill>
+        </p:nvCxnSpPr>
         <p:spPr>
-          <a:xfrm>
-            <a:off x="605144" y="2552153"/>
-            <a:ext cx="259200" cy="259200"/>
+          <a:xfrm flipH="1" flipV="1">
+            <a:off x="7146555" y="1563683"/>
+            <a:ext cx="1" cy="489932"/>
           </a:xfrm>
-          <a:prstGeom prst="rect">
+          <a:prstGeom prst="straightConnector1">
             <a:avLst/>
           </a:prstGeom>
+          <a:ln w="28575">
+            <a:gradFill flip="none" rotWithShape="1">
+              <a:gsLst>
+                <a:gs pos="21000">
+                  <a:schemeClr val="accent1">
+                    <a:lumMod val="5000"/>
+                    <a:lumOff val="95000"/>
+                  </a:schemeClr>
+                </a:gs>
+                <a:gs pos="100000">
+                  <a:schemeClr val="tx1"/>
+                </a:gs>
+              </a:gsLst>
+              <a:lin ang="5400000" scaled="0"/>
+              <a:tileRect/>
+            </a:gradFill>
+            <a:prstDash val="solid"/>
+            <a:tailEnd type="triangle" w="med" len="sm"/>
+          </a:ln>
         </p:spPr>
-      </p:pic>
-      <p:pic>
-        <p:nvPicPr>
-          <p:cNvPr id="34" name="Graphic 33">
-            <a:extLst>
-              <a:ext uri="{FF2B5EF4-FFF2-40B4-BE49-F238E27FC236}">
-                <a16:creationId xmlns:a16="http://schemas.microsoft.com/office/drawing/2014/main" id="{26E8B24D-DEE4-413C-8396-938124EF667E}"/>
-              </a:ext>
-            </a:extLst>
-          </p:cNvPr>
-          <p:cNvPicPr>
-            <a:picLocks noChangeAspect="1"/>
-          </p:cNvPicPr>
-          <p:nvPr/>
-        </p:nvPicPr>
-        <p:blipFill>
-          <a:blip r:embed="rId12">
-            <a:extLst>
-              <a:ext uri="{28A0092B-C50C-407E-A947-70E740481C1C}">
-                <a14:useLocalDpi xmlns:a14="http://schemas.microsoft.com/office/drawing/2010/main" val="0"/>
-              </a:ext>
-              <a:ext uri="{96DAC541-7B7A-43D3-8B79-37D633B846F1}">
-                <asvg:svgBlip xmlns:asvg="http://schemas.microsoft.com/office/drawing/2016/SVG/main" r:embed="rId13"/>
-              </a:ext>
-            </a:extLst>
-          </a:blip>
-          <a:stretch>
-            <a:fillRect/>
-          </a:stretch>
-        </p:blipFill>
-        <p:spPr>
-          <a:xfrm>
-            <a:off x="7145447" y="2937784"/>
-            <a:ext cx="259200" cy="259200"/>
-          </a:xfrm>
-          <a:prstGeom prst="rect">
-            <a:avLst/>
-          </a:prstGeom>
-        </p:spPr>
-      </p:pic>
-      <p:pic>
-        <p:nvPicPr>
-          <p:cNvPr id="36" name="Graphic 35">
-            <a:extLst>
-              <a:ext uri="{FF2B5EF4-FFF2-40B4-BE49-F238E27FC236}">
-                <a16:creationId xmlns:a16="http://schemas.microsoft.com/office/drawing/2014/main" id="{1A9AAA2A-C0EE-4BAB-9EE3-9C5D77675DD4}"/>
-              </a:ext>
-            </a:extLst>
-          </p:cNvPr>
-          <p:cNvPicPr>
-            <a:picLocks noChangeAspect="1"/>
-          </p:cNvPicPr>
-          <p:nvPr/>
-        </p:nvPicPr>
-        <p:blipFill>
-          <a:blip r:embed="rId14">
-            <a:extLst>
-              <a:ext uri="{28A0092B-C50C-407E-A947-70E740481C1C}">
-                <a14:useLocalDpi xmlns:a14="http://schemas.microsoft.com/office/drawing/2010/main" val="0"/>
-              </a:ext>
-              <a:ext uri="{96DAC541-7B7A-43D3-8B79-37D633B846F1}">
-                <asvg:svgBlip xmlns:asvg="http://schemas.microsoft.com/office/drawing/2016/SVG/main" r:embed="rId15"/>
-              </a:ext>
-            </a:extLst>
-          </a:blip>
-          <a:stretch>
-            <a:fillRect/>
-          </a:stretch>
-        </p:blipFill>
-        <p:spPr>
-          <a:xfrm>
-            <a:off x="3871165" y="2122367"/>
-            <a:ext cx="259200" cy="259200"/>
-          </a:xfrm>
-          <a:prstGeom prst="rect">
-            <a:avLst/>
-          </a:prstGeom>
-        </p:spPr>
-      </p:pic>
+        <p:style>
+          <a:lnRef idx="1">
+            <a:schemeClr val="accent1"/>
+          </a:lnRef>
+          <a:fillRef idx="0">
+            <a:schemeClr val="accent1"/>
+          </a:fillRef>
+          <a:effectRef idx="0">
+            <a:schemeClr val="accent1"/>
+          </a:effectRef>
+          <a:fontRef idx="minor">
+            <a:schemeClr val="tx1"/>
+          </a:fontRef>
+        </p:style>
+      </p:cxnSp>
     </p:spTree>
     <p:extLst>
       <p:ext uri="{BB962C8B-B14F-4D97-AF65-F5344CB8AC3E}">
-        <p14:creationId xmlns:p14="http://schemas.microsoft.com/office/powerpoint/2010/main" val="3870396601"/>
+        <p14:creationId xmlns:p14="http://schemas.microsoft.com/office/powerpoint/2010/main" val="1897730445"/>
       </p:ext>
     </p:extLst>
   </p:cSld>

--- a/docs/wiki/media/src/DevOps Self-Hosted Diagrams.pptx
+++ b/docs/wiki/media/src/DevOps Self-Hosted Diagrams.pptx
@@ -7,8 +7,9 @@
   <p:sldIdLst>
     <p:sldId id="256" r:id="rId2"/>
     <p:sldId id="263" r:id="rId3"/>
-    <p:sldId id="259" r:id="rId4"/>
-    <p:sldId id="261" r:id="rId5"/>
+    <p:sldId id="264" r:id="rId4"/>
+    <p:sldId id="259" r:id="rId5"/>
+    <p:sldId id="261" r:id="rId6"/>
   </p:sldIdLst>
   <p:sldSz cx="12192000" cy="6858000"/>
   <p:notesSz cx="6858000" cy="9144000"/>
@@ -8526,6 +8527,1495 @@
 </file>
 
 <file path=ppt/slides/slide3.xml><?xml version="1.0" encoding="utf-8"?>
+<p:sld xmlns:a="http://schemas.openxmlformats.org/drawingml/2006/main" xmlns:r="http://schemas.openxmlformats.org/officeDocument/2006/relationships" xmlns:p="http://schemas.openxmlformats.org/presentationml/2006/main">
+  <p:cSld>
+    <p:spTree>
+      <p:nvGrpSpPr>
+        <p:cNvPr id="1" name=""/>
+        <p:cNvGrpSpPr/>
+        <p:nvPr/>
+      </p:nvGrpSpPr>
+      <p:grpSpPr>
+        <a:xfrm>
+          <a:off x="0" y="0"/>
+          <a:ext cx="0" cy="0"/>
+          <a:chOff x="0" y="0"/>
+          <a:chExt cx="0" cy="0"/>
+        </a:xfrm>
+      </p:grpSpPr>
+      <p:sp>
+        <p:nvSpPr>
+          <p:cNvPr id="5" name="Rectangle 4">
+            <a:extLst>
+              <a:ext uri="{FF2B5EF4-FFF2-40B4-BE49-F238E27FC236}">
+                <a16:creationId xmlns:a16="http://schemas.microsoft.com/office/drawing/2014/main" id="{6194339B-94A9-0761-EA71-17FDDAB7ACC2}"/>
+              </a:ext>
+            </a:extLst>
+          </p:cNvPr>
+          <p:cNvSpPr/>
+          <p:nvPr/>
+        </p:nvSpPr>
+        <p:spPr>
+          <a:xfrm>
+            <a:off x="4547096" y="1643506"/>
+            <a:ext cx="1731848" cy="438999"/>
+          </a:xfrm>
+          <a:prstGeom prst="rect">
+            <a:avLst/>
+          </a:prstGeom>
+          <a:solidFill>
+            <a:schemeClr val="tx2">
+              <a:lumMod val="75000"/>
+            </a:schemeClr>
+          </a:solidFill>
+          <a:ln w="6350">
+            <a:solidFill>
+              <a:schemeClr val="tx1">
+                <a:lumMod val="50000"/>
+                <a:lumOff val="50000"/>
+              </a:schemeClr>
+            </a:solidFill>
+          </a:ln>
+        </p:spPr>
+        <p:style>
+          <a:lnRef idx="2">
+            <a:schemeClr val="accent1">
+              <a:shade val="50000"/>
+            </a:schemeClr>
+          </a:lnRef>
+          <a:fillRef idx="1">
+            <a:schemeClr val="accent1"/>
+          </a:fillRef>
+          <a:effectRef idx="0">
+            <a:schemeClr val="accent1"/>
+          </a:effectRef>
+          <a:fontRef idx="minor">
+            <a:schemeClr val="lt1"/>
+          </a:fontRef>
+        </p:style>
+        <p:txBody>
+          <a:bodyPr rtlCol="0" anchor="ctr"/>
+          <a:lstStyle/>
+          <a:p>
+            <a:r>
+              <a:rPr lang="en-US" sz="1271" dirty="0">
+                <a:solidFill>
+                  <a:schemeClr val="bg1"/>
+                </a:solidFill>
+              </a:rPr>
+              <a:t>     </a:t>
+            </a:r>
+            <a:r>
+              <a:rPr lang="en-DE" sz="1271" dirty="0">
+                <a:solidFill>
+                  <a:schemeClr val="bg1"/>
+                </a:solidFill>
+              </a:rPr>
+              <a:t> </a:t>
+            </a:r>
+            <a:r>
+              <a:rPr lang="en-US" sz="1271" dirty="0">
+                <a:solidFill>
+                  <a:schemeClr val="bg1"/>
+                </a:solidFill>
+              </a:rPr>
+              <a:t> </a:t>
+            </a:r>
+            <a:r>
+              <a:rPr lang="en-DE" sz="1271" dirty="0">
+                <a:solidFill>
+                  <a:schemeClr val="bg1"/>
+                </a:solidFill>
+              </a:rPr>
+              <a:t> </a:t>
+            </a:r>
+            <a:r>
+              <a:rPr lang="de-DE" sz="1271" dirty="0">
+                <a:solidFill>
+                  <a:schemeClr val="bg1"/>
+                </a:solidFill>
+              </a:rPr>
+              <a:t>Stage template</a:t>
+            </a:r>
+            <a:endParaRPr lang="en-US" sz="1271" dirty="0">
+              <a:solidFill>
+                <a:schemeClr val="bg1"/>
+              </a:solidFill>
+            </a:endParaRPr>
+          </a:p>
+        </p:txBody>
+      </p:sp>
+      <p:sp>
+        <p:nvSpPr>
+          <p:cNvPr id="7" name="Rectangle 6">
+            <a:extLst>
+              <a:ext uri="{FF2B5EF4-FFF2-40B4-BE49-F238E27FC236}">
+                <a16:creationId xmlns:a16="http://schemas.microsoft.com/office/drawing/2014/main" id="{42AAB230-4C59-8C5E-2A94-72B3D6B46503}"/>
+              </a:ext>
+            </a:extLst>
+          </p:cNvPr>
+          <p:cNvSpPr/>
+          <p:nvPr/>
+        </p:nvSpPr>
+        <p:spPr>
+          <a:xfrm>
+            <a:off x="4547096" y="2233517"/>
+            <a:ext cx="1731848" cy="438999"/>
+          </a:xfrm>
+          <a:prstGeom prst="rect">
+            <a:avLst/>
+          </a:prstGeom>
+          <a:solidFill>
+            <a:schemeClr val="tx2">
+              <a:lumMod val="75000"/>
+            </a:schemeClr>
+          </a:solidFill>
+          <a:ln w="6350">
+            <a:solidFill>
+              <a:schemeClr val="tx1">
+                <a:lumMod val="50000"/>
+                <a:lumOff val="50000"/>
+              </a:schemeClr>
+            </a:solidFill>
+          </a:ln>
+        </p:spPr>
+        <p:style>
+          <a:lnRef idx="2">
+            <a:schemeClr val="accent1">
+              <a:shade val="50000"/>
+            </a:schemeClr>
+          </a:lnRef>
+          <a:fillRef idx="1">
+            <a:schemeClr val="accent1"/>
+          </a:fillRef>
+          <a:effectRef idx="0">
+            <a:schemeClr val="accent1"/>
+          </a:effectRef>
+          <a:fontRef idx="minor">
+            <a:schemeClr val="lt1"/>
+          </a:fontRef>
+        </p:style>
+        <p:txBody>
+          <a:bodyPr rtlCol="0" anchor="ctr"/>
+          <a:lstStyle/>
+          <a:p>
+            <a:r>
+              <a:rPr lang="en-US" sz="1271" dirty="0">
+                <a:solidFill>
+                  <a:schemeClr val="bg1"/>
+                </a:solidFill>
+              </a:rPr>
+              <a:t>     </a:t>
+            </a:r>
+            <a:r>
+              <a:rPr lang="en-DE" sz="1271" dirty="0">
+                <a:solidFill>
+                  <a:schemeClr val="bg1"/>
+                </a:solidFill>
+              </a:rPr>
+              <a:t> </a:t>
+            </a:r>
+            <a:r>
+              <a:rPr lang="en-US" sz="1271" dirty="0">
+                <a:solidFill>
+                  <a:schemeClr val="bg1"/>
+                </a:solidFill>
+              </a:rPr>
+              <a:t> </a:t>
+            </a:r>
+            <a:r>
+              <a:rPr lang="en-DE" sz="1271" dirty="0">
+                <a:solidFill>
+                  <a:schemeClr val="bg1"/>
+                </a:solidFill>
+              </a:rPr>
+              <a:t> </a:t>
+            </a:r>
+            <a:r>
+              <a:rPr lang="de-DE" sz="1271" dirty="0">
+                <a:solidFill>
+                  <a:schemeClr val="bg1"/>
+                </a:solidFill>
+              </a:rPr>
+              <a:t>Jobs template</a:t>
+            </a:r>
+            <a:endParaRPr lang="en-US" sz="1271" dirty="0">
+              <a:solidFill>
+                <a:schemeClr val="bg1"/>
+              </a:solidFill>
+            </a:endParaRPr>
+          </a:p>
+        </p:txBody>
+      </p:sp>
+      <p:sp>
+        <p:nvSpPr>
+          <p:cNvPr id="8" name="Rectangle 7">
+            <a:extLst>
+              <a:ext uri="{FF2B5EF4-FFF2-40B4-BE49-F238E27FC236}">
+                <a16:creationId xmlns:a16="http://schemas.microsoft.com/office/drawing/2014/main" id="{5DDE7DCB-283A-7CFB-6A53-535DA5D6DA5C}"/>
+              </a:ext>
+            </a:extLst>
+          </p:cNvPr>
+          <p:cNvSpPr/>
+          <p:nvPr/>
+        </p:nvSpPr>
+        <p:spPr>
+          <a:xfrm>
+            <a:off x="3115597" y="2926408"/>
+            <a:ext cx="2099925" cy="438999"/>
+          </a:xfrm>
+          <a:prstGeom prst="rect">
+            <a:avLst/>
+          </a:prstGeom>
+          <a:solidFill>
+            <a:schemeClr val="tx2">
+              <a:lumMod val="75000"/>
+            </a:schemeClr>
+          </a:solidFill>
+          <a:ln w="6350">
+            <a:solidFill>
+              <a:schemeClr val="tx1">
+                <a:lumMod val="50000"/>
+                <a:lumOff val="50000"/>
+              </a:schemeClr>
+            </a:solidFill>
+          </a:ln>
+        </p:spPr>
+        <p:style>
+          <a:lnRef idx="2">
+            <a:schemeClr val="accent1">
+              <a:shade val="50000"/>
+            </a:schemeClr>
+          </a:lnRef>
+          <a:fillRef idx="1">
+            <a:schemeClr val="accent1"/>
+          </a:fillRef>
+          <a:effectRef idx="0">
+            <a:schemeClr val="accent1"/>
+          </a:effectRef>
+          <a:fontRef idx="minor">
+            <a:schemeClr val="lt1"/>
+          </a:fontRef>
+        </p:style>
+        <p:txBody>
+          <a:bodyPr rtlCol="0" anchor="ctr"/>
+          <a:lstStyle/>
+          <a:p>
+            <a:r>
+              <a:rPr lang="en-US" sz="1271" dirty="0">
+                <a:solidFill>
+                  <a:schemeClr val="bg1"/>
+                </a:solidFill>
+              </a:rPr>
+              <a:t>     </a:t>
+            </a:r>
+            <a:r>
+              <a:rPr lang="en-DE" sz="1271" dirty="0">
+                <a:solidFill>
+                  <a:schemeClr val="bg1"/>
+                </a:solidFill>
+              </a:rPr>
+              <a:t> </a:t>
+            </a:r>
+            <a:r>
+              <a:rPr lang="en-US" sz="1271" dirty="0">
+                <a:solidFill>
+                  <a:schemeClr val="bg1"/>
+                </a:solidFill>
+              </a:rPr>
+              <a:t> </a:t>
+            </a:r>
+            <a:r>
+              <a:rPr lang="en-DE" sz="1271" dirty="0">
+                <a:solidFill>
+                  <a:schemeClr val="bg1"/>
+                </a:solidFill>
+              </a:rPr>
+              <a:t> </a:t>
+            </a:r>
+            <a:r>
+              <a:rPr lang="de-DE" sz="1271" dirty="0">
+                <a:solidFill>
+                  <a:schemeClr val="bg1"/>
+                </a:solidFill>
+              </a:rPr>
+              <a:t>Bicep Deployment File</a:t>
+            </a:r>
+            <a:endParaRPr lang="en-US" sz="1271" dirty="0">
+              <a:solidFill>
+                <a:schemeClr val="bg1"/>
+              </a:solidFill>
+            </a:endParaRPr>
+          </a:p>
+        </p:txBody>
+      </p:sp>
+      <p:sp>
+        <p:nvSpPr>
+          <p:cNvPr id="9" name="Rectangle 8">
+            <a:extLst>
+              <a:ext uri="{FF2B5EF4-FFF2-40B4-BE49-F238E27FC236}">
+                <a16:creationId xmlns:a16="http://schemas.microsoft.com/office/drawing/2014/main" id="{3662D512-14F8-C045-B068-6E2C3E24AD1C}"/>
+              </a:ext>
+            </a:extLst>
+          </p:cNvPr>
+          <p:cNvSpPr/>
+          <p:nvPr/>
+        </p:nvSpPr>
+        <p:spPr>
+          <a:xfrm>
+            <a:off x="3115597" y="3519547"/>
+            <a:ext cx="2099925" cy="438999"/>
+          </a:xfrm>
+          <a:prstGeom prst="rect">
+            <a:avLst/>
+          </a:prstGeom>
+          <a:solidFill>
+            <a:schemeClr val="tx2">
+              <a:lumMod val="75000"/>
+            </a:schemeClr>
+          </a:solidFill>
+          <a:ln w="6350">
+            <a:solidFill>
+              <a:schemeClr val="tx1">
+                <a:lumMod val="50000"/>
+                <a:lumOff val="50000"/>
+              </a:schemeClr>
+            </a:solidFill>
+          </a:ln>
+        </p:spPr>
+        <p:style>
+          <a:lnRef idx="2">
+            <a:schemeClr val="accent1">
+              <a:shade val="50000"/>
+            </a:schemeClr>
+          </a:lnRef>
+          <a:fillRef idx="1">
+            <a:schemeClr val="accent1"/>
+          </a:fillRef>
+          <a:effectRef idx="0">
+            <a:schemeClr val="accent1"/>
+          </a:effectRef>
+          <a:fontRef idx="minor">
+            <a:schemeClr val="lt1"/>
+          </a:fontRef>
+        </p:style>
+        <p:txBody>
+          <a:bodyPr rtlCol="0" anchor="ctr"/>
+          <a:lstStyle/>
+          <a:p>
+            <a:r>
+              <a:rPr lang="en-US" sz="1271" dirty="0">
+                <a:solidFill>
+                  <a:schemeClr val="bg1"/>
+                </a:solidFill>
+              </a:rPr>
+              <a:t>     </a:t>
+            </a:r>
+            <a:r>
+              <a:rPr lang="en-DE" sz="1271" dirty="0">
+                <a:solidFill>
+                  <a:schemeClr val="bg1"/>
+                </a:solidFill>
+              </a:rPr>
+              <a:t> </a:t>
+            </a:r>
+            <a:r>
+              <a:rPr lang="en-US" sz="1271" dirty="0">
+                <a:solidFill>
+                  <a:schemeClr val="bg1"/>
+                </a:solidFill>
+              </a:rPr>
+              <a:t> </a:t>
+            </a:r>
+            <a:r>
+              <a:rPr lang="en-DE" sz="1271" dirty="0">
+                <a:solidFill>
+                  <a:schemeClr val="bg1"/>
+                </a:solidFill>
+              </a:rPr>
+              <a:t> </a:t>
+            </a:r>
+            <a:r>
+              <a:rPr lang="de-DE" sz="1271" dirty="0">
+                <a:solidFill>
+                  <a:schemeClr val="bg1"/>
+                </a:solidFill>
+              </a:rPr>
+              <a:t>Bicep Template File</a:t>
+            </a:r>
+            <a:endParaRPr lang="en-US" sz="1271" dirty="0">
+              <a:solidFill>
+                <a:schemeClr val="bg1"/>
+              </a:solidFill>
+            </a:endParaRPr>
+          </a:p>
+        </p:txBody>
+      </p:sp>
+      <p:sp>
+        <p:nvSpPr>
+          <p:cNvPr id="10" name="Rectangle 9">
+            <a:extLst>
+              <a:ext uri="{FF2B5EF4-FFF2-40B4-BE49-F238E27FC236}">
+                <a16:creationId xmlns:a16="http://schemas.microsoft.com/office/drawing/2014/main" id="{2122E31B-CBD1-B807-DA4F-E00E3055915F}"/>
+              </a:ext>
+            </a:extLst>
+          </p:cNvPr>
+          <p:cNvSpPr/>
+          <p:nvPr/>
+        </p:nvSpPr>
+        <p:spPr>
+          <a:xfrm>
+            <a:off x="3115597" y="4140394"/>
+            <a:ext cx="2099925" cy="438999"/>
+          </a:xfrm>
+          <a:prstGeom prst="rect">
+            <a:avLst/>
+          </a:prstGeom>
+          <a:solidFill>
+            <a:schemeClr val="tx2">
+              <a:lumMod val="75000"/>
+            </a:schemeClr>
+          </a:solidFill>
+          <a:ln w="6350">
+            <a:solidFill>
+              <a:schemeClr val="tx1">
+                <a:lumMod val="50000"/>
+                <a:lumOff val="50000"/>
+              </a:schemeClr>
+            </a:solidFill>
+          </a:ln>
+        </p:spPr>
+        <p:style>
+          <a:lnRef idx="2">
+            <a:schemeClr val="accent1">
+              <a:shade val="50000"/>
+            </a:schemeClr>
+          </a:lnRef>
+          <a:fillRef idx="1">
+            <a:schemeClr val="accent1"/>
+          </a:fillRef>
+          <a:effectRef idx="0">
+            <a:schemeClr val="accent1"/>
+          </a:effectRef>
+          <a:fontRef idx="minor">
+            <a:schemeClr val="lt1"/>
+          </a:fontRef>
+        </p:style>
+        <p:txBody>
+          <a:bodyPr rtlCol="0" anchor="ctr"/>
+          <a:lstStyle/>
+          <a:p>
+            <a:r>
+              <a:rPr lang="en-US" sz="1271" dirty="0">
+                <a:solidFill>
+                  <a:schemeClr val="bg1"/>
+                </a:solidFill>
+              </a:rPr>
+              <a:t>     </a:t>
+            </a:r>
+            <a:r>
+              <a:rPr lang="en-DE" sz="1271" dirty="0">
+                <a:solidFill>
+                  <a:schemeClr val="bg1"/>
+                </a:solidFill>
+              </a:rPr>
+              <a:t> </a:t>
+            </a:r>
+            <a:r>
+              <a:rPr lang="en-US" sz="1271" dirty="0">
+                <a:solidFill>
+                  <a:schemeClr val="bg1"/>
+                </a:solidFill>
+              </a:rPr>
+              <a:t> </a:t>
+            </a:r>
+            <a:r>
+              <a:rPr lang="en-DE" sz="1271" dirty="0">
+                <a:solidFill>
+                  <a:schemeClr val="bg1"/>
+                </a:solidFill>
+              </a:rPr>
+              <a:t> </a:t>
+            </a:r>
+            <a:r>
+              <a:rPr lang="de-DE" sz="1271" dirty="0">
+                <a:solidFill>
+                  <a:schemeClr val="bg1"/>
+                </a:solidFill>
+              </a:rPr>
+              <a:t>Bicep Resource Modules</a:t>
+            </a:r>
+            <a:endParaRPr lang="en-US" sz="1271" dirty="0">
+              <a:solidFill>
+                <a:schemeClr val="bg1"/>
+              </a:solidFill>
+            </a:endParaRPr>
+          </a:p>
+        </p:txBody>
+      </p:sp>
+      <p:sp>
+        <p:nvSpPr>
+          <p:cNvPr id="11" name="Rectangle 10">
+            <a:extLst>
+              <a:ext uri="{FF2B5EF4-FFF2-40B4-BE49-F238E27FC236}">
+                <a16:creationId xmlns:a16="http://schemas.microsoft.com/office/drawing/2014/main" id="{ECEC507C-5614-10B5-26E2-1E363D11EA53}"/>
+              </a:ext>
+            </a:extLst>
+          </p:cNvPr>
+          <p:cNvSpPr/>
+          <p:nvPr/>
+        </p:nvSpPr>
+        <p:spPr>
+          <a:xfrm>
+            <a:off x="5620045" y="2926408"/>
+            <a:ext cx="1731848" cy="438999"/>
+          </a:xfrm>
+          <a:prstGeom prst="rect">
+            <a:avLst/>
+          </a:prstGeom>
+          <a:solidFill>
+            <a:schemeClr val="tx2">
+              <a:lumMod val="75000"/>
+            </a:schemeClr>
+          </a:solidFill>
+          <a:ln w="6350">
+            <a:solidFill>
+              <a:schemeClr val="tx1">
+                <a:lumMod val="50000"/>
+                <a:lumOff val="50000"/>
+              </a:schemeClr>
+            </a:solidFill>
+          </a:ln>
+        </p:spPr>
+        <p:style>
+          <a:lnRef idx="2">
+            <a:schemeClr val="accent1">
+              <a:shade val="50000"/>
+            </a:schemeClr>
+          </a:lnRef>
+          <a:fillRef idx="1">
+            <a:schemeClr val="accent1"/>
+          </a:fillRef>
+          <a:effectRef idx="0">
+            <a:schemeClr val="accent1"/>
+          </a:effectRef>
+          <a:fontRef idx="minor">
+            <a:schemeClr val="lt1"/>
+          </a:fontRef>
+        </p:style>
+        <p:txBody>
+          <a:bodyPr rtlCol="0" anchor="ctr"/>
+          <a:lstStyle/>
+          <a:p>
+            <a:r>
+              <a:rPr lang="de-DE" sz="1271" dirty="0">
+                <a:solidFill>
+                  <a:schemeClr val="bg1"/>
+                </a:solidFill>
+              </a:rPr>
+              <a:t>       PowerShell scripts</a:t>
+            </a:r>
+            <a:endParaRPr lang="en-US" sz="1271" dirty="0">
+              <a:solidFill>
+                <a:schemeClr val="bg1"/>
+              </a:solidFill>
+            </a:endParaRPr>
+          </a:p>
+        </p:txBody>
+      </p:sp>
+      <p:pic>
+        <p:nvPicPr>
+          <p:cNvPr id="13" name="Picture 12" descr="A blue and white square with a symbol&#10;&#10;Description automatically generated">
+            <a:extLst>
+              <a:ext uri="{FF2B5EF4-FFF2-40B4-BE49-F238E27FC236}">
+                <a16:creationId xmlns:a16="http://schemas.microsoft.com/office/drawing/2014/main" id="{50178872-6A1E-350D-B1E6-5C7CB3EEC16A}"/>
+              </a:ext>
+            </a:extLst>
+          </p:cNvPr>
+          <p:cNvPicPr>
+            <a:picLocks noChangeAspect="1"/>
+          </p:cNvPicPr>
+          <p:nvPr/>
+        </p:nvPicPr>
+        <p:blipFill>
+          <a:blip r:embed="rId2">
+            <a:extLst>
+              <a:ext uri="{28A0092B-C50C-407E-A947-70E740481C1C}">
+                <a14:useLocalDpi xmlns:a14="http://schemas.microsoft.com/office/drawing/2010/main" val="0"/>
+              </a:ext>
+            </a:extLst>
+          </a:blip>
+          <a:stretch>
+            <a:fillRect/>
+          </a:stretch>
+        </p:blipFill>
+        <p:spPr>
+          <a:xfrm>
+            <a:off x="5700870" y="3047333"/>
+            <a:ext cx="204883" cy="204883"/>
+          </a:xfrm>
+          <a:prstGeom prst="rect">
+            <a:avLst/>
+          </a:prstGeom>
+        </p:spPr>
+      </p:pic>
+      <p:grpSp>
+        <p:nvGrpSpPr>
+          <p:cNvPr id="17" name="Group 16">
+            <a:extLst>
+              <a:ext uri="{FF2B5EF4-FFF2-40B4-BE49-F238E27FC236}">
+                <a16:creationId xmlns:a16="http://schemas.microsoft.com/office/drawing/2014/main" id="{0A57948C-559A-A726-FD79-9D615013E1C4}"/>
+              </a:ext>
+            </a:extLst>
+          </p:cNvPr>
+          <p:cNvGrpSpPr/>
+          <p:nvPr/>
+        </p:nvGrpSpPr>
+        <p:grpSpPr>
+          <a:xfrm>
+            <a:off x="3132000" y="3015102"/>
+            <a:ext cx="304801" cy="261610"/>
+            <a:chOff x="2509997" y="693359"/>
+            <a:chExt cx="476596" cy="409061"/>
+          </a:xfrm>
+        </p:grpSpPr>
+        <p:sp>
+          <p:nvSpPr>
+            <p:cNvPr id="16" name="Oval 15">
+              <a:extLst>
+                <a:ext uri="{FF2B5EF4-FFF2-40B4-BE49-F238E27FC236}">
+                  <a16:creationId xmlns:a16="http://schemas.microsoft.com/office/drawing/2014/main" id="{83FEDDD8-8AC1-9D37-40EE-8643D4912974}"/>
+                </a:ext>
+              </a:extLst>
+            </p:cNvPr>
+            <p:cNvSpPr/>
+            <p:nvPr/>
+          </p:nvSpPr>
+          <p:spPr>
+            <a:xfrm>
+              <a:off x="2621279" y="738848"/>
+              <a:ext cx="332509" cy="332509"/>
+            </a:xfrm>
+            <a:prstGeom prst="ellipse">
+              <a:avLst/>
+            </a:prstGeom>
+            <a:solidFill>
+              <a:schemeClr val="bg1"/>
+            </a:solidFill>
+            <a:ln>
+              <a:solidFill>
+                <a:schemeClr val="tx1"/>
+              </a:solidFill>
+            </a:ln>
+          </p:spPr>
+          <p:style>
+            <a:lnRef idx="2">
+              <a:schemeClr val="accent1">
+                <a:shade val="15000"/>
+              </a:schemeClr>
+            </a:lnRef>
+            <a:fillRef idx="1">
+              <a:schemeClr val="accent1"/>
+            </a:fillRef>
+            <a:effectRef idx="0">
+              <a:schemeClr val="accent1"/>
+            </a:effectRef>
+            <a:fontRef idx="minor">
+              <a:schemeClr val="lt1"/>
+            </a:fontRef>
+          </p:style>
+          <p:txBody>
+            <a:bodyPr rtlCol="0" anchor="ctr"/>
+            <a:lstStyle/>
+            <a:p>
+              <a:pPr algn="ctr"/>
+              <a:endParaRPr lang="en-US"/>
+            </a:p>
+          </p:txBody>
+        </p:sp>
+        <p:sp>
+          <p:nvSpPr>
+            <p:cNvPr id="15" name="TextBox 14">
+              <a:extLst>
+                <a:ext uri="{FF2B5EF4-FFF2-40B4-BE49-F238E27FC236}">
+                  <a16:creationId xmlns:a16="http://schemas.microsoft.com/office/drawing/2014/main" id="{51FD9CA4-44C8-628C-F7BE-98AE19026B6F}"/>
+                </a:ext>
+              </a:extLst>
+            </p:cNvPr>
+            <p:cNvSpPr txBox="1"/>
+            <p:nvPr/>
+          </p:nvSpPr>
+          <p:spPr>
+            <a:xfrm>
+              <a:off x="2509997" y="693359"/>
+              <a:ext cx="476596" cy="409061"/>
+            </a:xfrm>
+            <a:prstGeom prst="rect">
+              <a:avLst/>
+            </a:prstGeom>
+            <a:noFill/>
+          </p:spPr>
+          <p:txBody>
+            <a:bodyPr wrap="square">
+              <a:spAutoFit/>
+            </a:bodyPr>
+            <a:lstStyle/>
+            <a:p>
+              <a:r>
+                <a:rPr lang="en-US" sz="1050" dirty="0">
+                  <a:solidFill>
+                    <a:schemeClr val="bg1"/>
+                  </a:solidFill>
+                </a:rPr>
+                <a:t>💪</a:t>
+              </a:r>
+              <a:endParaRPr lang="en-US" sz="1050" dirty="0"/>
+            </a:p>
+          </p:txBody>
+        </p:sp>
+      </p:grpSp>
+      <p:grpSp>
+        <p:nvGrpSpPr>
+          <p:cNvPr id="18" name="Group 17">
+            <a:extLst>
+              <a:ext uri="{FF2B5EF4-FFF2-40B4-BE49-F238E27FC236}">
+                <a16:creationId xmlns:a16="http://schemas.microsoft.com/office/drawing/2014/main" id="{EBE29FE7-88CA-58FF-B541-FD49B2538FA8}"/>
+              </a:ext>
+            </a:extLst>
+          </p:cNvPr>
+          <p:cNvGrpSpPr/>
+          <p:nvPr/>
+        </p:nvGrpSpPr>
+        <p:grpSpPr>
+          <a:xfrm>
+            <a:off x="3132000" y="3608241"/>
+            <a:ext cx="304801" cy="261610"/>
+            <a:chOff x="2509997" y="693359"/>
+            <a:chExt cx="476596" cy="409061"/>
+          </a:xfrm>
+        </p:grpSpPr>
+        <p:sp>
+          <p:nvSpPr>
+            <p:cNvPr id="19" name="Oval 18">
+              <a:extLst>
+                <a:ext uri="{FF2B5EF4-FFF2-40B4-BE49-F238E27FC236}">
+                  <a16:creationId xmlns:a16="http://schemas.microsoft.com/office/drawing/2014/main" id="{361CFA0B-6DC8-BAEE-6F17-F8C46656E8C0}"/>
+                </a:ext>
+              </a:extLst>
+            </p:cNvPr>
+            <p:cNvSpPr/>
+            <p:nvPr/>
+          </p:nvSpPr>
+          <p:spPr>
+            <a:xfrm>
+              <a:off x="2621279" y="738848"/>
+              <a:ext cx="332509" cy="332509"/>
+            </a:xfrm>
+            <a:prstGeom prst="ellipse">
+              <a:avLst/>
+            </a:prstGeom>
+            <a:solidFill>
+              <a:schemeClr val="bg1"/>
+            </a:solidFill>
+            <a:ln>
+              <a:solidFill>
+                <a:schemeClr val="tx1"/>
+              </a:solidFill>
+            </a:ln>
+          </p:spPr>
+          <p:style>
+            <a:lnRef idx="2">
+              <a:schemeClr val="accent1">
+                <a:shade val="15000"/>
+              </a:schemeClr>
+            </a:lnRef>
+            <a:fillRef idx="1">
+              <a:schemeClr val="accent1"/>
+            </a:fillRef>
+            <a:effectRef idx="0">
+              <a:schemeClr val="accent1"/>
+            </a:effectRef>
+            <a:fontRef idx="minor">
+              <a:schemeClr val="lt1"/>
+            </a:fontRef>
+          </p:style>
+          <p:txBody>
+            <a:bodyPr rtlCol="0" anchor="ctr"/>
+            <a:lstStyle/>
+            <a:p>
+              <a:pPr algn="ctr"/>
+              <a:endParaRPr lang="en-US"/>
+            </a:p>
+          </p:txBody>
+        </p:sp>
+        <p:sp>
+          <p:nvSpPr>
+            <p:cNvPr id="20" name="TextBox 19">
+              <a:extLst>
+                <a:ext uri="{FF2B5EF4-FFF2-40B4-BE49-F238E27FC236}">
+                  <a16:creationId xmlns:a16="http://schemas.microsoft.com/office/drawing/2014/main" id="{EBE0581B-9D29-DE41-C8D7-8CC650A386FE}"/>
+                </a:ext>
+              </a:extLst>
+            </p:cNvPr>
+            <p:cNvSpPr txBox="1"/>
+            <p:nvPr/>
+          </p:nvSpPr>
+          <p:spPr>
+            <a:xfrm>
+              <a:off x="2509997" y="693359"/>
+              <a:ext cx="476596" cy="409061"/>
+            </a:xfrm>
+            <a:prstGeom prst="rect">
+              <a:avLst/>
+            </a:prstGeom>
+            <a:noFill/>
+          </p:spPr>
+          <p:txBody>
+            <a:bodyPr wrap="square">
+              <a:spAutoFit/>
+            </a:bodyPr>
+            <a:lstStyle/>
+            <a:p>
+              <a:r>
+                <a:rPr lang="en-US" sz="1050" dirty="0">
+                  <a:solidFill>
+                    <a:schemeClr val="bg1"/>
+                  </a:solidFill>
+                </a:rPr>
+                <a:t>💪</a:t>
+              </a:r>
+              <a:endParaRPr lang="en-US" sz="1050" dirty="0"/>
+            </a:p>
+          </p:txBody>
+        </p:sp>
+      </p:grpSp>
+      <p:grpSp>
+        <p:nvGrpSpPr>
+          <p:cNvPr id="21" name="Group 20">
+            <a:extLst>
+              <a:ext uri="{FF2B5EF4-FFF2-40B4-BE49-F238E27FC236}">
+                <a16:creationId xmlns:a16="http://schemas.microsoft.com/office/drawing/2014/main" id="{3887F474-0BB5-6A95-F22A-8581C84AA665}"/>
+              </a:ext>
+            </a:extLst>
+          </p:cNvPr>
+          <p:cNvGrpSpPr/>
+          <p:nvPr/>
+        </p:nvGrpSpPr>
+        <p:grpSpPr>
+          <a:xfrm>
+            <a:off x="3132000" y="4229088"/>
+            <a:ext cx="304801" cy="261610"/>
+            <a:chOff x="2509997" y="693359"/>
+            <a:chExt cx="476596" cy="409061"/>
+          </a:xfrm>
+        </p:grpSpPr>
+        <p:sp>
+          <p:nvSpPr>
+            <p:cNvPr id="22" name="Oval 21">
+              <a:extLst>
+                <a:ext uri="{FF2B5EF4-FFF2-40B4-BE49-F238E27FC236}">
+                  <a16:creationId xmlns:a16="http://schemas.microsoft.com/office/drawing/2014/main" id="{DA6FF58A-BB8E-B764-B194-66BE4FA206E6}"/>
+                </a:ext>
+              </a:extLst>
+            </p:cNvPr>
+            <p:cNvSpPr/>
+            <p:nvPr/>
+          </p:nvSpPr>
+          <p:spPr>
+            <a:xfrm>
+              <a:off x="2621279" y="738848"/>
+              <a:ext cx="332509" cy="332509"/>
+            </a:xfrm>
+            <a:prstGeom prst="ellipse">
+              <a:avLst/>
+            </a:prstGeom>
+            <a:solidFill>
+              <a:schemeClr val="bg1"/>
+            </a:solidFill>
+            <a:ln>
+              <a:solidFill>
+                <a:schemeClr val="tx1"/>
+              </a:solidFill>
+            </a:ln>
+          </p:spPr>
+          <p:style>
+            <a:lnRef idx="2">
+              <a:schemeClr val="accent1">
+                <a:shade val="15000"/>
+              </a:schemeClr>
+            </a:lnRef>
+            <a:fillRef idx="1">
+              <a:schemeClr val="accent1"/>
+            </a:fillRef>
+            <a:effectRef idx="0">
+              <a:schemeClr val="accent1"/>
+            </a:effectRef>
+            <a:fontRef idx="minor">
+              <a:schemeClr val="lt1"/>
+            </a:fontRef>
+          </p:style>
+          <p:txBody>
+            <a:bodyPr rtlCol="0" anchor="ctr"/>
+            <a:lstStyle/>
+            <a:p>
+              <a:pPr algn="ctr"/>
+              <a:endParaRPr lang="en-US"/>
+            </a:p>
+          </p:txBody>
+        </p:sp>
+        <p:sp>
+          <p:nvSpPr>
+            <p:cNvPr id="23" name="TextBox 22">
+              <a:extLst>
+                <a:ext uri="{FF2B5EF4-FFF2-40B4-BE49-F238E27FC236}">
+                  <a16:creationId xmlns:a16="http://schemas.microsoft.com/office/drawing/2014/main" id="{FFCF7949-91D1-F0CF-711F-D72F963D9DA2}"/>
+                </a:ext>
+              </a:extLst>
+            </p:cNvPr>
+            <p:cNvSpPr txBox="1"/>
+            <p:nvPr/>
+          </p:nvSpPr>
+          <p:spPr>
+            <a:xfrm>
+              <a:off x="2509997" y="693359"/>
+              <a:ext cx="476596" cy="409061"/>
+            </a:xfrm>
+            <a:prstGeom prst="rect">
+              <a:avLst/>
+            </a:prstGeom>
+            <a:noFill/>
+          </p:spPr>
+          <p:txBody>
+            <a:bodyPr wrap="square">
+              <a:spAutoFit/>
+            </a:bodyPr>
+            <a:lstStyle/>
+            <a:p>
+              <a:r>
+                <a:rPr lang="en-US" sz="1050" dirty="0">
+                  <a:solidFill>
+                    <a:schemeClr val="bg1"/>
+                  </a:solidFill>
+                </a:rPr>
+                <a:t>💪</a:t>
+              </a:r>
+              <a:endParaRPr lang="en-US" sz="1050" dirty="0"/>
+            </a:p>
+          </p:txBody>
+        </p:sp>
+      </p:grpSp>
+      <p:grpSp>
+        <p:nvGrpSpPr>
+          <p:cNvPr id="30" name="Group 29">
+            <a:extLst>
+              <a:ext uri="{FF2B5EF4-FFF2-40B4-BE49-F238E27FC236}">
+                <a16:creationId xmlns:a16="http://schemas.microsoft.com/office/drawing/2014/main" id="{95FC5755-3072-66A1-EDCC-B799EC4E9172}"/>
+              </a:ext>
+            </a:extLst>
+          </p:cNvPr>
+          <p:cNvGrpSpPr/>
+          <p:nvPr/>
+        </p:nvGrpSpPr>
+        <p:grpSpPr>
+          <a:xfrm>
+            <a:off x="4614431" y="1765676"/>
+            <a:ext cx="212652" cy="212652"/>
+            <a:chOff x="2299029" y="2351303"/>
+            <a:chExt cx="212652" cy="212652"/>
+          </a:xfrm>
+        </p:grpSpPr>
+        <p:sp>
+          <p:nvSpPr>
+            <p:cNvPr id="28" name="Oval 27">
+              <a:extLst>
+                <a:ext uri="{FF2B5EF4-FFF2-40B4-BE49-F238E27FC236}">
+                  <a16:creationId xmlns:a16="http://schemas.microsoft.com/office/drawing/2014/main" id="{173D11A5-7C87-5ED0-4706-5C4F38AC9133}"/>
+                </a:ext>
+              </a:extLst>
+            </p:cNvPr>
+            <p:cNvSpPr/>
+            <p:nvPr/>
+          </p:nvSpPr>
+          <p:spPr>
+            <a:xfrm>
+              <a:off x="2299029" y="2351303"/>
+              <a:ext cx="212652" cy="212652"/>
+            </a:xfrm>
+            <a:prstGeom prst="ellipse">
+              <a:avLst/>
+            </a:prstGeom>
+            <a:solidFill>
+              <a:schemeClr val="bg1"/>
+            </a:solidFill>
+            <a:ln>
+              <a:solidFill>
+                <a:schemeClr val="tx1"/>
+              </a:solidFill>
+            </a:ln>
+          </p:spPr>
+          <p:style>
+            <a:lnRef idx="2">
+              <a:schemeClr val="accent1">
+                <a:shade val="15000"/>
+              </a:schemeClr>
+            </a:lnRef>
+            <a:fillRef idx="1">
+              <a:schemeClr val="accent1"/>
+            </a:fillRef>
+            <a:effectRef idx="0">
+              <a:schemeClr val="accent1"/>
+            </a:effectRef>
+            <a:fontRef idx="minor">
+              <a:schemeClr val="lt1"/>
+            </a:fontRef>
+          </p:style>
+          <p:txBody>
+            <a:bodyPr rtlCol="0" anchor="ctr"/>
+            <a:lstStyle/>
+            <a:p>
+              <a:pPr algn="ctr"/>
+              <a:endParaRPr lang="en-US"/>
+            </a:p>
+          </p:txBody>
+        </p:sp>
+        <p:pic>
+          <p:nvPicPr>
+            <p:cNvPr id="25" name="Picture 2" descr="Document, file, yml icon">
+              <a:extLst>
+                <a:ext uri="{FF2B5EF4-FFF2-40B4-BE49-F238E27FC236}">
+                  <a16:creationId xmlns:a16="http://schemas.microsoft.com/office/drawing/2014/main" id="{6BE7C17E-4FE8-73DF-5D5E-219C22FDE596}"/>
+                </a:ext>
+              </a:extLst>
+            </p:cNvPr>
+            <p:cNvPicPr>
+              <a:picLocks noChangeAspect="1" noChangeArrowheads="1"/>
+            </p:cNvPicPr>
+            <p:nvPr/>
+          </p:nvPicPr>
+          <p:blipFill>
+            <a:blip r:embed="rId3">
+              <a:duotone>
+                <a:prstClr val="black"/>
+                <a:srgbClr val="D2D2D2">
+                  <a:tint val="45000"/>
+                  <a:satMod val="400000"/>
+                </a:srgbClr>
+              </a:duotone>
+              <a:extLst>
+                <a:ext uri="{28A0092B-C50C-407E-A947-70E740481C1C}">
+                  <a14:useLocalDpi xmlns:a14="http://schemas.microsoft.com/office/drawing/2010/main" val="0"/>
+                </a:ext>
+              </a:extLst>
+            </a:blip>
+            <a:srcRect/>
+            <a:stretch>
+              <a:fillRect/>
+            </a:stretch>
+          </p:blipFill>
+          <p:spPr bwMode="auto">
+            <a:xfrm>
+              <a:off x="2338117" y="2385778"/>
+              <a:ext cx="136800" cy="136800"/>
+            </a:xfrm>
+            <a:prstGeom prst="rect">
+              <a:avLst/>
+            </a:prstGeom>
+            <a:solidFill>
+              <a:srgbClr val="FFFFFF"/>
+            </a:solidFill>
+          </p:spPr>
+        </p:pic>
+      </p:grpSp>
+      <p:grpSp>
+        <p:nvGrpSpPr>
+          <p:cNvPr id="31" name="Group 30">
+            <a:extLst>
+              <a:ext uri="{FF2B5EF4-FFF2-40B4-BE49-F238E27FC236}">
+                <a16:creationId xmlns:a16="http://schemas.microsoft.com/office/drawing/2014/main" id="{36439E1B-C5DF-F8BA-1FF8-F136DB63D1D5}"/>
+              </a:ext>
+            </a:extLst>
+          </p:cNvPr>
+          <p:cNvGrpSpPr/>
+          <p:nvPr/>
+        </p:nvGrpSpPr>
+        <p:grpSpPr>
+          <a:xfrm>
+            <a:off x="4614431" y="2343384"/>
+            <a:ext cx="212652" cy="212652"/>
+            <a:chOff x="2299029" y="2351303"/>
+            <a:chExt cx="212652" cy="212652"/>
+          </a:xfrm>
+        </p:grpSpPr>
+        <p:sp>
+          <p:nvSpPr>
+            <p:cNvPr id="32" name="Oval 31">
+              <a:extLst>
+                <a:ext uri="{FF2B5EF4-FFF2-40B4-BE49-F238E27FC236}">
+                  <a16:creationId xmlns:a16="http://schemas.microsoft.com/office/drawing/2014/main" id="{32546977-9435-83A9-5B96-47DD7547107D}"/>
+                </a:ext>
+              </a:extLst>
+            </p:cNvPr>
+            <p:cNvSpPr/>
+            <p:nvPr/>
+          </p:nvSpPr>
+          <p:spPr>
+            <a:xfrm>
+              <a:off x="2299029" y="2351303"/>
+              <a:ext cx="212652" cy="212652"/>
+            </a:xfrm>
+            <a:prstGeom prst="ellipse">
+              <a:avLst/>
+            </a:prstGeom>
+            <a:solidFill>
+              <a:schemeClr val="bg1"/>
+            </a:solidFill>
+            <a:ln>
+              <a:solidFill>
+                <a:schemeClr val="tx1"/>
+              </a:solidFill>
+            </a:ln>
+          </p:spPr>
+          <p:style>
+            <a:lnRef idx="2">
+              <a:schemeClr val="accent1">
+                <a:shade val="15000"/>
+              </a:schemeClr>
+            </a:lnRef>
+            <a:fillRef idx="1">
+              <a:schemeClr val="accent1"/>
+            </a:fillRef>
+            <a:effectRef idx="0">
+              <a:schemeClr val="accent1"/>
+            </a:effectRef>
+            <a:fontRef idx="minor">
+              <a:schemeClr val="lt1"/>
+            </a:fontRef>
+          </p:style>
+          <p:txBody>
+            <a:bodyPr rtlCol="0" anchor="ctr"/>
+            <a:lstStyle/>
+            <a:p>
+              <a:pPr algn="ctr"/>
+              <a:endParaRPr lang="en-US"/>
+            </a:p>
+          </p:txBody>
+        </p:sp>
+        <p:pic>
+          <p:nvPicPr>
+            <p:cNvPr id="33" name="Picture 2" descr="Document, file, yml icon">
+              <a:extLst>
+                <a:ext uri="{FF2B5EF4-FFF2-40B4-BE49-F238E27FC236}">
+                  <a16:creationId xmlns:a16="http://schemas.microsoft.com/office/drawing/2014/main" id="{65332E2D-DEB6-842F-C026-EABC38083334}"/>
+                </a:ext>
+              </a:extLst>
+            </p:cNvPr>
+            <p:cNvPicPr>
+              <a:picLocks noChangeAspect="1" noChangeArrowheads="1"/>
+            </p:cNvPicPr>
+            <p:nvPr/>
+          </p:nvPicPr>
+          <p:blipFill>
+            <a:blip r:embed="rId3">
+              <a:duotone>
+                <a:prstClr val="black"/>
+                <a:srgbClr val="D2D2D2">
+                  <a:tint val="45000"/>
+                  <a:satMod val="400000"/>
+                </a:srgbClr>
+              </a:duotone>
+              <a:extLst>
+                <a:ext uri="{28A0092B-C50C-407E-A947-70E740481C1C}">
+                  <a14:useLocalDpi xmlns:a14="http://schemas.microsoft.com/office/drawing/2010/main" val="0"/>
+                </a:ext>
+              </a:extLst>
+            </a:blip>
+            <a:srcRect/>
+            <a:stretch>
+              <a:fillRect/>
+            </a:stretch>
+          </p:blipFill>
+          <p:spPr bwMode="auto">
+            <a:xfrm>
+              <a:off x="2338117" y="2385778"/>
+              <a:ext cx="136800" cy="136800"/>
+            </a:xfrm>
+            <a:prstGeom prst="rect">
+              <a:avLst/>
+            </a:prstGeom>
+            <a:solidFill>
+              <a:srgbClr val="FFFFFF"/>
+            </a:solidFill>
+          </p:spPr>
+        </p:pic>
+      </p:grpSp>
+      <p:cxnSp>
+        <p:nvCxnSpPr>
+          <p:cNvPr id="34" name="Straight Arrow Connector 12">
+            <a:extLst>
+              <a:ext uri="{FF2B5EF4-FFF2-40B4-BE49-F238E27FC236}">
+                <a16:creationId xmlns:a16="http://schemas.microsoft.com/office/drawing/2014/main" id="{B4293E8F-3666-6F09-A960-7382FA517A69}"/>
+              </a:ext>
+            </a:extLst>
+          </p:cNvPr>
+          <p:cNvCxnSpPr>
+            <a:cxnSpLocks/>
+            <a:stCxn id="5" idx="2"/>
+            <a:endCxn id="7" idx="0"/>
+          </p:cNvCxnSpPr>
+          <p:nvPr/>
+        </p:nvCxnSpPr>
+        <p:spPr>
+          <a:xfrm>
+            <a:off x="5413020" y="2082505"/>
+            <a:ext cx="0" cy="151012"/>
+          </a:xfrm>
+          <a:prstGeom prst="straightConnector1">
+            <a:avLst/>
+          </a:prstGeom>
+          <a:ln w="28575">
+            <a:solidFill>
+              <a:schemeClr val="tx2">
+                <a:lumMod val="60000"/>
+                <a:lumOff val="40000"/>
+              </a:schemeClr>
+            </a:solidFill>
+            <a:prstDash val="solid"/>
+            <a:tailEnd type="triangle" w="med" len="sm"/>
+          </a:ln>
+        </p:spPr>
+        <p:style>
+          <a:lnRef idx="1">
+            <a:schemeClr val="accent1"/>
+          </a:lnRef>
+          <a:fillRef idx="0">
+            <a:schemeClr val="accent1"/>
+          </a:fillRef>
+          <a:effectRef idx="0">
+            <a:schemeClr val="accent1"/>
+          </a:effectRef>
+          <a:fontRef idx="minor">
+            <a:schemeClr val="tx1"/>
+          </a:fontRef>
+        </p:style>
+      </p:cxnSp>
+      <p:cxnSp>
+        <p:nvCxnSpPr>
+          <p:cNvPr id="39" name="Straight Arrow Connector 12">
+            <a:extLst>
+              <a:ext uri="{FF2B5EF4-FFF2-40B4-BE49-F238E27FC236}">
+                <a16:creationId xmlns:a16="http://schemas.microsoft.com/office/drawing/2014/main" id="{A0FDBF1F-22BB-3F35-269E-2CF3D07AD725}"/>
+              </a:ext>
+            </a:extLst>
+          </p:cNvPr>
+          <p:cNvCxnSpPr>
+            <a:cxnSpLocks/>
+            <a:stCxn id="9" idx="2"/>
+            <a:endCxn id="10" idx="0"/>
+          </p:cNvCxnSpPr>
+          <p:nvPr/>
+        </p:nvCxnSpPr>
+        <p:spPr>
+          <a:xfrm>
+            <a:off x="4165560" y="3958546"/>
+            <a:ext cx="0" cy="181848"/>
+          </a:xfrm>
+          <a:prstGeom prst="straightConnector1">
+            <a:avLst/>
+          </a:prstGeom>
+          <a:ln w="28575">
+            <a:solidFill>
+              <a:schemeClr val="tx2">
+                <a:lumMod val="60000"/>
+                <a:lumOff val="40000"/>
+              </a:schemeClr>
+            </a:solidFill>
+            <a:prstDash val="solid"/>
+            <a:tailEnd type="triangle" w="med" len="sm"/>
+          </a:ln>
+        </p:spPr>
+        <p:style>
+          <a:lnRef idx="1">
+            <a:schemeClr val="accent1"/>
+          </a:lnRef>
+          <a:fillRef idx="0">
+            <a:schemeClr val="accent1"/>
+          </a:fillRef>
+          <a:effectRef idx="0">
+            <a:schemeClr val="accent1"/>
+          </a:effectRef>
+          <a:fontRef idx="minor">
+            <a:schemeClr val="tx1"/>
+          </a:fontRef>
+        </p:style>
+      </p:cxnSp>
+      <p:cxnSp>
+        <p:nvCxnSpPr>
+          <p:cNvPr id="42" name="Straight Arrow Connector 12">
+            <a:extLst>
+              <a:ext uri="{FF2B5EF4-FFF2-40B4-BE49-F238E27FC236}">
+                <a16:creationId xmlns:a16="http://schemas.microsoft.com/office/drawing/2014/main" id="{F19D6425-B8CD-2BBA-13EE-8323E9CE6105}"/>
+              </a:ext>
+            </a:extLst>
+          </p:cNvPr>
+          <p:cNvCxnSpPr>
+            <a:cxnSpLocks/>
+            <a:stCxn id="8" idx="2"/>
+            <a:endCxn id="9" idx="0"/>
+          </p:cNvCxnSpPr>
+          <p:nvPr/>
+        </p:nvCxnSpPr>
+        <p:spPr>
+          <a:xfrm>
+            <a:off x="4165560" y="3365407"/>
+            <a:ext cx="0" cy="154140"/>
+          </a:xfrm>
+          <a:prstGeom prst="straightConnector1">
+            <a:avLst/>
+          </a:prstGeom>
+          <a:ln w="28575">
+            <a:solidFill>
+              <a:schemeClr val="tx2">
+                <a:lumMod val="60000"/>
+                <a:lumOff val="40000"/>
+              </a:schemeClr>
+            </a:solidFill>
+            <a:prstDash val="solid"/>
+            <a:tailEnd type="triangle" w="med" len="sm"/>
+          </a:ln>
+        </p:spPr>
+        <p:style>
+          <a:lnRef idx="1">
+            <a:schemeClr val="accent1"/>
+          </a:lnRef>
+          <a:fillRef idx="0">
+            <a:schemeClr val="accent1"/>
+          </a:fillRef>
+          <a:effectRef idx="0">
+            <a:schemeClr val="accent1"/>
+          </a:effectRef>
+          <a:fontRef idx="minor">
+            <a:schemeClr val="tx1"/>
+          </a:fontRef>
+        </p:style>
+      </p:cxnSp>
+      <p:cxnSp>
+        <p:nvCxnSpPr>
+          <p:cNvPr id="45" name="Straight Arrow Connector 12">
+            <a:extLst>
+              <a:ext uri="{FF2B5EF4-FFF2-40B4-BE49-F238E27FC236}">
+                <a16:creationId xmlns:a16="http://schemas.microsoft.com/office/drawing/2014/main" id="{42A1ECB4-A1D1-A13B-3FB5-50294603590C}"/>
+              </a:ext>
+            </a:extLst>
+          </p:cNvPr>
+          <p:cNvCxnSpPr>
+            <a:cxnSpLocks/>
+            <a:stCxn id="7" idx="2"/>
+            <a:endCxn id="8" idx="0"/>
+          </p:cNvCxnSpPr>
+          <p:nvPr/>
+        </p:nvCxnSpPr>
+        <p:spPr>
+          <a:xfrm rot="5400000">
+            <a:off x="4662344" y="2175732"/>
+            <a:ext cx="253892" cy="1247460"/>
+          </a:xfrm>
+          <a:prstGeom prst="bentConnector3">
+            <a:avLst>
+              <a:gd name="adj1" fmla="val 50000"/>
+            </a:avLst>
+          </a:prstGeom>
+          <a:ln w="28575">
+            <a:solidFill>
+              <a:schemeClr val="tx2">
+                <a:lumMod val="60000"/>
+                <a:lumOff val="40000"/>
+              </a:schemeClr>
+            </a:solidFill>
+            <a:prstDash val="solid"/>
+            <a:tailEnd type="triangle" w="med" len="sm"/>
+          </a:ln>
+        </p:spPr>
+        <p:style>
+          <a:lnRef idx="1">
+            <a:schemeClr val="accent1"/>
+          </a:lnRef>
+          <a:fillRef idx="0">
+            <a:schemeClr val="accent1"/>
+          </a:fillRef>
+          <a:effectRef idx="0">
+            <a:schemeClr val="accent1"/>
+          </a:effectRef>
+          <a:fontRef idx="minor">
+            <a:schemeClr val="tx1"/>
+          </a:fontRef>
+        </p:style>
+      </p:cxnSp>
+      <p:cxnSp>
+        <p:nvCxnSpPr>
+          <p:cNvPr id="48" name="Straight Arrow Connector 12">
+            <a:extLst>
+              <a:ext uri="{FF2B5EF4-FFF2-40B4-BE49-F238E27FC236}">
+                <a16:creationId xmlns:a16="http://schemas.microsoft.com/office/drawing/2014/main" id="{D0B68F8F-822D-B8F1-BDDE-496B83730603}"/>
+              </a:ext>
+            </a:extLst>
+          </p:cNvPr>
+          <p:cNvCxnSpPr>
+            <a:cxnSpLocks/>
+            <a:stCxn id="7" idx="2"/>
+            <a:endCxn id="11" idx="0"/>
+          </p:cNvCxnSpPr>
+          <p:nvPr/>
+        </p:nvCxnSpPr>
+        <p:spPr>
+          <a:xfrm rot="16200000" flipH="1">
+            <a:off x="5822548" y="2262987"/>
+            <a:ext cx="253892" cy="1072949"/>
+          </a:xfrm>
+          <a:prstGeom prst="bentConnector3">
+            <a:avLst>
+              <a:gd name="adj1" fmla="val 50000"/>
+            </a:avLst>
+          </a:prstGeom>
+          <a:ln w="28575">
+            <a:solidFill>
+              <a:schemeClr val="tx2">
+                <a:lumMod val="60000"/>
+                <a:lumOff val="40000"/>
+              </a:schemeClr>
+            </a:solidFill>
+            <a:prstDash val="solid"/>
+            <a:tailEnd type="triangle" w="med" len="sm"/>
+          </a:ln>
+        </p:spPr>
+        <p:style>
+          <a:lnRef idx="1">
+            <a:schemeClr val="accent1"/>
+          </a:lnRef>
+          <a:fillRef idx="0">
+            <a:schemeClr val="accent1"/>
+          </a:fillRef>
+          <a:effectRef idx="0">
+            <a:schemeClr val="accent1"/>
+          </a:effectRef>
+          <a:fontRef idx="minor">
+            <a:schemeClr val="tx1"/>
+          </a:fontRef>
+        </p:style>
+      </p:cxnSp>
+    </p:spTree>
+    <p:extLst>
+      <p:ext uri="{BB962C8B-B14F-4D97-AF65-F5344CB8AC3E}">
+        <p14:creationId xmlns:p14="http://schemas.microsoft.com/office/powerpoint/2010/main" val="529281061"/>
+      </p:ext>
+    </p:extLst>
+  </p:cSld>
+  <p:clrMapOvr>
+    <a:masterClrMapping/>
+  </p:clrMapOvr>
+</p:sld>
+</file>
+
+<file path=ppt/slides/slide4.xml><?xml version="1.0" encoding="utf-8"?>
 <p:sld xmlns:a="http://schemas.openxmlformats.org/drawingml/2006/main" xmlns:r="http://schemas.openxmlformats.org/officeDocument/2006/relationships" xmlns:p="http://schemas.openxmlformats.org/presentationml/2006/main">
   <p:cSld>
     <p:spTree>
@@ -10376,7 +11866,7 @@
 </p:sld>
 </file>
 
-<file path=ppt/slides/slide4.xml><?xml version="1.0" encoding="utf-8"?>
+<file path=ppt/slides/slide5.xml><?xml version="1.0" encoding="utf-8"?>
 <p:sld xmlns:a="http://schemas.openxmlformats.org/drawingml/2006/main" xmlns:r="http://schemas.openxmlformats.org/officeDocument/2006/relationships" xmlns:p="http://schemas.openxmlformats.org/presentationml/2006/main" show="0">
   <p:cSld>
     <p:spTree>

--- a/docs/wiki/media/src/DevOps Self-Hosted Diagrams.pptx
+++ b/docs/wiki/media/src/DevOps Self-Hosted Diagrams.pptx
@@ -6,7 +6,7 @@
   </p:sldMasterIdLst>
   <p:sldIdLst>
     <p:sldId id="256" r:id="rId2"/>
-    <p:sldId id="263" r:id="rId3"/>
+    <p:sldId id="265" r:id="rId3"/>
     <p:sldId id="264" r:id="rId4"/>
     <p:sldId id="259" r:id="rId5"/>
     <p:sldId id="261" r:id="rId6"/>
@@ -5984,8 +5984,8 @@
         </p:nvSpPr>
         <p:spPr>
           <a:xfrm>
-            <a:off x="276991" y="1668631"/>
-            <a:ext cx="9025759" cy="3703469"/>
+            <a:off x="2913321" y="1668631"/>
+            <a:ext cx="7716580" cy="3703469"/>
           </a:xfrm>
           <a:prstGeom prst="rect">
             <a:avLst/>
@@ -6063,8 +6063,8 @@
         </p:nvSpPr>
         <p:spPr>
           <a:xfrm>
-            <a:off x="371456" y="1997104"/>
-            <a:ext cx="5737520" cy="563181"/>
+            <a:off x="3007785" y="1997105"/>
+            <a:ext cx="2330177" cy="1168660"/>
           </a:xfrm>
           <a:prstGeom prst="rect">
             <a:avLst/>
@@ -6098,7 +6098,7 @@
           </a:fontRef>
         </p:style>
         <p:txBody>
-          <a:bodyPr rtlCol="0" anchor="ctr"/>
+          <a:bodyPr rtlCol="0" anchor="t"/>
           <a:lstStyle/>
           <a:p>
             <a:r>
@@ -6107,211 +6107,8 @@
                   <a:schemeClr val="bg1"/>
                 </a:solidFill>
               </a:rPr>
-              <a:t>         Azure Compute Gallery</a:t>
+              <a:t>       Azure Compute Gallery</a:t>
             </a:r>
-          </a:p>
-        </p:txBody>
-      </p:sp>
-      <p:sp>
-        <p:nvSpPr>
-          <p:cNvPr id="9" name="Rectangle 8">
-            <a:extLst>
-              <a:ext uri="{FF2B5EF4-FFF2-40B4-BE49-F238E27FC236}">
-                <a16:creationId xmlns:a16="http://schemas.microsoft.com/office/drawing/2014/main" id="{1F004F42-809C-4845-AF2D-DDF4061EA8DF}"/>
-              </a:ext>
-            </a:extLst>
-          </p:cNvPr>
-          <p:cNvSpPr/>
-          <p:nvPr/>
-        </p:nvSpPr>
-        <p:spPr>
-          <a:xfrm>
-            <a:off x="2399481" y="2024573"/>
-            <a:ext cx="3565554" cy="498696"/>
-          </a:xfrm>
-          <a:prstGeom prst="rect">
-            <a:avLst/>
-          </a:prstGeom>
-          <a:solidFill>
-            <a:srgbClr val="8FAADC"/>
-          </a:solidFill>
-          <a:ln w="6350">
-            <a:solidFill>
-              <a:schemeClr val="tx1">
-                <a:lumMod val="50000"/>
-                <a:lumOff val="50000"/>
-              </a:schemeClr>
-            </a:solidFill>
-          </a:ln>
-        </p:spPr>
-        <p:style>
-          <a:lnRef idx="2">
-            <a:schemeClr val="accent1">
-              <a:shade val="50000"/>
-            </a:schemeClr>
-          </a:lnRef>
-          <a:fillRef idx="1">
-            <a:schemeClr val="accent1"/>
-          </a:fillRef>
-          <a:effectRef idx="0">
-            <a:schemeClr val="accent1"/>
-          </a:effectRef>
-          <a:fontRef idx="minor">
-            <a:schemeClr val="lt1"/>
-          </a:fontRef>
-        </p:style>
-        <p:txBody>
-          <a:bodyPr rtlCol="0" anchor="ctr"/>
-          <a:lstStyle/>
-          <a:p>
-            <a:r>
-              <a:rPr lang="en-US" sz="1600" dirty="0">
-                <a:solidFill>
-                  <a:schemeClr val="tx1">
-                    <a:lumMod val="75000"/>
-                    <a:lumOff val="25000"/>
-                  </a:schemeClr>
-                </a:solidFill>
-              </a:rPr>
-              <a:t>      </a:t>
-            </a:r>
-            <a:r>
-              <a:rPr lang="en-DE" sz="1600" dirty="0">
-                <a:solidFill>
-                  <a:schemeClr val="tx1">
-                    <a:lumMod val="75000"/>
-                    <a:lumOff val="25000"/>
-                  </a:schemeClr>
-                </a:solidFill>
-              </a:rPr>
-              <a:t>  </a:t>
-            </a:r>
-            <a:r>
-              <a:rPr lang="en-US" sz="1200" dirty="0">
-                <a:solidFill>
-                  <a:schemeClr val="tx1">
-                    <a:lumMod val="75000"/>
-                    <a:lumOff val="25000"/>
-                  </a:schemeClr>
-                </a:solidFill>
-              </a:rPr>
-              <a:t>Image (Definition)</a:t>
-            </a:r>
-            <a:endParaRPr lang="en-US" sz="1600" dirty="0">
-              <a:solidFill>
-                <a:schemeClr val="tx1">
-                  <a:lumMod val="75000"/>
-                  <a:lumOff val="25000"/>
-                </a:schemeClr>
-              </a:solidFill>
-            </a:endParaRPr>
-          </a:p>
-        </p:txBody>
-      </p:sp>
-      <p:sp>
-        <p:nvSpPr>
-          <p:cNvPr id="12" name="Rectangle 11">
-            <a:extLst>
-              <a:ext uri="{FF2B5EF4-FFF2-40B4-BE49-F238E27FC236}">
-                <a16:creationId xmlns:a16="http://schemas.microsoft.com/office/drawing/2014/main" id="{A36289ED-8617-4697-B7E6-A8A69297DEEA}"/>
-              </a:ext>
-            </a:extLst>
-          </p:cNvPr>
-          <p:cNvSpPr/>
-          <p:nvPr/>
-        </p:nvSpPr>
-        <p:spPr>
-          <a:xfrm>
-            <a:off x="4083547" y="2052159"/>
-            <a:ext cx="1748645" cy="438276"/>
-          </a:xfrm>
-          <a:prstGeom prst="rect">
-            <a:avLst/>
-          </a:prstGeom>
-          <a:solidFill>
-            <a:schemeClr val="bg1"/>
-          </a:solidFill>
-          <a:ln w="6350">
-            <a:solidFill>
-              <a:schemeClr val="tx1">
-                <a:lumMod val="50000"/>
-                <a:lumOff val="50000"/>
-              </a:schemeClr>
-            </a:solidFill>
-          </a:ln>
-        </p:spPr>
-        <p:style>
-          <a:lnRef idx="2">
-            <a:schemeClr val="accent1">
-              <a:shade val="50000"/>
-            </a:schemeClr>
-          </a:lnRef>
-          <a:fillRef idx="1">
-            <a:schemeClr val="accent1"/>
-          </a:fillRef>
-          <a:effectRef idx="0">
-            <a:schemeClr val="accent1"/>
-          </a:effectRef>
-          <a:fontRef idx="minor">
-            <a:schemeClr val="lt1"/>
-          </a:fontRef>
-        </p:style>
-        <p:txBody>
-          <a:bodyPr rtlCol="0" anchor="ctr"/>
-          <a:lstStyle/>
-          <a:p>
-            <a:r>
-              <a:rPr lang="en-US" sz="1271">
-                <a:solidFill>
-                  <a:schemeClr val="tx1">
-                    <a:lumMod val="75000"/>
-                    <a:lumOff val="25000"/>
-                  </a:schemeClr>
-                </a:solidFill>
-              </a:rPr>
-              <a:t>       </a:t>
-            </a:r>
-            <a:r>
-              <a:rPr lang="en-DE" sz="1271">
-                <a:solidFill>
-                  <a:schemeClr val="tx1">
-                    <a:lumMod val="75000"/>
-                    <a:lumOff val="25000"/>
-                  </a:schemeClr>
-                </a:solidFill>
-              </a:rPr>
-              <a:t>    </a:t>
-            </a:r>
-            <a:r>
-              <a:rPr lang="en-US" sz="1271">
-                <a:solidFill>
-                  <a:schemeClr val="tx1">
-                    <a:lumMod val="75000"/>
-                    <a:lumOff val="25000"/>
-                  </a:schemeClr>
-                </a:solidFill>
-              </a:rPr>
-              <a:t>Image </a:t>
-            </a:r>
-            <a:r>
-              <a:rPr lang="en-DE" sz="1271">
-                <a:solidFill>
-                  <a:schemeClr val="tx1">
-                    <a:lumMod val="75000"/>
-                    <a:lumOff val="25000"/>
-                  </a:schemeClr>
-                </a:solidFill>
-              </a:rPr>
-              <a:t>Version</a:t>
-            </a:r>
-            <a:endParaRPr lang="en-US" sz="1271">
-              <a:solidFill>
-                <a:schemeClr val="tx1">
-                  <a:lumMod val="75000"/>
-                  <a:lumOff val="25000"/>
-                </a:schemeClr>
-              </a:solidFill>
-            </a:endParaRPr>
           </a:p>
         </p:txBody>
       </p:sp>
@@ -6326,18 +6123,20 @@
           </p:cNvPr>
           <p:cNvCxnSpPr>
             <a:cxnSpLocks/>
-            <a:stCxn id="15" idx="0"/>
-            <a:endCxn id="24" idx="2"/>
+            <a:stCxn id="15" idx="1"/>
+            <a:endCxn id="24" idx="3"/>
           </p:cNvCxnSpPr>
           <p:nvPr/>
         </p:nvCxnSpPr>
         <p:spPr>
-          <a:xfrm rot="16200000" flipV="1">
-            <a:off x="7161082" y="2477365"/>
-            <a:ext cx="996654" cy="1025705"/>
+          <a:xfrm rot="10800000" flipV="1">
+            <a:off x="5221123" y="2216604"/>
+            <a:ext cx="1037213" cy="1339791"/>
           </a:xfrm>
           <a:prstGeom prst="bentConnector3">
-            <a:avLst/>
+            <a:avLst>
+              <a:gd name="adj1" fmla="val 50000"/>
+            </a:avLst>
           </a:prstGeom>
           <a:ln w="28575">
             <a:solidFill>
@@ -6347,7 +6146,7 @@
               </a:schemeClr>
             </a:solidFill>
             <a:prstDash val="solid"/>
-            <a:tailEnd type="triangle" w="med" len="sm"/>
+            <a:tailEnd type="triangle" w="lg" len="lg"/>
           </a:ln>
         </p:spPr>
         <p:style>
@@ -6396,7 +6195,7 @@
         </p:blipFill>
         <p:spPr>
           <a:xfrm>
-            <a:off x="315091" y="1688388"/>
+            <a:off x="2951420" y="1688388"/>
             <a:ext cx="259381" cy="259381"/>
           </a:xfrm>
           <a:prstGeom prst="rect">
@@ -6404,65 +6203,6 @@
           </a:prstGeom>
         </p:spPr>
       </p:pic>
-      <p:cxnSp>
-        <p:nvCxnSpPr>
-          <p:cNvPr id="28" name="Straight Arrow Connector 27">
-            <a:extLst>
-              <a:ext uri="{FF2B5EF4-FFF2-40B4-BE49-F238E27FC236}">
-                <a16:creationId xmlns:a16="http://schemas.microsoft.com/office/drawing/2014/main" id="{9B295CDC-D11D-4A95-B5D8-59FD165CF7C2}"/>
-              </a:ext>
-            </a:extLst>
-          </p:cNvPr>
-          <p:cNvCxnSpPr>
-            <a:cxnSpLocks/>
-            <a:stCxn id="24" idx="1"/>
-            <a:endCxn id="12" idx="3"/>
-          </p:cNvCxnSpPr>
-          <p:nvPr/>
-        </p:nvCxnSpPr>
-        <p:spPr>
-          <a:xfrm flipH="1" flipV="1">
-            <a:off x="5832192" y="2271297"/>
-            <a:ext cx="458838" cy="1456"/>
-          </a:xfrm>
-          <a:prstGeom prst="straightConnector1">
-            <a:avLst/>
-          </a:prstGeom>
-          <a:ln w="28575">
-            <a:gradFill flip="none" rotWithShape="1">
-              <a:gsLst>
-                <a:gs pos="100000">
-                  <a:schemeClr val="accent1">
-                    <a:lumMod val="5000"/>
-                    <a:lumOff val="95000"/>
-                  </a:schemeClr>
-                </a:gs>
-                <a:gs pos="40000">
-                  <a:schemeClr val="tx1"/>
-                </a:gs>
-              </a:gsLst>
-              <a:lin ang="10800000" scaled="1"/>
-              <a:tileRect/>
-            </a:gradFill>
-            <a:prstDash val="solid"/>
-            <a:tailEnd type="triangle" w="med" len="sm"/>
-          </a:ln>
-        </p:spPr>
-        <p:style>
-          <a:lnRef idx="1">
-            <a:schemeClr val="accent1"/>
-          </a:lnRef>
-          <a:fillRef idx="0">
-            <a:schemeClr val="accent1"/>
-          </a:fillRef>
-          <a:effectRef idx="0">
-            <a:schemeClr val="accent1"/>
-          </a:effectRef>
-          <a:fontRef idx="minor">
-            <a:schemeClr val="tx1"/>
-          </a:fontRef>
-        </p:style>
-      </p:cxnSp>
       <p:pic>
         <p:nvPicPr>
           <p:cNvPr id="3" name="Graphic 2">
@@ -6494,85 +6234,7 @@
         </p:blipFill>
         <p:spPr>
           <a:xfrm>
-            <a:off x="445803" y="2134306"/>
-            <a:ext cx="259200" cy="259200"/>
-          </a:xfrm>
-          <a:prstGeom prst="rect">
-            <a:avLst/>
-          </a:prstGeom>
-        </p:spPr>
-      </p:pic>
-      <p:pic>
-        <p:nvPicPr>
-          <p:cNvPr id="30" name="Graphic 29">
-            <a:extLst>
-              <a:ext uri="{FF2B5EF4-FFF2-40B4-BE49-F238E27FC236}">
-                <a16:creationId xmlns:a16="http://schemas.microsoft.com/office/drawing/2014/main" id="{C92A80E3-F34D-4C20-86FB-ABBA8B428B1F}"/>
-              </a:ext>
-            </a:extLst>
-          </p:cNvPr>
-          <p:cNvPicPr>
-            <a:picLocks noChangeAspect="1"/>
-          </p:cNvPicPr>
-          <p:nvPr/>
-        </p:nvPicPr>
-        <p:blipFill>
-          <a:blip r:embed="rId6">
-            <a:extLst>
-              <a:ext uri="{28A0092B-C50C-407E-A947-70E740481C1C}">
-                <a14:useLocalDpi xmlns:a14="http://schemas.microsoft.com/office/drawing/2010/main" val="0"/>
-              </a:ext>
-              <a:ext uri="{96DAC541-7B7A-43D3-8B79-37D633B846F1}">
-                <asvg:svgBlip xmlns:asvg="http://schemas.microsoft.com/office/drawing/2016/SVG/main" r:embed="rId7"/>
-              </a:ext>
-            </a:extLst>
-          </a:blip>
-          <a:stretch>
-            <a:fillRect/>
-          </a:stretch>
-        </p:blipFill>
-        <p:spPr>
-          <a:xfrm>
-            <a:off x="4196513" y="2125822"/>
-            <a:ext cx="259200" cy="259200"/>
-          </a:xfrm>
-          <a:prstGeom prst="rect">
-            <a:avLst/>
-          </a:prstGeom>
-        </p:spPr>
-      </p:pic>
-      <p:pic>
-        <p:nvPicPr>
-          <p:cNvPr id="32" name="Graphic 31">
-            <a:extLst>
-              <a:ext uri="{FF2B5EF4-FFF2-40B4-BE49-F238E27FC236}">
-                <a16:creationId xmlns:a16="http://schemas.microsoft.com/office/drawing/2014/main" id="{C6B2E2EE-3FE5-4F7B-826A-829E0649B33D}"/>
-              </a:ext>
-            </a:extLst>
-          </p:cNvPr>
-          <p:cNvPicPr>
-            <a:picLocks noChangeAspect="1"/>
-          </p:cNvPicPr>
-          <p:nvPr/>
-        </p:nvPicPr>
-        <p:blipFill>
-          <a:blip r:embed="rId8">
-            <a:extLst>
-              <a:ext uri="{28A0092B-C50C-407E-A947-70E740481C1C}">
-                <a14:useLocalDpi xmlns:a14="http://schemas.microsoft.com/office/drawing/2010/main" val="0"/>
-              </a:ext>
-              <a:ext uri="{96DAC541-7B7A-43D3-8B79-37D633B846F1}">
-                <asvg:svgBlip xmlns:asvg="http://schemas.microsoft.com/office/drawing/2016/SVG/main" r:embed="rId9"/>
-              </a:ext>
-            </a:extLst>
-          </a:blip>
-          <a:stretch>
-            <a:fillRect/>
-          </a:stretch>
-        </p:blipFill>
-        <p:spPr>
-          <a:xfrm>
-            <a:off x="2489336" y="2152977"/>
+            <a:off x="3061351" y="2023470"/>
             <a:ext cx="259200" cy="259200"/>
           </a:xfrm>
           <a:prstGeom prst="rect">
@@ -6582,10 +6244,10 @@
       </p:pic>
       <p:grpSp>
         <p:nvGrpSpPr>
-          <p:cNvPr id="25" name="Group 24">
-            <a:extLst>
-              <a:ext uri="{FF2B5EF4-FFF2-40B4-BE49-F238E27FC236}">
-                <a16:creationId xmlns:a16="http://schemas.microsoft.com/office/drawing/2014/main" id="{3D2FB50D-E0B2-71E5-D7F5-0AB4DF038C05}"/>
+          <p:cNvPr id="2" name="Group 1">
+            <a:extLst>
+              <a:ext uri="{FF2B5EF4-FFF2-40B4-BE49-F238E27FC236}">
+                <a16:creationId xmlns:a16="http://schemas.microsoft.com/office/drawing/2014/main" id="{9A868943-9D2B-62EE-86A3-DFEDCE0430B8}"/>
               </a:ext>
             </a:extLst>
           </p:cNvPr>
@@ -6594,7 +6256,152 @@
         </p:nvGrpSpPr>
         <p:grpSpPr>
           <a:xfrm>
-            <a:off x="6139390" y="1247324"/>
+            <a:off x="3120191" y="2333178"/>
+            <a:ext cx="2169283" cy="779655"/>
+            <a:chOff x="2399481" y="2024573"/>
+            <a:chExt cx="2169283" cy="779655"/>
+          </a:xfrm>
+        </p:grpSpPr>
+        <p:sp>
+          <p:nvSpPr>
+            <p:cNvPr id="9" name="Rectangle 8">
+              <a:extLst>
+                <a:ext uri="{FF2B5EF4-FFF2-40B4-BE49-F238E27FC236}">
+                  <a16:creationId xmlns:a16="http://schemas.microsoft.com/office/drawing/2014/main" id="{1F004F42-809C-4845-AF2D-DDF4061EA8DF}"/>
+                </a:ext>
+              </a:extLst>
+            </p:cNvPr>
+            <p:cNvSpPr/>
+            <p:nvPr/>
+          </p:nvSpPr>
+          <p:spPr>
+            <a:xfrm>
+              <a:off x="2399481" y="2024573"/>
+              <a:ext cx="2169283" cy="779655"/>
+            </a:xfrm>
+            <a:prstGeom prst="rect">
+              <a:avLst/>
+            </a:prstGeom>
+            <a:solidFill>
+              <a:srgbClr val="8FAADC"/>
+            </a:solidFill>
+            <a:ln w="6350">
+              <a:solidFill>
+                <a:schemeClr val="tx1">
+                  <a:lumMod val="50000"/>
+                  <a:lumOff val="50000"/>
+                </a:schemeClr>
+              </a:solidFill>
+            </a:ln>
+          </p:spPr>
+          <p:style>
+            <a:lnRef idx="2">
+              <a:schemeClr val="accent1">
+                <a:shade val="50000"/>
+              </a:schemeClr>
+            </a:lnRef>
+            <a:fillRef idx="1">
+              <a:schemeClr val="accent1"/>
+            </a:fillRef>
+            <a:effectRef idx="0">
+              <a:schemeClr val="accent1"/>
+            </a:effectRef>
+            <a:fontRef idx="minor">
+              <a:schemeClr val="lt1"/>
+            </a:fontRef>
+          </p:style>
+          <p:txBody>
+            <a:bodyPr rtlCol="0" anchor="t"/>
+            <a:lstStyle/>
+            <a:p>
+              <a:r>
+                <a:rPr lang="en-US" sz="1600" dirty="0">
+                  <a:solidFill>
+                    <a:schemeClr val="tx1">
+                      <a:lumMod val="75000"/>
+                      <a:lumOff val="25000"/>
+                    </a:schemeClr>
+                  </a:solidFill>
+                </a:rPr>
+                <a:t>      </a:t>
+              </a:r>
+              <a:r>
+                <a:rPr lang="en-US" sz="1200" dirty="0">
+                  <a:solidFill>
+                    <a:schemeClr val="tx1">
+                      <a:lumMod val="75000"/>
+                      <a:lumOff val="25000"/>
+                    </a:schemeClr>
+                  </a:solidFill>
+                </a:rPr>
+                <a:t>Image (Definition)</a:t>
+              </a:r>
+              <a:endParaRPr lang="en-US" sz="1600" dirty="0">
+                <a:solidFill>
+                  <a:schemeClr val="tx1">
+                    <a:lumMod val="75000"/>
+                    <a:lumOff val="25000"/>
+                  </a:schemeClr>
+                </a:solidFill>
+              </a:endParaRPr>
+            </a:p>
+          </p:txBody>
+        </p:sp>
+        <p:pic>
+          <p:nvPicPr>
+            <p:cNvPr id="32" name="Graphic 31">
+              <a:extLst>
+                <a:ext uri="{FF2B5EF4-FFF2-40B4-BE49-F238E27FC236}">
+                  <a16:creationId xmlns:a16="http://schemas.microsoft.com/office/drawing/2014/main" id="{C6B2E2EE-3FE5-4F7B-826A-829E0649B33D}"/>
+                </a:ext>
+              </a:extLst>
+            </p:cNvPr>
+            <p:cNvPicPr>
+              <a:picLocks noChangeAspect="1"/>
+            </p:cNvPicPr>
+            <p:nvPr/>
+          </p:nvPicPr>
+          <p:blipFill>
+            <a:blip r:embed="rId6">
+              <a:extLst>
+                <a:ext uri="{28A0092B-C50C-407E-A947-70E740481C1C}">
+                  <a14:useLocalDpi xmlns:a14="http://schemas.microsoft.com/office/drawing/2010/main" val="0"/>
+                </a:ext>
+                <a:ext uri="{96DAC541-7B7A-43D3-8B79-37D633B846F1}">
+                  <asvg:svgBlip xmlns:asvg="http://schemas.microsoft.com/office/drawing/2016/SVG/main" r:embed="rId7"/>
+                </a:ext>
+              </a:extLst>
+            </a:blip>
+            <a:stretch>
+              <a:fillRect/>
+            </a:stretch>
+          </p:blipFill>
+          <p:spPr>
+            <a:xfrm>
+              <a:off x="2468555" y="2090632"/>
+              <a:ext cx="259200" cy="259200"/>
+            </a:xfrm>
+            <a:prstGeom prst="rect">
+              <a:avLst/>
+            </a:prstGeom>
+          </p:spPr>
+        </p:pic>
+      </p:grpSp>
+      <p:grpSp>
+        <p:nvGrpSpPr>
+          <p:cNvPr id="25" name="Group 24">
+            <a:extLst>
+              <a:ext uri="{FF2B5EF4-FFF2-40B4-BE49-F238E27FC236}">
+                <a16:creationId xmlns:a16="http://schemas.microsoft.com/office/drawing/2014/main" id="{3D2FB50D-E0B2-71E5-D7F5-0AB4DF038C05}"/>
+              </a:ext>
+            </a:extLst>
+          </p:cNvPr>
+          <p:cNvGrpSpPr/>
+          <p:nvPr/>
+        </p:nvGrpSpPr>
+        <p:grpSpPr>
+          <a:xfrm>
+            <a:off x="766367" y="1679062"/>
             <a:ext cx="2014329" cy="316359"/>
             <a:chOff x="6755783" y="2494850"/>
             <a:chExt cx="2014329" cy="316359"/>
@@ -6746,10 +6553,10 @@
         </p:nvGrpSpPr>
         <p:grpSpPr>
           <a:xfrm>
-            <a:off x="6291030" y="2053615"/>
-            <a:ext cx="1711051" cy="438276"/>
+            <a:off x="3472477" y="3337258"/>
+            <a:ext cx="1748645" cy="438276"/>
             <a:chOff x="7076430" y="3761274"/>
-            <a:chExt cx="1711051" cy="438276"/>
+            <a:chExt cx="1748645" cy="438276"/>
           </a:xfrm>
         </p:grpSpPr>
         <p:sp>
@@ -6767,7 +6574,7 @@
           <p:spPr>
             <a:xfrm>
               <a:off x="7076430" y="3761274"/>
-              <a:ext cx="1711051" cy="438276"/>
+              <a:ext cx="1748645" cy="438276"/>
             </a:xfrm>
             <a:prstGeom prst="rect">
               <a:avLst/>
@@ -6830,13 +6637,13 @@
             <p:nvPr/>
           </p:nvPicPr>
           <p:blipFill>
-            <a:blip r:embed="rId10">
+            <a:blip r:embed="rId8">
               <a:extLst>
                 <a:ext uri="{28A0092B-C50C-407E-A947-70E740481C1C}">
                   <a14:useLocalDpi xmlns:a14="http://schemas.microsoft.com/office/drawing/2010/main" val="0"/>
                 </a:ext>
                 <a:ext uri="{96DAC541-7B7A-43D3-8B79-37D633B846F1}">
-                  <asvg:svgBlip xmlns:asvg="http://schemas.microsoft.com/office/drawing/2016/SVG/main" r:embed="rId11"/>
+                  <asvg:svgBlip xmlns:asvg="http://schemas.microsoft.com/office/drawing/2016/SVG/main" r:embed="rId9"/>
                 </a:ext>
               </a:extLst>
             </a:blip>
@@ -6869,7 +6676,7 @@
         </p:nvGrpSpPr>
         <p:grpSpPr>
           <a:xfrm>
-            <a:off x="7160980" y="3488545"/>
+            <a:off x="6258335" y="1997105"/>
             <a:ext cx="2022562" cy="438999"/>
             <a:chOff x="3298738" y="2082102"/>
             <a:chExt cx="2022562" cy="438999"/>
@@ -6989,13 +6796,13 @@
             <p:nvPr/>
           </p:nvPicPr>
           <p:blipFill>
-            <a:blip r:embed="rId12">
+            <a:blip r:embed="rId10">
               <a:extLst>
                 <a:ext uri="{28A0092B-C50C-407E-A947-70E740481C1C}">
                   <a14:useLocalDpi xmlns:a14="http://schemas.microsoft.com/office/drawing/2010/main" val="0"/>
                 </a:ext>
                 <a:ext uri="{96DAC541-7B7A-43D3-8B79-37D633B846F1}">
-                  <asvg:svgBlip xmlns:asvg="http://schemas.microsoft.com/office/drawing/2016/SVG/main" r:embed="rId13"/>
+                  <asvg:svgBlip xmlns:asvg="http://schemas.microsoft.com/office/drawing/2016/SVG/main" r:embed="rId11"/>
                 </a:ext>
               </a:extLst>
             </a:blip>
@@ -7025,17 +6832,17 @@
           </p:cNvPr>
           <p:cNvCxnSpPr>
             <a:cxnSpLocks/>
-            <a:stCxn id="44" idx="0"/>
-            <a:endCxn id="24" idx="2"/>
+            <a:stCxn id="44" idx="1"/>
+            <a:endCxn id="24" idx="3"/>
           </p:cNvCxnSpPr>
           <p:nvPr/>
         </p:nvCxnSpPr>
         <p:spPr>
-          <a:xfrm rot="5400000" flipH="1" flipV="1">
-            <a:off x="4867551" y="1209541"/>
-            <a:ext cx="996655" cy="3561356"/>
-          </a:xfrm>
-          <a:prstGeom prst="bentConnector3">
+          <a:xfrm flipH="1" flipV="1">
+            <a:off x="5221122" y="3556396"/>
+            <a:ext cx="1047604" cy="3936"/>
+          </a:xfrm>
+          <a:prstGeom prst="straightConnector1">
             <a:avLst/>
           </a:prstGeom>
           <a:ln w="28575">
@@ -7046,7 +6853,7 @@
               </a:schemeClr>
             </a:solidFill>
             <a:prstDash val="solid"/>
-            <a:tailEnd type="triangle" w="med" len="sm"/>
+            <a:tailEnd type="triangle" w="lg" len="lg"/>
           </a:ln>
         </p:spPr>
         <p:style>
@@ -7078,7 +6885,7 @@
         </p:nvGrpSpPr>
         <p:grpSpPr>
           <a:xfrm>
-            <a:off x="7169212" y="4155913"/>
+            <a:off x="8471674" y="1995421"/>
             <a:ext cx="2014330" cy="438999"/>
             <a:chOff x="5792261" y="5264109"/>
             <a:chExt cx="2014330" cy="438999"/>
@@ -7206,13 +7013,13 @@
             <p:nvPr/>
           </p:nvPicPr>
           <p:blipFill>
-            <a:blip r:embed="rId12">
+            <a:blip r:embed="rId10">
               <a:extLst>
                 <a:ext uri="{28A0092B-C50C-407E-A947-70E740481C1C}">
                   <a14:useLocalDpi xmlns:a14="http://schemas.microsoft.com/office/drawing/2010/main" val="0"/>
                 </a:ext>
                 <a:ext uri="{96DAC541-7B7A-43D3-8B79-37D633B846F1}">
-                  <asvg:svgBlip xmlns:asvg="http://schemas.microsoft.com/office/drawing/2016/SVG/main" r:embed="rId13"/>
+                  <asvg:svgBlip xmlns:asvg="http://schemas.microsoft.com/office/drawing/2016/SVG/main" r:embed="rId11"/>
                 </a:ext>
               </a:extLst>
             </a:blip>
@@ -7242,18 +7049,20 @@
           </p:cNvPr>
           <p:cNvCxnSpPr>
             <a:cxnSpLocks/>
-            <a:stCxn id="88" idx="0"/>
-            <a:endCxn id="24" idx="2"/>
+            <a:stCxn id="88" idx="1"/>
+            <a:endCxn id="24" idx="3"/>
           </p:cNvCxnSpPr>
           <p:nvPr/>
         </p:nvCxnSpPr>
         <p:spPr>
-          <a:xfrm rot="5400000" flipH="1" flipV="1">
-            <a:off x="5977049" y="2301836"/>
-            <a:ext cx="979451" cy="1359563"/>
+          <a:xfrm rot="10800000" flipV="1">
+            <a:off x="5221122" y="2903320"/>
+            <a:ext cx="1040494" cy="653076"/>
           </a:xfrm>
           <a:prstGeom prst="bentConnector3">
-            <a:avLst/>
+            <a:avLst>
+              <a:gd name="adj1" fmla="val 50000"/>
+            </a:avLst>
           </a:prstGeom>
           <a:ln w="28575">
             <a:solidFill>
@@ -7263,7 +7072,7 @@
               </a:schemeClr>
             </a:solidFill>
             <a:prstDash val="solid"/>
-            <a:tailEnd type="triangle" w="med" len="sm"/>
+            <a:tailEnd type="triangle" w="lg" len="lg"/>
           </a:ln>
         </p:spPr>
         <p:style>
@@ -7295,7 +7104,7 @@
         </p:nvGrpSpPr>
         <p:grpSpPr>
           <a:xfrm>
-            <a:off x="2577200" y="3488546"/>
+            <a:off x="6268726" y="3340832"/>
             <a:ext cx="2016000" cy="438999"/>
             <a:chOff x="3872306" y="3672500"/>
             <a:chExt cx="2016000" cy="438999"/>
@@ -7423,13 +7232,13 @@
             <p:nvPr/>
           </p:nvPicPr>
           <p:blipFill>
-            <a:blip r:embed="rId14">
+            <a:blip r:embed="rId12">
               <a:extLst>
                 <a:ext uri="{28A0092B-C50C-407E-A947-70E740481C1C}">
                   <a14:useLocalDpi xmlns:a14="http://schemas.microsoft.com/office/drawing/2010/main" val="0"/>
                 </a:ext>
                 <a:ext uri="{96DAC541-7B7A-43D3-8B79-37D633B846F1}">
-                  <asvg:svgBlip xmlns:asvg="http://schemas.microsoft.com/office/drawing/2016/SVG/main" r:embed="rId15"/>
+                  <asvg:svgBlip xmlns:asvg="http://schemas.microsoft.com/office/drawing/2016/SVG/main" r:embed="rId13"/>
                 </a:ext>
               </a:extLst>
             </a:blip>
@@ -7462,7 +7271,7 @@
         </p:nvGrpSpPr>
         <p:grpSpPr>
           <a:xfrm>
-            <a:off x="2577200" y="4837178"/>
+            <a:off x="6268726" y="4724634"/>
             <a:ext cx="2016000" cy="438999"/>
             <a:chOff x="441386" y="5034221"/>
             <a:chExt cx="2016000" cy="438999"/>
@@ -7590,13 +7399,13 @@
             <p:nvPr/>
           </p:nvPicPr>
           <p:blipFill>
-            <a:blip r:embed="rId14">
+            <a:blip r:embed="rId12">
               <a:extLst>
                 <a:ext uri="{28A0092B-C50C-407E-A947-70E740481C1C}">
                   <a14:useLocalDpi xmlns:a14="http://schemas.microsoft.com/office/drawing/2010/main" val="0"/>
                 </a:ext>
                 <a:ext uri="{96DAC541-7B7A-43D3-8B79-37D633B846F1}">
-                  <asvg:svgBlip xmlns:asvg="http://schemas.microsoft.com/office/drawing/2016/SVG/main" r:embed="rId15"/>
+                  <asvg:svgBlip xmlns:asvg="http://schemas.microsoft.com/office/drawing/2016/SVG/main" r:embed="rId13"/>
                 </a:ext>
               </a:extLst>
             </a:blip>
@@ -7629,7 +7438,7 @@
         </p:nvGrpSpPr>
         <p:grpSpPr>
           <a:xfrm>
-            <a:off x="440763" y="3471343"/>
+            <a:off x="3489274" y="4063851"/>
             <a:ext cx="1731848" cy="438999"/>
             <a:chOff x="2294614" y="3677118"/>
             <a:chExt cx="1731848" cy="438999"/>
@@ -7747,13 +7556,13 @@
             <p:nvPr/>
           </p:nvPicPr>
           <p:blipFill>
-            <a:blip r:embed="rId16">
+            <a:blip r:embed="rId14">
               <a:extLst>
                 <a:ext uri="{28A0092B-C50C-407E-A947-70E740481C1C}">
                   <a14:useLocalDpi xmlns:a14="http://schemas.microsoft.com/office/drawing/2010/main" val="0"/>
                 </a:ext>
                 <a:ext uri="{96DAC541-7B7A-43D3-8B79-37D633B846F1}">
-                  <asvg:svgBlip xmlns:asvg="http://schemas.microsoft.com/office/drawing/2016/SVG/main" r:embed="rId17"/>
+                  <asvg:svgBlip xmlns:asvg="http://schemas.microsoft.com/office/drawing/2016/SVG/main" r:embed="rId15"/>
                 </a:ext>
               </a:extLst>
             </a:blip>
@@ -7783,28 +7592,29 @@
           </p:cNvPr>
           <p:cNvCxnSpPr>
             <a:cxnSpLocks/>
-            <a:stCxn id="62" idx="0"/>
-            <a:endCxn id="24" idx="2"/>
+            <a:stCxn id="24" idx="2"/>
+            <a:endCxn id="62" idx="0"/>
           </p:cNvCxnSpPr>
           <p:nvPr/>
         </p:nvCxnSpPr>
         <p:spPr>
-          <a:xfrm rot="5400000" flipH="1" flipV="1">
-            <a:off x="3736895" y="61683"/>
-            <a:ext cx="979452" cy="5839869"/>
+          <a:xfrm rot="16200000" flipH="1">
+            <a:off x="4206841" y="3915493"/>
+            <a:ext cx="288317" cy="8398"/>
           </a:xfrm>
           <a:prstGeom prst="bentConnector3">
-            <a:avLst/>
+            <a:avLst>
+              <a:gd name="adj1" fmla="val 50000"/>
+            </a:avLst>
           </a:prstGeom>
           <a:ln w="28575">
             <a:solidFill>
-              <a:schemeClr val="tx2">
-                <a:lumMod val="60000"/>
-                <a:lumOff val="40000"/>
+              <a:schemeClr val="accent1">
+                <a:lumMod val="75000"/>
               </a:schemeClr>
             </a:solidFill>
-            <a:prstDash val="solid"/>
-            <a:tailEnd type="triangle" w="med" len="sm"/>
+            <a:prstDash val="sysDot"/>
+            <a:tailEnd type="triangle" w="lg" len="lg"/>
           </a:ln>
         </p:spPr>
         <p:style>
@@ -7840,8 +7650,8 @@
         </p:nvCxnSpPr>
         <p:spPr>
           <a:xfrm rot="10800000">
-            <a:off x="1306688" y="3910342"/>
-            <a:ext cx="1270513" cy="1146336"/>
+            <a:off x="4355198" y="4502850"/>
+            <a:ext cx="1913528" cy="441284"/>
           </a:xfrm>
           <a:prstGeom prst="bentConnector2">
             <a:avLst/>
@@ -7853,7 +7663,642 @@
               </a:schemeClr>
             </a:solidFill>
             <a:prstDash val="sysDot"/>
-            <a:tailEnd type="triangle" w="med" len="sm"/>
+            <a:tailEnd type="triangle" w="lg" len="lg"/>
+          </a:ln>
+        </p:spPr>
+        <p:style>
+          <a:lnRef idx="1">
+            <a:schemeClr val="accent1"/>
+          </a:lnRef>
+          <a:fillRef idx="0">
+            <a:schemeClr val="accent1"/>
+          </a:fillRef>
+          <a:effectRef idx="0">
+            <a:schemeClr val="accent1"/>
+          </a:effectRef>
+          <a:fontRef idx="minor">
+            <a:schemeClr val="tx1"/>
+          </a:fontRef>
+        </p:style>
+      </p:cxnSp>
+      <p:grpSp>
+        <p:nvGrpSpPr>
+          <p:cNvPr id="91" name="Group 90">
+            <a:extLst>
+              <a:ext uri="{FF2B5EF4-FFF2-40B4-BE49-F238E27FC236}">
+                <a16:creationId xmlns:a16="http://schemas.microsoft.com/office/drawing/2014/main" id="{B2A33FC5-7D28-FD4D-42C8-E98DF202AD15}"/>
+              </a:ext>
+            </a:extLst>
+          </p:cNvPr>
+          <p:cNvGrpSpPr/>
+          <p:nvPr/>
+        </p:nvGrpSpPr>
+        <p:grpSpPr>
+          <a:xfrm>
+            <a:off x="6268726" y="4045344"/>
+            <a:ext cx="2016000" cy="438999"/>
+            <a:chOff x="3096290" y="5770939"/>
+            <a:chExt cx="2016000" cy="438999"/>
+          </a:xfrm>
+        </p:grpSpPr>
+        <p:sp>
+          <p:nvSpPr>
+            <p:cNvPr id="92" name="Rectangle 91">
+              <a:extLst>
+                <a:ext uri="{FF2B5EF4-FFF2-40B4-BE49-F238E27FC236}">
+                  <a16:creationId xmlns:a16="http://schemas.microsoft.com/office/drawing/2014/main" id="{BA04CB25-4FEB-7C38-0D66-63B406719A98}"/>
+                </a:ext>
+              </a:extLst>
+            </p:cNvPr>
+            <p:cNvSpPr/>
+            <p:nvPr/>
+          </p:nvSpPr>
+          <p:spPr>
+            <a:xfrm>
+              <a:off x="3096290" y="5770939"/>
+              <a:ext cx="2016000" cy="438999"/>
+            </a:xfrm>
+            <a:prstGeom prst="rect">
+              <a:avLst/>
+            </a:prstGeom>
+            <a:solidFill>
+              <a:schemeClr val="accent6">
+                <a:lumMod val="75000"/>
+              </a:schemeClr>
+            </a:solidFill>
+            <a:ln w="6350">
+              <a:solidFill>
+                <a:schemeClr val="tx1">
+                  <a:lumMod val="50000"/>
+                  <a:lumOff val="50000"/>
+                </a:schemeClr>
+              </a:solidFill>
+            </a:ln>
+          </p:spPr>
+          <p:style>
+            <a:lnRef idx="2">
+              <a:schemeClr val="accent1">
+                <a:shade val="50000"/>
+              </a:schemeClr>
+            </a:lnRef>
+            <a:fillRef idx="1">
+              <a:schemeClr val="accent1"/>
+            </a:fillRef>
+            <a:effectRef idx="0">
+              <a:schemeClr val="accent1"/>
+            </a:effectRef>
+            <a:fontRef idx="minor">
+              <a:schemeClr val="lt1"/>
+            </a:fontRef>
+          </p:style>
+          <p:txBody>
+            <a:bodyPr rtlCol="0" anchor="ctr"/>
+            <a:lstStyle/>
+            <a:p>
+              <a:r>
+                <a:rPr lang="en-US" sz="1271" i="1" dirty="0">
+                  <a:solidFill>
+                    <a:schemeClr val="bg1"/>
+                  </a:solidFill>
+                </a:rPr>
+                <a:t>     </a:t>
+              </a:r>
+              <a:r>
+                <a:rPr lang="en-DE" sz="1271" i="1" dirty="0">
+                  <a:solidFill>
+                    <a:schemeClr val="bg1"/>
+                  </a:solidFill>
+                </a:rPr>
+                <a:t> </a:t>
+              </a:r>
+              <a:r>
+                <a:rPr lang="en-US" sz="1271" i="1" dirty="0">
+                  <a:solidFill>
+                    <a:schemeClr val="bg1"/>
+                  </a:solidFill>
+                </a:rPr>
+                <a:t> </a:t>
+              </a:r>
+              <a:r>
+                <a:rPr lang="en-DE" sz="1271" i="1" dirty="0">
+                  <a:solidFill>
+                    <a:schemeClr val="bg1"/>
+                  </a:solidFill>
+                </a:rPr>
+                <a:t> </a:t>
+              </a:r>
+              <a:r>
+                <a:rPr lang="en-US" sz="1271" i="1" dirty="0">
+                  <a:solidFill>
+                    <a:schemeClr val="bg1"/>
+                  </a:solidFill>
+                </a:rPr>
+                <a:t>Storage Upload </a:t>
+              </a:r>
+            </a:p>
+            <a:p>
+              <a:r>
+                <a:rPr lang="en-US" sz="1271" dirty="0">
+                  <a:solidFill>
+                    <a:schemeClr val="bg1"/>
+                  </a:solidFill>
+                </a:rPr>
+                <a:t>        Deployment Script</a:t>
+              </a:r>
+            </a:p>
+          </p:txBody>
+        </p:sp>
+        <p:pic>
+          <p:nvPicPr>
+            <p:cNvPr id="93" name="Picture 92" descr="A blue ribbon with a white arrow&#10;&#10;Description automatically generated">
+              <a:extLst>
+                <a:ext uri="{FF2B5EF4-FFF2-40B4-BE49-F238E27FC236}">
+                  <a16:creationId xmlns:a16="http://schemas.microsoft.com/office/drawing/2014/main" id="{683B58BF-73D5-F017-F43D-D6C121ADAD56}"/>
+                </a:ext>
+              </a:extLst>
+            </p:cNvPr>
+            <p:cNvPicPr>
+              <a:picLocks noChangeAspect="1"/>
+            </p:cNvPicPr>
+            <p:nvPr/>
+          </p:nvPicPr>
+          <p:blipFill>
+            <a:blip r:embed="rId16">
+              <a:extLst>
+                <a:ext uri="{28A0092B-C50C-407E-A947-70E740481C1C}">
+                  <a14:useLocalDpi xmlns:a14="http://schemas.microsoft.com/office/drawing/2010/main" val="0"/>
+                </a:ext>
+              </a:extLst>
+            </a:blip>
+            <a:stretch>
+              <a:fillRect/>
+            </a:stretch>
+          </p:blipFill>
+          <p:spPr>
+            <a:xfrm>
+              <a:off x="3169138" y="5860838"/>
+              <a:ext cx="259201" cy="259200"/>
+            </a:xfrm>
+            <a:prstGeom prst="rect">
+              <a:avLst/>
+            </a:prstGeom>
+          </p:spPr>
+        </p:pic>
+      </p:grpSp>
+      <p:cxnSp>
+        <p:nvCxnSpPr>
+          <p:cNvPr id="111" name="Straight Arrow Connector 12">
+            <a:extLst>
+              <a:ext uri="{FF2B5EF4-FFF2-40B4-BE49-F238E27FC236}">
+                <a16:creationId xmlns:a16="http://schemas.microsoft.com/office/drawing/2014/main" id="{A2A4C4A3-06F3-1C5D-49DB-312ADDAF2A3E}"/>
+              </a:ext>
+            </a:extLst>
+          </p:cNvPr>
+          <p:cNvCxnSpPr>
+            <a:cxnSpLocks/>
+            <a:stCxn id="49" idx="3"/>
+            <a:endCxn id="56" idx="3"/>
+          </p:cNvCxnSpPr>
+          <p:nvPr/>
+        </p:nvCxnSpPr>
+        <p:spPr>
+          <a:xfrm>
+            <a:off x="8256323" y="3022913"/>
+            <a:ext cx="28403" cy="1921221"/>
+          </a:xfrm>
+          <a:prstGeom prst="bentConnector3">
+            <a:avLst>
+              <a:gd name="adj1" fmla="val 904845"/>
+            </a:avLst>
+          </a:prstGeom>
+          <a:ln w="28575">
+            <a:solidFill>
+              <a:schemeClr val="accent6">
+                <a:lumMod val="75000"/>
+              </a:schemeClr>
+            </a:solidFill>
+            <a:prstDash val="solid"/>
+            <a:tailEnd type="triangle" w="lg" len="lg"/>
+          </a:ln>
+        </p:spPr>
+        <p:style>
+          <a:lnRef idx="1">
+            <a:schemeClr val="accent1"/>
+          </a:lnRef>
+          <a:fillRef idx="0">
+            <a:schemeClr val="accent1"/>
+          </a:fillRef>
+          <a:effectRef idx="0">
+            <a:schemeClr val="accent1"/>
+          </a:effectRef>
+          <a:fontRef idx="minor">
+            <a:schemeClr val="tx1"/>
+          </a:fontRef>
+        </p:style>
+      </p:cxnSp>
+      <p:cxnSp>
+        <p:nvCxnSpPr>
+          <p:cNvPr id="114" name="Straight Arrow Connector 12">
+            <a:extLst>
+              <a:ext uri="{FF2B5EF4-FFF2-40B4-BE49-F238E27FC236}">
+                <a16:creationId xmlns:a16="http://schemas.microsoft.com/office/drawing/2014/main" id="{1C3B7B76-DBF9-7865-9CB8-1B2D1BE1AEFE}"/>
+              </a:ext>
+            </a:extLst>
+          </p:cNvPr>
+          <p:cNvCxnSpPr>
+            <a:cxnSpLocks/>
+            <a:stCxn id="11" idx="2"/>
+            <a:endCxn id="92" idx="3"/>
+          </p:cNvCxnSpPr>
+          <p:nvPr/>
+        </p:nvCxnSpPr>
+        <p:spPr>
+          <a:xfrm rot="5400000">
+            <a:off x="7966571" y="2752576"/>
+            <a:ext cx="1830424" cy="1194113"/>
+          </a:xfrm>
+          <a:prstGeom prst="curvedConnector2">
+            <a:avLst/>
+          </a:prstGeom>
+          <a:ln w="28575">
+            <a:solidFill>
+              <a:schemeClr val="accent4">
+                <a:lumMod val="50000"/>
+              </a:schemeClr>
+            </a:solidFill>
+            <a:prstDash val="sysDot"/>
+            <a:tailEnd type="triangle" w="lg" len="lg"/>
+          </a:ln>
+        </p:spPr>
+        <p:style>
+          <a:lnRef idx="1">
+            <a:schemeClr val="accent1"/>
+          </a:lnRef>
+          <a:fillRef idx="0">
+            <a:schemeClr val="accent1"/>
+          </a:fillRef>
+          <a:effectRef idx="0">
+            <a:schemeClr val="accent1"/>
+          </a:effectRef>
+          <a:fontRef idx="minor">
+            <a:schemeClr val="tx1"/>
+          </a:fontRef>
+        </p:style>
+      </p:cxnSp>
+      <p:cxnSp>
+        <p:nvCxnSpPr>
+          <p:cNvPr id="117" name="Straight Arrow Connector 12">
+            <a:extLst>
+              <a:ext uri="{FF2B5EF4-FFF2-40B4-BE49-F238E27FC236}">
+                <a16:creationId xmlns:a16="http://schemas.microsoft.com/office/drawing/2014/main" id="{0108775C-6369-9EB5-FF68-2811532470AA}"/>
+              </a:ext>
+            </a:extLst>
+          </p:cNvPr>
+          <p:cNvCxnSpPr>
+            <a:cxnSpLocks/>
+            <a:stCxn id="92" idx="2"/>
+            <a:endCxn id="56" idx="0"/>
+          </p:cNvCxnSpPr>
+          <p:nvPr/>
+        </p:nvCxnSpPr>
+        <p:spPr>
+          <a:xfrm>
+            <a:off x="7276726" y="4484343"/>
+            <a:ext cx="0" cy="240291"/>
+          </a:xfrm>
+          <a:prstGeom prst="straightConnector1">
+            <a:avLst/>
+          </a:prstGeom>
+          <a:ln w="28575">
+            <a:solidFill>
+              <a:schemeClr val="accent6">
+                <a:lumMod val="75000"/>
+              </a:schemeClr>
+            </a:solidFill>
+            <a:prstDash val="solid"/>
+            <a:tailEnd type="triangle" w="lg" len="lg"/>
+          </a:ln>
+        </p:spPr>
+        <p:style>
+          <a:lnRef idx="1">
+            <a:schemeClr val="accent1"/>
+          </a:lnRef>
+          <a:fillRef idx="0">
+            <a:schemeClr val="accent1"/>
+          </a:fillRef>
+          <a:effectRef idx="0">
+            <a:schemeClr val="accent1"/>
+          </a:effectRef>
+          <a:fontRef idx="minor">
+            <a:schemeClr val="tx1"/>
+          </a:fontRef>
+        </p:style>
+      </p:cxnSp>
+      <p:cxnSp>
+        <p:nvCxnSpPr>
+          <p:cNvPr id="120" name="Straight Arrow Connector 12">
+            <a:extLst>
+              <a:ext uri="{FF2B5EF4-FFF2-40B4-BE49-F238E27FC236}">
+                <a16:creationId xmlns:a16="http://schemas.microsoft.com/office/drawing/2014/main" id="{40A13BBA-8279-4F9B-224C-9DB9296A868A}"/>
+              </a:ext>
+            </a:extLst>
+          </p:cNvPr>
+          <p:cNvCxnSpPr>
+            <a:cxnSpLocks/>
+            <a:stCxn id="92" idx="0"/>
+            <a:endCxn id="44" idx="2"/>
+          </p:cNvCxnSpPr>
+          <p:nvPr/>
+        </p:nvCxnSpPr>
+        <p:spPr>
+          <a:xfrm flipV="1">
+            <a:off x="7276726" y="3779831"/>
+            <a:ext cx="0" cy="265513"/>
+          </a:xfrm>
+          <a:prstGeom prst="straightConnector1">
+            <a:avLst/>
+          </a:prstGeom>
+          <a:ln w="28575">
+            <a:solidFill>
+              <a:schemeClr val="accent6">
+                <a:lumMod val="75000"/>
+              </a:schemeClr>
+            </a:solidFill>
+            <a:prstDash val="sysDot"/>
+            <a:tailEnd type="triangle" w="lg" len="lg"/>
+          </a:ln>
+        </p:spPr>
+        <p:style>
+          <a:lnRef idx="1">
+            <a:schemeClr val="accent1"/>
+          </a:lnRef>
+          <a:fillRef idx="0">
+            <a:schemeClr val="accent1"/>
+          </a:fillRef>
+          <a:effectRef idx="0">
+            <a:schemeClr val="accent1"/>
+          </a:effectRef>
+          <a:fontRef idx="minor">
+            <a:schemeClr val="tx1"/>
+          </a:fontRef>
+        </p:style>
+      </p:cxnSp>
+      <p:cxnSp>
+        <p:nvCxnSpPr>
+          <p:cNvPr id="31" name="Straight Arrow Connector 30">
+            <a:extLst>
+              <a:ext uri="{FF2B5EF4-FFF2-40B4-BE49-F238E27FC236}">
+                <a16:creationId xmlns:a16="http://schemas.microsoft.com/office/drawing/2014/main" id="{2FF70B88-D4A8-21B5-89A6-7250C3517438}"/>
+              </a:ext>
+            </a:extLst>
+          </p:cNvPr>
+          <p:cNvCxnSpPr>
+            <a:cxnSpLocks/>
+            <a:stCxn id="24" idx="1"/>
+            <a:endCxn id="22" idx="2"/>
+          </p:cNvCxnSpPr>
+          <p:nvPr/>
+        </p:nvCxnSpPr>
+        <p:spPr>
+          <a:xfrm rot="10800000">
+            <a:off x="1773533" y="1995422"/>
+            <a:ext cx="1698945" cy="1560975"/>
+          </a:xfrm>
+          <a:prstGeom prst="bentConnector2">
+            <a:avLst/>
+          </a:prstGeom>
+          <a:ln w="28575">
+            <a:gradFill flip="none" rotWithShape="1">
+              <a:gsLst>
+                <a:gs pos="100000">
+                  <a:schemeClr val="accent1">
+                    <a:lumMod val="5000"/>
+                    <a:lumOff val="95000"/>
+                  </a:schemeClr>
+                </a:gs>
+                <a:gs pos="47000">
+                  <a:schemeClr val="tx1"/>
+                </a:gs>
+              </a:gsLst>
+              <a:lin ang="10800000" scaled="0"/>
+              <a:tileRect/>
+            </a:gradFill>
+            <a:prstDash val="solid"/>
+            <a:tailEnd type="triangle" w="lg" len="lg"/>
+          </a:ln>
+        </p:spPr>
+        <p:style>
+          <a:lnRef idx="1">
+            <a:schemeClr val="accent1"/>
+          </a:lnRef>
+          <a:fillRef idx="0">
+            <a:schemeClr val="accent1"/>
+          </a:fillRef>
+          <a:effectRef idx="0">
+            <a:schemeClr val="accent1"/>
+          </a:effectRef>
+          <a:fontRef idx="minor">
+            <a:schemeClr val="tx1"/>
+          </a:fontRef>
+        </p:style>
+      </p:cxnSp>
+      <p:grpSp>
+        <p:nvGrpSpPr>
+          <p:cNvPr id="6" name="Group 5">
+            <a:extLst>
+              <a:ext uri="{FF2B5EF4-FFF2-40B4-BE49-F238E27FC236}">
+                <a16:creationId xmlns:a16="http://schemas.microsoft.com/office/drawing/2014/main" id="{7195BD9B-D0F6-7F2F-89EF-15379E7FCFF5}"/>
+              </a:ext>
+            </a:extLst>
+          </p:cNvPr>
+          <p:cNvGrpSpPr/>
+          <p:nvPr/>
+        </p:nvGrpSpPr>
+        <p:grpSpPr>
+          <a:xfrm>
+            <a:off x="3472477" y="2618046"/>
+            <a:ext cx="1748645" cy="438276"/>
+            <a:chOff x="4083547" y="2052159"/>
+            <a:chExt cx="1748645" cy="438276"/>
+          </a:xfrm>
+        </p:grpSpPr>
+        <p:sp>
+          <p:nvSpPr>
+            <p:cNvPr id="12" name="Rectangle 11">
+              <a:extLst>
+                <a:ext uri="{FF2B5EF4-FFF2-40B4-BE49-F238E27FC236}">
+                  <a16:creationId xmlns:a16="http://schemas.microsoft.com/office/drawing/2014/main" id="{A36289ED-8617-4697-B7E6-A8A69297DEEA}"/>
+                </a:ext>
+              </a:extLst>
+            </p:cNvPr>
+            <p:cNvSpPr/>
+            <p:nvPr/>
+          </p:nvSpPr>
+          <p:spPr>
+            <a:xfrm>
+              <a:off x="4083547" y="2052159"/>
+              <a:ext cx="1748645" cy="438276"/>
+            </a:xfrm>
+            <a:prstGeom prst="rect">
+              <a:avLst/>
+            </a:prstGeom>
+            <a:solidFill>
+              <a:schemeClr val="bg1"/>
+            </a:solidFill>
+            <a:ln w="6350">
+              <a:solidFill>
+                <a:schemeClr val="tx1">
+                  <a:lumMod val="50000"/>
+                  <a:lumOff val="50000"/>
+                </a:schemeClr>
+              </a:solidFill>
+            </a:ln>
+          </p:spPr>
+          <p:style>
+            <a:lnRef idx="2">
+              <a:schemeClr val="accent1">
+                <a:shade val="50000"/>
+              </a:schemeClr>
+            </a:lnRef>
+            <a:fillRef idx="1">
+              <a:schemeClr val="accent1"/>
+            </a:fillRef>
+            <a:effectRef idx="0">
+              <a:schemeClr val="accent1"/>
+            </a:effectRef>
+            <a:fontRef idx="minor">
+              <a:schemeClr val="lt1"/>
+            </a:fontRef>
+          </p:style>
+          <p:txBody>
+            <a:bodyPr rtlCol="0" anchor="ctr"/>
+            <a:lstStyle/>
+            <a:p>
+              <a:r>
+                <a:rPr lang="en-US" sz="1271" dirty="0">
+                  <a:solidFill>
+                    <a:schemeClr val="tx1">
+                      <a:lumMod val="75000"/>
+                      <a:lumOff val="25000"/>
+                    </a:schemeClr>
+                  </a:solidFill>
+                </a:rPr>
+                <a:t>       </a:t>
+              </a:r>
+              <a:r>
+                <a:rPr lang="en-DE" sz="1271" dirty="0">
+                  <a:solidFill>
+                    <a:schemeClr val="tx1">
+                      <a:lumMod val="75000"/>
+                      <a:lumOff val="25000"/>
+                    </a:schemeClr>
+                  </a:solidFill>
+                </a:rPr>
+                <a:t>  </a:t>
+              </a:r>
+              <a:r>
+                <a:rPr lang="en-US" sz="1271" dirty="0">
+                  <a:solidFill>
+                    <a:schemeClr val="tx1">
+                      <a:lumMod val="75000"/>
+                      <a:lumOff val="25000"/>
+                    </a:schemeClr>
+                  </a:solidFill>
+                </a:rPr>
+                <a:t>Image </a:t>
+              </a:r>
+              <a:r>
+                <a:rPr lang="en-DE" sz="1271" dirty="0">
+                  <a:solidFill>
+                    <a:schemeClr val="tx1">
+                      <a:lumMod val="75000"/>
+                      <a:lumOff val="25000"/>
+                    </a:schemeClr>
+                  </a:solidFill>
+                </a:rPr>
+                <a:t>Version</a:t>
+              </a:r>
+              <a:endParaRPr lang="en-US" sz="1271" dirty="0">
+                <a:solidFill>
+                  <a:schemeClr val="tx1">
+                    <a:lumMod val="75000"/>
+                    <a:lumOff val="25000"/>
+                  </a:schemeClr>
+                </a:solidFill>
+              </a:endParaRPr>
+            </a:p>
+          </p:txBody>
+        </p:sp>
+        <p:pic>
+          <p:nvPicPr>
+            <p:cNvPr id="30" name="Graphic 29">
+              <a:extLst>
+                <a:ext uri="{FF2B5EF4-FFF2-40B4-BE49-F238E27FC236}">
+                  <a16:creationId xmlns:a16="http://schemas.microsoft.com/office/drawing/2014/main" id="{C92A80E3-F34D-4C20-86FB-ABBA8B428B1F}"/>
+                </a:ext>
+              </a:extLst>
+            </p:cNvPr>
+            <p:cNvPicPr>
+              <a:picLocks noChangeAspect="1"/>
+            </p:cNvPicPr>
+            <p:nvPr/>
+          </p:nvPicPr>
+          <p:blipFill>
+            <a:blip r:embed="rId17">
+              <a:extLst>
+                <a:ext uri="{28A0092B-C50C-407E-A947-70E740481C1C}">
+                  <a14:useLocalDpi xmlns:a14="http://schemas.microsoft.com/office/drawing/2010/main" val="0"/>
+                </a:ext>
+                <a:ext uri="{96DAC541-7B7A-43D3-8B79-37D633B846F1}">
+                  <asvg:svgBlip xmlns:asvg="http://schemas.microsoft.com/office/drawing/2016/SVG/main" r:embed="rId18"/>
+                </a:ext>
+              </a:extLst>
+            </a:blip>
+            <a:stretch>
+              <a:fillRect/>
+            </a:stretch>
+          </p:blipFill>
+          <p:spPr>
+            <a:xfrm>
+              <a:off x="4196513" y="2125822"/>
+              <a:ext cx="259200" cy="259200"/>
+            </a:xfrm>
+            <a:prstGeom prst="rect">
+              <a:avLst/>
+            </a:prstGeom>
+          </p:spPr>
+        </p:pic>
+      </p:grpSp>
+      <p:cxnSp>
+        <p:nvCxnSpPr>
+          <p:cNvPr id="28" name="Straight Arrow Connector 27">
+            <a:extLst>
+              <a:ext uri="{FF2B5EF4-FFF2-40B4-BE49-F238E27FC236}">
+                <a16:creationId xmlns:a16="http://schemas.microsoft.com/office/drawing/2014/main" id="{9B295CDC-D11D-4A95-B5D8-59FD165CF7C2}"/>
+              </a:ext>
+            </a:extLst>
+          </p:cNvPr>
+          <p:cNvCxnSpPr>
+            <a:cxnSpLocks/>
+            <a:stCxn id="24" idx="0"/>
+            <a:endCxn id="12" idx="2"/>
+          </p:cNvCxnSpPr>
+          <p:nvPr/>
+        </p:nvCxnSpPr>
+        <p:spPr>
+          <a:xfrm flipV="1">
+            <a:off x="4346800" y="3056322"/>
+            <a:ext cx="0" cy="280936"/>
+          </a:xfrm>
+          <a:prstGeom prst="straightConnector1">
+            <a:avLst/>
+          </a:prstGeom>
+          <a:ln w="28575">
+            <a:solidFill>
+              <a:srgbClr val="FFFFFF"/>
+            </a:solidFill>
+            <a:prstDash val="solid"/>
+            <a:tailEnd type="triangle" w="lg" len="lg"/>
           </a:ln>
         </p:spPr>
         <p:style>
@@ -7882,17 +8327,17 @@
           </p:cNvPr>
           <p:cNvCxnSpPr>
             <a:cxnSpLocks/>
-            <a:stCxn id="11" idx="1"/>
-            <a:endCxn id="88" idx="3"/>
+            <a:stCxn id="11" idx="2"/>
+            <a:endCxn id="54" idx="3"/>
           </p:cNvCxnSpPr>
           <p:nvPr/>
         </p:nvCxnSpPr>
         <p:spPr>
-          <a:xfrm rot="10800000">
-            <a:off x="6794994" y="3690843"/>
-            <a:ext cx="374219" cy="684571"/>
-          </a:xfrm>
-          <a:prstGeom prst="curvedConnector3">
+          <a:xfrm rot="5400000">
+            <a:off x="8690120" y="2024297"/>
+            <a:ext cx="378596" cy="1198842"/>
+          </a:xfrm>
+          <a:prstGeom prst="curvedConnector2">
             <a:avLst/>
           </a:prstGeom>
           <a:ln w="28575">
@@ -7902,7 +8347,7 @@
               </a:schemeClr>
             </a:solidFill>
             <a:prstDash val="sysDot"/>
-            <a:tailEnd type="triangle" w="med" len="sm"/>
+            <a:tailEnd type="triangle" w="lg" len="lg"/>
           </a:ln>
         </p:spPr>
         <p:style>
@@ -7920,6 +8365,120 @@
           </a:fontRef>
         </p:style>
       </p:cxnSp>
+      <p:sp>
+        <p:nvSpPr>
+          <p:cNvPr id="49" name="Rectangle 48">
+            <a:extLst>
+              <a:ext uri="{FF2B5EF4-FFF2-40B4-BE49-F238E27FC236}">
+                <a16:creationId xmlns:a16="http://schemas.microsoft.com/office/drawing/2014/main" id="{5E20216D-E441-03D0-6092-C609FB927825}"/>
+              </a:ext>
+            </a:extLst>
+          </p:cNvPr>
+          <p:cNvSpPr/>
+          <p:nvPr/>
+        </p:nvSpPr>
+        <p:spPr>
+          <a:xfrm>
+            <a:off x="8154790" y="2941740"/>
+            <a:ext cx="101533" cy="162346"/>
+          </a:xfrm>
+          <a:prstGeom prst="rect">
+            <a:avLst/>
+          </a:prstGeom>
+          <a:solidFill>
+            <a:schemeClr val="accent6">
+              <a:lumMod val="75000"/>
+            </a:schemeClr>
+          </a:solidFill>
+          <a:ln w="6350">
+            <a:noFill/>
+          </a:ln>
+        </p:spPr>
+        <p:style>
+          <a:lnRef idx="2">
+            <a:schemeClr val="accent1">
+              <a:shade val="50000"/>
+            </a:schemeClr>
+          </a:lnRef>
+          <a:fillRef idx="1">
+            <a:schemeClr val="accent1"/>
+          </a:fillRef>
+          <a:effectRef idx="0">
+            <a:schemeClr val="accent1"/>
+          </a:effectRef>
+          <a:fontRef idx="minor">
+            <a:schemeClr val="lt1"/>
+          </a:fontRef>
+        </p:style>
+        <p:txBody>
+          <a:bodyPr rtlCol="0" anchor="ctr"/>
+          <a:lstStyle/>
+          <a:p>
+            <a:endParaRPr lang="en-US" sz="1271" dirty="0">
+              <a:solidFill>
+                <a:schemeClr val="bg1"/>
+              </a:solidFill>
+            </a:endParaRPr>
+          </a:p>
+        </p:txBody>
+      </p:sp>
+      <p:sp>
+        <p:nvSpPr>
+          <p:cNvPr id="54" name="Rectangle 53">
+            <a:extLst>
+              <a:ext uri="{FF2B5EF4-FFF2-40B4-BE49-F238E27FC236}">
+                <a16:creationId xmlns:a16="http://schemas.microsoft.com/office/drawing/2014/main" id="{71E48B7C-240E-18F6-A86C-32D197336784}"/>
+              </a:ext>
+            </a:extLst>
+          </p:cNvPr>
+          <p:cNvSpPr/>
+          <p:nvPr/>
+        </p:nvSpPr>
+        <p:spPr>
+          <a:xfrm>
+            <a:off x="8178464" y="2731843"/>
+            <a:ext cx="101533" cy="162346"/>
+          </a:xfrm>
+          <a:prstGeom prst="rect">
+            <a:avLst/>
+          </a:prstGeom>
+          <a:solidFill>
+            <a:schemeClr val="accent6">
+              <a:lumMod val="75000"/>
+            </a:schemeClr>
+          </a:solidFill>
+          <a:ln w="6350">
+            <a:noFill/>
+          </a:ln>
+        </p:spPr>
+        <p:style>
+          <a:lnRef idx="2">
+            <a:schemeClr val="accent1">
+              <a:shade val="50000"/>
+            </a:schemeClr>
+          </a:lnRef>
+          <a:fillRef idx="1">
+            <a:schemeClr val="accent1"/>
+          </a:fillRef>
+          <a:effectRef idx="0">
+            <a:schemeClr val="accent1"/>
+          </a:effectRef>
+          <a:fontRef idx="minor">
+            <a:schemeClr val="lt1"/>
+          </a:fontRef>
+        </p:style>
+        <p:txBody>
+          <a:bodyPr rtlCol="0" anchor="ctr"/>
+          <a:lstStyle/>
+          <a:p>
+            <a:endParaRPr lang="en-US" sz="1271" dirty="0">
+              <a:solidFill>
+                <a:schemeClr val="bg1"/>
+              </a:solidFill>
+            </a:endParaRPr>
+          </a:p>
+        </p:txBody>
+      </p:sp>
       <p:grpSp>
         <p:nvGrpSpPr>
           <p:cNvPr id="90" name="Group 89">
@@ -7934,7 +8493,7 @@
         </p:nvGrpSpPr>
         <p:grpSpPr>
           <a:xfrm>
-            <a:off x="4778993" y="3471342"/>
+            <a:off x="6261616" y="2683820"/>
             <a:ext cx="2016000" cy="438999"/>
             <a:chOff x="3093088" y="5770939"/>
             <a:chExt cx="2016000" cy="438999"/>
@@ -8070,7 +8629,7 @@
             <p:nvPr/>
           </p:nvPicPr>
           <p:blipFill>
-            <a:blip r:embed="rId18">
+            <a:blip r:embed="rId16">
               <a:extLst>
                 <a:ext uri="{28A0092B-C50C-407E-A947-70E740481C1C}">
                   <a14:useLocalDpi xmlns:a14="http://schemas.microsoft.com/office/drawing/2010/main" val="0"/>
@@ -8092,431 +8651,10 @@
           </p:spPr>
         </p:pic>
       </p:grpSp>
-      <p:grpSp>
-        <p:nvGrpSpPr>
-          <p:cNvPr id="91" name="Group 90">
-            <a:extLst>
-              <a:ext uri="{FF2B5EF4-FFF2-40B4-BE49-F238E27FC236}">
-                <a16:creationId xmlns:a16="http://schemas.microsoft.com/office/drawing/2014/main" id="{B2A33FC5-7D28-FD4D-42C8-E98DF202AD15}"/>
-              </a:ext>
-            </a:extLst>
-          </p:cNvPr>
-          <p:cNvGrpSpPr/>
-          <p:nvPr/>
-        </p:nvGrpSpPr>
-        <p:grpSpPr>
-          <a:xfrm>
-            <a:off x="2577200" y="4157888"/>
-            <a:ext cx="2016000" cy="438999"/>
-            <a:chOff x="3096290" y="5770939"/>
-            <a:chExt cx="2016000" cy="438999"/>
-          </a:xfrm>
-        </p:grpSpPr>
-        <p:sp>
-          <p:nvSpPr>
-            <p:cNvPr id="92" name="Rectangle 91">
-              <a:extLst>
-                <a:ext uri="{FF2B5EF4-FFF2-40B4-BE49-F238E27FC236}">
-                  <a16:creationId xmlns:a16="http://schemas.microsoft.com/office/drawing/2014/main" id="{BA04CB25-4FEB-7C38-0D66-63B406719A98}"/>
-                </a:ext>
-              </a:extLst>
-            </p:cNvPr>
-            <p:cNvSpPr/>
-            <p:nvPr/>
-          </p:nvSpPr>
-          <p:spPr>
-            <a:xfrm>
-              <a:off x="3096290" y="5770939"/>
-              <a:ext cx="2016000" cy="438999"/>
-            </a:xfrm>
-            <a:prstGeom prst="rect">
-              <a:avLst/>
-            </a:prstGeom>
-            <a:solidFill>
-              <a:schemeClr val="accent6">
-                <a:lumMod val="75000"/>
-              </a:schemeClr>
-            </a:solidFill>
-            <a:ln w="6350">
-              <a:solidFill>
-                <a:schemeClr val="tx1">
-                  <a:lumMod val="50000"/>
-                  <a:lumOff val="50000"/>
-                </a:schemeClr>
-              </a:solidFill>
-            </a:ln>
-          </p:spPr>
-          <p:style>
-            <a:lnRef idx="2">
-              <a:schemeClr val="accent1">
-                <a:shade val="50000"/>
-              </a:schemeClr>
-            </a:lnRef>
-            <a:fillRef idx="1">
-              <a:schemeClr val="accent1"/>
-            </a:fillRef>
-            <a:effectRef idx="0">
-              <a:schemeClr val="accent1"/>
-            </a:effectRef>
-            <a:fontRef idx="minor">
-              <a:schemeClr val="lt1"/>
-            </a:fontRef>
-          </p:style>
-          <p:txBody>
-            <a:bodyPr rtlCol="0" anchor="ctr"/>
-            <a:lstStyle/>
-            <a:p>
-              <a:r>
-                <a:rPr lang="en-US" sz="1271" i="1" dirty="0">
-                  <a:solidFill>
-                    <a:schemeClr val="bg1"/>
-                  </a:solidFill>
-                </a:rPr>
-                <a:t>     </a:t>
-              </a:r>
-              <a:r>
-                <a:rPr lang="en-DE" sz="1271" i="1" dirty="0">
-                  <a:solidFill>
-                    <a:schemeClr val="bg1"/>
-                  </a:solidFill>
-                </a:rPr>
-                <a:t> </a:t>
-              </a:r>
-              <a:r>
-                <a:rPr lang="en-US" sz="1271" i="1" dirty="0">
-                  <a:solidFill>
-                    <a:schemeClr val="bg1"/>
-                  </a:solidFill>
-                </a:rPr>
-                <a:t> </a:t>
-              </a:r>
-              <a:r>
-                <a:rPr lang="en-DE" sz="1271" i="1" dirty="0">
-                  <a:solidFill>
-                    <a:schemeClr val="bg1"/>
-                  </a:solidFill>
-                </a:rPr>
-                <a:t> </a:t>
-              </a:r>
-              <a:r>
-                <a:rPr lang="en-US" sz="1271" i="1" dirty="0">
-                  <a:solidFill>
-                    <a:schemeClr val="bg1"/>
-                  </a:solidFill>
-                </a:rPr>
-                <a:t>Storage Upload </a:t>
-              </a:r>
-            </a:p>
-            <a:p>
-              <a:r>
-                <a:rPr lang="en-US" sz="1271" dirty="0">
-                  <a:solidFill>
-                    <a:schemeClr val="bg1"/>
-                  </a:solidFill>
-                </a:rPr>
-                <a:t>        Deployment Script</a:t>
-              </a:r>
-            </a:p>
-          </p:txBody>
-        </p:sp>
-        <p:pic>
-          <p:nvPicPr>
-            <p:cNvPr id="93" name="Picture 92" descr="A blue ribbon with a white arrow&#10;&#10;Description automatically generated">
-              <a:extLst>
-                <a:ext uri="{FF2B5EF4-FFF2-40B4-BE49-F238E27FC236}">
-                  <a16:creationId xmlns:a16="http://schemas.microsoft.com/office/drawing/2014/main" id="{683B58BF-73D5-F017-F43D-D6C121ADAD56}"/>
-                </a:ext>
-              </a:extLst>
-            </p:cNvPr>
-            <p:cNvPicPr>
-              <a:picLocks noChangeAspect="1"/>
-            </p:cNvPicPr>
-            <p:nvPr/>
-          </p:nvPicPr>
-          <p:blipFill>
-            <a:blip r:embed="rId18">
-              <a:extLst>
-                <a:ext uri="{28A0092B-C50C-407E-A947-70E740481C1C}">
-                  <a14:useLocalDpi xmlns:a14="http://schemas.microsoft.com/office/drawing/2010/main" val="0"/>
-                </a:ext>
-              </a:extLst>
-            </a:blip>
-            <a:stretch>
-              <a:fillRect/>
-            </a:stretch>
-          </p:blipFill>
-          <p:spPr>
-            <a:xfrm>
-              <a:off x="3169138" y="5860838"/>
-              <a:ext cx="259201" cy="259200"/>
-            </a:xfrm>
-            <a:prstGeom prst="rect">
-              <a:avLst/>
-            </a:prstGeom>
-          </p:spPr>
-        </p:pic>
-      </p:grpSp>
-      <p:cxnSp>
-        <p:nvCxnSpPr>
-          <p:cNvPr id="111" name="Straight Arrow Connector 12">
-            <a:extLst>
-              <a:ext uri="{FF2B5EF4-FFF2-40B4-BE49-F238E27FC236}">
-                <a16:creationId xmlns:a16="http://schemas.microsoft.com/office/drawing/2014/main" id="{A2A4C4A3-06F3-1C5D-49DB-312ADDAF2A3E}"/>
-              </a:ext>
-            </a:extLst>
-          </p:cNvPr>
-          <p:cNvCxnSpPr>
-            <a:cxnSpLocks/>
-            <a:stCxn id="88" idx="2"/>
-            <a:endCxn id="56" idx="3"/>
-          </p:cNvCxnSpPr>
-          <p:nvPr/>
-        </p:nvCxnSpPr>
-        <p:spPr>
-          <a:xfrm rot="5400000">
-            <a:off x="4616929" y="3886613"/>
-            <a:ext cx="1146337" cy="1193793"/>
-          </a:xfrm>
-          <a:prstGeom prst="bentConnector2">
-            <a:avLst/>
-          </a:prstGeom>
-          <a:ln w="28575">
-            <a:solidFill>
-              <a:schemeClr val="accent6">
-                <a:lumMod val="75000"/>
-              </a:schemeClr>
-            </a:solidFill>
-            <a:prstDash val="solid"/>
-            <a:tailEnd type="triangle" w="med" len="sm"/>
-          </a:ln>
-        </p:spPr>
-        <p:style>
-          <a:lnRef idx="1">
-            <a:schemeClr val="accent1"/>
-          </a:lnRef>
-          <a:fillRef idx="0">
-            <a:schemeClr val="accent1"/>
-          </a:fillRef>
-          <a:effectRef idx="0">
-            <a:schemeClr val="accent1"/>
-          </a:effectRef>
-          <a:fontRef idx="minor">
-            <a:schemeClr val="tx1"/>
-          </a:fontRef>
-        </p:style>
-      </p:cxnSp>
-      <p:cxnSp>
-        <p:nvCxnSpPr>
-          <p:cNvPr id="114" name="Straight Arrow Connector 12">
-            <a:extLst>
-              <a:ext uri="{FF2B5EF4-FFF2-40B4-BE49-F238E27FC236}">
-                <a16:creationId xmlns:a16="http://schemas.microsoft.com/office/drawing/2014/main" id="{1C3B7B76-DBF9-7865-9CB8-1B2D1BE1AEFE}"/>
-              </a:ext>
-            </a:extLst>
-          </p:cNvPr>
-          <p:cNvCxnSpPr>
-            <a:cxnSpLocks/>
-            <a:stCxn id="11" idx="1"/>
-            <a:endCxn id="92" idx="3"/>
-          </p:cNvCxnSpPr>
-          <p:nvPr/>
-        </p:nvCxnSpPr>
-        <p:spPr>
-          <a:xfrm rot="10800000" flipV="1">
-            <a:off x="4593200" y="4375412"/>
-            <a:ext cx="2576012" cy="1975"/>
-          </a:xfrm>
-          <a:prstGeom prst="bentConnector3">
-            <a:avLst>
-              <a:gd name="adj1" fmla="val 50000"/>
-            </a:avLst>
-          </a:prstGeom>
-          <a:ln w="28575">
-            <a:solidFill>
-              <a:schemeClr val="accent4">
-                <a:lumMod val="50000"/>
-              </a:schemeClr>
-            </a:solidFill>
-            <a:prstDash val="sysDot"/>
-            <a:tailEnd type="triangle" w="med" len="sm"/>
-          </a:ln>
-        </p:spPr>
-        <p:style>
-          <a:lnRef idx="1">
-            <a:schemeClr val="accent1"/>
-          </a:lnRef>
-          <a:fillRef idx="0">
-            <a:schemeClr val="accent1"/>
-          </a:fillRef>
-          <a:effectRef idx="0">
-            <a:schemeClr val="accent1"/>
-          </a:effectRef>
-          <a:fontRef idx="minor">
-            <a:schemeClr val="tx1"/>
-          </a:fontRef>
-        </p:style>
-      </p:cxnSp>
-      <p:cxnSp>
-        <p:nvCxnSpPr>
-          <p:cNvPr id="117" name="Straight Arrow Connector 12">
-            <a:extLst>
-              <a:ext uri="{FF2B5EF4-FFF2-40B4-BE49-F238E27FC236}">
-                <a16:creationId xmlns:a16="http://schemas.microsoft.com/office/drawing/2014/main" id="{0108775C-6369-9EB5-FF68-2811532470AA}"/>
-              </a:ext>
-            </a:extLst>
-          </p:cNvPr>
-          <p:cNvCxnSpPr>
-            <a:cxnSpLocks/>
-            <a:stCxn id="92" idx="2"/>
-            <a:endCxn id="56" idx="0"/>
-          </p:cNvCxnSpPr>
-          <p:nvPr/>
-        </p:nvCxnSpPr>
-        <p:spPr>
-          <a:xfrm>
-            <a:off x="3585200" y="4596887"/>
-            <a:ext cx="0" cy="240291"/>
-          </a:xfrm>
-          <a:prstGeom prst="straightConnector1">
-            <a:avLst/>
-          </a:prstGeom>
-          <a:ln w="28575">
-            <a:solidFill>
-              <a:schemeClr val="accent6">
-                <a:lumMod val="75000"/>
-              </a:schemeClr>
-            </a:solidFill>
-            <a:prstDash val="solid"/>
-            <a:tailEnd type="triangle" w="med" len="sm"/>
-          </a:ln>
-        </p:spPr>
-        <p:style>
-          <a:lnRef idx="1">
-            <a:schemeClr val="accent1"/>
-          </a:lnRef>
-          <a:fillRef idx="0">
-            <a:schemeClr val="accent1"/>
-          </a:fillRef>
-          <a:effectRef idx="0">
-            <a:schemeClr val="accent1"/>
-          </a:effectRef>
-          <a:fontRef idx="minor">
-            <a:schemeClr val="tx1"/>
-          </a:fontRef>
-        </p:style>
-      </p:cxnSp>
-      <p:cxnSp>
-        <p:nvCxnSpPr>
-          <p:cNvPr id="120" name="Straight Arrow Connector 12">
-            <a:extLst>
-              <a:ext uri="{FF2B5EF4-FFF2-40B4-BE49-F238E27FC236}">
-                <a16:creationId xmlns:a16="http://schemas.microsoft.com/office/drawing/2014/main" id="{40A13BBA-8279-4F9B-224C-9DB9296A868A}"/>
-              </a:ext>
-            </a:extLst>
-          </p:cNvPr>
-          <p:cNvCxnSpPr>
-            <a:cxnSpLocks/>
-            <a:stCxn id="92" idx="0"/>
-            <a:endCxn id="44" idx="2"/>
-          </p:cNvCxnSpPr>
-          <p:nvPr/>
-        </p:nvCxnSpPr>
-        <p:spPr>
-          <a:xfrm flipV="1">
-            <a:off x="3585200" y="3927545"/>
-            <a:ext cx="0" cy="230343"/>
-          </a:xfrm>
-          <a:prstGeom prst="straightConnector1">
-            <a:avLst/>
-          </a:prstGeom>
-          <a:ln w="28575">
-            <a:solidFill>
-              <a:schemeClr val="accent6">
-                <a:lumMod val="75000"/>
-              </a:schemeClr>
-            </a:solidFill>
-            <a:prstDash val="sysDot"/>
-            <a:tailEnd type="triangle" w="med" len="sm"/>
-          </a:ln>
-        </p:spPr>
-        <p:style>
-          <a:lnRef idx="1">
-            <a:schemeClr val="accent1"/>
-          </a:lnRef>
-          <a:fillRef idx="0">
-            <a:schemeClr val="accent1"/>
-          </a:fillRef>
-          <a:effectRef idx="0">
-            <a:schemeClr val="accent1"/>
-          </a:effectRef>
-          <a:fontRef idx="minor">
-            <a:schemeClr val="tx1"/>
-          </a:fontRef>
-        </p:style>
-      </p:cxnSp>
-      <p:cxnSp>
-        <p:nvCxnSpPr>
-          <p:cNvPr id="31" name="Straight Arrow Connector 30">
-            <a:extLst>
-              <a:ext uri="{FF2B5EF4-FFF2-40B4-BE49-F238E27FC236}">
-                <a16:creationId xmlns:a16="http://schemas.microsoft.com/office/drawing/2014/main" id="{2FF70B88-D4A8-21B5-89A6-7250C3517438}"/>
-              </a:ext>
-            </a:extLst>
-          </p:cNvPr>
-          <p:cNvCxnSpPr>
-            <a:cxnSpLocks/>
-            <a:stCxn id="24" idx="0"/>
-            <a:endCxn id="22" idx="2"/>
-          </p:cNvCxnSpPr>
-          <p:nvPr/>
-        </p:nvCxnSpPr>
-        <p:spPr>
-          <a:xfrm flipH="1" flipV="1">
-            <a:off x="7146555" y="1563683"/>
-            <a:ext cx="1" cy="489932"/>
-          </a:xfrm>
-          <a:prstGeom prst="straightConnector1">
-            <a:avLst/>
-          </a:prstGeom>
-          <a:ln w="28575">
-            <a:gradFill flip="none" rotWithShape="1">
-              <a:gsLst>
-                <a:gs pos="21000">
-                  <a:schemeClr val="accent1">
-                    <a:lumMod val="5000"/>
-                    <a:lumOff val="95000"/>
-                  </a:schemeClr>
-                </a:gs>
-                <a:gs pos="100000">
-                  <a:schemeClr val="tx1"/>
-                </a:gs>
-              </a:gsLst>
-              <a:lin ang="5400000" scaled="0"/>
-              <a:tileRect/>
-            </a:gradFill>
-            <a:prstDash val="solid"/>
-            <a:tailEnd type="triangle" w="med" len="sm"/>
-          </a:ln>
-        </p:spPr>
-        <p:style>
-          <a:lnRef idx="1">
-            <a:schemeClr val="accent1"/>
-          </a:lnRef>
-          <a:fillRef idx="0">
-            <a:schemeClr val="accent1"/>
-          </a:fillRef>
-          <a:effectRef idx="0">
-            <a:schemeClr val="accent1"/>
-          </a:effectRef>
-          <a:fontRef idx="minor">
-            <a:schemeClr val="tx1"/>
-          </a:fontRef>
-        </p:style>
-      </p:cxnSp>
     </p:spTree>
     <p:extLst>
       <p:ext uri="{BB962C8B-B14F-4D97-AF65-F5344CB8AC3E}">
-        <p14:creationId xmlns:p14="http://schemas.microsoft.com/office/powerpoint/2010/main" val="1897730445"/>
+        <p14:creationId xmlns:p14="http://schemas.microsoft.com/office/powerpoint/2010/main" val="2602868006"/>
       </p:ext>
     </p:extLst>
   </p:cSld>
@@ -8545,10 +8683,10 @@
       </p:grpSpPr>
       <p:sp>
         <p:nvSpPr>
-          <p:cNvPr id="5" name="Rectangle 4">
-            <a:extLst>
-              <a:ext uri="{FF2B5EF4-FFF2-40B4-BE49-F238E27FC236}">
-                <a16:creationId xmlns:a16="http://schemas.microsoft.com/office/drawing/2014/main" id="{6194339B-94A9-0761-EA71-17FDDAB7ACC2}"/>
+          <p:cNvPr id="1027" name="Rectangle 1026">
+            <a:extLst>
+              <a:ext uri="{FF2B5EF4-FFF2-40B4-BE49-F238E27FC236}">
+                <a16:creationId xmlns:a16="http://schemas.microsoft.com/office/drawing/2014/main" id="{18AB4F2E-C5B2-831B-7B39-FB94A942B99B}"/>
               </a:ext>
             </a:extLst>
           </p:cNvPr>
@@ -8557,8 +8695,840 @@
         </p:nvSpPr>
         <p:spPr>
           <a:xfrm>
-            <a:off x="4547096" y="1643506"/>
+            <a:off x="5700870" y="3003478"/>
             <a:ext cx="1731848" cy="438999"/>
+          </a:xfrm>
+          <a:prstGeom prst="rect">
+            <a:avLst/>
+          </a:prstGeom>
+          <a:solidFill>
+            <a:schemeClr val="tx2">
+              <a:lumMod val="75000"/>
+            </a:schemeClr>
+          </a:solidFill>
+          <a:ln w="6350">
+            <a:solidFill>
+              <a:schemeClr val="tx1">
+                <a:lumMod val="50000"/>
+                <a:lumOff val="50000"/>
+              </a:schemeClr>
+            </a:solidFill>
+          </a:ln>
+        </p:spPr>
+        <p:style>
+          <a:lnRef idx="2">
+            <a:schemeClr val="accent1">
+              <a:shade val="50000"/>
+            </a:schemeClr>
+          </a:lnRef>
+          <a:fillRef idx="1">
+            <a:schemeClr val="accent1"/>
+          </a:fillRef>
+          <a:effectRef idx="0">
+            <a:schemeClr val="accent1"/>
+          </a:effectRef>
+          <a:fontRef idx="minor">
+            <a:schemeClr val="lt1"/>
+          </a:fontRef>
+        </p:style>
+        <p:txBody>
+          <a:bodyPr rtlCol="0" anchor="ctr"/>
+          <a:lstStyle/>
+          <a:p>
+            <a:endParaRPr lang="en-US" sz="1271" dirty="0">
+              <a:solidFill>
+                <a:schemeClr val="bg1"/>
+              </a:solidFill>
+            </a:endParaRPr>
+          </a:p>
+        </p:txBody>
+      </p:sp>
+      <p:sp>
+        <p:nvSpPr>
+          <p:cNvPr id="1025" name="Rectangle 1024">
+            <a:extLst>
+              <a:ext uri="{FF2B5EF4-FFF2-40B4-BE49-F238E27FC236}">
+                <a16:creationId xmlns:a16="http://schemas.microsoft.com/office/drawing/2014/main" id="{8EA6B780-36F7-F8B0-BC2C-596F47190D17}"/>
+              </a:ext>
+            </a:extLst>
+          </p:cNvPr>
+          <p:cNvSpPr/>
+          <p:nvPr/>
+        </p:nvSpPr>
+        <p:spPr>
+          <a:xfrm>
+            <a:off x="5661653" y="2970294"/>
+            <a:ext cx="1731848" cy="438999"/>
+          </a:xfrm>
+          <a:prstGeom prst="rect">
+            <a:avLst/>
+          </a:prstGeom>
+          <a:solidFill>
+            <a:schemeClr val="tx2">
+              <a:lumMod val="75000"/>
+            </a:schemeClr>
+          </a:solidFill>
+          <a:ln w="6350">
+            <a:solidFill>
+              <a:schemeClr val="tx1">
+                <a:lumMod val="50000"/>
+                <a:lumOff val="50000"/>
+              </a:schemeClr>
+            </a:solidFill>
+          </a:ln>
+        </p:spPr>
+        <p:style>
+          <a:lnRef idx="2">
+            <a:schemeClr val="accent1">
+              <a:shade val="50000"/>
+            </a:schemeClr>
+          </a:lnRef>
+          <a:fillRef idx="1">
+            <a:schemeClr val="accent1"/>
+          </a:fillRef>
+          <a:effectRef idx="0">
+            <a:schemeClr val="accent1"/>
+          </a:effectRef>
+          <a:fontRef idx="minor">
+            <a:schemeClr val="lt1"/>
+          </a:fontRef>
+        </p:style>
+        <p:txBody>
+          <a:bodyPr rtlCol="0" anchor="ctr"/>
+          <a:lstStyle/>
+          <a:p>
+            <a:endParaRPr lang="en-US" sz="1271" dirty="0">
+              <a:solidFill>
+                <a:schemeClr val="bg1"/>
+              </a:solidFill>
+            </a:endParaRPr>
+          </a:p>
+        </p:txBody>
+      </p:sp>
+      <p:sp>
+        <p:nvSpPr>
+          <p:cNvPr id="1024" name="Rectangle 1023">
+            <a:extLst>
+              <a:ext uri="{FF2B5EF4-FFF2-40B4-BE49-F238E27FC236}">
+                <a16:creationId xmlns:a16="http://schemas.microsoft.com/office/drawing/2014/main" id="{2DB600C5-F2C2-FC11-FDAF-FDBDCDEC66D6}"/>
+              </a:ext>
+            </a:extLst>
+          </p:cNvPr>
+          <p:cNvSpPr/>
+          <p:nvPr/>
+        </p:nvSpPr>
+        <p:spPr>
+          <a:xfrm>
+            <a:off x="3198992" y="3007728"/>
+            <a:ext cx="2099925" cy="438999"/>
+          </a:xfrm>
+          <a:prstGeom prst="rect">
+            <a:avLst/>
+          </a:prstGeom>
+          <a:solidFill>
+            <a:schemeClr val="tx2">
+              <a:lumMod val="75000"/>
+            </a:schemeClr>
+          </a:solidFill>
+          <a:ln w="6350">
+            <a:solidFill>
+              <a:schemeClr val="tx1">
+                <a:lumMod val="50000"/>
+                <a:lumOff val="50000"/>
+              </a:schemeClr>
+            </a:solidFill>
+          </a:ln>
+        </p:spPr>
+        <p:style>
+          <a:lnRef idx="2">
+            <a:schemeClr val="accent1">
+              <a:shade val="50000"/>
+            </a:schemeClr>
+          </a:lnRef>
+          <a:fillRef idx="1">
+            <a:schemeClr val="accent1"/>
+          </a:fillRef>
+          <a:effectRef idx="0">
+            <a:schemeClr val="accent1"/>
+          </a:effectRef>
+          <a:fontRef idx="minor">
+            <a:schemeClr val="lt1"/>
+          </a:fontRef>
+        </p:style>
+        <p:txBody>
+          <a:bodyPr rtlCol="0" anchor="ctr"/>
+          <a:lstStyle/>
+          <a:p>
+            <a:endParaRPr lang="en-US" sz="1271" dirty="0">
+              <a:solidFill>
+                <a:schemeClr val="bg1"/>
+              </a:solidFill>
+            </a:endParaRPr>
+          </a:p>
+        </p:txBody>
+      </p:sp>
+      <p:sp>
+        <p:nvSpPr>
+          <p:cNvPr id="63" name="Rectangle 62">
+            <a:extLst>
+              <a:ext uri="{FF2B5EF4-FFF2-40B4-BE49-F238E27FC236}">
+                <a16:creationId xmlns:a16="http://schemas.microsoft.com/office/drawing/2014/main" id="{C51BFF49-29D4-60A2-280B-00B222F978A3}"/>
+              </a:ext>
+            </a:extLst>
+          </p:cNvPr>
+          <p:cNvSpPr/>
+          <p:nvPr/>
+        </p:nvSpPr>
+        <p:spPr>
+          <a:xfrm>
+            <a:off x="3157384" y="2970077"/>
+            <a:ext cx="2099925" cy="438999"/>
+          </a:xfrm>
+          <a:prstGeom prst="rect">
+            <a:avLst/>
+          </a:prstGeom>
+          <a:solidFill>
+            <a:schemeClr val="tx2">
+              <a:lumMod val="75000"/>
+            </a:schemeClr>
+          </a:solidFill>
+          <a:ln w="6350">
+            <a:solidFill>
+              <a:schemeClr val="tx1">
+                <a:lumMod val="50000"/>
+                <a:lumOff val="50000"/>
+              </a:schemeClr>
+            </a:solidFill>
+          </a:ln>
+        </p:spPr>
+        <p:style>
+          <a:lnRef idx="2">
+            <a:schemeClr val="accent1">
+              <a:shade val="50000"/>
+            </a:schemeClr>
+          </a:lnRef>
+          <a:fillRef idx="1">
+            <a:schemeClr val="accent1"/>
+          </a:fillRef>
+          <a:effectRef idx="0">
+            <a:schemeClr val="accent1"/>
+          </a:effectRef>
+          <a:fontRef idx="minor">
+            <a:schemeClr val="lt1"/>
+          </a:fontRef>
+        </p:style>
+        <p:txBody>
+          <a:bodyPr rtlCol="0" anchor="ctr"/>
+          <a:lstStyle/>
+          <a:p>
+            <a:endParaRPr lang="en-US" sz="1271" dirty="0">
+              <a:solidFill>
+                <a:schemeClr val="bg1"/>
+              </a:solidFill>
+            </a:endParaRPr>
+          </a:p>
+        </p:txBody>
+      </p:sp>
+      <p:sp>
+        <p:nvSpPr>
+          <p:cNvPr id="62" name="Rectangle 61">
+            <a:extLst>
+              <a:ext uri="{FF2B5EF4-FFF2-40B4-BE49-F238E27FC236}">
+                <a16:creationId xmlns:a16="http://schemas.microsoft.com/office/drawing/2014/main" id="{47344394-0D66-C7AD-AFA1-F7FAE76A6743}"/>
+              </a:ext>
+            </a:extLst>
+          </p:cNvPr>
+          <p:cNvSpPr/>
+          <p:nvPr/>
+        </p:nvSpPr>
+        <p:spPr>
+          <a:xfrm>
+            <a:off x="3198992" y="4212009"/>
+            <a:ext cx="2099925" cy="438999"/>
+          </a:xfrm>
+          <a:prstGeom prst="rect">
+            <a:avLst/>
+          </a:prstGeom>
+          <a:solidFill>
+            <a:schemeClr val="tx2">
+              <a:lumMod val="75000"/>
+            </a:schemeClr>
+          </a:solidFill>
+          <a:ln w="6350">
+            <a:solidFill>
+              <a:schemeClr val="tx1">
+                <a:lumMod val="50000"/>
+                <a:lumOff val="50000"/>
+              </a:schemeClr>
+            </a:solidFill>
+          </a:ln>
+        </p:spPr>
+        <p:style>
+          <a:lnRef idx="2">
+            <a:schemeClr val="accent1">
+              <a:shade val="50000"/>
+            </a:schemeClr>
+          </a:lnRef>
+          <a:fillRef idx="1">
+            <a:schemeClr val="accent1"/>
+          </a:fillRef>
+          <a:effectRef idx="0">
+            <a:schemeClr val="accent1"/>
+          </a:effectRef>
+          <a:fontRef idx="minor">
+            <a:schemeClr val="lt1"/>
+          </a:fontRef>
+        </p:style>
+        <p:txBody>
+          <a:bodyPr rtlCol="0" anchor="ctr"/>
+          <a:lstStyle/>
+          <a:p>
+            <a:endParaRPr lang="en-US" sz="1271" dirty="0">
+              <a:solidFill>
+                <a:schemeClr val="bg1"/>
+              </a:solidFill>
+            </a:endParaRPr>
+          </a:p>
+        </p:txBody>
+      </p:sp>
+      <p:sp>
+        <p:nvSpPr>
+          <p:cNvPr id="61" name="Rectangle 60">
+            <a:extLst>
+              <a:ext uri="{FF2B5EF4-FFF2-40B4-BE49-F238E27FC236}">
+                <a16:creationId xmlns:a16="http://schemas.microsoft.com/office/drawing/2014/main" id="{EC4F9CBF-6ABC-156C-FBD0-E65C257F4A4F}"/>
+              </a:ext>
+            </a:extLst>
+          </p:cNvPr>
+          <p:cNvSpPr/>
+          <p:nvPr/>
+        </p:nvSpPr>
+        <p:spPr>
+          <a:xfrm>
+            <a:off x="3157385" y="4178045"/>
+            <a:ext cx="2099925" cy="438999"/>
+          </a:xfrm>
+          <a:prstGeom prst="rect">
+            <a:avLst/>
+          </a:prstGeom>
+          <a:solidFill>
+            <a:schemeClr val="tx2">
+              <a:lumMod val="75000"/>
+            </a:schemeClr>
+          </a:solidFill>
+          <a:ln w="6350">
+            <a:solidFill>
+              <a:schemeClr val="tx1">
+                <a:lumMod val="50000"/>
+                <a:lumOff val="50000"/>
+              </a:schemeClr>
+            </a:solidFill>
+          </a:ln>
+        </p:spPr>
+        <p:style>
+          <a:lnRef idx="2">
+            <a:schemeClr val="accent1">
+              <a:shade val="50000"/>
+            </a:schemeClr>
+          </a:lnRef>
+          <a:fillRef idx="1">
+            <a:schemeClr val="accent1"/>
+          </a:fillRef>
+          <a:effectRef idx="0">
+            <a:schemeClr val="accent1"/>
+          </a:effectRef>
+          <a:fontRef idx="minor">
+            <a:schemeClr val="lt1"/>
+          </a:fontRef>
+        </p:style>
+        <p:txBody>
+          <a:bodyPr rtlCol="0" anchor="ctr"/>
+          <a:lstStyle/>
+          <a:p>
+            <a:endParaRPr lang="en-US" sz="1271" dirty="0">
+              <a:solidFill>
+                <a:schemeClr val="bg1"/>
+              </a:solidFill>
+            </a:endParaRPr>
+          </a:p>
+        </p:txBody>
+      </p:sp>
+      <p:sp>
+        <p:nvSpPr>
+          <p:cNvPr id="5" name="Rectangle 4">
+            <a:extLst>
+              <a:ext uri="{FF2B5EF4-FFF2-40B4-BE49-F238E27FC236}">
+                <a16:creationId xmlns:a16="http://schemas.microsoft.com/office/drawing/2014/main" id="{6194339B-94A9-0761-EA71-17FDDAB7ACC2}"/>
+              </a:ext>
+            </a:extLst>
+          </p:cNvPr>
+          <p:cNvSpPr/>
+          <p:nvPr/>
+        </p:nvSpPr>
+        <p:spPr>
+          <a:xfrm>
+            <a:off x="4451234" y="1643506"/>
+            <a:ext cx="2034372" cy="438999"/>
+          </a:xfrm>
+          <a:prstGeom prst="rect">
+            <a:avLst/>
+          </a:prstGeom>
+          <a:solidFill>
+            <a:schemeClr val="tx2">
+              <a:lumMod val="75000"/>
+            </a:schemeClr>
+          </a:solidFill>
+          <a:ln w="6350">
+            <a:solidFill>
+              <a:schemeClr val="tx1">
+                <a:lumMod val="50000"/>
+                <a:lumOff val="50000"/>
+              </a:schemeClr>
+            </a:solidFill>
+          </a:ln>
+        </p:spPr>
+        <p:style>
+          <a:lnRef idx="2">
+            <a:schemeClr val="accent1">
+              <a:shade val="50000"/>
+            </a:schemeClr>
+          </a:lnRef>
+          <a:fillRef idx="1">
+            <a:schemeClr val="accent1"/>
+          </a:fillRef>
+          <a:effectRef idx="0">
+            <a:schemeClr val="accent1"/>
+          </a:effectRef>
+          <a:fontRef idx="minor">
+            <a:schemeClr val="lt1"/>
+          </a:fontRef>
+        </p:style>
+        <p:txBody>
+          <a:bodyPr rtlCol="0" anchor="ctr"/>
+          <a:lstStyle/>
+          <a:p>
+            <a:r>
+              <a:rPr lang="en-US" sz="1100" i="1" dirty="0">
+                <a:solidFill>
+                  <a:schemeClr val="bg1"/>
+                </a:solidFill>
+              </a:rPr>
+              <a:t>      </a:t>
+            </a:r>
+            <a:r>
+              <a:rPr lang="en-DE" sz="1100" i="1" dirty="0">
+                <a:solidFill>
+                  <a:schemeClr val="bg1"/>
+                </a:solidFill>
+              </a:rPr>
+              <a:t> </a:t>
+            </a:r>
+            <a:r>
+              <a:rPr lang="en-US" sz="1100" i="1" dirty="0">
+                <a:solidFill>
+                  <a:schemeClr val="bg1"/>
+                </a:solidFill>
+              </a:rPr>
+              <a:t> </a:t>
+            </a:r>
+            <a:r>
+              <a:rPr lang="en-US" sz="1100" i="1" dirty="0" err="1">
+                <a:solidFill>
+                  <a:schemeClr val="bg1"/>
+                </a:solidFill>
+              </a:rPr>
+              <a:t>pipeline.yml</a:t>
+            </a:r>
+            <a:r>
+              <a:rPr lang="en-DE" sz="1271" dirty="0">
+                <a:solidFill>
+                  <a:schemeClr val="bg1"/>
+                </a:solidFill>
+              </a:rPr>
+              <a:t> </a:t>
+            </a:r>
+            <a:endParaRPr lang="en-US" sz="1271" dirty="0">
+              <a:solidFill>
+                <a:schemeClr val="bg1"/>
+              </a:solidFill>
+            </a:endParaRPr>
+          </a:p>
+          <a:p>
+            <a:r>
+              <a:rPr lang="en-US" sz="1271" dirty="0">
+                <a:solidFill>
+                  <a:schemeClr val="bg1"/>
+                </a:solidFill>
+              </a:rPr>
+              <a:t>       Pipeline </a:t>
+            </a:r>
+            <a:r>
+              <a:rPr lang="de-DE" sz="1271" dirty="0">
+                <a:solidFill>
+                  <a:schemeClr val="bg1"/>
+                </a:solidFill>
+              </a:rPr>
+              <a:t>Stage template</a:t>
+            </a:r>
+            <a:endParaRPr lang="en-US" sz="1271" dirty="0">
+              <a:solidFill>
+                <a:schemeClr val="bg1"/>
+              </a:solidFill>
+            </a:endParaRPr>
+          </a:p>
+        </p:txBody>
+      </p:sp>
+      <p:sp>
+        <p:nvSpPr>
+          <p:cNvPr id="7" name="Rectangle 6">
+            <a:extLst>
+              <a:ext uri="{FF2B5EF4-FFF2-40B4-BE49-F238E27FC236}">
+                <a16:creationId xmlns:a16="http://schemas.microsoft.com/office/drawing/2014/main" id="{42AAB230-4C59-8C5E-2A94-72B3D6B46503}"/>
+              </a:ext>
+            </a:extLst>
+          </p:cNvPr>
+          <p:cNvSpPr/>
+          <p:nvPr/>
+        </p:nvSpPr>
+        <p:spPr>
+          <a:xfrm>
+            <a:off x="4451234" y="2233517"/>
+            <a:ext cx="2034372" cy="438999"/>
+          </a:xfrm>
+          <a:prstGeom prst="rect">
+            <a:avLst/>
+          </a:prstGeom>
+          <a:solidFill>
+            <a:schemeClr val="tx2">
+              <a:lumMod val="75000"/>
+            </a:schemeClr>
+          </a:solidFill>
+          <a:ln w="6350">
+            <a:solidFill>
+              <a:schemeClr val="tx1">
+                <a:lumMod val="50000"/>
+                <a:lumOff val="50000"/>
+              </a:schemeClr>
+            </a:solidFill>
+          </a:ln>
+        </p:spPr>
+        <p:style>
+          <a:lnRef idx="2">
+            <a:schemeClr val="accent1">
+              <a:shade val="50000"/>
+            </a:schemeClr>
+          </a:lnRef>
+          <a:fillRef idx="1">
+            <a:schemeClr val="accent1"/>
+          </a:fillRef>
+          <a:effectRef idx="0">
+            <a:schemeClr val="accent1"/>
+          </a:effectRef>
+          <a:fontRef idx="minor">
+            <a:schemeClr val="lt1"/>
+          </a:fontRef>
+        </p:style>
+        <p:txBody>
+          <a:bodyPr rtlCol="0" anchor="ctr"/>
+          <a:lstStyle/>
+          <a:p>
+            <a:r>
+              <a:rPr lang="en-US" sz="1100" i="1" dirty="0">
+                <a:solidFill>
+                  <a:schemeClr val="bg1"/>
+                </a:solidFill>
+              </a:rPr>
+              <a:t>      </a:t>
+            </a:r>
+            <a:r>
+              <a:rPr lang="en-DE" sz="1100" i="1" dirty="0">
+                <a:solidFill>
+                  <a:schemeClr val="bg1"/>
+                </a:solidFill>
+              </a:rPr>
+              <a:t> </a:t>
+            </a:r>
+            <a:r>
+              <a:rPr lang="en-US" sz="1100" i="1" dirty="0">
+                <a:solidFill>
+                  <a:schemeClr val="bg1"/>
+                </a:solidFill>
+              </a:rPr>
+              <a:t> </a:t>
+            </a:r>
+            <a:r>
+              <a:rPr lang="en-US" sz="1100" i="1" dirty="0" err="1">
+                <a:solidFill>
+                  <a:schemeClr val="bg1"/>
+                </a:solidFill>
+              </a:rPr>
+              <a:t>pipeline.jobs.yml</a:t>
+            </a:r>
+            <a:endParaRPr lang="en-US" sz="1100" i="1" dirty="0">
+              <a:solidFill>
+                <a:schemeClr val="bg1"/>
+              </a:solidFill>
+            </a:endParaRPr>
+          </a:p>
+          <a:p>
+            <a:r>
+              <a:rPr lang="en-US" sz="1271" dirty="0">
+                <a:solidFill>
+                  <a:schemeClr val="bg1"/>
+                </a:solidFill>
+              </a:rPr>
+              <a:t>       Pipeline </a:t>
+            </a:r>
+            <a:r>
+              <a:rPr lang="de-DE" sz="1271" dirty="0">
+                <a:solidFill>
+                  <a:schemeClr val="bg1"/>
+                </a:solidFill>
+              </a:rPr>
+              <a:t>Jobs template</a:t>
+            </a:r>
+            <a:endParaRPr lang="en-US" sz="1271" dirty="0">
+              <a:solidFill>
+                <a:schemeClr val="bg1"/>
+              </a:solidFill>
+            </a:endParaRPr>
+          </a:p>
+        </p:txBody>
+      </p:sp>
+      <p:sp>
+        <p:nvSpPr>
+          <p:cNvPr id="8" name="Rectangle 7">
+            <a:extLst>
+              <a:ext uri="{FF2B5EF4-FFF2-40B4-BE49-F238E27FC236}">
+                <a16:creationId xmlns:a16="http://schemas.microsoft.com/office/drawing/2014/main" id="{5DDE7DCB-283A-7CFB-6A53-535DA5D6DA5C}"/>
+              </a:ext>
+            </a:extLst>
+          </p:cNvPr>
+          <p:cNvSpPr/>
+          <p:nvPr/>
+        </p:nvSpPr>
+        <p:spPr>
+          <a:xfrm>
+            <a:off x="3115597" y="2926408"/>
+            <a:ext cx="2099925" cy="438999"/>
+          </a:xfrm>
+          <a:prstGeom prst="rect">
+            <a:avLst/>
+          </a:prstGeom>
+          <a:solidFill>
+            <a:schemeClr val="tx2">
+              <a:lumMod val="75000"/>
+            </a:schemeClr>
+          </a:solidFill>
+          <a:ln w="6350">
+            <a:solidFill>
+              <a:schemeClr val="tx1">
+                <a:lumMod val="50000"/>
+                <a:lumOff val="50000"/>
+              </a:schemeClr>
+            </a:solidFill>
+          </a:ln>
+        </p:spPr>
+        <p:style>
+          <a:lnRef idx="2">
+            <a:schemeClr val="accent1">
+              <a:shade val="50000"/>
+            </a:schemeClr>
+          </a:lnRef>
+          <a:fillRef idx="1">
+            <a:schemeClr val="accent1"/>
+          </a:fillRef>
+          <a:effectRef idx="0">
+            <a:schemeClr val="accent1"/>
+          </a:effectRef>
+          <a:fontRef idx="minor">
+            <a:schemeClr val="lt1"/>
+          </a:fontRef>
+        </p:style>
+        <p:txBody>
+          <a:bodyPr rtlCol="0" anchor="ctr"/>
+          <a:lstStyle/>
+          <a:p>
+            <a:r>
+              <a:rPr lang="en-US" sz="1100" i="1" dirty="0">
+                <a:solidFill>
+                  <a:schemeClr val="bg1"/>
+                </a:solidFill>
+              </a:rPr>
+              <a:t>     </a:t>
+            </a:r>
+            <a:r>
+              <a:rPr lang="en-DE" sz="1100" i="1" dirty="0">
+                <a:solidFill>
+                  <a:schemeClr val="bg1"/>
+                </a:solidFill>
+              </a:rPr>
+              <a:t> </a:t>
+            </a:r>
+            <a:r>
+              <a:rPr lang="en-US" sz="1100" i="1" dirty="0">
+                <a:solidFill>
+                  <a:schemeClr val="bg1"/>
+                </a:solidFill>
+              </a:rPr>
+              <a:t>  &lt;env&gt;.</a:t>
+            </a:r>
+            <a:r>
+              <a:rPr lang="en-US" sz="1100" i="1" dirty="0" err="1">
+                <a:solidFill>
+                  <a:schemeClr val="bg1"/>
+                </a:solidFill>
+              </a:rPr>
+              <a:t>image.bicep</a:t>
+            </a:r>
+            <a:r>
+              <a:rPr lang="en-DE" sz="1271" dirty="0">
+                <a:solidFill>
+                  <a:schemeClr val="bg1"/>
+                </a:solidFill>
+              </a:rPr>
+              <a:t> </a:t>
+            </a:r>
+            <a:endParaRPr lang="de-DE" sz="1271" dirty="0">
+              <a:solidFill>
+                <a:schemeClr val="bg1"/>
+              </a:solidFill>
+            </a:endParaRPr>
+          </a:p>
+          <a:p>
+            <a:r>
+              <a:rPr lang="de-DE" sz="1271" dirty="0">
+                <a:solidFill>
+                  <a:schemeClr val="bg1"/>
+                </a:solidFill>
+              </a:rPr>
+              <a:t>       Bicep Deployment files</a:t>
+            </a:r>
+            <a:endParaRPr lang="en-US" sz="1271" dirty="0">
+              <a:solidFill>
+                <a:schemeClr val="bg1"/>
+              </a:solidFill>
+            </a:endParaRPr>
+          </a:p>
+        </p:txBody>
+      </p:sp>
+      <p:sp>
+        <p:nvSpPr>
+          <p:cNvPr id="9" name="Rectangle 8">
+            <a:extLst>
+              <a:ext uri="{FF2B5EF4-FFF2-40B4-BE49-F238E27FC236}">
+                <a16:creationId xmlns:a16="http://schemas.microsoft.com/office/drawing/2014/main" id="{3662D512-14F8-C045-B068-6E2C3E24AD1C}"/>
+              </a:ext>
+            </a:extLst>
+          </p:cNvPr>
+          <p:cNvSpPr/>
+          <p:nvPr/>
+        </p:nvSpPr>
+        <p:spPr>
+          <a:xfrm>
+            <a:off x="3115597" y="3519547"/>
+            <a:ext cx="2099925" cy="438999"/>
+          </a:xfrm>
+          <a:prstGeom prst="rect">
+            <a:avLst/>
+          </a:prstGeom>
+          <a:solidFill>
+            <a:schemeClr val="tx2">
+              <a:lumMod val="75000"/>
+            </a:schemeClr>
+          </a:solidFill>
+          <a:ln w="6350">
+            <a:solidFill>
+              <a:schemeClr val="tx1">
+                <a:lumMod val="50000"/>
+                <a:lumOff val="50000"/>
+              </a:schemeClr>
+            </a:solidFill>
+          </a:ln>
+        </p:spPr>
+        <p:style>
+          <a:lnRef idx="2">
+            <a:schemeClr val="accent1">
+              <a:shade val="50000"/>
+            </a:schemeClr>
+          </a:lnRef>
+          <a:fillRef idx="1">
+            <a:schemeClr val="accent1"/>
+          </a:fillRef>
+          <a:effectRef idx="0">
+            <a:schemeClr val="accent1"/>
+          </a:effectRef>
+          <a:fontRef idx="minor">
+            <a:schemeClr val="lt1"/>
+          </a:fontRef>
+        </p:style>
+        <p:txBody>
+          <a:bodyPr rtlCol="0" anchor="ctr"/>
+          <a:lstStyle/>
+          <a:p>
+            <a:r>
+              <a:rPr lang="en-US" sz="1100" i="1" dirty="0">
+                <a:solidFill>
+                  <a:schemeClr val="bg1"/>
+                </a:solidFill>
+              </a:rPr>
+              <a:t>        </a:t>
+            </a:r>
+            <a:r>
+              <a:rPr lang="en-US" sz="1100" i="1" dirty="0" err="1">
+                <a:solidFill>
+                  <a:schemeClr val="bg1"/>
+                </a:solidFill>
+              </a:rPr>
+              <a:t>image.deploy.bicep</a:t>
+            </a:r>
+            <a:r>
+              <a:rPr lang="en-DE" sz="1100" i="1" dirty="0">
+                <a:solidFill>
+                  <a:schemeClr val="bg1"/>
+                </a:solidFill>
+              </a:rPr>
+              <a:t> </a:t>
+            </a:r>
+            <a:endParaRPr lang="de-DE" sz="1100" i="1" dirty="0">
+              <a:solidFill>
+                <a:schemeClr val="bg1"/>
+              </a:solidFill>
+            </a:endParaRPr>
+          </a:p>
+          <a:p>
+            <a:r>
+              <a:rPr lang="de-DE" sz="1271" dirty="0">
+                <a:solidFill>
+                  <a:schemeClr val="bg1"/>
+                </a:solidFill>
+              </a:rPr>
+              <a:t>       Bicep Template file</a:t>
+            </a:r>
+            <a:endParaRPr lang="en-US" sz="1271" dirty="0">
+              <a:solidFill>
+                <a:schemeClr val="bg1"/>
+              </a:solidFill>
+            </a:endParaRPr>
+          </a:p>
+        </p:txBody>
+      </p:sp>
+      <p:sp>
+        <p:nvSpPr>
+          <p:cNvPr id="10" name="Rectangle 9">
+            <a:extLst>
+              <a:ext uri="{FF2B5EF4-FFF2-40B4-BE49-F238E27FC236}">
+                <a16:creationId xmlns:a16="http://schemas.microsoft.com/office/drawing/2014/main" id="{2122E31B-CBD1-B807-DA4F-E00E3055915F}"/>
+              </a:ext>
+            </a:extLst>
+          </p:cNvPr>
+          <p:cNvSpPr/>
+          <p:nvPr/>
+        </p:nvSpPr>
+        <p:spPr>
+          <a:xfrm>
+            <a:off x="3115597" y="4140394"/>
+            <a:ext cx="2099925" cy="438999"/>
           </a:xfrm>
           <a:prstGeom prst="rect">
             <a:avLst/>
@@ -8622,90 +9592,12 @@
               <a:t> </a:t>
             </a:r>
             <a:r>
-              <a:rPr lang="en-DE" sz="1271" dirty="0">
+              <a:rPr lang="en-US" sz="1271" i="1" dirty="0" err="1">
                 <a:solidFill>
                   <a:schemeClr val="bg1"/>
                 </a:solidFill>
               </a:rPr>
-              <a:t> </a:t>
-            </a:r>
-            <a:r>
-              <a:rPr lang="de-DE" sz="1271" dirty="0">
-                <a:solidFill>
-                  <a:schemeClr val="bg1"/>
-                </a:solidFill>
-              </a:rPr>
-              <a:t>Stage template</a:t>
-            </a:r>
-            <a:endParaRPr lang="en-US" sz="1271" dirty="0">
-              <a:solidFill>
-                <a:schemeClr val="bg1"/>
-              </a:solidFill>
-            </a:endParaRPr>
-          </a:p>
-        </p:txBody>
-      </p:sp>
-      <p:sp>
-        <p:nvSpPr>
-          <p:cNvPr id="7" name="Rectangle 6">
-            <a:extLst>
-              <a:ext uri="{FF2B5EF4-FFF2-40B4-BE49-F238E27FC236}">
-                <a16:creationId xmlns:a16="http://schemas.microsoft.com/office/drawing/2014/main" id="{42AAB230-4C59-8C5E-2A94-72B3D6B46503}"/>
-              </a:ext>
-            </a:extLst>
-          </p:cNvPr>
-          <p:cNvSpPr/>
-          <p:nvPr/>
-        </p:nvSpPr>
-        <p:spPr>
-          <a:xfrm>
-            <a:off x="4547096" y="2233517"/>
-            <a:ext cx="1731848" cy="438999"/>
-          </a:xfrm>
-          <a:prstGeom prst="rect">
-            <a:avLst/>
-          </a:prstGeom>
-          <a:solidFill>
-            <a:schemeClr val="tx2">
-              <a:lumMod val="75000"/>
-            </a:schemeClr>
-          </a:solidFill>
-          <a:ln w="6350">
-            <a:solidFill>
-              <a:schemeClr val="tx1">
-                <a:lumMod val="50000"/>
-                <a:lumOff val="50000"/>
-              </a:schemeClr>
-            </a:solidFill>
-          </a:ln>
-        </p:spPr>
-        <p:style>
-          <a:lnRef idx="2">
-            <a:schemeClr val="accent1">
-              <a:shade val="50000"/>
-            </a:schemeClr>
-          </a:lnRef>
-          <a:fillRef idx="1">
-            <a:schemeClr val="accent1"/>
-          </a:fillRef>
-          <a:effectRef idx="0">
-            <a:schemeClr val="accent1"/>
-          </a:effectRef>
-          <a:fontRef idx="minor">
-            <a:schemeClr val="lt1"/>
-          </a:fontRef>
-        </p:style>
-        <p:txBody>
-          <a:bodyPr rtlCol="0" anchor="ctr"/>
-          <a:lstStyle/>
-          <a:p>
-            <a:r>
-              <a:rPr lang="en-US" sz="1271" dirty="0">
-                <a:solidFill>
-                  <a:schemeClr val="bg1"/>
-                </a:solidFill>
-              </a:rPr>
-              <a:t>     </a:t>
+              <a:t>main.bicep</a:t>
             </a:r>
             <a:r>
               <a:rPr lang="en-DE" sz="1271" dirty="0">
@@ -8715,21 +9607,20 @@
               </a:rPr>
               <a:t> </a:t>
             </a:r>
+            <a:endParaRPr lang="en-US" sz="1271" dirty="0">
+              <a:solidFill>
+                <a:schemeClr val="bg1"/>
+              </a:solidFill>
+            </a:endParaRPr>
+          </a:p>
+          <a:p>
             <a:r>
               <a:rPr lang="en-US" sz="1271" dirty="0">
                 <a:solidFill>
                   <a:schemeClr val="bg1"/>
                 </a:solidFill>
               </a:rPr>
-              <a:t> </a:t>
-            </a:r>
-            <a:r>
-              <a:rPr lang="en-DE" sz="1271" dirty="0">
-                <a:solidFill>
-                  <a:schemeClr val="bg1"/>
-                </a:solidFill>
-              </a:rPr>
-              <a:t> </a:t>
+              <a:t>       </a:t>
             </a:r>
             <a:r>
               <a:rPr lang="de-DE" sz="1271" dirty="0">
@@ -8737,313 +9628,7 @@
                   <a:schemeClr val="bg1"/>
                 </a:solidFill>
               </a:rPr>
-              <a:t>Jobs template</a:t>
-            </a:r>
-            <a:endParaRPr lang="en-US" sz="1271" dirty="0">
-              <a:solidFill>
-                <a:schemeClr val="bg1"/>
-              </a:solidFill>
-            </a:endParaRPr>
-          </a:p>
-        </p:txBody>
-      </p:sp>
-      <p:sp>
-        <p:nvSpPr>
-          <p:cNvPr id="8" name="Rectangle 7">
-            <a:extLst>
-              <a:ext uri="{FF2B5EF4-FFF2-40B4-BE49-F238E27FC236}">
-                <a16:creationId xmlns:a16="http://schemas.microsoft.com/office/drawing/2014/main" id="{5DDE7DCB-283A-7CFB-6A53-535DA5D6DA5C}"/>
-              </a:ext>
-            </a:extLst>
-          </p:cNvPr>
-          <p:cNvSpPr/>
-          <p:nvPr/>
-        </p:nvSpPr>
-        <p:spPr>
-          <a:xfrm>
-            <a:off x="3115597" y="2926408"/>
-            <a:ext cx="2099925" cy="438999"/>
-          </a:xfrm>
-          <a:prstGeom prst="rect">
-            <a:avLst/>
-          </a:prstGeom>
-          <a:solidFill>
-            <a:schemeClr val="tx2">
-              <a:lumMod val="75000"/>
-            </a:schemeClr>
-          </a:solidFill>
-          <a:ln w="6350">
-            <a:solidFill>
-              <a:schemeClr val="tx1">
-                <a:lumMod val="50000"/>
-                <a:lumOff val="50000"/>
-              </a:schemeClr>
-            </a:solidFill>
-          </a:ln>
-        </p:spPr>
-        <p:style>
-          <a:lnRef idx="2">
-            <a:schemeClr val="accent1">
-              <a:shade val="50000"/>
-            </a:schemeClr>
-          </a:lnRef>
-          <a:fillRef idx="1">
-            <a:schemeClr val="accent1"/>
-          </a:fillRef>
-          <a:effectRef idx="0">
-            <a:schemeClr val="accent1"/>
-          </a:effectRef>
-          <a:fontRef idx="minor">
-            <a:schemeClr val="lt1"/>
-          </a:fontRef>
-        </p:style>
-        <p:txBody>
-          <a:bodyPr rtlCol="0" anchor="ctr"/>
-          <a:lstStyle/>
-          <a:p>
-            <a:r>
-              <a:rPr lang="en-US" sz="1271" dirty="0">
-                <a:solidFill>
-                  <a:schemeClr val="bg1"/>
-                </a:solidFill>
-              </a:rPr>
-              <a:t>     </a:t>
-            </a:r>
-            <a:r>
-              <a:rPr lang="en-DE" sz="1271" dirty="0">
-                <a:solidFill>
-                  <a:schemeClr val="bg1"/>
-                </a:solidFill>
-              </a:rPr>
-              <a:t> </a:t>
-            </a:r>
-            <a:r>
-              <a:rPr lang="en-US" sz="1271" dirty="0">
-                <a:solidFill>
-                  <a:schemeClr val="bg1"/>
-                </a:solidFill>
-              </a:rPr>
-              <a:t> </a:t>
-            </a:r>
-            <a:r>
-              <a:rPr lang="en-DE" sz="1271" dirty="0">
-                <a:solidFill>
-                  <a:schemeClr val="bg1"/>
-                </a:solidFill>
-              </a:rPr>
-              <a:t> </a:t>
-            </a:r>
-            <a:r>
-              <a:rPr lang="de-DE" sz="1271" dirty="0">
-                <a:solidFill>
-                  <a:schemeClr val="bg1"/>
-                </a:solidFill>
-              </a:rPr>
-              <a:t>Bicep Deployment File</a:t>
-            </a:r>
-            <a:endParaRPr lang="en-US" sz="1271" dirty="0">
-              <a:solidFill>
-                <a:schemeClr val="bg1"/>
-              </a:solidFill>
-            </a:endParaRPr>
-          </a:p>
-        </p:txBody>
-      </p:sp>
-      <p:sp>
-        <p:nvSpPr>
-          <p:cNvPr id="9" name="Rectangle 8">
-            <a:extLst>
-              <a:ext uri="{FF2B5EF4-FFF2-40B4-BE49-F238E27FC236}">
-                <a16:creationId xmlns:a16="http://schemas.microsoft.com/office/drawing/2014/main" id="{3662D512-14F8-C045-B068-6E2C3E24AD1C}"/>
-              </a:ext>
-            </a:extLst>
-          </p:cNvPr>
-          <p:cNvSpPr/>
-          <p:nvPr/>
-        </p:nvSpPr>
-        <p:spPr>
-          <a:xfrm>
-            <a:off x="3115597" y="3519547"/>
-            <a:ext cx="2099925" cy="438999"/>
-          </a:xfrm>
-          <a:prstGeom prst="rect">
-            <a:avLst/>
-          </a:prstGeom>
-          <a:solidFill>
-            <a:schemeClr val="tx2">
-              <a:lumMod val="75000"/>
-            </a:schemeClr>
-          </a:solidFill>
-          <a:ln w="6350">
-            <a:solidFill>
-              <a:schemeClr val="tx1">
-                <a:lumMod val="50000"/>
-                <a:lumOff val="50000"/>
-              </a:schemeClr>
-            </a:solidFill>
-          </a:ln>
-        </p:spPr>
-        <p:style>
-          <a:lnRef idx="2">
-            <a:schemeClr val="accent1">
-              <a:shade val="50000"/>
-            </a:schemeClr>
-          </a:lnRef>
-          <a:fillRef idx="1">
-            <a:schemeClr val="accent1"/>
-          </a:fillRef>
-          <a:effectRef idx="0">
-            <a:schemeClr val="accent1"/>
-          </a:effectRef>
-          <a:fontRef idx="minor">
-            <a:schemeClr val="lt1"/>
-          </a:fontRef>
-        </p:style>
-        <p:txBody>
-          <a:bodyPr rtlCol="0" anchor="ctr"/>
-          <a:lstStyle/>
-          <a:p>
-            <a:r>
-              <a:rPr lang="en-US" sz="1271" dirty="0">
-                <a:solidFill>
-                  <a:schemeClr val="bg1"/>
-                </a:solidFill>
-              </a:rPr>
-              <a:t>     </a:t>
-            </a:r>
-            <a:r>
-              <a:rPr lang="en-DE" sz="1271" dirty="0">
-                <a:solidFill>
-                  <a:schemeClr val="bg1"/>
-                </a:solidFill>
-              </a:rPr>
-              <a:t> </a:t>
-            </a:r>
-            <a:r>
-              <a:rPr lang="en-US" sz="1271" dirty="0">
-                <a:solidFill>
-                  <a:schemeClr val="bg1"/>
-                </a:solidFill>
-              </a:rPr>
-              <a:t> </a:t>
-            </a:r>
-            <a:r>
-              <a:rPr lang="en-DE" sz="1271" dirty="0">
-                <a:solidFill>
-                  <a:schemeClr val="bg1"/>
-                </a:solidFill>
-              </a:rPr>
-              <a:t> </a:t>
-            </a:r>
-            <a:r>
-              <a:rPr lang="de-DE" sz="1271" dirty="0">
-                <a:solidFill>
-                  <a:schemeClr val="bg1"/>
-                </a:solidFill>
-              </a:rPr>
-              <a:t>Bicep Template File</a:t>
-            </a:r>
-            <a:endParaRPr lang="en-US" sz="1271" dirty="0">
-              <a:solidFill>
-                <a:schemeClr val="bg1"/>
-              </a:solidFill>
-            </a:endParaRPr>
-          </a:p>
-        </p:txBody>
-      </p:sp>
-      <p:sp>
-        <p:nvSpPr>
-          <p:cNvPr id="10" name="Rectangle 9">
-            <a:extLst>
-              <a:ext uri="{FF2B5EF4-FFF2-40B4-BE49-F238E27FC236}">
-                <a16:creationId xmlns:a16="http://schemas.microsoft.com/office/drawing/2014/main" id="{2122E31B-CBD1-B807-DA4F-E00E3055915F}"/>
-              </a:ext>
-            </a:extLst>
-          </p:cNvPr>
-          <p:cNvSpPr/>
-          <p:nvPr/>
-        </p:nvSpPr>
-        <p:spPr>
-          <a:xfrm>
-            <a:off x="3115597" y="4140394"/>
-            <a:ext cx="2099925" cy="438999"/>
-          </a:xfrm>
-          <a:prstGeom prst="rect">
-            <a:avLst/>
-          </a:prstGeom>
-          <a:solidFill>
-            <a:schemeClr val="tx2">
-              <a:lumMod val="75000"/>
-            </a:schemeClr>
-          </a:solidFill>
-          <a:ln w="6350">
-            <a:solidFill>
-              <a:schemeClr val="tx1">
-                <a:lumMod val="50000"/>
-                <a:lumOff val="50000"/>
-              </a:schemeClr>
-            </a:solidFill>
-          </a:ln>
-        </p:spPr>
-        <p:style>
-          <a:lnRef idx="2">
-            <a:schemeClr val="accent1">
-              <a:shade val="50000"/>
-            </a:schemeClr>
-          </a:lnRef>
-          <a:fillRef idx="1">
-            <a:schemeClr val="accent1"/>
-          </a:fillRef>
-          <a:effectRef idx="0">
-            <a:schemeClr val="accent1"/>
-          </a:effectRef>
-          <a:fontRef idx="minor">
-            <a:schemeClr val="lt1"/>
-          </a:fontRef>
-        </p:style>
-        <p:txBody>
-          <a:bodyPr rtlCol="0" anchor="ctr"/>
-          <a:lstStyle/>
-          <a:p>
-            <a:r>
-              <a:rPr lang="en-US" sz="1271" dirty="0">
-                <a:solidFill>
-                  <a:schemeClr val="bg1"/>
-                </a:solidFill>
-              </a:rPr>
-              <a:t>     </a:t>
-            </a:r>
-            <a:r>
-              <a:rPr lang="en-DE" sz="1271" dirty="0">
-                <a:solidFill>
-                  <a:schemeClr val="bg1"/>
-                </a:solidFill>
-              </a:rPr>
-              <a:t> </a:t>
-            </a:r>
-            <a:r>
-              <a:rPr lang="en-US" sz="1271" dirty="0">
-                <a:solidFill>
-                  <a:schemeClr val="bg1"/>
-                </a:solidFill>
-              </a:rPr>
-              <a:t> </a:t>
-            </a:r>
-            <a:r>
-              <a:rPr lang="en-DE" sz="1271" dirty="0">
-                <a:solidFill>
-                  <a:schemeClr val="bg1"/>
-                </a:solidFill>
-              </a:rPr>
-              <a:t> </a:t>
-            </a:r>
-            <a:r>
-              <a:rPr lang="de-DE" sz="1271" dirty="0">
-                <a:solidFill>
-                  <a:schemeClr val="bg1"/>
-                </a:solidFill>
-              </a:rPr>
-              <a:t>Bicep Resource Modules</a:t>
+              <a:t>Bicep CARML modules</a:t>
             </a:r>
             <a:endParaRPr lang="en-US" sz="1271" dirty="0">
               <a:solidFill>
@@ -9518,7 +10103,7 @@
         </p:nvGrpSpPr>
         <p:grpSpPr>
           <a:xfrm>
-            <a:off x="4614431" y="1765676"/>
+            <a:off x="4514882" y="1765676"/>
             <a:ext cx="212652" cy="212652"/>
             <a:chOff x="2299029" y="2351303"/>
             <a:chExt cx="212652" cy="212652"/>
@@ -9640,7 +10225,7 @@
         </p:nvGrpSpPr>
         <p:grpSpPr>
           <a:xfrm>
-            <a:off x="4614431" y="2343384"/>
+            <a:off x="4514882" y="2346691"/>
             <a:ext cx="212652" cy="212652"/>
             <a:chOff x="2299029" y="2351303"/>
             <a:chExt cx="212652" cy="212652"/>
@@ -9766,7 +10351,7 @@
         </p:nvCxnSpPr>
         <p:spPr>
           <a:xfrm>
-            <a:off x="5413020" y="2082505"/>
+            <a:off x="5468420" y="2082505"/>
             <a:ext cx="0" cy="151012"/>
           </a:xfrm>
           <a:prstGeom prst="straightConnector1">
@@ -9916,8 +10501,8 @@
         </p:nvCxnSpPr>
         <p:spPr>
           <a:xfrm rot="5400000">
-            <a:off x="4662344" y="2175732"/>
-            <a:ext cx="253892" cy="1247460"/>
+            <a:off x="4690044" y="2148032"/>
+            <a:ext cx="253892" cy="1302860"/>
           </a:xfrm>
           <a:prstGeom prst="bentConnector3">
             <a:avLst>
@@ -9968,8 +10553,8 @@
         </p:nvCxnSpPr>
         <p:spPr>
           <a:xfrm rot="16200000" flipH="1">
-            <a:off x="5822548" y="2262987"/>
-            <a:ext cx="253892" cy="1072949"/>
+            <a:off x="5850248" y="2290687"/>
+            <a:ext cx="253892" cy="1017549"/>
           </a:xfrm>
           <a:prstGeom prst="bentConnector3">
             <a:avLst>
@@ -9984,6 +10569,56 @@
               </a:schemeClr>
             </a:solidFill>
             <a:prstDash val="solid"/>
+            <a:tailEnd type="triangle" w="med" len="sm"/>
+          </a:ln>
+        </p:spPr>
+        <p:style>
+          <a:lnRef idx="1">
+            <a:schemeClr val="accent1"/>
+          </a:lnRef>
+          <a:fillRef idx="0">
+            <a:schemeClr val="accent1"/>
+          </a:fillRef>
+          <a:effectRef idx="0">
+            <a:schemeClr val="accent1"/>
+          </a:effectRef>
+          <a:fontRef idx="minor">
+            <a:schemeClr val="tx1"/>
+          </a:fontRef>
+        </p:style>
+      </p:cxnSp>
+      <p:cxnSp>
+        <p:nvCxnSpPr>
+          <p:cNvPr id="1031" name="Straight Arrow Connector 12">
+            <a:extLst>
+              <a:ext uri="{FF2B5EF4-FFF2-40B4-BE49-F238E27FC236}">
+                <a16:creationId xmlns:a16="http://schemas.microsoft.com/office/drawing/2014/main" id="{DEC0D03D-0165-941A-2A1D-C6DFDF964F85}"/>
+              </a:ext>
+            </a:extLst>
+          </p:cNvPr>
+          <p:cNvCxnSpPr>
+            <a:cxnSpLocks/>
+            <a:stCxn id="9" idx="3"/>
+            <a:endCxn id="1027" idx="2"/>
+          </p:cNvCxnSpPr>
+          <p:nvPr/>
+        </p:nvCxnSpPr>
+        <p:spPr>
+          <a:xfrm flipV="1">
+            <a:off x="5215522" y="3442477"/>
+            <a:ext cx="1351272" cy="296570"/>
+          </a:xfrm>
+          <a:prstGeom prst="bentConnector2">
+            <a:avLst/>
+          </a:prstGeom>
+          <a:ln w="28575">
+            <a:solidFill>
+              <a:schemeClr val="tx2">
+                <a:lumMod val="60000"/>
+                <a:lumOff val="40000"/>
+              </a:schemeClr>
+            </a:solidFill>
+            <a:prstDash val="sysDot"/>
             <a:tailEnd type="triangle" w="med" len="sm"/>
           </a:ln>
         </p:spPr>

--- a/docs/wiki/media/src/DevOps Self-Hosted Diagrams.pptx
+++ b/docs/wiki/media/src/DevOps Self-Hosted Diagrams.pptx
@@ -8068,24 +8068,19 @@
             <a:avLst/>
           </a:prstGeom>
           <a:ln w="28575">
-            <a:gradFill flip="none" rotWithShape="1">
-              <a:gsLst>
-                <a:gs pos="100000">
-                  <a:schemeClr val="accent1">
-                    <a:lumMod val="5000"/>
-                    <a:lumOff val="95000"/>
-                  </a:schemeClr>
-                </a:gs>
-                <a:gs pos="47000">
-                  <a:schemeClr val="tx1"/>
-                </a:gs>
-              </a:gsLst>
-              <a:lin ang="10800000" scaled="0"/>
-              <a:tileRect/>
-            </a:gradFill>
+            <a:solidFill>
+              <a:schemeClr val="tx1"/>
+            </a:solidFill>
             <a:prstDash val="solid"/>
             <a:tailEnd type="triangle" w="lg" len="lg"/>
           </a:ln>
+          <a:effectLst>
+            <a:glow rad="63500">
+              <a:schemeClr val="bg1">
+                <a:alpha val="40000"/>
+              </a:schemeClr>
+            </a:glow>
+          </a:effectLst>
         </p:spPr>
         <p:style>
           <a:lnRef idx="1">
@@ -8295,11 +8290,18 @@
           </a:prstGeom>
           <a:ln w="28575">
             <a:solidFill>
-              <a:srgbClr val="FFFFFF"/>
+              <a:schemeClr val="tx1"/>
             </a:solidFill>
             <a:prstDash val="solid"/>
             <a:tailEnd type="triangle" w="lg" len="lg"/>
           </a:ln>
+          <a:effectLst>
+            <a:glow rad="63500">
+              <a:schemeClr val="bg1">
+                <a:alpha val="40000"/>
+              </a:schemeClr>
+            </a:glow>
+          </a:effectLst>
         </p:spPr>
         <p:style>
           <a:lnRef idx="1">

--- a/docs/wiki/media/src/DevOps Self-Hosted Diagrams.pptx
+++ b/docs/wiki/media/src/DevOps Self-Hosted Diagrams.pptx
@@ -6389,158 +6389,6 @@
       </p:grpSp>
       <p:grpSp>
         <p:nvGrpSpPr>
-          <p:cNvPr id="25" name="Group 24">
-            <a:extLst>
-              <a:ext uri="{FF2B5EF4-FFF2-40B4-BE49-F238E27FC236}">
-                <a16:creationId xmlns:a16="http://schemas.microsoft.com/office/drawing/2014/main" id="{3D2FB50D-E0B2-71E5-D7F5-0AB4DF038C05}"/>
-              </a:ext>
-            </a:extLst>
-          </p:cNvPr>
-          <p:cNvGrpSpPr/>
-          <p:nvPr/>
-        </p:nvGrpSpPr>
-        <p:grpSpPr>
-          <a:xfrm>
-            <a:off x="766367" y="1679062"/>
-            <a:ext cx="2014329" cy="316359"/>
-            <a:chOff x="6755783" y="2494850"/>
-            <a:chExt cx="2014329" cy="316359"/>
-          </a:xfrm>
-        </p:grpSpPr>
-        <p:sp>
-          <p:nvSpPr>
-            <p:cNvPr id="22" name="Rectangle 21">
-              <a:extLst>
-                <a:ext uri="{FF2B5EF4-FFF2-40B4-BE49-F238E27FC236}">
-                  <a16:creationId xmlns:a16="http://schemas.microsoft.com/office/drawing/2014/main" id="{3EEBCC4E-8B07-4808-AFFE-8ADC52BA108C}"/>
-                </a:ext>
-              </a:extLst>
-            </p:cNvPr>
-            <p:cNvSpPr/>
-            <p:nvPr/>
-          </p:nvSpPr>
-          <p:spPr>
-            <a:xfrm>
-              <a:off x="6755783" y="2494850"/>
-              <a:ext cx="2014329" cy="316359"/>
-            </a:xfrm>
-            <a:prstGeom prst="rect">
-              <a:avLst/>
-            </a:prstGeom>
-            <a:solidFill>
-              <a:srgbClr val="262626"/>
-            </a:solidFill>
-            <a:ln w="6350">
-              <a:solidFill>
-                <a:schemeClr val="tx1">
-                  <a:lumMod val="50000"/>
-                  <a:lumOff val="50000"/>
-                </a:schemeClr>
-              </a:solidFill>
-            </a:ln>
-          </p:spPr>
-          <p:style>
-            <a:lnRef idx="2">
-              <a:schemeClr val="accent1">
-                <a:shade val="50000"/>
-              </a:schemeClr>
-            </a:lnRef>
-            <a:fillRef idx="1">
-              <a:schemeClr val="accent1"/>
-            </a:fillRef>
-            <a:effectRef idx="0">
-              <a:schemeClr val="accent1"/>
-            </a:effectRef>
-            <a:fontRef idx="minor">
-              <a:schemeClr val="lt1"/>
-            </a:fontRef>
-          </p:style>
-          <p:txBody>
-            <a:bodyPr rtlCol="0" anchor="t"/>
-            <a:lstStyle/>
-            <a:p>
-              <a:r>
-                <a:rPr lang="en-DE" sz="1271" b="1" dirty="0">
-                  <a:solidFill>
-                    <a:schemeClr val="bg1"/>
-                  </a:solidFill>
-                </a:rPr>
-                <a:t>        </a:t>
-              </a:r>
-              <a:r>
-                <a:rPr lang="en-US" sz="1271" b="1" i="1" dirty="0">
-                  <a:solidFill>
-                    <a:schemeClr val="bg1"/>
-                  </a:solidFill>
-                </a:rPr>
-                <a:t>Image</a:t>
-              </a:r>
-              <a:r>
-                <a:rPr lang="en-US" sz="1271" b="1" dirty="0">
-                  <a:solidFill>
-                    <a:schemeClr val="bg1"/>
-                  </a:solidFill>
-                </a:rPr>
-                <a:t> </a:t>
-              </a:r>
-              <a:r>
-                <a:rPr lang="en-DE" sz="1271" b="1" dirty="0">
-                  <a:solidFill>
-                    <a:schemeClr val="bg1"/>
-                  </a:solidFill>
-                </a:rPr>
-                <a:t>Resource Group</a:t>
-              </a:r>
-              <a:endParaRPr lang="en-US" sz="1271" b="1" dirty="0">
-                <a:solidFill>
-                  <a:schemeClr val="bg1"/>
-                </a:solidFill>
-              </a:endParaRPr>
-            </a:p>
-          </p:txBody>
-        </p:sp>
-        <p:pic>
-          <p:nvPicPr>
-            <p:cNvPr id="21" name="Graphic 20">
-              <a:extLst>
-                <a:ext uri="{FF2B5EF4-FFF2-40B4-BE49-F238E27FC236}">
-                  <a16:creationId xmlns:a16="http://schemas.microsoft.com/office/drawing/2014/main" id="{CC57424F-804A-413C-8973-A19602D39F53}"/>
-                </a:ext>
-              </a:extLst>
-            </p:cNvPr>
-            <p:cNvPicPr>
-              <a:picLocks noChangeAspect="1"/>
-            </p:cNvPicPr>
-            <p:nvPr/>
-          </p:nvPicPr>
-          <p:blipFill>
-            <a:blip r:embed="rId2">
-              <a:extLst>
-                <a:ext uri="{28A0092B-C50C-407E-A947-70E740481C1C}">
-                  <a14:useLocalDpi xmlns:a14="http://schemas.microsoft.com/office/drawing/2010/main" val="0"/>
-                </a:ext>
-                <a:ext uri="{96DAC541-7B7A-43D3-8B79-37D633B846F1}">
-                  <asvg:svgBlip xmlns:asvg="http://schemas.microsoft.com/office/drawing/2016/SVG/main" r:embed="rId3"/>
-                </a:ext>
-              </a:extLst>
-            </a:blip>
-            <a:stretch>
-              <a:fillRect/>
-            </a:stretch>
-          </p:blipFill>
-          <p:spPr>
-            <a:xfrm>
-              <a:off x="6798319" y="2514164"/>
-              <a:ext cx="289522" cy="268417"/>
-            </a:xfrm>
-            <a:prstGeom prst="rect">
-              <a:avLst/>
-            </a:prstGeom>
-          </p:spPr>
-        </p:pic>
-      </p:grpSp>
-      <p:grpSp>
-        <p:nvGrpSpPr>
           <p:cNvPr id="23" name="Group 22">
             <a:extLst>
               <a:ext uri="{FF2B5EF4-FFF2-40B4-BE49-F238E27FC236}">
@@ -8646,6 +8494,158 @@
             <a:xfrm>
               <a:off x="3169138" y="5860838"/>
               <a:ext cx="259200" cy="259200"/>
+            </a:xfrm>
+            <a:prstGeom prst="rect">
+              <a:avLst/>
+            </a:prstGeom>
+          </p:spPr>
+        </p:pic>
+      </p:grpSp>
+      <p:grpSp>
+        <p:nvGrpSpPr>
+          <p:cNvPr id="25" name="Group 24">
+            <a:extLst>
+              <a:ext uri="{FF2B5EF4-FFF2-40B4-BE49-F238E27FC236}">
+                <a16:creationId xmlns:a16="http://schemas.microsoft.com/office/drawing/2014/main" id="{3D2FB50D-E0B2-71E5-D7F5-0AB4DF038C05}"/>
+              </a:ext>
+            </a:extLst>
+          </p:cNvPr>
+          <p:cNvGrpSpPr/>
+          <p:nvPr/>
+        </p:nvGrpSpPr>
+        <p:grpSpPr>
+          <a:xfrm>
+            <a:off x="766367" y="1679062"/>
+            <a:ext cx="2014329" cy="316359"/>
+            <a:chOff x="6755783" y="2494850"/>
+            <a:chExt cx="2014329" cy="316359"/>
+          </a:xfrm>
+        </p:grpSpPr>
+        <p:sp>
+          <p:nvSpPr>
+            <p:cNvPr id="22" name="Rectangle 21">
+              <a:extLst>
+                <a:ext uri="{FF2B5EF4-FFF2-40B4-BE49-F238E27FC236}">
+                  <a16:creationId xmlns:a16="http://schemas.microsoft.com/office/drawing/2014/main" id="{3EEBCC4E-8B07-4808-AFFE-8ADC52BA108C}"/>
+                </a:ext>
+              </a:extLst>
+            </p:cNvPr>
+            <p:cNvSpPr/>
+            <p:nvPr/>
+          </p:nvSpPr>
+          <p:spPr>
+            <a:xfrm>
+              <a:off x="6755783" y="2494850"/>
+              <a:ext cx="2014329" cy="316359"/>
+            </a:xfrm>
+            <a:prstGeom prst="rect">
+              <a:avLst/>
+            </a:prstGeom>
+            <a:solidFill>
+              <a:srgbClr val="262626"/>
+            </a:solidFill>
+            <a:ln w="6350">
+              <a:solidFill>
+                <a:schemeClr val="tx1">
+                  <a:lumMod val="50000"/>
+                  <a:lumOff val="50000"/>
+                </a:schemeClr>
+              </a:solidFill>
+            </a:ln>
+          </p:spPr>
+          <p:style>
+            <a:lnRef idx="2">
+              <a:schemeClr val="accent1">
+                <a:shade val="50000"/>
+              </a:schemeClr>
+            </a:lnRef>
+            <a:fillRef idx="1">
+              <a:schemeClr val="accent1"/>
+            </a:fillRef>
+            <a:effectRef idx="0">
+              <a:schemeClr val="accent1"/>
+            </a:effectRef>
+            <a:fontRef idx="minor">
+              <a:schemeClr val="lt1"/>
+            </a:fontRef>
+          </p:style>
+          <p:txBody>
+            <a:bodyPr rtlCol="0" anchor="t"/>
+            <a:lstStyle/>
+            <a:p>
+              <a:r>
+                <a:rPr lang="en-DE" sz="1271" b="1" dirty="0">
+                  <a:solidFill>
+                    <a:schemeClr val="bg1"/>
+                  </a:solidFill>
+                </a:rPr>
+                <a:t>        </a:t>
+              </a:r>
+              <a:r>
+                <a:rPr lang="en-US" sz="1271" b="1" i="1" dirty="0">
+                  <a:solidFill>
+                    <a:schemeClr val="bg1"/>
+                  </a:solidFill>
+                </a:rPr>
+                <a:t>Image</a:t>
+              </a:r>
+              <a:r>
+                <a:rPr lang="en-US" sz="1271" b="1" dirty="0">
+                  <a:solidFill>
+                    <a:schemeClr val="bg1"/>
+                  </a:solidFill>
+                </a:rPr>
+                <a:t> </a:t>
+              </a:r>
+              <a:r>
+                <a:rPr lang="en-DE" sz="1271" b="1" dirty="0">
+                  <a:solidFill>
+                    <a:schemeClr val="bg1"/>
+                  </a:solidFill>
+                </a:rPr>
+                <a:t>Resource Group</a:t>
+              </a:r>
+              <a:endParaRPr lang="en-US" sz="1271" b="1" dirty="0">
+                <a:solidFill>
+                  <a:schemeClr val="bg1"/>
+                </a:solidFill>
+              </a:endParaRPr>
+            </a:p>
+          </p:txBody>
+        </p:sp>
+        <p:pic>
+          <p:nvPicPr>
+            <p:cNvPr id="21" name="Graphic 20">
+              <a:extLst>
+                <a:ext uri="{FF2B5EF4-FFF2-40B4-BE49-F238E27FC236}">
+                  <a16:creationId xmlns:a16="http://schemas.microsoft.com/office/drawing/2014/main" id="{CC57424F-804A-413C-8973-A19602D39F53}"/>
+                </a:ext>
+              </a:extLst>
+            </p:cNvPr>
+            <p:cNvPicPr>
+              <a:picLocks noChangeAspect="1"/>
+            </p:cNvPicPr>
+            <p:nvPr/>
+          </p:nvPicPr>
+          <p:blipFill>
+            <a:blip r:embed="rId2">
+              <a:extLst>
+                <a:ext uri="{28A0092B-C50C-407E-A947-70E740481C1C}">
+                  <a14:useLocalDpi xmlns:a14="http://schemas.microsoft.com/office/drawing/2010/main" val="0"/>
+                </a:ext>
+                <a:ext uri="{96DAC541-7B7A-43D3-8B79-37D633B846F1}">
+                  <asvg:svgBlip xmlns:asvg="http://schemas.microsoft.com/office/drawing/2016/SVG/main" r:embed="rId3"/>
+                </a:ext>
+              </a:extLst>
+            </a:blip>
+            <a:stretch>
+              <a:fillRect/>
+            </a:stretch>
+          </p:blipFill>
+          <p:spPr>
+            <a:xfrm>
+              <a:off x="6798319" y="2514164"/>
+              <a:ext cx="289522" cy="268417"/>
             </a:xfrm>
             <a:prstGeom prst="rect">
               <a:avLst/>

--- a/docs/wiki/media/src/DevOps Self-Hosted Diagrams.pptx
+++ b/docs/wiki/media/src/DevOps Self-Hosted Diagrams.pptx
@@ -6,10 +6,11 @@
   </p:sldMasterIdLst>
   <p:sldIdLst>
     <p:sldId id="256" r:id="rId2"/>
-    <p:sldId id="265" r:id="rId3"/>
-    <p:sldId id="264" r:id="rId4"/>
-    <p:sldId id="259" r:id="rId5"/>
-    <p:sldId id="261" r:id="rId6"/>
+    <p:sldId id="266" r:id="rId3"/>
+    <p:sldId id="265" r:id="rId4"/>
+    <p:sldId id="264" r:id="rId5"/>
+    <p:sldId id="259" r:id="rId6"/>
+    <p:sldId id="261" r:id="rId7"/>
   </p:sldIdLst>
   <p:sldSz cx="12192000" cy="6858000"/>
   <p:notesSz cx="6858000" cy="9144000"/>
@@ -109,6 +110,32 @@
     </a:lvl9pPr>
   </p:defaultTextStyle>
   <p:extLst>
+    <p:ext uri="{521415D9-36F7-43E2-AB2F-B90AF26B5E84}">
+      <p14:sectionLst xmlns:p14="http://schemas.microsoft.com/office/powerpoint/2010/main">
+        <p14:section name="Agent ScaleSet" id="{D4E6D36D-DF12-44D9-A019-BC2BD1481EDB}">
+          <p14:sldIdLst>
+            <p14:sldId id="256"/>
+            <p14:sldId id="266"/>
+          </p14:sldIdLst>
+        </p14:section>
+        <p14:section name="Azuer Image Builder" id="{A2D0B51B-5592-4E38-817A-EC04E6C30D3A}">
+          <p14:sldIdLst>
+            <p14:sldId id="265"/>
+            <p14:sldId id="264"/>
+          </p14:sldIdLst>
+        </p14:section>
+        <p14:section name="Misc" id="{E31120FE-B14E-4C12-A8B8-33D6F8B9C2F8}">
+          <p14:sldIdLst>
+            <p14:sldId id="259"/>
+          </p14:sldIdLst>
+        </p14:section>
+        <p14:section name="Packer-based alternative" id="{6C6CB41E-853F-44B4-A2D8-B9EF8469F0EC}">
+          <p14:sldIdLst>
+            <p14:sldId id="261"/>
+          </p14:sldIdLst>
+        </p14:section>
+      </p14:sectionLst>
+    </p:ext>
     <p:ext uri="{EFAFB233-063F-42B5-8137-9DF3F51BA10A}">
       <p15:sldGuideLst xmlns:p15="http://schemas.microsoft.com/office/powerpoint/2012/main"/>
     </p:ext>
@@ -2119,7 +2146,7 @@
           <a:p>
             <a:fld id="{9142FDFA-952F-452D-9530-A8F25C82A8B5}" type="datetimeFigureOut">
               <a:rPr lang="en-US" smtClean="0"/>
-              <a:t>12/30/2023</a:t>
+              <a:t>12/31/2023</a:t>
             </a:fld>
             <a:endParaRPr lang="en-US"/>
           </a:p>
@@ -2317,7 +2344,7 @@
           <a:p>
             <a:fld id="{9142FDFA-952F-452D-9530-A8F25C82A8B5}" type="datetimeFigureOut">
               <a:rPr lang="en-US" smtClean="0"/>
-              <a:t>12/30/2023</a:t>
+              <a:t>12/31/2023</a:t>
             </a:fld>
             <a:endParaRPr lang="en-US"/>
           </a:p>
@@ -2525,7 +2552,7 @@
           <a:p>
             <a:fld id="{9142FDFA-952F-452D-9530-A8F25C82A8B5}" type="datetimeFigureOut">
               <a:rPr lang="en-US" smtClean="0"/>
-              <a:t>12/30/2023</a:t>
+              <a:t>12/31/2023</a:t>
             </a:fld>
             <a:endParaRPr lang="en-US"/>
           </a:p>
@@ -2723,7 +2750,7 @@
           <a:p>
             <a:fld id="{9142FDFA-952F-452D-9530-A8F25C82A8B5}" type="datetimeFigureOut">
               <a:rPr lang="en-US" smtClean="0"/>
-              <a:t>12/30/2023</a:t>
+              <a:t>12/31/2023</a:t>
             </a:fld>
             <a:endParaRPr lang="en-US"/>
           </a:p>
@@ -2998,7 +3025,7 @@
           <a:p>
             <a:fld id="{9142FDFA-952F-452D-9530-A8F25C82A8B5}" type="datetimeFigureOut">
               <a:rPr lang="en-US" smtClean="0"/>
-              <a:t>12/30/2023</a:t>
+              <a:t>12/31/2023</a:t>
             </a:fld>
             <a:endParaRPr lang="en-US"/>
           </a:p>
@@ -3263,7 +3290,7 @@
           <a:p>
             <a:fld id="{9142FDFA-952F-452D-9530-A8F25C82A8B5}" type="datetimeFigureOut">
               <a:rPr lang="en-US" smtClean="0"/>
-              <a:t>12/30/2023</a:t>
+              <a:t>12/31/2023</a:t>
             </a:fld>
             <a:endParaRPr lang="en-US"/>
           </a:p>
@@ -3675,7 +3702,7 @@
           <a:p>
             <a:fld id="{9142FDFA-952F-452D-9530-A8F25C82A8B5}" type="datetimeFigureOut">
               <a:rPr lang="en-US" smtClean="0"/>
-              <a:t>12/30/2023</a:t>
+              <a:t>12/31/2023</a:t>
             </a:fld>
             <a:endParaRPr lang="en-US"/>
           </a:p>
@@ -3816,7 +3843,7 @@
           <a:p>
             <a:fld id="{9142FDFA-952F-452D-9530-A8F25C82A8B5}" type="datetimeFigureOut">
               <a:rPr lang="en-US" smtClean="0"/>
-              <a:t>12/30/2023</a:t>
+              <a:t>12/31/2023</a:t>
             </a:fld>
             <a:endParaRPr lang="en-US"/>
           </a:p>
@@ -3929,7 +3956,7 @@
           <a:p>
             <a:fld id="{9142FDFA-952F-452D-9530-A8F25C82A8B5}" type="datetimeFigureOut">
               <a:rPr lang="en-US" smtClean="0"/>
-              <a:t>12/30/2023</a:t>
+              <a:t>12/31/2023</a:t>
             </a:fld>
             <a:endParaRPr lang="en-US"/>
           </a:p>
@@ -4240,7 +4267,7 @@
           <a:p>
             <a:fld id="{9142FDFA-952F-452D-9530-A8F25C82A8B5}" type="datetimeFigureOut">
               <a:rPr lang="en-US" smtClean="0"/>
-              <a:t>12/30/2023</a:t>
+              <a:t>12/31/2023</a:t>
             </a:fld>
             <a:endParaRPr lang="en-US"/>
           </a:p>
@@ -4528,7 +4555,7 @@
           <a:p>
             <a:fld id="{9142FDFA-952F-452D-9530-A8F25C82A8B5}" type="datetimeFigureOut">
               <a:rPr lang="en-US" smtClean="0"/>
-              <a:t>12/30/2023</a:t>
+              <a:t>12/31/2023</a:t>
             </a:fld>
             <a:endParaRPr lang="en-US"/>
           </a:p>
@@ -4769,7 +4796,7 @@
           <a:p>
             <a:fld id="{9142FDFA-952F-452D-9530-A8F25C82A8B5}" type="datetimeFigureOut">
               <a:rPr lang="en-US" smtClean="0"/>
-              <a:t>12/30/2023</a:t>
+              <a:t>12/31/2023</a:t>
             </a:fld>
             <a:endParaRPr lang="en-US"/>
           </a:p>
@@ -5972,6 +5999,2213 @@
       </p:grpSpPr>
       <p:sp>
         <p:nvSpPr>
+          <p:cNvPr id="1027" name="Rectangle 1026">
+            <a:extLst>
+              <a:ext uri="{FF2B5EF4-FFF2-40B4-BE49-F238E27FC236}">
+                <a16:creationId xmlns:a16="http://schemas.microsoft.com/office/drawing/2014/main" id="{18AB4F2E-C5B2-831B-7B39-FB94A942B99B}"/>
+              </a:ext>
+            </a:extLst>
+          </p:cNvPr>
+          <p:cNvSpPr/>
+          <p:nvPr/>
+        </p:nvSpPr>
+        <p:spPr>
+          <a:xfrm>
+            <a:off x="5700870" y="3003478"/>
+            <a:ext cx="2034000" cy="438999"/>
+          </a:xfrm>
+          <a:prstGeom prst="rect">
+            <a:avLst/>
+          </a:prstGeom>
+          <a:solidFill>
+            <a:schemeClr val="tx2">
+              <a:lumMod val="75000"/>
+            </a:schemeClr>
+          </a:solidFill>
+          <a:ln w="6350">
+            <a:solidFill>
+              <a:schemeClr val="tx1">
+                <a:lumMod val="50000"/>
+                <a:lumOff val="50000"/>
+              </a:schemeClr>
+            </a:solidFill>
+          </a:ln>
+        </p:spPr>
+        <p:style>
+          <a:lnRef idx="2">
+            <a:schemeClr val="accent1">
+              <a:shade val="50000"/>
+            </a:schemeClr>
+          </a:lnRef>
+          <a:fillRef idx="1">
+            <a:schemeClr val="accent1"/>
+          </a:fillRef>
+          <a:effectRef idx="0">
+            <a:schemeClr val="accent1"/>
+          </a:effectRef>
+          <a:fontRef idx="minor">
+            <a:schemeClr val="lt1"/>
+          </a:fontRef>
+        </p:style>
+        <p:txBody>
+          <a:bodyPr rtlCol="0" anchor="ctr"/>
+          <a:lstStyle/>
+          <a:p>
+            <a:endParaRPr lang="en-US" sz="1271" dirty="0">
+              <a:solidFill>
+                <a:schemeClr val="bg1"/>
+              </a:solidFill>
+            </a:endParaRPr>
+          </a:p>
+        </p:txBody>
+      </p:sp>
+      <p:sp>
+        <p:nvSpPr>
+          <p:cNvPr id="1025" name="Rectangle 1024">
+            <a:extLst>
+              <a:ext uri="{FF2B5EF4-FFF2-40B4-BE49-F238E27FC236}">
+                <a16:creationId xmlns:a16="http://schemas.microsoft.com/office/drawing/2014/main" id="{8EA6B780-36F7-F8B0-BC2C-596F47190D17}"/>
+              </a:ext>
+            </a:extLst>
+          </p:cNvPr>
+          <p:cNvSpPr/>
+          <p:nvPr/>
+        </p:nvSpPr>
+        <p:spPr>
+          <a:xfrm>
+            <a:off x="5661653" y="2970294"/>
+            <a:ext cx="2034000" cy="438999"/>
+          </a:xfrm>
+          <a:prstGeom prst="rect">
+            <a:avLst/>
+          </a:prstGeom>
+          <a:solidFill>
+            <a:schemeClr val="tx2">
+              <a:lumMod val="75000"/>
+            </a:schemeClr>
+          </a:solidFill>
+          <a:ln w="6350">
+            <a:solidFill>
+              <a:schemeClr val="tx1">
+                <a:lumMod val="50000"/>
+                <a:lumOff val="50000"/>
+              </a:schemeClr>
+            </a:solidFill>
+          </a:ln>
+        </p:spPr>
+        <p:style>
+          <a:lnRef idx="2">
+            <a:schemeClr val="accent1">
+              <a:shade val="50000"/>
+            </a:schemeClr>
+          </a:lnRef>
+          <a:fillRef idx="1">
+            <a:schemeClr val="accent1"/>
+          </a:fillRef>
+          <a:effectRef idx="0">
+            <a:schemeClr val="accent1"/>
+          </a:effectRef>
+          <a:fontRef idx="minor">
+            <a:schemeClr val="lt1"/>
+          </a:fontRef>
+        </p:style>
+        <p:txBody>
+          <a:bodyPr rtlCol="0" anchor="ctr"/>
+          <a:lstStyle/>
+          <a:p>
+            <a:endParaRPr lang="en-US" sz="1271" dirty="0">
+              <a:solidFill>
+                <a:schemeClr val="bg1"/>
+              </a:solidFill>
+            </a:endParaRPr>
+          </a:p>
+        </p:txBody>
+      </p:sp>
+      <p:sp>
+        <p:nvSpPr>
+          <p:cNvPr id="1024" name="Rectangle 1023">
+            <a:extLst>
+              <a:ext uri="{FF2B5EF4-FFF2-40B4-BE49-F238E27FC236}">
+                <a16:creationId xmlns:a16="http://schemas.microsoft.com/office/drawing/2014/main" id="{2DB600C5-F2C2-FC11-FDAF-FDBDCDEC66D6}"/>
+              </a:ext>
+            </a:extLst>
+          </p:cNvPr>
+          <p:cNvSpPr/>
+          <p:nvPr/>
+        </p:nvSpPr>
+        <p:spPr>
+          <a:xfrm>
+            <a:off x="3198992" y="3007728"/>
+            <a:ext cx="2099925" cy="438999"/>
+          </a:xfrm>
+          <a:prstGeom prst="rect">
+            <a:avLst/>
+          </a:prstGeom>
+          <a:solidFill>
+            <a:schemeClr val="tx2">
+              <a:lumMod val="75000"/>
+            </a:schemeClr>
+          </a:solidFill>
+          <a:ln w="6350">
+            <a:solidFill>
+              <a:schemeClr val="tx1">
+                <a:lumMod val="50000"/>
+                <a:lumOff val="50000"/>
+              </a:schemeClr>
+            </a:solidFill>
+          </a:ln>
+        </p:spPr>
+        <p:style>
+          <a:lnRef idx="2">
+            <a:schemeClr val="accent1">
+              <a:shade val="50000"/>
+            </a:schemeClr>
+          </a:lnRef>
+          <a:fillRef idx="1">
+            <a:schemeClr val="accent1"/>
+          </a:fillRef>
+          <a:effectRef idx="0">
+            <a:schemeClr val="accent1"/>
+          </a:effectRef>
+          <a:fontRef idx="minor">
+            <a:schemeClr val="lt1"/>
+          </a:fontRef>
+        </p:style>
+        <p:txBody>
+          <a:bodyPr rtlCol="0" anchor="ctr"/>
+          <a:lstStyle/>
+          <a:p>
+            <a:endParaRPr lang="en-US" sz="1271" dirty="0">
+              <a:solidFill>
+                <a:schemeClr val="bg1"/>
+              </a:solidFill>
+            </a:endParaRPr>
+          </a:p>
+        </p:txBody>
+      </p:sp>
+      <p:sp>
+        <p:nvSpPr>
+          <p:cNvPr id="63" name="Rectangle 62">
+            <a:extLst>
+              <a:ext uri="{FF2B5EF4-FFF2-40B4-BE49-F238E27FC236}">
+                <a16:creationId xmlns:a16="http://schemas.microsoft.com/office/drawing/2014/main" id="{C51BFF49-29D4-60A2-280B-00B222F978A3}"/>
+              </a:ext>
+            </a:extLst>
+          </p:cNvPr>
+          <p:cNvSpPr/>
+          <p:nvPr/>
+        </p:nvSpPr>
+        <p:spPr>
+          <a:xfrm>
+            <a:off x="3157384" y="2970077"/>
+            <a:ext cx="2099925" cy="438999"/>
+          </a:xfrm>
+          <a:prstGeom prst="rect">
+            <a:avLst/>
+          </a:prstGeom>
+          <a:solidFill>
+            <a:schemeClr val="tx2">
+              <a:lumMod val="75000"/>
+            </a:schemeClr>
+          </a:solidFill>
+          <a:ln w="6350">
+            <a:solidFill>
+              <a:schemeClr val="tx1">
+                <a:lumMod val="50000"/>
+                <a:lumOff val="50000"/>
+              </a:schemeClr>
+            </a:solidFill>
+          </a:ln>
+        </p:spPr>
+        <p:style>
+          <a:lnRef idx="2">
+            <a:schemeClr val="accent1">
+              <a:shade val="50000"/>
+            </a:schemeClr>
+          </a:lnRef>
+          <a:fillRef idx="1">
+            <a:schemeClr val="accent1"/>
+          </a:fillRef>
+          <a:effectRef idx="0">
+            <a:schemeClr val="accent1"/>
+          </a:effectRef>
+          <a:fontRef idx="minor">
+            <a:schemeClr val="lt1"/>
+          </a:fontRef>
+        </p:style>
+        <p:txBody>
+          <a:bodyPr rtlCol="0" anchor="ctr"/>
+          <a:lstStyle/>
+          <a:p>
+            <a:endParaRPr lang="en-US" sz="1271" dirty="0">
+              <a:solidFill>
+                <a:schemeClr val="bg1"/>
+              </a:solidFill>
+            </a:endParaRPr>
+          </a:p>
+        </p:txBody>
+      </p:sp>
+      <p:sp>
+        <p:nvSpPr>
+          <p:cNvPr id="62" name="Rectangle 61">
+            <a:extLst>
+              <a:ext uri="{FF2B5EF4-FFF2-40B4-BE49-F238E27FC236}">
+                <a16:creationId xmlns:a16="http://schemas.microsoft.com/office/drawing/2014/main" id="{47344394-0D66-C7AD-AFA1-F7FAE76A6743}"/>
+              </a:ext>
+            </a:extLst>
+          </p:cNvPr>
+          <p:cNvSpPr/>
+          <p:nvPr/>
+        </p:nvSpPr>
+        <p:spPr>
+          <a:xfrm>
+            <a:off x="3198992" y="4212009"/>
+            <a:ext cx="2099925" cy="438999"/>
+          </a:xfrm>
+          <a:prstGeom prst="rect">
+            <a:avLst/>
+          </a:prstGeom>
+          <a:solidFill>
+            <a:schemeClr val="tx2">
+              <a:lumMod val="75000"/>
+            </a:schemeClr>
+          </a:solidFill>
+          <a:ln w="6350">
+            <a:solidFill>
+              <a:schemeClr val="tx1">
+                <a:lumMod val="50000"/>
+                <a:lumOff val="50000"/>
+              </a:schemeClr>
+            </a:solidFill>
+          </a:ln>
+        </p:spPr>
+        <p:style>
+          <a:lnRef idx="2">
+            <a:schemeClr val="accent1">
+              <a:shade val="50000"/>
+            </a:schemeClr>
+          </a:lnRef>
+          <a:fillRef idx="1">
+            <a:schemeClr val="accent1"/>
+          </a:fillRef>
+          <a:effectRef idx="0">
+            <a:schemeClr val="accent1"/>
+          </a:effectRef>
+          <a:fontRef idx="minor">
+            <a:schemeClr val="lt1"/>
+          </a:fontRef>
+        </p:style>
+        <p:txBody>
+          <a:bodyPr rtlCol="0" anchor="ctr"/>
+          <a:lstStyle/>
+          <a:p>
+            <a:endParaRPr lang="en-US" sz="1271" dirty="0">
+              <a:solidFill>
+                <a:schemeClr val="bg1"/>
+              </a:solidFill>
+            </a:endParaRPr>
+          </a:p>
+        </p:txBody>
+      </p:sp>
+      <p:sp>
+        <p:nvSpPr>
+          <p:cNvPr id="61" name="Rectangle 60">
+            <a:extLst>
+              <a:ext uri="{FF2B5EF4-FFF2-40B4-BE49-F238E27FC236}">
+                <a16:creationId xmlns:a16="http://schemas.microsoft.com/office/drawing/2014/main" id="{EC4F9CBF-6ABC-156C-FBD0-E65C257F4A4F}"/>
+              </a:ext>
+            </a:extLst>
+          </p:cNvPr>
+          <p:cNvSpPr/>
+          <p:nvPr/>
+        </p:nvSpPr>
+        <p:spPr>
+          <a:xfrm>
+            <a:off x="3157385" y="4178045"/>
+            <a:ext cx="2099925" cy="438999"/>
+          </a:xfrm>
+          <a:prstGeom prst="rect">
+            <a:avLst/>
+          </a:prstGeom>
+          <a:solidFill>
+            <a:schemeClr val="tx2">
+              <a:lumMod val="75000"/>
+            </a:schemeClr>
+          </a:solidFill>
+          <a:ln w="6350">
+            <a:solidFill>
+              <a:schemeClr val="tx1">
+                <a:lumMod val="50000"/>
+                <a:lumOff val="50000"/>
+              </a:schemeClr>
+            </a:solidFill>
+          </a:ln>
+        </p:spPr>
+        <p:style>
+          <a:lnRef idx="2">
+            <a:schemeClr val="accent1">
+              <a:shade val="50000"/>
+            </a:schemeClr>
+          </a:lnRef>
+          <a:fillRef idx="1">
+            <a:schemeClr val="accent1"/>
+          </a:fillRef>
+          <a:effectRef idx="0">
+            <a:schemeClr val="accent1"/>
+          </a:effectRef>
+          <a:fontRef idx="minor">
+            <a:schemeClr val="lt1"/>
+          </a:fontRef>
+        </p:style>
+        <p:txBody>
+          <a:bodyPr rtlCol="0" anchor="ctr"/>
+          <a:lstStyle/>
+          <a:p>
+            <a:endParaRPr lang="en-US" sz="1271" dirty="0">
+              <a:solidFill>
+                <a:schemeClr val="bg1"/>
+              </a:solidFill>
+            </a:endParaRPr>
+          </a:p>
+        </p:txBody>
+      </p:sp>
+      <p:sp>
+        <p:nvSpPr>
+          <p:cNvPr id="5" name="Rectangle 4">
+            <a:extLst>
+              <a:ext uri="{FF2B5EF4-FFF2-40B4-BE49-F238E27FC236}">
+                <a16:creationId xmlns:a16="http://schemas.microsoft.com/office/drawing/2014/main" id="{6194339B-94A9-0761-EA71-17FDDAB7ACC2}"/>
+              </a:ext>
+            </a:extLst>
+          </p:cNvPr>
+          <p:cNvSpPr/>
+          <p:nvPr/>
+        </p:nvSpPr>
+        <p:spPr>
+          <a:xfrm>
+            <a:off x="4451234" y="1643506"/>
+            <a:ext cx="2034372" cy="438999"/>
+          </a:xfrm>
+          <a:prstGeom prst="rect">
+            <a:avLst/>
+          </a:prstGeom>
+          <a:solidFill>
+            <a:schemeClr val="tx2">
+              <a:lumMod val="75000"/>
+            </a:schemeClr>
+          </a:solidFill>
+          <a:ln w="6350">
+            <a:solidFill>
+              <a:schemeClr val="tx1">
+                <a:lumMod val="50000"/>
+                <a:lumOff val="50000"/>
+              </a:schemeClr>
+            </a:solidFill>
+          </a:ln>
+        </p:spPr>
+        <p:style>
+          <a:lnRef idx="2">
+            <a:schemeClr val="accent1">
+              <a:shade val="50000"/>
+            </a:schemeClr>
+          </a:lnRef>
+          <a:fillRef idx="1">
+            <a:schemeClr val="accent1"/>
+          </a:fillRef>
+          <a:effectRef idx="0">
+            <a:schemeClr val="accent1"/>
+          </a:effectRef>
+          <a:fontRef idx="minor">
+            <a:schemeClr val="lt1"/>
+          </a:fontRef>
+        </p:style>
+        <p:txBody>
+          <a:bodyPr rtlCol="0" anchor="ctr"/>
+          <a:lstStyle/>
+          <a:p>
+            <a:r>
+              <a:rPr lang="en-US" sz="1100" i="1" dirty="0">
+                <a:solidFill>
+                  <a:schemeClr val="bg1"/>
+                </a:solidFill>
+              </a:rPr>
+              <a:t>      </a:t>
+            </a:r>
+            <a:r>
+              <a:rPr lang="en-DE" sz="1100" i="1" dirty="0">
+                <a:solidFill>
+                  <a:schemeClr val="bg1"/>
+                </a:solidFill>
+              </a:rPr>
+              <a:t> </a:t>
+            </a:r>
+            <a:r>
+              <a:rPr lang="en-US" sz="1100" i="1" dirty="0">
+                <a:solidFill>
+                  <a:schemeClr val="bg1"/>
+                </a:solidFill>
+              </a:rPr>
+              <a:t> </a:t>
+            </a:r>
+            <a:r>
+              <a:rPr lang="en-US" sz="1100" i="1" dirty="0" err="1">
+                <a:solidFill>
+                  <a:schemeClr val="bg1"/>
+                </a:solidFill>
+              </a:rPr>
+              <a:t>pipeline.yml</a:t>
+            </a:r>
+            <a:r>
+              <a:rPr lang="en-DE" sz="1271" dirty="0">
+                <a:solidFill>
+                  <a:schemeClr val="bg1"/>
+                </a:solidFill>
+              </a:rPr>
+              <a:t> </a:t>
+            </a:r>
+            <a:endParaRPr lang="en-US" sz="1271" dirty="0">
+              <a:solidFill>
+                <a:schemeClr val="bg1"/>
+              </a:solidFill>
+            </a:endParaRPr>
+          </a:p>
+          <a:p>
+            <a:r>
+              <a:rPr lang="en-US" sz="1271" dirty="0">
+                <a:solidFill>
+                  <a:schemeClr val="bg1"/>
+                </a:solidFill>
+              </a:rPr>
+              <a:t>       Pipeline </a:t>
+            </a:r>
+            <a:r>
+              <a:rPr lang="de-DE" sz="1271" dirty="0">
+                <a:solidFill>
+                  <a:schemeClr val="bg1"/>
+                </a:solidFill>
+              </a:rPr>
+              <a:t>Stage template</a:t>
+            </a:r>
+            <a:endParaRPr lang="en-US" sz="1271" dirty="0">
+              <a:solidFill>
+                <a:schemeClr val="bg1"/>
+              </a:solidFill>
+            </a:endParaRPr>
+          </a:p>
+        </p:txBody>
+      </p:sp>
+      <p:sp>
+        <p:nvSpPr>
+          <p:cNvPr id="7" name="Rectangle 6">
+            <a:extLst>
+              <a:ext uri="{FF2B5EF4-FFF2-40B4-BE49-F238E27FC236}">
+                <a16:creationId xmlns:a16="http://schemas.microsoft.com/office/drawing/2014/main" id="{42AAB230-4C59-8C5E-2A94-72B3D6B46503}"/>
+              </a:ext>
+            </a:extLst>
+          </p:cNvPr>
+          <p:cNvSpPr/>
+          <p:nvPr/>
+        </p:nvSpPr>
+        <p:spPr>
+          <a:xfrm>
+            <a:off x="4451234" y="2233517"/>
+            <a:ext cx="2034372" cy="438999"/>
+          </a:xfrm>
+          <a:prstGeom prst="rect">
+            <a:avLst/>
+          </a:prstGeom>
+          <a:solidFill>
+            <a:schemeClr val="tx2">
+              <a:lumMod val="75000"/>
+            </a:schemeClr>
+          </a:solidFill>
+          <a:ln w="6350">
+            <a:solidFill>
+              <a:schemeClr val="tx1">
+                <a:lumMod val="50000"/>
+                <a:lumOff val="50000"/>
+              </a:schemeClr>
+            </a:solidFill>
+          </a:ln>
+        </p:spPr>
+        <p:style>
+          <a:lnRef idx="2">
+            <a:schemeClr val="accent1">
+              <a:shade val="50000"/>
+            </a:schemeClr>
+          </a:lnRef>
+          <a:fillRef idx="1">
+            <a:schemeClr val="accent1"/>
+          </a:fillRef>
+          <a:effectRef idx="0">
+            <a:schemeClr val="accent1"/>
+          </a:effectRef>
+          <a:fontRef idx="minor">
+            <a:schemeClr val="lt1"/>
+          </a:fontRef>
+        </p:style>
+        <p:txBody>
+          <a:bodyPr rtlCol="0" anchor="ctr"/>
+          <a:lstStyle/>
+          <a:p>
+            <a:r>
+              <a:rPr lang="en-US" sz="1100" i="1" dirty="0">
+                <a:solidFill>
+                  <a:schemeClr val="bg1"/>
+                </a:solidFill>
+              </a:rPr>
+              <a:t>      </a:t>
+            </a:r>
+            <a:r>
+              <a:rPr lang="en-DE" sz="1100" i="1" dirty="0">
+                <a:solidFill>
+                  <a:schemeClr val="bg1"/>
+                </a:solidFill>
+              </a:rPr>
+              <a:t> </a:t>
+            </a:r>
+            <a:r>
+              <a:rPr lang="en-US" sz="1100" i="1" dirty="0">
+                <a:solidFill>
+                  <a:schemeClr val="bg1"/>
+                </a:solidFill>
+              </a:rPr>
+              <a:t> </a:t>
+            </a:r>
+            <a:r>
+              <a:rPr lang="en-US" sz="1100" i="1" dirty="0" err="1">
+                <a:solidFill>
+                  <a:schemeClr val="bg1"/>
+                </a:solidFill>
+              </a:rPr>
+              <a:t>pipeline.jobs.yml</a:t>
+            </a:r>
+            <a:endParaRPr lang="en-US" sz="1100" i="1" dirty="0">
+              <a:solidFill>
+                <a:schemeClr val="bg1"/>
+              </a:solidFill>
+            </a:endParaRPr>
+          </a:p>
+          <a:p>
+            <a:r>
+              <a:rPr lang="en-US" sz="1271" dirty="0">
+                <a:solidFill>
+                  <a:schemeClr val="bg1"/>
+                </a:solidFill>
+              </a:rPr>
+              <a:t>       Pipeline </a:t>
+            </a:r>
+            <a:r>
+              <a:rPr lang="de-DE" sz="1271" dirty="0">
+                <a:solidFill>
+                  <a:schemeClr val="bg1"/>
+                </a:solidFill>
+              </a:rPr>
+              <a:t>Jobs template</a:t>
+            </a:r>
+            <a:endParaRPr lang="en-US" sz="1271" dirty="0">
+              <a:solidFill>
+                <a:schemeClr val="bg1"/>
+              </a:solidFill>
+            </a:endParaRPr>
+          </a:p>
+        </p:txBody>
+      </p:sp>
+      <p:sp>
+        <p:nvSpPr>
+          <p:cNvPr id="8" name="Rectangle 7">
+            <a:extLst>
+              <a:ext uri="{FF2B5EF4-FFF2-40B4-BE49-F238E27FC236}">
+                <a16:creationId xmlns:a16="http://schemas.microsoft.com/office/drawing/2014/main" id="{5DDE7DCB-283A-7CFB-6A53-535DA5D6DA5C}"/>
+              </a:ext>
+            </a:extLst>
+          </p:cNvPr>
+          <p:cNvSpPr/>
+          <p:nvPr/>
+        </p:nvSpPr>
+        <p:spPr>
+          <a:xfrm>
+            <a:off x="3115597" y="2926408"/>
+            <a:ext cx="2099925" cy="438999"/>
+          </a:xfrm>
+          <a:prstGeom prst="rect">
+            <a:avLst/>
+          </a:prstGeom>
+          <a:solidFill>
+            <a:schemeClr val="tx2">
+              <a:lumMod val="75000"/>
+            </a:schemeClr>
+          </a:solidFill>
+          <a:ln w="6350">
+            <a:solidFill>
+              <a:schemeClr val="tx1">
+                <a:lumMod val="50000"/>
+                <a:lumOff val="50000"/>
+              </a:schemeClr>
+            </a:solidFill>
+          </a:ln>
+        </p:spPr>
+        <p:style>
+          <a:lnRef idx="2">
+            <a:schemeClr val="accent1">
+              <a:shade val="50000"/>
+            </a:schemeClr>
+          </a:lnRef>
+          <a:fillRef idx="1">
+            <a:schemeClr val="accent1"/>
+          </a:fillRef>
+          <a:effectRef idx="0">
+            <a:schemeClr val="accent1"/>
+          </a:effectRef>
+          <a:fontRef idx="minor">
+            <a:schemeClr val="lt1"/>
+          </a:fontRef>
+        </p:style>
+        <p:txBody>
+          <a:bodyPr rtlCol="0" anchor="ctr"/>
+          <a:lstStyle/>
+          <a:p>
+            <a:r>
+              <a:rPr lang="en-US" sz="1100" i="1" dirty="0">
+                <a:solidFill>
+                  <a:schemeClr val="bg1"/>
+                </a:solidFill>
+              </a:rPr>
+              <a:t>     </a:t>
+            </a:r>
+            <a:r>
+              <a:rPr lang="en-DE" sz="1100" i="1" dirty="0">
+                <a:solidFill>
+                  <a:schemeClr val="bg1"/>
+                </a:solidFill>
+              </a:rPr>
+              <a:t> </a:t>
+            </a:r>
+            <a:r>
+              <a:rPr lang="en-US" sz="1100" i="1" dirty="0">
+                <a:solidFill>
+                  <a:schemeClr val="bg1"/>
+                </a:solidFill>
+              </a:rPr>
+              <a:t>  &lt;env&gt;.</a:t>
+            </a:r>
+            <a:r>
+              <a:rPr lang="en-US" sz="1100" i="1" dirty="0" err="1">
+                <a:solidFill>
+                  <a:schemeClr val="bg1"/>
+                </a:solidFill>
+              </a:rPr>
+              <a:t>scaleset.bicep</a:t>
+            </a:r>
+            <a:r>
+              <a:rPr lang="en-DE" sz="1271" dirty="0">
+                <a:solidFill>
+                  <a:schemeClr val="bg1"/>
+                </a:solidFill>
+              </a:rPr>
+              <a:t> </a:t>
+            </a:r>
+            <a:endParaRPr lang="de-DE" sz="1271" dirty="0">
+              <a:solidFill>
+                <a:schemeClr val="bg1"/>
+              </a:solidFill>
+            </a:endParaRPr>
+          </a:p>
+          <a:p>
+            <a:r>
+              <a:rPr lang="de-DE" sz="1271" dirty="0">
+                <a:solidFill>
+                  <a:schemeClr val="bg1"/>
+                </a:solidFill>
+              </a:rPr>
+              <a:t>       Bicep Deployment files</a:t>
+            </a:r>
+            <a:endParaRPr lang="en-US" sz="1271" dirty="0">
+              <a:solidFill>
+                <a:schemeClr val="bg1"/>
+              </a:solidFill>
+            </a:endParaRPr>
+          </a:p>
+        </p:txBody>
+      </p:sp>
+      <p:sp>
+        <p:nvSpPr>
+          <p:cNvPr id="9" name="Rectangle 8">
+            <a:extLst>
+              <a:ext uri="{FF2B5EF4-FFF2-40B4-BE49-F238E27FC236}">
+                <a16:creationId xmlns:a16="http://schemas.microsoft.com/office/drawing/2014/main" id="{3662D512-14F8-C045-B068-6E2C3E24AD1C}"/>
+              </a:ext>
+            </a:extLst>
+          </p:cNvPr>
+          <p:cNvSpPr/>
+          <p:nvPr/>
+        </p:nvSpPr>
+        <p:spPr>
+          <a:xfrm>
+            <a:off x="3115597" y="3519547"/>
+            <a:ext cx="2099925" cy="438999"/>
+          </a:xfrm>
+          <a:prstGeom prst="rect">
+            <a:avLst/>
+          </a:prstGeom>
+          <a:solidFill>
+            <a:schemeClr val="tx2">
+              <a:lumMod val="75000"/>
+            </a:schemeClr>
+          </a:solidFill>
+          <a:ln w="6350">
+            <a:solidFill>
+              <a:schemeClr val="tx1">
+                <a:lumMod val="50000"/>
+                <a:lumOff val="50000"/>
+              </a:schemeClr>
+            </a:solidFill>
+          </a:ln>
+        </p:spPr>
+        <p:style>
+          <a:lnRef idx="2">
+            <a:schemeClr val="accent1">
+              <a:shade val="50000"/>
+            </a:schemeClr>
+          </a:lnRef>
+          <a:fillRef idx="1">
+            <a:schemeClr val="accent1"/>
+          </a:fillRef>
+          <a:effectRef idx="0">
+            <a:schemeClr val="accent1"/>
+          </a:effectRef>
+          <a:fontRef idx="minor">
+            <a:schemeClr val="lt1"/>
+          </a:fontRef>
+        </p:style>
+        <p:txBody>
+          <a:bodyPr rtlCol="0" anchor="ctr"/>
+          <a:lstStyle/>
+          <a:p>
+            <a:r>
+              <a:rPr lang="en-US" sz="1100" i="1" dirty="0">
+                <a:solidFill>
+                  <a:schemeClr val="bg1"/>
+                </a:solidFill>
+              </a:rPr>
+              <a:t>        </a:t>
+            </a:r>
+            <a:r>
+              <a:rPr lang="en-US" sz="1100" i="1" dirty="0" err="1">
+                <a:solidFill>
+                  <a:schemeClr val="bg1"/>
+                </a:solidFill>
+              </a:rPr>
+              <a:t>scaleset.deploy.bicep</a:t>
+            </a:r>
+            <a:r>
+              <a:rPr lang="en-DE" sz="1100" i="1" dirty="0">
+                <a:solidFill>
+                  <a:schemeClr val="bg1"/>
+                </a:solidFill>
+              </a:rPr>
+              <a:t> </a:t>
+            </a:r>
+            <a:endParaRPr lang="de-DE" sz="1100" i="1" dirty="0">
+              <a:solidFill>
+                <a:schemeClr val="bg1"/>
+              </a:solidFill>
+            </a:endParaRPr>
+          </a:p>
+          <a:p>
+            <a:r>
+              <a:rPr lang="de-DE" sz="1271" dirty="0">
+                <a:solidFill>
+                  <a:schemeClr val="bg1"/>
+                </a:solidFill>
+              </a:rPr>
+              <a:t>       Bicep Template file</a:t>
+            </a:r>
+            <a:endParaRPr lang="en-US" sz="1271" dirty="0">
+              <a:solidFill>
+                <a:schemeClr val="bg1"/>
+              </a:solidFill>
+            </a:endParaRPr>
+          </a:p>
+        </p:txBody>
+      </p:sp>
+      <p:sp>
+        <p:nvSpPr>
+          <p:cNvPr id="10" name="Rectangle 9">
+            <a:extLst>
+              <a:ext uri="{FF2B5EF4-FFF2-40B4-BE49-F238E27FC236}">
+                <a16:creationId xmlns:a16="http://schemas.microsoft.com/office/drawing/2014/main" id="{2122E31B-CBD1-B807-DA4F-E00E3055915F}"/>
+              </a:ext>
+            </a:extLst>
+          </p:cNvPr>
+          <p:cNvSpPr/>
+          <p:nvPr/>
+        </p:nvSpPr>
+        <p:spPr>
+          <a:xfrm>
+            <a:off x="3115597" y="4140394"/>
+            <a:ext cx="2099925" cy="438999"/>
+          </a:xfrm>
+          <a:prstGeom prst="rect">
+            <a:avLst/>
+          </a:prstGeom>
+          <a:solidFill>
+            <a:schemeClr val="tx2">
+              <a:lumMod val="75000"/>
+            </a:schemeClr>
+          </a:solidFill>
+          <a:ln w="6350">
+            <a:solidFill>
+              <a:schemeClr val="tx1">
+                <a:lumMod val="50000"/>
+                <a:lumOff val="50000"/>
+              </a:schemeClr>
+            </a:solidFill>
+          </a:ln>
+        </p:spPr>
+        <p:style>
+          <a:lnRef idx="2">
+            <a:schemeClr val="accent1">
+              <a:shade val="50000"/>
+            </a:schemeClr>
+          </a:lnRef>
+          <a:fillRef idx="1">
+            <a:schemeClr val="accent1"/>
+          </a:fillRef>
+          <a:effectRef idx="0">
+            <a:schemeClr val="accent1"/>
+          </a:effectRef>
+          <a:fontRef idx="minor">
+            <a:schemeClr val="lt1"/>
+          </a:fontRef>
+        </p:style>
+        <p:txBody>
+          <a:bodyPr rtlCol="0" anchor="ctr"/>
+          <a:lstStyle/>
+          <a:p>
+            <a:r>
+              <a:rPr lang="en-US" sz="1271" dirty="0">
+                <a:solidFill>
+                  <a:schemeClr val="bg1"/>
+                </a:solidFill>
+              </a:rPr>
+              <a:t>     </a:t>
+            </a:r>
+            <a:r>
+              <a:rPr lang="en-DE" sz="1271" dirty="0">
+                <a:solidFill>
+                  <a:schemeClr val="bg1"/>
+                </a:solidFill>
+              </a:rPr>
+              <a:t> </a:t>
+            </a:r>
+            <a:r>
+              <a:rPr lang="en-US" sz="1271" dirty="0">
+                <a:solidFill>
+                  <a:schemeClr val="bg1"/>
+                </a:solidFill>
+              </a:rPr>
+              <a:t> </a:t>
+            </a:r>
+            <a:r>
+              <a:rPr lang="en-US" sz="1271" i="1" dirty="0" err="1">
+                <a:solidFill>
+                  <a:schemeClr val="bg1"/>
+                </a:solidFill>
+              </a:rPr>
+              <a:t>main.bicep</a:t>
+            </a:r>
+            <a:r>
+              <a:rPr lang="en-DE" sz="1271" dirty="0">
+                <a:solidFill>
+                  <a:schemeClr val="bg1"/>
+                </a:solidFill>
+              </a:rPr>
+              <a:t> </a:t>
+            </a:r>
+            <a:endParaRPr lang="en-US" sz="1271" dirty="0">
+              <a:solidFill>
+                <a:schemeClr val="bg1"/>
+              </a:solidFill>
+            </a:endParaRPr>
+          </a:p>
+          <a:p>
+            <a:r>
+              <a:rPr lang="en-US" sz="1271" dirty="0">
+                <a:solidFill>
+                  <a:schemeClr val="bg1"/>
+                </a:solidFill>
+              </a:rPr>
+              <a:t>       </a:t>
+            </a:r>
+            <a:r>
+              <a:rPr lang="de-DE" sz="1271" dirty="0">
+                <a:solidFill>
+                  <a:schemeClr val="bg1"/>
+                </a:solidFill>
+              </a:rPr>
+              <a:t>Bicep CARML modules</a:t>
+            </a:r>
+            <a:endParaRPr lang="en-US" sz="1271" dirty="0">
+              <a:solidFill>
+                <a:schemeClr val="bg1"/>
+              </a:solidFill>
+            </a:endParaRPr>
+          </a:p>
+        </p:txBody>
+      </p:sp>
+      <p:sp>
+        <p:nvSpPr>
+          <p:cNvPr id="11" name="Rectangle 10">
+            <a:extLst>
+              <a:ext uri="{FF2B5EF4-FFF2-40B4-BE49-F238E27FC236}">
+                <a16:creationId xmlns:a16="http://schemas.microsoft.com/office/drawing/2014/main" id="{ECEC507C-5614-10B5-26E2-1E363D11EA53}"/>
+              </a:ext>
+            </a:extLst>
+          </p:cNvPr>
+          <p:cNvSpPr/>
+          <p:nvPr/>
+        </p:nvSpPr>
+        <p:spPr>
+          <a:xfrm>
+            <a:off x="5620045" y="2926408"/>
+            <a:ext cx="2034000" cy="438999"/>
+          </a:xfrm>
+          <a:prstGeom prst="rect">
+            <a:avLst/>
+          </a:prstGeom>
+          <a:solidFill>
+            <a:schemeClr val="tx2">
+              <a:lumMod val="75000"/>
+            </a:schemeClr>
+          </a:solidFill>
+          <a:ln w="6350">
+            <a:solidFill>
+              <a:schemeClr val="tx1">
+                <a:lumMod val="50000"/>
+                <a:lumOff val="50000"/>
+              </a:schemeClr>
+            </a:solidFill>
+          </a:ln>
+        </p:spPr>
+        <p:style>
+          <a:lnRef idx="2">
+            <a:schemeClr val="accent1">
+              <a:shade val="50000"/>
+            </a:schemeClr>
+          </a:lnRef>
+          <a:fillRef idx="1">
+            <a:schemeClr val="accent1"/>
+          </a:fillRef>
+          <a:effectRef idx="0">
+            <a:schemeClr val="accent1"/>
+          </a:effectRef>
+          <a:fontRef idx="minor">
+            <a:schemeClr val="lt1"/>
+          </a:fontRef>
+        </p:style>
+        <p:txBody>
+          <a:bodyPr rtlCol="0" anchor="ctr"/>
+          <a:lstStyle/>
+          <a:p>
+            <a:r>
+              <a:rPr lang="de-DE" sz="1271" dirty="0">
+                <a:solidFill>
+                  <a:schemeClr val="bg1"/>
+                </a:solidFill>
+              </a:rPr>
+              <a:t>       PowerShell scripts</a:t>
+            </a:r>
+            <a:endParaRPr lang="en-US" sz="1271" dirty="0">
+              <a:solidFill>
+                <a:schemeClr val="bg1"/>
+              </a:solidFill>
+            </a:endParaRPr>
+          </a:p>
+        </p:txBody>
+      </p:sp>
+      <p:pic>
+        <p:nvPicPr>
+          <p:cNvPr id="13" name="Picture 12" descr="A blue and white square with a symbol&#10;&#10;Description automatically generated">
+            <a:extLst>
+              <a:ext uri="{FF2B5EF4-FFF2-40B4-BE49-F238E27FC236}">
+                <a16:creationId xmlns:a16="http://schemas.microsoft.com/office/drawing/2014/main" id="{50178872-6A1E-350D-B1E6-5C7CB3EEC16A}"/>
+              </a:ext>
+            </a:extLst>
+          </p:cNvPr>
+          <p:cNvPicPr>
+            <a:picLocks noChangeAspect="1"/>
+          </p:cNvPicPr>
+          <p:nvPr/>
+        </p:nvPicPr>
+        <p:blipFill>
+          <a:blip r:embed="rId2">
+            <a:extLst>
+              <a:ext uri="{28A0092B-C50C-407E-A947-70E740481C1C}">
+                <a14:useLocalDpi xmlns:a14="http://schemas.microsoft.com/office/drawing/2010/main" val="0"/>
+              </a:ext>
+            </a:extLst>
+          </a:blip>
+          <a:stretch>
+            <a:fillRect/>
+          </a:stretch>
+        </p:blipFill>
+        <p:spPr>
+          <a:xfrm>
+            <a:off x="5700870" y="3047333"/>
+            <a:ext cx="204883" cy="204883"/>
+          </a:xfrm>
+          <a:prstGeom prst="rect">
+            <a:avLst/>
+          </a:prstGeom>
+        </p:spPr>
+      </p:pic>
+      <p:grpSp>
+        <p:nvGrpSpPr>
+          <p:cNvPr id="17" name="Group 16">
+            <a:extLst>
+              <a:ext uri="{FF2B5EF4-FFF2-40B4-BE49-F238E27FC236}">
+                <a16:creationId xmlns:a16="http://schemas.microsoft.com/office/drawing/2014/main" id="{0A57948C-559A-A726-FD79-9D615013E1C4}"/>
+              </a:ext>
+            </a:extLst>
+          </p:cNvPr>
+          <p:cNvGrpSpPr/>
+          <p:nvPr/>
+        </p:nvGrpSpPr>
+        <p:grpSpPr>
+          <a:xfrm>
+            <a:off x="3132000" y="3015102"/>
+            <a:ext cx="304801" cy="261610"/>
+            <a:chOff x="2509997" y="693359"/>
+            <a:chExt cx="476596" cy="409061"/>
+          </a:xfrm>
+        </p:grpSpPr>
+        <p:sp>
+          <p:nvSpPr>
+            <p:cNvPr id="16" name="Oval 15">
+              <a:extLst>
+                <a:ext uri="{FF2B5EF4-FFF2-40B4-BE49-F238E27FC236}">
+                  <a16:creationId xmlns:a16="http://schemas.microsoft.com/office/drawing/2014/main" id="{83FEDDD8-8AC1-9D37-40EE-8643D4912974}"/>
+                </a:ext>
+              </a:extLst>
+            </p:cNvPr>
+            <p:cNvSpPr/>
+            <p:nvPr/>
+          </p:nvSpPr>
+          <p:spPr>
+            <a:xfrm>
+              <a:off x="2621279" y="738848"/>
+              <a:ext cx="332509" cy="332509"/>
+            </a:xfrm>
+            <a:prstGeom prst="ellipse">
+              <a:avLst/>
+            </a:prstGeom>
+            <a:solidFill>
+              <a:schemeClr val="bg1"/>
+            </a:solidFill>
+            <a:ln>
+              <a:solidFill>
+                <a:schemeClr val="tx1"/>
+              </a:solidFill>
+            </a:ln>
+          </p:spPr>
+          <p:style>
+            <a:lnRef idx="2">
+              <a:schemeClr val="accent1">
+                <a:shade val="15000"/>
+              </a:schemeClr>
+            </a:lnRef>
+            <a:fillRef idx="1">
+              <a:schemeClr val="accent1"/>
+            </a:fillRef>
+            <a:effectRef idx="0">
+              <a:schemeClr val="accent1"/>
+            </a:effectRef>
+            <a:fontRef idx="minor">
+              <a:schemeClr val="lt1"/>
+            </a:fontRef>
+          </p:style>
+          <p:txBody>
+            <a:bodyPr rtlCol="0" anchor="ctr"/>
+            <a:lstStyle/>
+            <a:p>
+              <a:pPr algn="ctr"/>
+              <a:endParaRPr lang="en-US"/>
+            </a:p>
+          </p:txBody>
+        </p:sp>
+        <p:sp>
+          <p:nvSpPr>
+            <p:cNvPr id="15" name="TextBox 14">
+              <a:extLst>
+                <a:ext uri="{FF2B5EF4-FFF2-40B4-BE49-F238E27FC236}">
+                  <a16:creationId xmlns:a16="http://schemas.microsoft.com/office/drawing/2014/main" id="{51FD9CA4-44C8-628C-F7BE-98AE19026B6F}"/>
+                </a:ext>
+              </a:extLst>
+            </p:cNvPr>
+            <p:cNvSpPr txBox="1"/>
+            <p:nvPr/>
+          </p:nvSpPr>
+          <p:spPr>
+            <a:xfrm>
+              <a:off x="2509997" y="693359"/>
+              <a:ext cx="476596" cy="409061"/>
+            </a:xfrm>
+            <a:prstGeom prst="rect">
+              <a:avLst/>
+            </a:prstGeom>
+            <a:noFill/>
+          </p:spPr>
+          <p:txBody>
+            <a:bodyPr wrap="square">
+              <a:spAutoFit/>
+            </a:bodyPr>
+            <a:lstStyle/>
+            <a:p>
+              <a:r>
+                <a:rPr lang="en-US" sz="1050" dirty="0">
+                  <a:solidFill>
+                    <a:schemeClr val="bg1"/>
+                  </a:solidFill>
+                </a:rPr>
+                <a:t>💪</a:t>
+              </a:r>
+              <a:endParaRPr lang="en-US" sz="1050" dirty="0"/>
+            </a:p>
+          </p:txBody>
+        </p:sp>
+      </p:grpSp>
+      <p:grpSp>
+        <p:nvGrpSpPr>
+          <p:cNvPr id="18" name="Group 17">
+            <a:extLst>
+              <a:ext uri="{FF2B5EF4-FFF2-40B4-BE49-F238E27FC236}">
+                <a16:creationId xmlns:a16="http://schemas.microsoft.com/office/drawing/2014/main" id="{EBE29FE7-88CA-58FF-B541-FD49B2538FA8}"/>
+              </a:ext>
+            </a:extLst>
+          </p:cNvPr>
+          <p:cNvGrpSpPr/>
+          <p:nvPr/>
+        </p:nvGrpSpPr>
+        <p:grpSpPr>
+          <a:xfrm>
+            <a:off x="3132000" y="3608241"/>
+            <a:ext cx="304801" cy="261610"/>
+            <a:chOff x="2509997" y="693359"/>
+            <a:chExt cx="476596" cy="409061"/>
+          </a:xfrm>
+        </p:grpSpPr>
+        <p:sp>
+          <p:nvSpPr>
+            <p:cNvPr id="19" name="Oval 18">
+              <a:extLst>
+                <a:ext uri="{FF2B5EF4-FFF2-40B4-BE49-F238E27FC236}">
+                  <a16:creationId xmlns:a16="http://schemas.microsoft.com/office/drawing/2014/main" id="{361CFA0B-6DC8-BAEE-6F17-F8C46656E8C0}"/>
+                </a:ext>
+              </a:extLst>
+            </p:cNvPr>
+            <p:cNvSpPr/>
+            <p:nvPr/>
+          </p:nvSpPr>
+          <p:spPr>
+            <a:xfrm>
+              <a:off x="2621279" y="738848"/>
+              <a:ext cx="332509" cy="332509"/>
+            </a:xfrm>
+            <a:prstGeom prst="ellipse">
+              <a:avLst/>
+            </a:prstGeom>
+            <a:solidFill>
+              <a:schemeClr val="bg1"/>
+            </a:solidFill>
+            <a:ln>
+              <a:solidFill>
+                <a:schemeClr val="tx1"/>
+              </a:solidFill>
+            </a:ln>
+          </p:spPr>
+          <p:style>
+            <a:lnRef idx="2">
+              <a:schemeClr val="accent1">
+                <a:shade val="15000"/>
+              </a:schemeClr>
+            </a:lnRef>
+            <a:fillRef idx="1">
+              <a:schemeClr val="accent1"/>
+            </a:fillRef>
+            <a:effectRef idx="0">
+              <a:schemeClr val="accent1"/>
+            </a:effectRef>
+            <a:fontRef idx="minor">
+              <a:schemeClr val="lt1"/>
+            </a:fontRef>
+          </p:style>
+          <p:txBody>
+            <a:bodyPr rtlCol="0" anchor="ctr"/>
+            <a:lstStyle/>
+            <a:p>
+              <a:pPr algn="ctr"/>
+              <a:endParaRPr lang="en-US"/>
+            </a:p>
+          </p:txBody>
+        </p:sp>
+        <p:sp>
+          <p:nvSpPr>
+            <p:cNvPr id="20" name="TextBox 19">
+              <a:extLst>
+                <a:ext uri="{FF2B5EF4-FFF2-40B4-BE49-F238E27FC236}">
+                  <a16:creationId xmlns:a16="http://schemas.microsoft.com/office/drawing/2014/main" id="{EBE0581B-9D29-DE41-C8D7-8CC650A386FE}"/>
+                </a:ext>
+              </a:extLst>
+            </p:cNvPr>
+            <p:cNvSpPr txBox="1"/>
+            <p:nvPr/>
+          </p:nvSpPr>
+          <p:spPr>
+            <a:xfrm>
+              <a:off x="2509997" y="693359"/>
+              <a:ext cx="476596" cy="409061"/>
+            </a:xfrm>
+            <a:prstGeom prst="rect">
+              <a:avLst/>
+            </a:prstGeom>
+            <a:noFill/>
+          </p:spPr>
+          <p:txBody>
+            <a:bodyPr wrap="square">
+              <a:spAutoFit/>
+            </a:bodyPr>
+            <a:lstStyle/>
+            <a:p>
+              <a:r>
+                <a:rPr lang="en-US" sz="1050" dirty="0">
+                  <a:solidFill>
+                    <a:schemeClr val="bg1"/>
+                  </a:solidFill>
+                </a:rPr>
+                <a:t>💪</a:t>
+              </a:r>
+              <a:endParaRPr lang="en-US" sz="1050" dirty="0"/>
+            </a:p>
+          </p:txBody>
+        </p:sp>
+      </p:grpSp>
+      <p:grpSp>
+        <p:nvGrpSpPr>
+          <p:cNvPr id="21" name="Group 20">
+            <a:extLst>
+              <a:ext uri="{FF2B5EF4-FFF2-40B4-BE49-F238E27FC236}">
+                <a16:creationId xmlns:a16="http://schemas.microsoft.com/office/drawing/2014/main" id="{3887F474-0BB5-6A95-F22A-8581C84AA665}"/>
+              </a:ext>
+            </a:extLst>
+          </p:cNvPr>
+          <p:cNvGrpSpPr/>
+          <p:nvPr/>
+        </p:nvGrpSpPr>
+        <p:grpSpPr>
+          <a:xfrm>
+            <a:off x="3132000" y="4229088"/>
+            <a:ext cx="304801" cy="261610"/>
+            <a:chOff x="2509997" y="693359"/>
+            <a:chExt cx="476596" cy="409061"/>
+          </a:xfrm>
+        </p:grpSpPr>
+        <p:sp>
+          <p:nvSpPr>
+            <p:cNvPr id="22" name="Oval 21">
+              <a:extLst>
+                <a:ext uri="{FF2B5EF4-FFF2-40B4-BE49-F238E27FC236}">
+                  <a16:creationId xmlns:a16="http://schemas.microsoft.com/office/drawing/2014/main" id="{DA6FF58A-BB8E-B764-B194-66BE4FA206E6}"/>
+                </a:ext>
+              </a:extLst>
+            </p:cNvPr>
+            <p:cNvSpPr/>
+            <p:nvPr/>
+          </p:nvSpPr>
+          <p:spPr>
+            <a:xfrm>
+              <a:off x="2621279" y="738848"/>
+              <a:ext cx="332509" cy="332509"/>
+            </a:xfrm>
+            <a:prstGeom prst="ellipse">
+              <a:avLst/>
+            </a:prstGeom>
+            <a:solidFill>
+              <a:schemeClr val="bg1"/>
+            </a:solidFill>
+            <a:ln>
+              <a:solidFill>
+                <a:schemeClr val="tx1"/>
+              </a:solidFill>
+            </a:ln>
+          </p:spPr>
+          <p:style>
+            <a:lnRef idx="2">
+              <a:schemeClr val="accent1">
+                <a:shade val="15000"/>
+              </a:schemeClr>
+            </a:lnRef>
+            <a:fillRef idx="1">
+              <a:schemeClr val="accent1"/>
+            </a:fillRef>
+            <a:effectRef idx="0">
+              <a:schemeClr val="accent1"/>
+            </a:effectRef>
+            <a:fontRef idx="minor">
+              <a:schemeClr val="lt1"/>
+            </a:fontRef>
+          </p:style>
+          <p:txBody>
+            <a:bodyPr rtlCol="0" anchor="ctr"/>
+            <a:lstStyle/>
+            <a:p>
+              <a:pPr algn="ctr"/>
+              <a:endParaRPr lang="en-US"/>
+            </a:p>
+          </p:txBody>
+        </p:sp>
+        <p:sp>
+          <p:nvSpPr>
+            <p:cNvPr id="23" name="TextBox 22">
+              <a:extLst>
+                <a:ext uri="{FF2B5EF4-FFF2-40B4-BE49-F238E27FC236}">
+                  <a16:creationId xmlns:a16="http://schemas.microsoft.com/office/drawing/2014/main" id="{FFCF7949-91D1-F0CF-711F-D72F963D9DA2}"/>
+                </a:ext>
+              </a:extLst>
+            </p:cNvPr>
+            <p:cNvSpPr txBox="1"/>
+            <p:nvPr/>
+          </p:nvSpPr>
+          <p:spPr>
+            <a:xfrm>
+              <a:off x="2509997" y="693359"/>
+              <a:ext cx="476596" cy="409061"/>
+            </a:xfrm>
+            <a:prstGeom prst="rect">
+              <a:avLst/>
+            </a:prstGeom>
+            <a:noFill/>
+          </p:spPr>
+          <p:txBody>
+            <a:bodyPr wrap="square">
+              <a:spAutoFit/>
+            </a:bodyPr>
+            <a:lstStyle/>
+            <a:p>
+              <a:r>
+                <a:rPr lang="en-US" sz="1050" dirty="0">
+                  <a:solidFill>
+                    <a:schemeClr val="bg1"/>
+                  </a:solidFill>
+                </a:rPr>
+                <a:t>💪</a:t>
+              </a:r>
+              <a:endParaRPr lang="en-US" sz="1050" dirty="0"/>
+            </a:p>
+          </p:txBody>
+        </p:sp>
+      </p:grpSp>
+      <p:grpSp>
+        <p:nvGrpSpPr>
+          <p:cNvPr id="30" name="Group 29">
+            <a:extLst>
+              <a:ext uri="{FF2B5EF4-FFF2-40B4-BE49-F238E27FC236}">
+                <a16:creationId xmlns:a16="http://schemas.microsoft.com/office/drawing/2014/main" id="{95FC5755-3072-66A1-EDCC-B799EC4E9172}"/>
+              </a:ext>
+            </a:extLst>
+          </p:cNvPr>
+          <p:cNvGrpSpPr/>
+          <p:nvPr/>
+        </p:nvGrpSpPr>
+        <p:grpSpPr>
+          <a:xfrm>
+            <a:off x="4514882" y="1765676"/>
+            <a:ext cx="212652" cy="212652"/>
+            <a:chOff x="2299029" y="2351303"/>
+            <a:chExt cx="212652" cy="212652"/>
+          </a:xfrm>
+        </p:grpSpPr>
+        <p:sp>
+          <p:nvSpPr>
+            <p:cNvPr id="28" name="Oval 27">
+              <a:extLst>
+                <a:ext uri="{FF2B5EF4-FFF2-40B4-BE49-F238E27FC236}">
+                  <a16:creationId xmlns:a16="http://schemas.microsoft.com/office/drawing/2014/main" id="{173D11A5-7C87-5ED0-4706-5C4F38AC9133}"/>
+                </a:ext>
+              </a:extLst>
+            </p:cNvPr>
+            <p:cNvSpPr/>
+            <p:nvPr/>
+          </p:nvSpPr>
+          <p:spPr>
+            <a:xfrm>
+              <a:off x="2299029" y="2351303"/>
+              <a:ext cx="212652" cy="212652"/>
+            </a:xfrm>
+            <a:prstGeom prst="ellipse">
+              <a:avLst/>
+            </a:prstGeom>
+            <a:solidFill>
+              <a:schemeClr val="bg1"/>
+            </a:solidFill>
+            <a:ln>
+              <a:solidFill>
+                <a:schemeClr val="tx1"/>
+              </a:solidFill>
+            </a:ln>
+          </p:spPr>
+          <p:style>
+            <a:lnRef idx="2">
+              <a:schemeClr val="accent1">
+                <a:shade val="15000"/>
+              </a:schemeClr>
+            </a:lnRef>
+            <a:fillRef idx="1">
+              <a:schemeClr val="accent1"/>
+            </a:fillRef>
+            <a:effectRef idx="0">
+              <a:schemeClr val="accent1"/>
+            </a:effectRef>
+            <a:fontRef idx="minor">
+              <a:schemeClr val="lt1"/>
+            </a:fontRef>
+          </p:style>
+          <p:txBody>
+            <a:bodyPr rtlCol="0" anchor="ctr"/>
+            <a:lstStyle/>
+            <a:p>
+              <a:pPr algn="ctr"/>
+              <a:endParaRPr lang="en-US"/>
+            </a:p>
+          </p:txBody>
+        </p:sp>
+        <p:pic>
+          <p:nvPicPr>
+            <p:cNvPr id="25" name="Picture 2" descr="Document, file, yml icon">
+              <a:extLst>
+                <a:ext uri="{FF2B5EF4-FFF2-40B4-BE49-F238E27FC236}">
+                  <a16:creationId xmlns:a16="http://schemas.microsoft.com/office/drawing/2014/main" id="{6BE7C17E-4FE8-73DF-5D5E-219C22FDE596}"/>
+                </a:ext>
+              </a:extLst>
+            </p:cNvPr>
+            <p:cNvPicPr>
+              <a:picLocks noChangeAspect="1" noChangeArrowheads="1"/>
+            </p:cNvPicPr>
+            <p:nvPr/>
+          </p:nvPicPr>
+          <p:blipFill>
+            <a:blip r:embed="rId3">
+              <a:duotone>
+                <a:prstClr val="black"/>
+                <a:srgbClr val="D2D2D2">
+                  <a:tint val="45000"/>
+                  <a:satMod val="400000"/>
+                </a:srgbClr>
+              </a:duotone>
+              <a:extLst>
+                <a:ext uri="{28A0092B-C50C-407E-A947-70E740481C1C}">
+                  <a14:useLocalDpi xmlns:a14="http://schemas.microsoft.com/office/drawing/2010/main" val="0"/>
+                </a:ext>
+              </a:extLst>
+            </a:blip>
+            <a:srcRect/>
+            <a:stretch>
+              <a:fillRect/>
+            </a:stretch>
+          </p:blipFill>
+          <p:spPr bwMode="auto">
+            <a:xfrm>
+              <a:off x="2338117" y="2385778"/>
+              <a:ext cx="136800" cy="136800"/>
+            </a:xfrm>
+            <a:prstGeom prst="rect">
+              <a:avLst/>
+            </a:prstGeom>
+            <a:solidFill>
+              <a:srgbClr val="FFFFFF"/>
+            </a:solidFill>
+          </p:spPr>
+        </p:pic>
+      </p:grpSp>
+      <p:grpSp>
+        <p:nvGrpSpPr>
+          <p:cNvPr id="31" name="Group 30">
+            <a:extLst>
+              <a:ext uri="{FF2B5EF4-FFF2-40B4-BE49-F238E27FC236}">
+                <a16:creationId xmlns:a16="http://schemas.microsoft.com/office/drawing/2014/main" id="{36439E1B-C5DF-F8BA-1FF8-F136DB63D1D5}"/>
+              </a:ext>
+            </a:extLst>
+          </p:cNvPr>
+          <p:cNvGrpSpPr/>
+          <p:nvPr/>
+        </p:nvGrpSpPr>
+        <p:grpSpPr>
+          <a:xfrm>
+            <a:off x="4514882" y="2346691"/>
+            <a:ext cx="212652" cy="212652"/>
+            <a:chOff x="2299029" y="2351303"/>
+            <a:chExt cx="212652" cy="212652"/>
+          </a:xfrm>
+        </p:grpSpPr>
+        <p:sp>
+          <p:nvSpPr>
+            <p:cNvPr id="32" name="Oval 31">
+              <a:extLst>
+                <a:ext uri="{FF2B5EF4-FFF2-40B4-BE49-F238E27FC236}">
+                  <a16:creationId xmlns:a16="http://schemas.microsoft.com/office/drawing/2014/main" id="{32546977-9435-83A9-5B96-47DD7547107D}"/>
+                </a:ext>
+              </a:extLst>
+            </p:cNvPr>
+            <p:cNvSpPr/>
+            <p:nvPr/>
+          </p:nvSpPr>
+          <p:spPr>
+            <a:xfrm>
+              <a:off x="2299029" y="2351303"/>
+              <a:ext cx="212652" cy="212652"/>
+            </a:xfrm>
+            <a:prstGeom prst="ellipse">
+              <a:avLst/>
+            </a:prstGeom>
+            <a:solidFill>
+              <a:schemeClr val="bg1"/>
+            </a:solidFill>
+            <a:ln>
+              <a:solidFill>
+                <a:schemeClr val="tx1"/>
+              </a:solidFill>
+            </a:ln>
+          </p:spPr>
+          <p:style>
+            <a:lnRef idx="2">
+              <a:schemeClr val="accent1">
+                <a:shade val="15000"/>
+              </a:schemeClr>
+            </a:lnRef>
+            <a:fillRef idx="1">
+              <a:schemeClr val="accent1"/>
+            </a:fillRef>
+            <a:effectRef idx="0">
+              <a:schemeClr val="accent1"/>
+            </a:effectRef>
+            <a:fontRef idx="minor">
+              <a:schemeClr val="lt1"/>
+            </a:fontRef>
+          </p:style>
+          <p:txBody>
+            <a:bodyPr rtlCol="0" anchor="ctr"/>
+            <a:lstStyle/>
+            <a:p>
+              <a:pPr algn="ctr"/>
+              <a:endParaRPr lang="en-US"/>
+            </a:p>
+          </p:txBody>
+        </p:sp>
+        <p:pic>
+          <p:nvPicPr>
+            <p:cNvPr id="33" name="Picture 2" descr="Document, file, yml icon">
+              <a:extLst>
+                <a:ext uri="{FF2B5EF4-FFF2-40B4-BE49-F238E27FC236}">
+                  <a16:creationId xmlns:a16="http://schemas.microsoft.com/office/drawing/2014/main" id="{65332E2D-DEB6-842F-C026-EABC38083334}"/>
+                </a:ext>
+              </a:extLst>
+            </p:cNvPr>
+            <p:cNvPicPr>
+              <a:picLocks noChangeAspect="1" noChangeArrowheads="1"/>
+            </p:cNvPicPr>
+            <p:nvPr/>
+          </p:nvPicPr>
+          <p:blipFill>
+            <a:blip r:embed="rId3">
+              <a:duotone>
+                <a:prstClr val="black"/>
+                <a:srgbClr val="D2D2D2">
+                  <a:tint val="45000"/>
+                  <a:satMod val="400000"/>
+                </a:srgbClr>
+              </a:duotone>
+              <a:extLst>
+                <a:ext uri="{28A0092B-C50C-407E-A947-70E740481C1C}">
+                  <a14:useLocalDpi xmlns:a14="http://schemas.microsoft.com/office/drawing/2010/main" val="0"/>
+                </a:ext>
+              </a:extLst>
+            </a:blip>
+            <a:srcRect/>
+            <a:stretch>
+              <a:fillRect/>
+            </a:stretch>
+          </p:blipFill>
+          <p:spPr bwMode="auto">
+            <a:xfrm>
+              <a:off x="2338117" y="2385778"/>
+              <a:ext cx="136800" cy="136800"/>
+            </a:xfrm>
+            <a:prstGeom prst="rect">
+              <a:avLst/>
+            </a:prstGeom>
+            <a:solidFill>
+              <a:srgbClr val="FFFFFF"/>
+            </a:solidFill>
+          </p:spPr>
+        </p:pic>
+      </p:grpSp>
+      <p:cxnSp>
+        <p:nvCxnSpPr>
+          <p:cNvPr id="34" name="Straight Arrow Connector 12">
+            <a:extLst>
+              <a:ext uri="{FF2B5EF4-FFF2-40B4-BE49-F238E27FC236}">
+                <a16:creationId xmlns:a16="http://schemas.microsoft.com/office/drawing/2014/main" id="{B4293E8F-3666-6F09-A960-7382FA517A69}"/>
+              </a:ext>
+            </a:extLst>
+          </p:cNvPr>
+          <p:cNvCxnSpPr>
+            <a:cxnSpLocks/>
+            <a:stCxn id="5" idx="2"/>
+            <a:endCxn id="7" idx="0"/>
+          </p:cNvCxnSpPr>
+          <p:nvPr/>
+        </p:nvCxnSpPr>
+        <p:spPr>
+          <a:xfrm>
+            <a:off x="5468420" y="2082505"/>
+            <a:ext cx="0" cy="151012"/>
+          </a:xfrm>
+          <a:prstGeom prst="straightConnector1">
+            <a:avLst/>
+          </a:prstGeom>
+          <a:ln w="28575">
+            <a:solidFill>
+              <a:schemeClr val="tx2">
+                <a:lumMod val="60000"/>
+                <a:lumOff val="40000"/>
+              </a:schemeClr>
+            </a:solidFill>
+            <a:prstDash val="solid"/>
+            <a:tailEnd type="triangle" w="med" len="sm"/>
+          </a:ln>
+        </p:spPr>
+        <p:style>
+          <a:lnRef idx="1">
+            <a:schemeClr val="accent1"/>
+          </a:lnRef>
+          <a:fillRef idx="0">
+            <a:schemeClr val="accent1"/>
+          </a:fillRef>
+          <a:effectRef idx="0">
+            <a:schemeClr val="accent1"/>
+          </a:effectRef>
+          <a:fontRef idx="minor">
+            <a:schemeClr val="tx1"/>
+          </a:fontRef>
+        </p:style>
+      </p:cxnSp>
+      <p:cxnSp>
+        <p:nvCxnSpPr>
+          <p:cNvPr id="39" name="Straight Arrow Connector 12">
+            <a:extLst>
+              <a:ext uri="{FF2B5EF4-FFF2-40B4-BE49-F238E27FC236}">
+                <a16:creationId xmlns:a16="http://schemas.microsoft.com/office/drawing/2014/main" id="{A0FDBF1F-22BB-3F35-269E-2CF3D07AD725}"/>
+              </a:ext>
+            </a:extLst>
+          </p:cNvPr>
+          <p:cNvCxnSpPr>
+            <a:cxnSpLocks/>
+            <a:stCxn id="9" idx="2"/>
+            <a:endCxn id="10" idx="0"/>
+          </p:cNvCxnSpPr>
+          <p:nvPr/>
+        </p:nvCxnSpPr>
+        <p:spPr>
+          <a:xfrm>
+            <a:off x="4165560" y="3958546"/>
+            <a:ext cx="0" cy="181848"/>
+          </a:xfrm>
+          <a:prstGeom prst="straightConnector1">
+            <a:avLst/>
+          </a:prstGeom>
+          <a:ln w="28575">
+            <a:solidFill>
+              <a:schemeClr val="tx2">
+                <a:lumMod val="60000"/>
+                <a:lumOff val="40000"/>
+              </a:schemeClr>
+            </a:solidFill>
+            <a:prstDash val="solid"/>
+            <a:tailEnd type="triangle" w="med" len="sm"/>
+          </a:ln>
+        </p:spPr>
+        <p:style>
+          <a:lnRef idx="1">
+            <a:schemeClr val="accent1"/>
+          </a:lnRef>
+          <a:fillRef idx="0">
+            <a:schemeClr val="accent1"/>
+          </a:fillRef>
+          <a:effectRef idx="0">
+            <a:schemeClr val="accent1"/>
+          </a:effectRef>
+          <a:fontRef idx="minor">
+            <a:schemeClr val="tx1"/>
+          </a:fontRef>
+        </p:style>
+      </p:cxnSp>
+      <p:cxnSp>
+        <p:nvCxnSpPr>
+          <p:cNvPr id="42" name="Straight Arrow Connector 12">
+            <a:extLst>
+              <a:ext uri="{FF2B5EF4-FFF2-40B4-BE49-F238E27FC236}">
+                <a16:creationId xmlns:a16="http://schemas.microsoft.com/office/drawing/2014/main" id="{F19D6425-B8CD-2BBA-13EE-8323E9CE6105}"/>
+              </a:ext>
+            </a:extLst>
+          </p:cNvPr>
+          <p:cNvCxnSpPr>
+            <a:cxnSpLocks/>
+            <a:stCxn id="8" idx="2"/>
+            <a:endCxn id="9" idx="0"/>
+          </p:cNvCxnSpPr>
+          <p:nvPr/>
+        </p:nvCxnSpPr>
+        <p:spPr>
+          <a:xfrm>
+            <a:off x="4165560" y="3365407"/>
+            <a:ext cx="0" cy="154140"/>
+          </a:xfrm>
+          <a:prstGeom prst="straightConnector1">
+            <a:avLst/>
+          </a:prstGeom>
+          <a:ln w="28575">
+            <a:solidFill>
+              <a:schemeClr val="tx2">
+                <a:lumMod val="60000"/>
+                <a:lumOff val="40000"/>
+              </a:schemeClr>
+            </a:solidFill>
+            <a:prstDash val="solid"/>
+            <a:tailEnd type="triangle" w="med" len="sm"/>
+          </a:ln>
+        </p:spPr>
+        <p:style>
+          <a:lnRef idx="1">
+            <a:schemeClr val="accent1"/>
+          </a:lnRef>
+          <a:fillRef idx="0">
+            <a:schemeClr val="accent1"/>
+          </a:fillRef>
+          <a:effectRef idx="0">
+            <a:schemeClr val="accent1"/>
+          </a:effectRef>
+          <a:fontRef idx="minor">
+            <a:schemeClr val="tx1"/>
+          </a:fontRef>
+        </p:style>
+      </p:cxnSp>
+      <p:cxnSp>
+        <p:nvCxnSpPr>
+          <p:cNvPr id="45" name="Straight Arrow Connector 12">
+            <a:extLst>
+              <a:ext uri="{FF2B5EF4-FFF2-40B4-BE49-F238E27FC236}">
+                <a16:creationId xmlns:a16="http://schemas.microsoft.com/office/drawing/2014/main" id="{42A1ECB4-A1D1-A13B-3FB5-50294603590C}"/>
+              </a:ext>
+            </a:extLst>
+          </p:cNvPr>
+          <p:cNvCxnSpPr>
+            <a:cxnSpLocks/>
+            <a:stCxn id="7" idx="2"/>
+            <a:endCxn id="8" idx="0"/>
+          </p:cNvCxnSpPr>
+          <p:nvPr/>
+        </p:nvCxnSpPr>
+        <p:spPr>
+          <a:xfrm rot="5400000">
+            <a:off x="4690044" y="2148032"/>
+            <a:ext cx="253892" cy="1302860"/>
+          </a:xfrm>
+          <a:prstGeom prst="bentConnector3">
+            <a:avLst>
+              <a:gd name="adj1" fmla="val 50000"/>
+            </a:avLst>
+          </a:prstGeom>
+          <a:ln w="28575">
+            <a:solidFill>
+              <a:schemeClr val="tx2">
+                <a:lumMod val="60000"/>
+                <a:lumOff val="40000"/>
+              </a:schemeClr>
+            </a:solidFill>
+            <a:prstDash val="solid"/>
+            <a:tailEnd type="triangle" w="med" len="sm"/>
+          </a:ln>
+        </p:spPr>
+        <p:style>
+          <a:lnRef idx="1">
+            <a:schemeClr val="accent1"/>
+          </a:lnRef>
+          <a:fillRef idx="0">
+            <a:schemeClr val="accent1"/>
+          </a:fillRef>
+          <a:effectRef idx="0">
+            <a:schemeClr val="accent1"/>
+          </a:effectRef>
+          <a:fontRef idx="minor">
+            <a:schemeClr val="tx1"/>
+          </a:fontRef>
+        </p:style>
+      </p:cxnSp>
+      <p:cxnSp>
+        <p:nvCxnSpPr>
+          <p:cNvPr id="48" name="Straight Arrow Connector 12">
+            <a:extLst>
+              <a:ext uri="{FF2B5EF4-FFF2-40B4-BE49-F238E27FC236}">
+                <a16:creationId xmlns:a16="http://schemas.microsoft.com/office/drawing/2014/main" id="{D0B68F8F-822D-B8F1-BDDE-496B83730603}"/>
+              </a:ext>
+            </a:extLst>
+          </p:cNvPr>
+          <p:cNvCxnSpPr>
+            <a:cxnSpLocks/>
+            <a:stCxn id="7" idx="2"/>
+            <a:endCxn id="11" idx="0"/>
+          </p:cNvCxnSpPr>
+          <p:nvPr/>
+        </p:nvCxnSpPr>
+        <p:spPr>
+          <a:xfrm rot="16200000" flipH="1">
+            <a:off x="5925786" y="2215149"/>
+            <a:ext cx="253892" cy="1168625"/>
+          </a:xfrm>
+          <a:prstGeom prst="bentConnector3">
+            <a:avLst>
+              <a:gd name="adj1" fmla="val 50000"/>
+            </a:avLst>
+          </a:prstGeom>
+          <a:ln w="28575">
+            <a:solidFill>
+              <a:schemeClr val="tx2">
+                <a:lumMod val="60000"/>
+                <a:lumOff val="40000"/>
+              </a:schemeClr>
+            </a:solidFill>
+            <a:prstDash val="solid"/>
+            <a:tailEnd type="triangle" w="med" len="sm"/>
+          </a:ln>
+        </p:spPr>
+        <p:style>
+          <a:lnRef idx="1">
+            <a:schemeClr val="accent1"/>
+          </a:lnRef>
+          <a:fillRef idx="0">
+            <a:schemeClr val="accent1"/>
+          </a:fillRef>
+          <a:effectRef idx="0">
+            <a:schemeClr val="accent1"/>
+          </a:effectRef>
+          <a:fontRef idx="minor">
+            <a:schemeClr val="tx1"/>
+          </a:fontRef>
+        </p:style>
+      </p:cxnSp>
+      <p:sp>
+        <p:nvSpPr>
+          <p:cNvPr id="2" name="Rectangle 1">
+            <a:extLst>
+              <a:ext uri="{FF2B5EF4-FFF2-40B4-BE49-F238E27FC236}">
+                <a16:creationId xmlns:a16="http://schemas.microsoft.com/office/drawing/2014/main" id="{B357C7A1-4694-53D7-6015-67C05D1EF274}"/>
+              </a:ext>
+            </a:extLst>
+          </p:cNvPr>
+          <p:cNvSpPr/>
+          <p:nvPr/>
+        </p:nvSpPr>
+        <p:spPr>
+          <a:xfrm>
+            <a:off x="5620045" y="3519547"/>
+            <a:ext cx="2034372" cy="438999"/>
+          </a:xfrm>
+          <a:prstGeom prst="rect">
+            <a:avLst/>
+          </a:prstGeom>
+          <a:solidFill>
+            <a:schemeClr val="tx2">
+              <a:lumMod val="75000"/>
+            </a:schemeClr>
+          </a:solidFill>
+          <a:ln w="6350">
+            <a:solidFill>
+              <a:schemeClr val="tx1">
+                <a:lumMod val="50000"/>
+                <a:lumOff val="50000"/>
+              </a:schemeClr>
+            </a:solidFill>
+          </a:ln>
+        </p:spPr>
+        <p:style>
+          <a:lnRef idx="2">
+            <a:schemeClr val="accent1">
+              <a:shade val="50000"/>
+            </a:schemeClr>
+          </a:lnRef>
+          <a:fillRef idx="1">
+            <a:schemeClr val="accent1"/>
+          </a:fillRef>
+          <a:effectRef idx="0">
+            <a:schemeClr val="accent1"/>
+          </a:effectRef>
+          <a:fontRef idx="minor">
+            <a:schemeClr val="lt1"/>
+          </a:fontRef>
+        </p:style>
+        <p:txBody>
+          <a:bodyPr rtlCol="0" anchor="ctr"/>
+          <a:lstStyle/>
+          <a:p>
+            <a:r>
+              <a:rPr lang="en-US" sz="1100" i="1" dirty="0">
+                <a:solidFill>
+                  <a:schemeClr val="bg1"/>
+                </a:solidFill>
+              </a:rPr>
+              <a:t>      </a:t>
+            </a:r>
+            <a:r>
+              <a:rPr lang="en-DE" sz="1100" i="1" dirty="0">
+                <a:solidFill>
+                  <a:schemeClr val="bg1"/>
+                </a:solidFill>
+              </a:rPr>
+              <a:t> </a:t>
+            </a:r>
+            <a:r>
+              <a:rPr lang="en-US" sz="1100" i="1" dirty="0">
+                <a:solidFill>
+                  <a:schemeClr val="bg1"/>
+                </a:solidFill>
+              </a:rPr>
+              <a:t> &lt;env&gt;.</a:t>
+            </a:r>
+            <a:r>
+              <a:rPr lang="en-US" sz="1100" i="1" dirty="0" err="1">
+                <a:solidFill>
+                  <a:schemeClr val="bg1"/>
+                </a:solidFill>
+              </a:rPr>
+              <a:t>agentpool.config.json</a:t>
+            </a:r>
+            <a:endParaRPr lang="en-US" sz="1271" dirty="0">
+              <a:solidFill>
+                <a:schemeClr val="bg1"/>
+              </a:solidFill>
+            </a:endParaRPr>
+          </a:p>
+          <a:p>
+            <a:r>
+              <a:rPr lang="en-US" sz="1271" dirty="0">
+                <a:solidFill>
+                  <a:schemeClr val="bg1"/>
+                </a:solidFill>
+              </a:rPr>
+              <a:t>       </a:t>
+            </a:r>
+            <a:r>
+              <a:rPr lang="en-US" sz="1271" dirty="0" err="1">
+                <a:solidFill>
+                  <a:schemeClr val="bg1"/>
+                </a:solidFill>
+              </a:rPr>
+              <a:t>AgentPool</a:t>
+            </a:r>
+            <a:r>
+              <a:rPr lang="en-US" sz="1271" dirty="0">
+                <a:solidFill>
+                  <a:schemeClr val="bg1"/>
+                </a:solidFill>
+              </a:rPr>
+              <a:t> Config</a:t>
+            </a:r>
+          </a:p>
+        </p:txBody>
+      </p:sp>
+      <p:sp>
+        <p:nvSpPr>
+          <p:cNvPr id="4" name="Oval 3">
+            <a:extLst>
+              <a:ext uri="{FF2B5EF4-FFF2-40B4-BE49-F238E27FC236}">
+                <a16:creationId xmlns:a16="http://schemas.microsoft.com/office/drawing/2014/main" id="{42421945-B0D9-A60E-432C-FA0A986A81CA}"/>
+              </a:ext>
+            </a:extLst>
+          </p:cNvPr>
+          <p:cNvSpPr/>
+          <p:nvPr/>
+        </p:nvSpPr>
+        <p:spPr>
+          <a:xfrm>
+            <a:off x="5683693" y="3641717"/>
+            <a:ext cx="212652" cy="212652"/>
+          </a:xfrm>
+          <a:prstGeom prst="ellipse">
+            <a:avLst/>
+          </a:prstGeom>
+          <a:solidFill>
+            <a:schemeClr val="bg1"/>
+          </a:solidFill>
+          <a:ln>
+            <a:solidFill>
+              <a:schemeClr val="tx1"/>
+            </a:solidFill>
+          </a:ln>
+        </p:spPr>
+        <p:style>
+          <a:lnRef idx="2">
+            <a:schemeClr val="accent1">
+              <a:shade val="15000"/>
+            </a:schemeClr>
+          </a:lnRef>
+          <a:fillRef idx="1">
+            <a:schemeClr val="accent1"/>
+          </a:fillRef>
+          <a:effectRef idx="0">
+            <a:schemeClr val="accent1"/>
+          </a:effectRef>
+          <a:fontRef idx="minor">
+            <a:schemeClr val="lt1"/>
+          </a:fontRef>
+        </p:style>
+        <p:txBody>
+          <a:bodyPr rtlCol="0" anchor="ctr"/>
+          <a:lstStyle/>
+          <a:p>
+            <a:pPr algn="ctr"/>
+            <a:endParaRPr lang="en-US" sz="600" dirty="0">
+              <a:solidFill>
+                <a:schemeClr val="bg2">
+                  <a:lumMod val="25000"/>
+                </a:schemeClr>
+              </a:solidFill>
+            </a:endParaRPr>
+          </a:p>
+        </p:txBody>
+      </p:sp>
+      <p:sp>
+        <p:nvSpPr>
+          <p:cNvPr id="12" name="TextBox 11">
+            <a:extLst>
+              <a:ext uri="{FF2B5EF4-FFF2-40B4-BE49-F238E27FC236}">
+                <a16:creationId xmlns:a16="http://schemas.microsoft.com/office/drawing/2014/main" id="{59DF5C1C-3796-D1A4-FBFC-0F08FCDEC357}"/>
+              </a:ext>
+            </a:extLst>
+          </p:cNvPr>
+          <p:cNvSpPr txBox="1"/>
+          <p:nvPr/>
+        </p:nvSpPr>
+        <p:spPr>
+          <a:xfrm>
+            <a:off x="5651171" y="3616543"/>
+            <a:ext cx="274434" cy="261610"/>
+          </a:xfrm>
+          <a:prstGeom prst="rect">
+            <a:avLst/>
+          </a:prstGeom>
+          <a:noFill/>
+        </p:spPr>
+        <p:txBody>
+          <a:bodyPr wrap="none" rtlCol="0">
+            <a:spAutoFit/>
+          </a:bodyPr>
+          <a:lstStyle/>
+          <a:p>
+            <a:r>
+              <a:rPr lang="en-US" sz="1100" dirty="0">
+                <a:solidFill>
+                  <a:schemeClr val="bg2">
+                    <a:lumMod val="25000"/>
+                  </a:schemeClr>
+                </a:solidFill>
+              </a:rPr>
+              <a:t>{}</a:t>
+            </a:r>
+          </a:p>
+        </p:txBody>
+      </p:sp>
+      <p:cxnSp>
+        <p:nvCxnSpPr>
+          <p:cNvPr id="14" name="Straight Arrow Connector 12">
+            <a:extLst>
+              <a:ext uri="{FF2B5EF4-FFF2-40B4-BE49-F238E27FC236}">
+                <a16:creationId xmlns:a16="http://schemas.microsoft.com/office/drawing/2014/main" id="{9F838D50-18C0-144C-FB62-BC780EC662D7}"/>
+              </a:ext>
+            </a:extLst>
+          </p:cNvPr>
+          <p:cNvCxnSpPr>
+            <a:cxnSpLocks/>
+            <a:stCxn id="11" idx="2"/>
+            <a:endCxn id="2" idx="0"/>
+          </p:cNvCxnSpPr>
+          <p:nvPr/>
+        </p:nvCxnSpPr>
+        <p:spPr>
+          <a:xfrm>
+            <a:off x="6637045" y="3365407"/>
+            <a:ext cx="186" cy="154140"/>
+          </a:xfrm>
+          <a:prstGeom prst="straightConnector1">
+            <a:avLst/>
+          </a:prstGeom>
+          <a:ln w="28575">
+            <a:solidFill>
+              <a:schemeClr val="tx2">
+                <a:lumMod val="60000"/>
+                <a:lumOff val="40000"/>
+              </a:schemeClr>
+            </a:solidFill>
+            <a:prstDash val="solid"/>
+            <a:tailEnd type="triangle" w="med" len="sm"/>
+          </a:ln>
+        </p:spPr>
+        <p:style>
+          <a:lnRef idx="1">
+            <a:schemeClr val="accent1"/>
+          </a:lnRef>
+          <a:fillRef idx="0">
+            <a:schemeClr val="accent1"/>
+          </a:fillRef>
+          <a:effectRef idx="0">
+            <a:schemeClr val="accent1"/>
+          </a:effectRef>
+          <a:fontRef idx="minor">
+            <a:schemeClr val="tx1"/>
+          </a:fontRef>
+        </p:style>
+      </p:cxnSp>
+    </p:spTree>
+    <p:extLst>
+      <p:ext uri="{BB962C8B-B14F-4D97-AF65-F5344CB8AC3E}">
+        <p14:creationId xmlns:p14="http://schemas.microsoft.com/office/powerpoint/2010/main" val="2720570236"/>
+      </p:ext>
+    </p:extLst>
+  </p:cSld>
+  <p:clrMapOvr>
+    <a:masterClrMapping/>
+  </p:clrMapOvr>
+</p:sld>
+</file>
+
+<file path=ppt/slides/slide3.xml><?xml version="1.0" encoding="utf-8"?>
+<p:sld xmlns:a="http://schemas.openxmlformats.org/drawingml/2006/main" xmlns:r="http://schemas.openxmlformats.org/officeDocument/2006/relationships" xmlns:p="http://schemas.openxmlformats.org/presentationml/2006/main">
+  <p:cSld>
+    <p:spTree>
+      <p:nvGrpSpPr>
+        <p:cNvPr id="1" name=""/>
+        <p:cNvGrpSpPr/>
+        <p:nvPr/>
+      </p:nvGrpSpPr>
+      <p:grpSpPr>
+        <a:xfrm>
+          <a:off x="0" y="0"/>
+          <a:ext cx="0" cy="0"/>
+          <a:chOff x="0" y="0"/>
+          <a:chExt cx="0" cy="0"/>
+        </a:xfrm>
+      </p:grpSpPr>
+      <p:sp>
+        <p:nvSpPr>
           <p:cNvPr id="5" name="Rectangle 4">
             <a:extLst>
               <a:ext uri="{FF2B5EF4-FFF2-40B4-BE49-F238E27FC236}">
@@ -8666,7 +10900,7 @@
 </p:sld>
 </file>
 
-<file path=ppt/slides/slide3.xml><?xml version="1.0" encoding="utf-8"?>
+<file path=ppt/slides/slide4.xml><?xml version="1.0" encoding="utf-8"?>
 <p:sld xmlns:a="http://schemas.openxmlformats.org/drawingml/2006/main" xmlns:r="http://schemas.openxmlformats.org/officeDocument/2006/relationships" xmlns:p="http://schemas.openxmlformats.org/presentationml/2006/main">
   <p:cSld>
     <p:spTree>
@@ -10652,7 +12886,7 @@
 </p:sld>
 </file>
 
-<file path=ppt/slides/slide4.xml><?xml version="1.0" encoding="utf-8"?>
+<file path=ppt/slides/slide5.xml><?xml version="1.0" encoding="utf-8"?>
 <p:sld xmlns:a="http://schemas.openxmlformats.org/drawingml/2006/main" xmlns:r="http://schemas.openxmlformats.org/officeDocument/2006/relationships" xmlns:p="http://schemas.openxmlformats.org/presentationml/2006/main">
   <p:cSld>
     <p:spTree>
@@ -12503,7 +14737,7 @@
 </p:sld>
 </file>
 
-<file path=ppt/slides/slide5.xml><?xml version="1.0" encoding="utf-8"?>
+<file path=ppt/slides/slide6.xml><?xml version="1.0" encoding="utf-8"?>
 <p:sld xmlns:a="http://schemas.openxmlformats.org/drawingml/2006/main" xmlns:r="http://schemas.openxmlformats.org/officeDocument/2006/relationships" xmlns:p="http://schemas.openxmlformats.org/presentationml/2006/main" show="0">
   <p:cSld>
     <p:spTree>

--- a/docs/wiki/media/src/DevOps Self-Hosted Diagrams.pptx
+++ b/docs/wiki/media/src/DevOps Self-Hosted Diagrams.pptx
@@ -8097,7 +8097,7 @@
         </p:nvSpPr>
         <p:spPr>
           <a:xfrm>
-            <a:off x="5651171" y="3616543"/>
+            <a:off x="5652802" y="3617238"/>
             <a:ext cx="274434" cy="261610"/>
           </a:xfrm>
           <a:prstGeom prst="rect">
@@ -8111,6 +8111,7 @@
           </a:bodyPr>
           <a:lstStyle/>
           <a:p>
+            <a:pPr algn="ctr"/>
             <a:r>
               <a:rPr lang="en-US" sz="1100" dirty="0">
                 <a:solidFill>

--- a/docs/wiki/media/src/DevOps Self-Hosted Diagrams.pptx
+++ b/docs/wiki/media/src/DevOps Self-Hosted Diagrams.pptx
@@ -2146,7 +2146,7 @@
           <a:p>
             <a:fld id="{9142FDFA-952F-452D-9530-A8F25C82A8B5}" type="datetimeFigureOut">
               <a:rPr lang="en-US" smtClean="0"/>
-              <a:t>12/31/2023</a:t>
+              <a:t>7/3/2024</a:t>
             </a:fld>
             <a:endParaRPr lang="en-US"/>
           </a:p>
@@ -2344,7 +2344,7 @@
           <a:p>
             <a:fld id="{9142FDFA-952F-452D-9530-A8F25C82A8B5}" type="datetimeFigureOut">
               <a:rPr lang="en-US" smtClean="0"/>
-              <a:t>12/31/2023</a:t>
+              <a:t>7/3/2024</a:t>
             </a:fld>
             <a:endParaRPr lang="en-US"/>
           </a:p>
@@ -2552,7 +2552,7 @@
           <a:p>
             <a:fld id="{9142FDFA-952F-452D-9530-A8F25C82A8B5}" type="datetimeFigureOut">
               <a:rPr lang="en-US" smtClean="0"/>
-              <a:t>12/31/2023</a:t>
+              <a:t>7/3/2024</a:t>
             </a:fld>
             <a:endParaRPr lang="en-US"/>
           </a:p>
@@ -2750,7 +2750,7 @@
           <a:p>
             <a:fld id="{9142FDFA-952F-452D-9530-A8F25C82A8B5}" type="datetimeFigureOut">
               <a:rPr lang="en-US" smtClean="0"/>
-              <a:t>12/31/2023</a:t>
+              <a:t>7/3/2024</a:t>
             </a:fld>
             <a:endParaRPr lang="en-US"/>
           </a:p>
@@ -3025,7 +3025,7 @@
           <a:p>
             <a:fld id="{9142FDFA-952F-452D-9530-A8F25C82A8B5}" type="datetimeFigureOut">
               <a:rPr lang="en-US" smtClean="0"/>
-              <a:t>12/31/2023</a:t>
+              <a:t>7/3/2024</a:t>
             </a:fld>
             <a:endParaRPr lang="en-US"/>
           </a:p>
@@ -3290,7 +3290,7 @@
           <a:p>
             <a:fld id="{9142FDFA-952F-452D-9530-A8F25C82A8B5}" type="datetimeFigureOut">
               <a:rPr lang="en-US" smtClean="0"/>
-              <a:t>12/31/2023</a:t>
+              <a:t>7/3/2024</a:t>
             </a:fld>
             <a:endParaRPr lang="en-US"/>
           </a:p>
@@ -3702,7 +3702,7 @@
           <a:p>
             <a:fld id="{9142FDFA-952F-452D-9530-A8F25C82A8B5}" type="datetimeFigureOut">
               <a:rPr lang="en-US" smtClean="0"/>
-              <a:t>12/31/2023</a:t>
+              <a:t>7/3/2024</a:t>
             </a:fld>
             <a:endParaRPr lang="en-US"/>
           </a:p>
@@ -3843,7 +3843,7 @@
           <a:p>
             <a:fld id="{9142FDFA-952F-452D-9530-A8F25C82A8B5}" type="datetimeFigureOut">
               <a:rPr lang="en-US" smtClean="0"/>
-              <a:t>12/31/2023</a:t>
+              <a:t>7/3/2024</a:t>
             </a:fld>
             <a:endParaRPr lang="en-US"/>
           </a:p>
@@ -3956,7 +3956,7 @@
           <a:p>
             <a:fld id="{9142FDFA-952F-452D-9530-A8F25C82A8B5}" type="datetimeFigureOut">
               <a:rPr lang="en-US" smtClean="0"/>
-              <a:t>12/31/2023</a:t>
+              <a:t>7/3/2024</a:t>
             </a:fld>
             <a:endParaRPr lang="en-US"/>
           </a:p>
@@ -4267,7 +4267,7 @@
           <a:p>
             <a:fld id="{9142FDFA-952F-452D-9530-A8F25C82A8B5}" type="datetimeFigureOut">
               <a:rPr lang="en-US" smtClean="0"/>
-              <a:t>12/31/2023</a:t>
+              <a:t>7/3/2024</a:t>
             </a:fld>
             <a:endParaRPr lang="en-US"/>
           </a:p>
@@ -4555,7 +4555,7 @@
           <a:p>
             <a:fld id="{9142FDFA-952F-452D-9530-A8F25C82A8B5}" type="datetimeFigureOut">
               <a:rPr lang="en-US" smtClean="0"/>
-              <a:t>12/31/2023</a:t>
+              <a:t>7/3/2024</a:t>
             </a:fld>
             <a:endParaRPr lang="en-US"/>
           </a:p>
@@ -4796,7 +4796,7 @@
           <a:p>
             <a:fld id="{9142FDFA-952F-452D-9530-A8F25C82A8B5}" type="datetimeFigureOut">
               <a:rPr lang="en-US" smtClean="0"/>
-              <a:t>12/31/2023</a:t>
+              <a:t>7/3/2024</a:t>
             </a:fld>
             <a:endParaRPr lang="en-US"/>
           </a:p>
@@ -12918,8 +12918,8 @@
         </p:nvSpPr>
         <p:spPr>
           <a:xfrm>
-            <a:off x="3064329" y="2448382"/>
-            <a:ext cx="6486995" cy="3702047"/>
+            <a:off x="3064329" y="2448383"/>
+            <a:ext cx="6486995" cy="2847518"/>
           </a:xfrm>
           <a:prstGeom prst="roundRect">
             <a:avLst>
@@ -14031,253 +14031,6 @@
             </a:prstGeom>
           </p:spPr>
         </p:pic>
-      </p:grpSp>
-      <p:grpSp>
-        <p:nvGrpSpPr>
-          <p:cNvPr id="33" name="Group 32">
-            <a:extLst>
-              <a:ext uri="{FF2B5EF4-FFF2-40B4-BE49-F238E27FC236}">
-                <a16:creationId xmlns:a16="http://schemas.microsoft.com/office/drawing/2014/main" id="{3B353BFD-3940-ABEC-DA0B-8BCD4CDF2C9C}"/>
-              </a:ext>
-            </a:extLst>
-          </p:cNvPr>
-          <p:cNvGrpSpPr/>
-          <p:nvPr/>
-        </p:nvGrpSpPr>
-        <p:grpSpPr>
-          <a:xfrm>
-            <a:off x="3445329" y="5290125"/>
-            <a:ext cx="6015367" cy="803713"/>
-            <a:chOff x="3445329" y="5371770"/>
-            <a:chExt cx="6015367" cy="803713"/>
-          </a:xfrm>
-        </p:grpSpPr>
-        <p:sp>
-          <p:nvSpPr>
-            <p:cNvPr id="94" name="Rectangle: Rounded Corners 93">
-              <a:extLst>
-                <a:ext uri="{FF2B5EF4-FFF2-40B4-BE49-F238E27FC236}">
-                  <a16:creationId xmlns:a16="http://schemas.microsoft.com/office/drawing/2014/main" id="{EF849FF2-775E-8F91-D265-22E5CDEF5EF4}"/>
-                </a:ext>
-              </a:extLst>
-            </p:cNvPr>
-            <p:cNvSpPr/>
-            <p:nvPr/>
-          </p:nvSpPr>
-          <p:spPr>
-            <a:xfrm>
-              <a:off x="3445329" y="5371770"/>
-              <a:ext cx="6015367" cy="766292"/>
-            </a:xfrm>
-            <a:prstGeom prst="roundRect">
-              <a:avLst/>
-            </a:prstGeom>
-            <a:solidFill>
-              <a:schemeClr val="bg1"/>
-            </a:solidFill>
-          </p:spPr>
-          <p:style>
-            <a:lnRef idx="2">
-              <a:schemeClr val="accent1">
-                <a:shade val="50000"/>
-              </a:schemeClr>
-            </a:lnRef>
-            <a:fillRef idx="1">
-              <a:schemeClr val="accent1"/>
-            </a:fillRef>
-            <a:effectRef idx="0">
-              <a:schemeClr val="accent1"/>
-            </a:effectRef>
-            <a:fontRef idx="minor">
-              <a:schemeClr val="lt1"/>
-            </a:fontRef>
-          </p:style>
-          <p:txBody>
-            <a:bodyPr rtlCol="0" anchor="ctr"/>
-            <a:lstStyle/>
-            <a:p>
-              <a:pPr algn="ctr"/>
-              <a:endParaRPr lang="en-US" dirty="0"/>
-            </a:p>
-          </p:txBody>
-        </p:sp>
-        <p:sp>
-          <p:nvSpPr>
-            <p:cNvPr id="98" name="Rectangle: Rounded Corners 97">
-              <a:extLst>
-                <a:ext uri="{FF2B5EF4-FFF2-40B4-BE49-F238E27FC236}">
-                  <a16:creationId xmlns:a16="http://schemas.microsoft.com/office/drawing/2014/main" id="{37905CBD-8E64-C573-34E8-3606BCA8F1A7}"/>
-                </a:ext>
-              </a:extLst>
-            </p:cNvPr>
-            <p:cNvSpPr/>
-            <p:nvPr/>
-          </p:nvSpPr>
-          <p:spPr>
-            <a:xfrm>
-              <a:off x="4487551" y="5805353"/>
-              <a:ext cx="4024648" cy="370130"/>
-            </a:xfrm>
-            <a:prstGeom prst="roundRect">
-              <a:avLst/>
-            </a:prstGeom>
-            <a:noFill/>
-            <a:ln>
-              <a:noFill/>
-            </a:ln>
-          </p:spPr>
-          <p:style>
-            <a:lnRef idx="2">
-              <a:schemeClr val="accent5">
-                <a:shade val="50000"/>
-              </a:schemeClr>
-            </a:lnRef>
-            <a:fillRef idx="1">
-              <a:schemeClr val="accent5"/>
-            </a:fillRef>
-            <a:effectRef idx="0">
-              <a:schemeClr val="accent5"/>
-            </a:effectRef>
-            <a:fontRef idx="minor">
-              <a:schemeClr val="lt1"/>
-            </a:fontRef>
-          </p:style>
-          <p:txBody>
-            <a:bodyPr rtlCol="0" anchor="ctr"/>
-            <a:lstStyle/>
-            <a:p>
-              <a:pPr algn="ctr"/>
-              <a:r>
-                <a:rPr lang="it-IT" sz="1400" dirty="0">
-                  <a:solidFill>
-                    <a:srgbClr val="000000"/>
-                  </a:solidFill>
-                </a:rPr>
-                <a:t>Common Azure Resource </a:t>
-              </a:r>
-              <a:r>
-                <a:rPr lang="it-IT" sz="1400" dirty="0" err="1">
-                  <a:solidFill>
-                    <a:srgbClr val="000000"/>
-                  </a:solidFill>
-                </a:rPr>
-                <a:t>Modules</a:t>
-              </a:r>
-              <a:r>
-                <a:rPr lang="it-IT" sz="1400" dirty="0">
-                  <a:solidFill>
-                    <a:srgbClr val="000000"/>
-                  </a:solidFill>
-                </a:rPr>
-                <a:t> Library</a:t>
-              </a:r>
-            </a:p>
-          </p:txBody>
-        </p:sp>
-        <p:grpSp>
-          <p:nvGrpSpPr>
-            <p:cNvPr id="101" name="Group 100">
-              <a:extLst>
-                <a:ext uri="{FF2B5EF4-FFF2-40B4-BE49-F238E27FC236}">
-                  <a16:creationId xmlns:a16="http://schemas.microsoft.com/office/drawing/2014/main" id="{37A005EE-DDFA-F6DE-AA8C-2120F0F7FC16}"/>
-                </a:ext>
-              </a:extLst>
-            </p:cNvPr>
-            <p:cNvGrpSpPr/>
-            <p:nvPr/>
-          </p:nvGrpSpPr>
-          <p:grpSpPr>
-            <a:xfrm>
-              <a:off x="5700260" y="5424159"/>
-              <a:ext cx="1964263" cy="408012"/>
-              <a:chOff x="4790902" y="4961472"/>
-              <a:chExt cx="2581808" cy="536287"/>
-            </a:xfrm>
-          </p:grpSpPr>
-          <p:pic>
-            <p:nvPicPr>
-              <p:cNvPr id="96" name="Picture 95" descr="Icon&#10;&#10;Description automatically generated">
-                <a:extLst>
-                  <a:ext uri="{FF2B5EF4-FFF2-40B4-BE49-F238E27FC236}">
-                    <a16:creationId xmlns:a16="http://schemas.microsoft.com/office/drawing/2014/main" id="{C439477A-D57F-8490-D56E-5C33D2F09C83}"/>
-                  </a:ext>
-                </a:extLst>
-              </p:cNvPr>
-              <p:cNvPicPr>
-                <a:picLocks noChangeAspect="1"/>
-              </p:cNvPicPr>
-              <p:nvPr/>
-            </p:nvPicPr>
-            <p:blipFill>
-              <a:blip r:embed="rId17">
-                <a:extLst>
-                  <a:ext uri="{28A0092B-C50C-407E-A947-70E740481C1C}">
-                    <a14:useLocalDpi xmlns:a14="http://schemas.microsoft.com/office/drawing/2010/main" val="0"/>
-                  </a:ext>
-                </a:extLst>
-              </a:blip>
-              <a:stretch>
-                <a:fillRect/>
-              </a:stretch>
-            </p:blipFill>
-            <p:spPr>
-              <a:xfrm>
-                <a:off x="4790902" y="4961472"/>
-                <a:ext cx="2080853" cy="536287"/>
-              </a:xfrm>
-              <a:prstGeom prst="rect">
-                <a:avLst/>
-              </a:prstGeom>
-            </p:spPr>
-          </p:pic>
-          <p:pic>
-            <p:nvPicPr>
-              <p:cNvPr id="100" name="Picture 99">
-                <a:extLst>
-                  <a:ext uri="{FF2B5EF4-FFF2-40B4-BE49-F238E27FC236}">
-                    <a16:creationId xmlns:a16="http://schemas.microsoft.com/office/drawing/2014/main" id="{86844563-C862-4455-639F-F32895B9861F}"/>
-                  </a:ext>
-                </a:extLst>
-              </p:cNvPr>
-              <p:cNvPicPr>
-                <a:picLocks noChangeAspect="1" noChangeArrowheads="1"/>
-              </p:cNvPicPr>
-              <p:nvPr/>
-            </p:nvPicPr>
-            <p:blipFill>
-              <a:blip r:embed="rId18">
-                <a:extLst>
-                  <a:ext uri="{28A0092B-C50C-407E-A947-70E740481C1C}">
-                    <a14:useLocalDpi xmlns:a14="http://schemas.microsoft.com/office/drawing/2010/main" val="0"/>
-                  </a:ext>
-                </a:extLst>
-              </a:blip>
-              <a:srcRect/>
-              <a:stretch>
-                <a:fillRect/>
-              </a:stretch>
-            </p:blipFill>
-            <p:spPr bwMode="auto">
-              <a:xfrm>
-                <a:off x="6921346" y="5021086"/>
-                <a:ext cx="451364" cy="476673"/>
-              </a:xfrm>
-              <a:prstGeom prst="rect">
-                <a:avLst/>
-              </a:prstGeom>
-              <a:noFill/>
-              <a:extLst>
-                <a:ext uri="{909E8E84-426E-40DD-AFC4-6F175D3DCCD1}">
-                  <a14:hiddenFill xmlns:a14="http://schemas.microsoft.com/office/drawing/2010/main">
-                    <a:solidFill>
-                      <a:srgbClr val="FFFFFF"/>
-                    </a:solidFill>
-                  </a14:hiddenFill>
-                </a:ext>
-              </a:extLst>
-            </p:spPr>
-          </p:pic>
-        </p:grpSp>
       </p:grpSp>
       <p:sp>
         <p:nvSpPr>

--- a/docs/wiki/media/src/DevOps Self-Hosted Diagrams.pptx
+++ b/docs/wiki/media/src/DevOps Self-Hosted Diagrams.pptx
@@ -2146,7 +2146,7 @@
           <a:p>
             <a:fld id="{9142FDFA-952F-452D-9530-A8F25C82A8B5}" type="datetimeFigureOut">
               <a:rPr lang="en-US" smtClean="0"/>
-              <a:t>7/3/2024</a:t>
+              <a:t>9/13/2024</a:t>
             </a:fld>
             <a:endParaRPr lang="en-US"/>
           </a:p>
@@ -2344,7 +2344,7 @@
           <a:p>
             <a:fld id="{9142FDFA-952F-452D-9530-A8F25C82A8B5}" type="datetimeFigureOut">
               <a:rPr lang="en-US" smtClean="0"/>
-              <a:t>7/3/2024</a:t>
+              <a:t>9/13/2024</a:t>
             </a:fld>
             <a:endParaRPr lang="en-US"/>
           </a:p>
@@ -2552,7 +2552,7 @@
           <a:p>
             <a:fld id="{9142FDFA-952F-452D-9530-A8F25C82A8B5}" type="datetimeFigureOut">
               <a:rPr lang="en-US" smtClean="0"/>
-              <a:t>7/3/2024</a:t>
+              <a:t>9/13/2024</a:t>
             </a:fld>
             <a:endParaRPr lang="en-US"/>
           </a:p>
@@ -2750,7 +2750,7 @@
           <a:p>
             <a:fld id="{9142FDFA-952F-452D-9530-A8F25C82A8B5}" type="datetimeFigureOut">
               <a:rPr lang="en-US" smtClean="0"/>
-              <a:t>7/3/2024</a:t>
+              <a:t>9/13/2024</a:t>
             </a:fld>
             <a:endParaRPr lang="en-US"/>
           </a:p>
@@ -3025,7 +3025,7 @@
           <a:p>
             <a:fld id="{9142FDFA-952F-452D-9530-A8F25C82A8B5}" type="datetimeFigureOut">
               <a:rPr lang="en-US" smtClean="0"/>
-              <a:t>7/3/2024</a:t>
+              <a:t>9/13/2024</a:t>
             </a:fld>
             <a:endParaRPr lang="en-US"/>
           </a:p>
@@ -3290,7 +3290,7 @@
           <a:p>
             <a:fld id="{9142FDFA-952F-452D-9530-A8F25C82A8B5}" type="datetimeFigureOut">
               <a:rPr lang="en-US" smtClean="0"/>
-              <a:t>7/3/2024</a:t>
+              <a:t>9/13/2024</a:t>
             </a:fld>
             <a:endParaRPr lang="en-US"/>
           </a:p>
@@ -3702,7 +3702,7 @@
           <a:p>
             <a:fld id="{9142FDFA-952F-452D-9530-A8F25C82A8B5}" type="datetimeFigureOut">
               <a:rPr lang="en-US" smtClean="0"/>
-              <a:t>7/3/2024</a:t>
+              <a:t>9/13/2024</a:t>
             </a:fld>
             <a:endParaRPr lang="en-US"/>
           </a:p>
@@ -3843,7 +3843,7 @@
           <a:p>
             <a:fld id="{9142FDFA-952F-452D-9530-A8F25C82A8B5}" type="datetimeFigureOut">
               <a:rPr lang="en-US" smtClean="0"/>
-              <a:t>7/3/2024</a:t>
+              <a:t>9/13/2024</a:t>
             </a:fld>
             <a:endParaRPr lang="en-US"/>
           </a:p>
@@ -3956,7 +3956,7 @@
           <a:p>
             <a:fld id="{9142FDFA-952F-452D-9530-A8F25C82A8B5}" type="datetimeFigureOut">
               <a:rPr lang="en-US" smtClean="0"/>
-              <a:t>7/3/2024</a:t>
+              <a:t>9/13/2024</a:t>
             </a:fld>
             <a:endParaRPr lang="en-US"/>
           </a:p>
@@ -4267,7 +4267,7 @@
           <a:p>
             <a:fld id="{9142FDFA-952F-452D-9530-A8F25C82A8B5}" type="datetimeFigureOut">
               <a:rPr lang="en-US" smtClean="0"/>
-              <a:t>7/3/2024</a:t>
+              <a:t>9/13/2024</a:t>
             </a:fld>
             <a:endParaRPr lang="en-US"/>
           </a:p>
@@ -4555,7 +4555,7 @@
           <a:p>
             <a:fld id="{9142FDFA-952F-452D-9530-A8F25C82A8B5}" type="datetimeFigureOut">
               <a:rPr lang="en-US" smtClean="0"/>
-              <a:t>7/3/2024</a:t>
+              <a:t>9/13/2024</a:t>
             </a:fld>
             <a:endParaRPr lang="en-US"/>
           </a:p>
@@ -4796,7 +4796,7 @@
           <a:p>
             <a:fld id="{9142FDFA-952F-452D-9530-A8F25C82A8B5}" type="datetimeFigureOut">
               <a:rPr lang="en-US" smtClean="0"/>
-              <a:t>7/3/2024</a:t>
+              <a:t>9/13/2024</a:t>
             </a:fld>
             <a:endParaRPr lang="en-US"/>
           </a:p>
@@ -8622,129 +8622,69 @@
           </p:spPr>
         </p:pic>
       </p:grpSp>
-      <p:grpSp>
-        <p:nvGrpSpPr>
-          <p:cNvPr id="23" name="Group 22">
-            <a:extLst>
-              <a:ext uri="{FF2B5EF4-FFF2-40B4-BE49-F238E27FC236}">
-                <a16:creationId xmlns:a16="http://schemas.microsoft.com/office/drawing/2014/main" id="{08FD8A64-532C-741A-3B06-A669CC8CB7F1}"/>
-              </a:ext>
-            </a:extLst>
-          </p:cNvPr>
-          <p:cNvGrpSpPr/>
+      <p:sp>
+        <p:nvSpPr>
+          <p:cNvPr id="24" name="Rectangle 23">
+            <a:extLst>
+              <a:ext uri="{FF2B5EF4-FFF2-40B4-BE49-F238E27FC236}">
+                <a16:creationId xmlns:a16="http://schemas.microsoft.com/office/drawing/2014/main" id="{626D669F-E038-4F83-8C6E-48505FD222EC}"/>
+              </a:ext>
+            </a:extLst>
+          </p:cNvPr>
+          <p:cNvSpPr/>
           <p:nvPr/>
-        </p:nvGrpSpPr>
-        <p:grpSpPr>
+        </p:nvSpPr>
+        <p:spPr>
           <a:xfrm>
             <a:off x="3472477" y="3337258"/>
             <a:ext cx="1748645" cy="438276"/>
-            <a:chOff x="7076430" y="3761274"/>
-            <a:chExt cx="1748645" cy="438276"/>
-          </a:xfrm>
-        </p:grpSpPr>
-        <p:sp>
-          <p:nvSpPr>
-            <p:cNvPr id="24" name="Rectangle 23">
-              <a:extLst>
-                <a:ext uri="{FF2B5EF4-FFF2-40B4-BE49-F238E27FC236}">
-                  <a16:creationId xmlns:a16="http://schemas.microsoft.com/office/drawing/2014/main" id="{626D669F-E038-4F83-8C6E-48505FD222EC}"/>
-                </a:ext>
-              </a:extLst>
-            </p:cNvPr>
-            <p:cNvSpPr/>
-            <p:nvPr/>
-          </p:nvSpPr>
-          <p:spPr>
-            <a:xfrm>
-              <a:off x="7076430" y="3761274"/>
-              <a:ext cx="1748645" cy="438276"/>
-            </a:xfrm>
-            <a:prstGeom prst="rect">
-              <a:avLst/>
-            </a:prstGeom>
+          </a:xfrm>
+          <a:prstGeom prst="rect">
+            <a:avLst/>
+          </a:prstGeom>
+          <a:solidFill>
+            <a:srgbClr val="D1B2E8"/>
+          </a:solidFill>
+          <a:ln w="6350">
             <a:solidFill>
-              <a:srgbClr val="006668"/>
+              <a:schemeClr val="tx1">
+                <a:lumMod val="50000"/>
+                <a:lumOff val="50000"/>
+              </a:schemeClr>
             </a:solidFill>
-            <a:ln w="6350">
-              <a:solidFill>
-                <a:schemeClr val="tx1">
-                  <a:lumMod val="50000"/>
-                  <a:lumOff val="50000"/>
-                </a:schemeClr>
-              </a:solidFill>
-            </a:ln>
-          </p:spPr>
-          <p:style>
-            <a:lnRef idx="2">
-              <a:schemeClr val="accent1">
-                <a:shade val="50000"/>
-              </a:schemeClr>
-            </a:lnRef>
-            <a:fillRef idx="1">
-              <a:schemeClr val="accent1"/>
-            </a:fillRef>
-            <a:effectRef idx="0">
-              <a:schemeClr val="accent1"/>
-            </a:effectRef>
-            <a:fontRef idx="minor">
-              <a:schemeClr val="lt1"/>
-            </a:fontRef>
-          </p:style>
-          <p:txBody>
-            <a:bodyPr rtlCol="0" anchor="ctr"/>
-            <a:lstStyle/>
-            <a:p>
-              <a:r>
-                <a:rPr lang="en-US" sz="1271" dirty="0">
-                  <a:solidFill>
-                    <a:schemeClr val="bg1"/>
-                  </a:solidFill>
-                </a:rPr>
-                <a:t>         Image Template</a:t>
-              </a:r>
-            </a:p>
-          </p:txBody>
-        </p:sp>
-        <p:pic>
-          <p:nvPicPr>
-            <p:cNvPr id="34" name="Graphic 33">
-              <a:extLst>
-                <a:ext uri="{FF2B5EF4-FFF2-40B4-BE49-F238E27FC236}">
-                  <a16:creationId xmlns:a16="http://schemas.microsoft.com/office/drawing/2014/main" id="{26E8B24D-DEE4-413C-8396-938124EF667E}"/>
-                </a:ext>
-              </a:extLst>
-            </p:cNvPr>
-            <p:cNvPicPr>
-              <a:picLocks noChangeAspect="1"/>
-            </p:cNvPicPr>
-            <p:nvPr/>
-          </p:nvPicPr>
-          <p:blipFill>
-            <a:blip r:embed="rId8">
-              <a:extLst>
-                <a:ext uri="{28A0092B-C50C-407E-A947-70E740481C1C}">
-                  <a14:useLocalDpi xmlns:a14="http://schemas.microsoft.com/office/drawing/2010/main" val="0"/>
-                </a:ext>
-                <a:ext uri="{96DAC541-7B7A-43D3-8B79-37D633B846F1}">
-                  <asvg:svgBlip xmlns:asvg="http://schemas.microsoft.com/office/drawing/2016/SVG/main" r:embed="rId9"/>
-                </a:ext>
-              </a:extLst>
-            </a:blip>
-            <a:stretch>
-              <a:fillRect/>
-            </a:stretch>
-          </p:blipFill>
-          <p:spPr>
-            <a:xfrm>
-              <a:off x="7193270" y="3858109"/>
-              <a:ext cx="259200" cy="259200"/>
-            </a:xfrm>
-            <a:prstGeom prst="rect">
-              <a:avLst/>
-            </a:prstGeom>
-          </p:spPr>
-        </p:pic>
-      </p:grpSp>
+          </a:ln>
+        </p:spPr>
+        <p:style>
+          <a:lnRef idx="2">
+            <a:schemeClr val="accent1">
+              <a:shade val="50000"/>
+            </a:schemeClr>
+          </a:lnRef>
+          <a:fillRef idx="1">
+            <a:schemeClr val="accent1"/>
+          </a:fillRef>
+          <a:effectRef idx="0">
+            <a:schemeClr val="accent1"/>
+          </a:effectRef>
+          <a:fontRef idx="minor">
+            <a:schemeClr val="lt1"/>
+          </a:fontRef>
+        </p:style>
+        <p:txBody>
+          <a:bodyPr rtlCol="0" anchor="ctr"/>
+          <a:lstStyle/>
+          <a:p>
+            <a:r>
+              <a:rPr lang="en-US" sz="1271" dirty="0">
+                <a:solidFill>
+                  <a:schemeClr val="bg1"/>
+                </a:solidFill>
+              </a:rPr>
+              <a:t>         Image Template</a:t>
+            </a:r>
+          </a:p>
+        </p:txBody>
+      </p:sp>
       <p:grpSp>
         <p:nvGrpSpPr>
           <p:cNvPr id="108" name="Group 107">
@@ -8879,13 +8819,13 @@
             <p:nvPr/>
           </p:nvPicPr>
           <p:blipFill>
-            <a:blip r:embed="rId10">
+            <a:blip r:embed="rId8">
               <a:extLst>
                 <a:ext uri="{28A0092B-C50C-407E-A947-70E740481C1C}">
                   <a14:useLocalDpi xmlns:a14="http://schemas.microsoft.com/office/drawing/2010/main" val="0"/>
                 </a:ext>
                 <a:ext uri="{96DAC541-7B7A-43D3-8B79-37D633B846F1}">
-                  <asvg:svgBlip xmlns:asvg="http://schemas.microsoft.com/office/drawing/2016/SVG/main" r:embed="rId11"/>
+                  <asvg:svgBlip xmlns:asvg="http://schemas.microsoft.com/office/drawing/2016/SVG/main" r:embed="rId9"/>
                 </a:ext>
               </a:extLst>
             </a:blip>
@@ -9096,13 +9036,13 @@
             <p:nvPr/>
           </p:nvPicPr>
           <p:blipFill>
-            <a:blip r:embed="rId10">
+            <a:blip r:embed="rId8">
               <a:extLst>
                 <a:ext uri="{28A0092B-C50C-407E-A947-70E740481C1C}">
                   <a14:useLocalDpi xmlns:a14="http://schemas.microsoft.com/office/drawing/2010/main" val="0"/>
                 </a:ext>
                 <a:ext uri="{96DAC541-7B7A-43D3-8B79-37D633B846F1}">
-                  <asvg:svgBlip xmlns:asvg="http://schemas.microsoft.com/office/drawing/2016/SVG/main" r:embed="rId11"/>
+                  <asvg:svgBlip xmlns:asvg="http://schemas.microsoft.com/office/drawing/2016/SVG/main" r:embed="rId9"/>
                 </a:ext>
               </a:extLst>
             </a:blip>
@@ -9315,13 +9255,13 @@
             <p:nvPr/>
           </p:nvPicPr>
           <p:blipFill>
-            <a:blip r:embed="rId12">
+            <a:blip r:embed="rId10">
               <a:extLst>
                 <a:ext uri="{28A0092B-C50C-407E-A947-70E740481C1C}">
                   <a14:useLocalDpi xmlns:a14="http://schemas.microsoft.com/office/drawing/2010/main" val="0"/>
                 </a:ext>
                 <a:ext uri="{96DAC541-7B7A-43D3-8B79-37D633B846F1}">
-                  <asvg:svgBlip xmlns:asvg="http://schemas.microsoft.com/office/drawing/2016/SVG/main" r:embed="rId13"/>
+                  <asvg:svgBlip xmlns:asvg="http://schemas.microsoft.com/office/drawing/2016/SVG/main" r:embed="rId11"/>
                 </a:ext>
               </a:extLst>
             </a:blip>
@@ -9482,13 +9422,13 @@
             <p:nvPr/>
           </p:nvPicPr>
           <p:blipFill>
-            <a:blip r:embed="rId12">
+            <a:blip r:embed="rId10">
               <a:extLst>
                 <a:ext uri="{28A0092B-C50C-407E-A947-70E740481C1C}">
                   <a14:useLocalDpi xmlns:a14="http://schemas.microsoft.com/office/drawing/2010/main" val="0"/>
                 </a:ext>
                 <a:ext uri="{96DAC541-7B7A-43D3-8B79-37D633B846F1}">
-                  <asvg:svgBlip xmlns:asvg="http://schemas.microsoft.com/office/drawing/2016/SVG/main" r:embed="rId13"/>
+                  <asvg:svgBlip xmlns:asvg="http://schemas.microsoft.com/office/drawing/2016/SVG/main" r:embed="rId11"/>
                 </a:ext>
               </a:extLst>
             </a:blip>
@@ -9639,13 +9579,13 @@
             <p:nvPr/>
           </p:nvPicPr>
           <p:blipFill>
-            <a:blip r:embed="rId14">
+            <a:blip r:embed="rId12">
               <a:extLst>
                 <a:ext uri="{28A0092B-C50C-407E-A947-70E740481C1C}">
                   <a14:useLocalDpi xmlns:a14="http://schemas.microsoft.com/office/drawing/2010/main" val="0"/>
                 </a:ext>
                 <a:ext uri="{96DAC541-7B7A-43D3-8B79-37D633B846F1}">
-                  <asvg:svgBlip xmlns:asvg="http://schemas.microsoft.com/office/drawing/2016/SVG/main" r:embed="rId15"/>
+                  <asvg:svgBlip xmlns:asvg="http://schemas.microsoft.com/office/drawing/2016/SVG/main" r:embed="rId13"/>
                 </a:ext>
               </a:extLst>
             </a:blip>
@@ -9906,7 +9846,7 @@
             <p:nvPr/>
           </p:nvPicPr>
           <p:blipFill>
-            <a:blip r:embed="rId16">
+            <a:blip r:embed="rId14">
               <a:extLst>
                 <a:ext uri="{28A0092B-C50C-407E-A947-70E740481C1C}">
                   <a14:useLocalDpi xmlns:a14="http://schemas.microsoft.com/office/drawing/2010/main" val="0"/>
@@ -10180,173 +10120,152 @@
           </a:fontRef>
         </p:style>
       </p:cxnSp>
-      <p:grpSp>
-        <p:nvGrpSpPr>
-          <p:cNvPr id="6" name="Group 5">
-            <a:extLst>
-              <a:ext uri="{FF2B5EF4-FFF2-40B4-BE49-F238E27FC236}">
-                <a16:creationId xmlns:a16="http://schemas.microsoft.com/office/drawing/2014/main" id="{7195BD9B-D0F6-7F2F-89EF-15379E7FCFF5}"/>
-              </a:ext>
-            </a:extLst>
-          </p:cNvPr>
-          <p:cNvGrpSpPr/>
+      <p:sp>
+        <p:nvSpPr>
+          <p:cNvPr id="12" name="Rectangle 11">
+            <a:extLst>
+              <a:ext uri="{FF2B5EF4-FFF2-40B4-BE49-F238E27FC236}">
+                <a16:creationId xmlns:a16="http://schemas.microsoft.com/office/drawing/2014/main" id="{A36289ED-8617-4697-B7E6-A8A69297DEEA}"/>
+              </a:ext>
+            </a:extLst>
+          </p:cNvPr>
+          <p:cNvSpPr/>
           <p:nvPr/>
-        </p:nvGrpSpPr>
-        <p:grpSpPr>
+        </p:nvSpPr>
+        <p:spPr>
           <a:xfrm>
             <a:off x="3472477" y="2618046"/>
             <a:ext cx="1748645" cy="438276"/>
-            <a:chOff x="4083547" y="2052159"/>
-            <a:chExt cx="1748645" cy="438276"/>
-          </a:xfrm>
-        </p:grpSpPr>
-        <p:sp>
-          <p:nvSpPr>
-            <p:cNvPr id="12" name="Rectangle 11">
-              <a:extLst>
-                <a:ext uri="{FF2B5EF4-FFF2-40B4-BE49-F238E27FC236}">
-                  <a16:creationId xmlns:a16="http://schemas.microsoft.com/office/drawing/2014/main" id="{A36289ED-8617-4697-B7E6-A8A69297DEEA}"/>
-                </a:ext>
-              </a:extLst>
-            </p:cNvPr>
-            <p:cNvSpPr/>
-            <p:nvPr/>
-          </p:nvSpPr>
-          <p:spPr>
-            <a:xfrm>
-              <a:off x="4083547" y="2052159"/>
-              <a:ext cx="1748645" cy="438276"/>
-            </a:xfrm>
-            <a:prstGeom prst="rect">
-              <a:avLst/>
-            </a:prstGeom>
+          </a:xfrm>
+          <a:prstGeom prst="rect">
+            <a:avLst/>
+          </a:prstGeom>
+          <a:solidFill>
+            <a:schemeClr val="bg1"/>
+          </a:solidFill>
+          <a:ln w="6350">
             <a:solidFill>
-              <a:schemeClr val="bg1"/>
+              <a:schemeClr val="tx1">
+                <a:lumMod val="50000"/>
+                <a:lumOff val="50000"/>
+              </a:schemeClr>
             </a:solidFill>
-            <a:ln w="6350">
-              <a:solidFill>
-                <a:schemeClr val="tx1">
-                  <a:lumMod val="50000"/>
-                  <a:lumOff val="50000"/>
-                </a:schemeClr>
-              </a:solidFill>
-            </a:ln>
-          </p:spPr>
-          <p:style>
-            <a:lnRef idx="2">
-              <a:schemeClr val="accent1">
-                <a:shade val="50000"/>
-              </a:schemeClr>
-            </a:lnRef>
-            <a:fillRef idx="1">
-              <a:schemeClr val="accent1"/>
-            </a:fillRef>
-            <a:effectRef idx="0">
-              <a:schemeClr val="accent1"/>
-            </a:effectRef>
-            <a:fontRef idx="minor">
-              <a:schemeClr val="lt1"/>
-            </a:fontRef>
-          </p:style>
-          <p:txBody>
-            <a:bodyPr rtlCol="0" anchor="ctr"/>
-            <a:lstStyle/>
-            <a:p>
-              <a:r>
-                <a:rPr lang="en-US" sz="1271" dirty="0">
-                  <a:solidFill>
-                    <a:schemeClr val="tx1">
-                      <a:lumMod val="75000"/>
-                      <a:lumOff val="25000"/>
-                    </a:schemeClr>
-                  </a:solidFill>
-                </a:rPr>
-                <a:t>       </a:t>
-              </a:r>
-              <a:r>
-                <a:rPr lang="en-DE" sz="1271" dirty="0">
-                  <a:solidFill>
-                    <a:schemeClr val="tx1">
-                      <a:lumMod val="75000"/>
-                      <a:lumOff val="25000"/>
-                    </a:schemeClr>
-                  </a:solidFill>
-                </a:rPr>
-                <a:t>  </a:t>
-              </a:r>
-              <a:r>
-                <a:rPr lang="en-US" sz="1271" dirty="0">
-                  <a:solidFill>
-                    <a:schemeClr val="tx1">
-                      <a:lumMod val="75000"/>
-                      <a:lumOff val="25000"/>
-                    </a:schemeClr>
-                  </a:solidFill>
-                </a:rPr>
-                <a:t>Image </a:t>
-              </a:r>
-              <a:r>
-                <a:rPr lang="en-DE" sz="1271" dirty="0">
-                  <a:solidFill>
-                    <a:schemeClr val="tx1">
-                      <a:lumMod val="75000"/>
-                      <a:lumOff val="25000"/>
-                    </a:schemeClr>
-                  </a:solidFill>
-                </a:rPr>
-                <a:t>Version</a:t>
-              </a:r>
-              <a:endParaRPr lang="en-US" sz="1271" dirty="0">
+          </a:ln>
+        </p:spPr>
+        <p:style>
+          <a:lnRef idx="2">
+            <a:schemeClr val="accent1">
+              <a:shade val="50000"/>
+            </a:schemeClr>
+          </a:lnRef>
+          <a:fillRef idx="1">
+            <a:schemeClr val="accent1"/>
+          </a:fillRef>
+          <a:effectRef idx="0">
+            <a:schemeClr val="accent1"/>
+          </a:effectRef>
+          <a:fontRef idx="minor">
+            <a:schemeClr val="lt1"/>
+          </a:fontRef>
+        </p:style>
+        <p:txBody>
+          <a:bodyPr rtlCol="0" anchor="ctr"/>
+          <a:lstStyle/>
+          <a:p>
+            <a:r>
+              <a:rPr lang="en-US" sz="1271" dirty="0">
                 <a:solidFill>
                   <a:schemeClr val="tx1">
                     <a:lumMod val="75000"/>
                     <a:lumOff val="25000"/>
                   </a:schemeClr>
                 </a:solidFill>
-              </a:endParaRPr>
-            </a:p>
-          </p:txBody>
-        </p:sp>
-        <p:pic>
-          <p:nvPicPr>
-            <p:cNvPr id="30" name="Graphic 29">
-              <a:extLst>
-                <a:ext uri="{FF2B5EF4-FFF2-40B4-BE49-F238E27FC236}">
-                  <a16:creationId xmlns:a16="http://schemas.microsoft.com/office/drawing/2014/main" id="{C92A80E3-F34D-4C20-86FB-ABBA8B428B1F}"/>
-                </a:ext>
-              </a:extLst>
-            </p:cNvPr>
-            <p:cNvPicPr>
-              <a:picLocks noChangeAspect="1"/>
-            </p:cNvPicPr>
-            <p:nvPr/>
-          </p:nvPicPr>
-          <p:blipFill>
-            <a:blip r:embed="rId17">
-              <a:extLst>
-                <a:ext uri="{28A0092B-C50C-407E-A947-70E740481C1C}">
-                  <a14:useLocalDpi xmlns:a14="http://schemas.microsoft.com/office/drawing/2010/main" val="0"/>
-                </a:ext>
-                <a:ext uri="{96DAC541-7B7A-43D3-8B79-37D633B846F1}">
-                  <asvg:svgBlip xmlns:asvg="http://schemas.microsoft.com/office/drawing/2016/SVG/main" r:embed="rId18"/>
-                </a:ext>
-              </a:extLst>
-            </a:blip>
-            <a:stretch>
-              <a:fillRect/>
-            </a:stretch>
-          </p:blipFill>
-          <p:spPr>
-            <a:xfrm>
-              <a:off x="4196513" y="2125822"/>
-              <a:ext cx="259200" cy="259200"/>
-            </a:xfrm>
-            <a:prstGeom prst="rect">
-              <a:avLst/>
-            </a:prstGeom>
-          </p:spPr>
-        </p:pic>
-      </p:grpSp>
+              </a:rPr>
+              <a:t>       </a:t>
+            </a:r>
+            <a:r>
+              <a:rPr lang="en-DE" sz="1271" dirty="0">
+                <a:solidFill>
+                  <a:schemeClr val="tx1">
+                    <a:lumMod val="75000"/>
+                    <a:lumOff val="25000"/>
+                  </a:schemeClr>
+                </a:solidFill>
+              </a:rPr>
+              <a:t>  </a:t>
+            </a:r>
+            <a:r>
+              <a:rPr lang="en-US" sz="1271" dirty="0">
+                <a:solidFill>
+                  <a:schemeClr val="tx1">
+                    <a:lumMod val="75000"/>
+                    <a:lumOff val="25000"/>
+                  </a:schemeClr>
+                </a:solidFill>
+              </a:rPr>
+              <a:t>Image </a:t>
+            </a:r>
+            <a:r>
+              <a:rPr lang="en-DE" sz="1271" dirty="0">
+                <a:solidFill>
+                  <a:schemeClr val="tx1">
+                    <a:lumMod val="75000"/>
+                    <a:lumOff val="25000"/>
+                  </a:schemeClr>
+                </a:solidFill>
+              </a:rPr>
+              <a:t>Version</a:t>
+            </a:r>
+            <a:endParaRPr lang="en-US" sz="1271" dirty="0">
+              <a:solidFill>
+                <a:schemeClr val="tx1">
+                  <a:lumMod val="75000"/>
+                  <a:lumOff val="25000"/>
+                </a:schemeClr>
+              </a:solidFill>
+            </a:endParaRPr>
+          </a:p>
+        </p:txBody>
+      </p:sp>
+      <p:pic>
+        <p:nvPicPr>
+          <p:cNvPr id="30" name="Graphic 29">
+            <a:extLst>
+              <a:ext uri="{FF2B5EF4-FFF2-40B4-BE49-F238E27FC236}">
+                <a16:creationId xmlns:a16="http://schemas.microsoft.com/office/drawing/2014/main" id="{C92A80E3-F34D-4C20-86FB-ABBA8B428B1F}"/>
+              </a:ext>
+            </a:extLst>
+          </p:cNvPr>
+          <p:cNvPicPr>
+            <a:picLocks noChangeAspect="1"/>
+          </p:cNvPicPr>
+          <p:nvPr/>
+        </p:nvPicPr>
+        <p:blipFill>
+          <a:blip r:embed="rId15">
+            <a:extLst>
+              <a:ext uri="{28A0092B-C50C-407E-A947-70E740481C1C}">
+                <a14:useLocalDpi xmlns:a14="http://schemas.microsoft.com/office/drawing/2010/main" val="0"/>
+              </a:ext>
+              <a:ext uri="{96DAC541-7B7A-43D3-8B79-37D633B846F1}">
+                <asvg:svgBlip xmlns:asvg="http://schemas.microsoft.com/office/drawing/2016/SVG/main" r:embed="rId16"/>
+              </a:ext>
+            </a:extLst>
+          </a:blip>
+          <a:stretch>
+            <a:fillRect/>
+          </a:stretch>
+        </p:blipFill>
+        <p:spPr>
+          <a:xfrm>
+            <a:off x="3568288" y="3424747"/>
+            <a:ext cx="259200" cy="259200"/>
+          </a:xfrm>
+          <a:prstGeom prst="rect">
+            <a:avLst/>
+          </a:prstGeom>
+        </p:spPr>
+      </p:pic>
       <p:cxnSp>
         <p:nvCxnSpPr>
           <p:cNvPr id="28" name="Straight Arrow Connector 27">
@@ -10714,7 +10633,7 @@
             <p:nvPr/>
           </p:nvPicPr>
           <p:blipFill>
-            <a:blip r:embed="rId16">
+            <a:blip r:embed="rId14">
               <a:extLst>
                 <a:ext uri="{28A0092B-C50C-407E-A947-70E740481C1C}">
                   <a14:useLocalDpi xmlns:a14="http://schemas.microsoft.com/office/drawing/2010/main" val="0"/>
@@ -10888,6 +10807,45 @@
           </p:spPr>
         </p:pic>
       </p:grpSp>
+      <p:pic>
+        <p:nvPicPr>
+          <p:cNvPr id="34" name="Graphic 33">
+            <a:extLst>
+              <a:ext uri="{FF2B5EF4-FFF2-40B4-BE49-F238E27FC236}">
+                <a16:creationId xmlns:a16="http://schemas.microsoft.com/office/drawing/2014/main" id="{26E8B24D-DEE4-413C-8396-938124EF667E}"/>
+              </a:ext>
+            </a:extLst>
+          </p:cNvPr>
+          <p:cNvPicPr>
+            <a:picLocks noChangeAspect="1"/>
+          </p:cNvPicPr>
+          <p:nvPr/>
+        </p:nvPicPr>
+        <p:blipFill>
+          <a:blip r:embed="rId17">
+            <a:extLst>
+              <a:ext uri="{28A0092B-C50C-407E-A947-70E740481C1C}">
+                <a14:useLocalDpi xmlns:a14="http://schemas.microsoft.com/office/drawing/2010/main" val="0"/>
+              </a:ext>
+              <a:ext uri="{96DAC541-7B7A-43D3-8B79-37D633B846F1}">
+                <asvg:svgBlip xmlns:asvg="http://schemas.microsoft.com/office/drawing/2016/SVG/main" r:embed="rId18"/>
+              </a:ext>
+            </a:extLst>
+          </a:blip>
+          <a:stretch>
+            <a:fillRect/>
+          </a:stretch>
+        </p:blipFill>
+        <p:spPr>
+          <a:xfrm>
+            <a:off x="3551994" y="2713343"/>
+            <a:ext cx="259200" cy="259200"/>
+          </a:xfrm>
+          <a:prstGeom prst="rect">
+            <a:avLst/>
+          </a:prstGeom>
+        </p:spPr>
+      </p:pic>
     </p:spTree>
     <p:extLst>
       <p:ext uri="{BB962C8B-B14F-4D97-AF65-F5344CB8AC3E}">

--- a/docs/wiki/media/src/DevOps Self-Hosted Diagrams.pptx
+++ b/docs/wiki/media/src/DevOps Self-Hosted Diagrams.pptx
@@ -2146,7 +2146,7 @@
           <a:p>
             <a:fld id="{9142FDFA-952F-452D-9530-A8F25C82A8B5}" type="datetimeFigureOut">
               <a:rPr lang="en-US" smtClean="0"/>
-              <a:t>9/13/2024</a:t>
+              <a:t>10/9/2024</a:t>
             </a:fld>
             <a:endParaRPr lang="en-US"/>
           </a:p>
@@ -2344,7 +2344,7 @@
           <a:p>
             <a:fld id="{9142FDFA-952F-452D-9530-A8F25C82A8B5}" type="datetimeFigureOut">
               <a:rPr lang="en-US" smtClean="0"/>
-              <a:t>9/13/2024</a:t>
+              <a:t>10/9/2024</a:t>
             </a:fld>
             <a:endParaRPr lang="en-US"/>
           </a:p>
@@ -2552,7 +2552,7 @@
           <a:p>
             <a:fld id="{9142FDFA-952F-452D-9530-A8F25C82A8B5}" type="datetimeFigureOut">
               <a:rPr lang="en-US" smtClean="0"/>
-              <a:t>9/13/2024</a:t>
+              <a:t>10/9/2024</a:t>
             </a:fld>
             <a:endParaRPr lang="en-US"/>
           </a:p>
@@ -2750,7 +2750,7 @@
           <a:p>
             <a:fld id="{9142FDFA-952F-452D-9530-A8F25C82A8B5}" type="datetimeFigureOut">
               <a:rPr lang="en-US" smtClean="0"/>
-              <a:t>9/13/2024</a:t>
+              <a:t>10/9/2024</a:t>
             </a:fld>
             <a:endParaRPr lang="en-US"/>
           </a:p>
@@ -3025,7 +3025,7 @@
           <a:p>
             <a:fld id="{9142FDFA-952F-452D-9530-A8F25C82A8B5}" type="datetimeFigureOut">
               <a:rPr lang="en-US" smtClean="0"/>
-              <a:t>9/13/2024</a:t>
+              <a:t>10/9/2024</a:t>
             </a:fld>
             <a:endParaRPr lang="en-US"/>
           </a:p>
@@ -3290,7 +3290,7 @@
           <a:p>
             <a:fld id="{9142FDFA-952F-452D-9530-A8F25C82A8B5}" type="datetimeFigureOut">
               <a:rPr lang="en-US" smtClean="0"/>
-              <a:t>9/13/2024</a:t>
+              <a:t>10/9/2024</a:t>
             </a:fld>
             <a:endParaRPr lang="en-US"/>
           </a:p>
@@ -3702,7 +3702,7 @@
           <a:p>
             <a:fld id="{9142FDFA-952F-452D-9530-A8F25C82A8B5}" type="datetimeFigureOut">
               <a:rPr lang="en-US" smtClean="0"/>
-              <a:t>9/13/2024</a:t>
+              <a:t>10/9/2024</a:t>
             </a:fld>
             <a:endParaRPr lang="en-US"/>
           </a:p>
@@ -3843,7 +3843,7 @@
           <a:p>
             <a:fld id="{9142FDFA-952F-452D-9530-A8F25C82A8B5}" type="datetimeFigureOut">
               <a:rPr lang="en-US" smtClean="0"/>
-              <a:t>9/13/2024</a:t>
+              <a:t>10/9/2024</a:t>
             </a:fld>
             <a:endParaRPr lang="en-US"/>
           </a:p>
@@ -3956,7 +3956,7 @@
           <a:p>
             <a:fld id="{9142FDFA-952F-452D-9530-A8F25C82A8B5}" type="datetimeFigureOut">
               <a:rPr lang="en-US" smtClean="0"/>
-              <a:t>9/13/2024</a:t>
+              <a:t>10/9/2024</a:t>
             </a:fld>
             <a:endParaRPr lang="en-US"/>
           </a:p>
@@ -4267,7 +4267,7 @@
           <a:p>
             <a:fld id="{9142FDFA-952F-452D-9530-A8F25C82A8B5}" type="datetimeFigureOut">
               <a:rPr lang="en-US" smtClean="0"/>
-              <a:t>9/13/2024</a:t>
+              <a:t>10/9/2024</a:t>
             </a:fld>
             <a:endParaRPr lang="en-US"/>
           </a:p>
@@ -4555,7 +4555,7 @@
           <a:p>
             <a:fld id="{9142FDFA-952F-452D-9530-A8F25C82A8B5}" type="datetimeFigureOut">
               <a:rPr lang="en-US" smtClean="0"/>
-              <a:t>9/13/2024</a:t>
+              <a:t>10/9/2024</a:t>
             </a:fld>
             <a:endParaRPr lang="en-US"/>
           </a:p>
@@ -4796,7 +4796,7 @@
           <a:p>
             <a:fld id="{9142FDFA-952F-452D-9530-A8F25C82A8B5}" type="datetimeFigureOut">
               <a:rPr lang="en-US" smtClean="0"/>
-              <a:t>9/13/2024</a:t>
+              <a:t>10/9/2024</a:t>
             </a:fld>
             <a:endParaRPr lang="en-US"/>
           </a:p>
@@ -5883,45 +5883,6 @@
           </a:p>
         </p:txBody>
       </p:sp>
-      <p:pic>
-        <p:nvPicPr>
-          <p:cNvPr id="47" name="Graphic 46">
-            <a:extLst>
-              <a:ext uri="{FF2B5EF4-FFF2-40B4-BE49-F238E27FC236}">
-                <a16:creationId xmlns:a16="http://schemas.microsoft.com/office/drawing/2014/main" id="{EB896D7B-CA8A-4535-9A4A-C697FE93B1A6}"/>
-              </a:ext>
-            </a:extLst>
-          </p:cNvPr>
-          <p:cNvPicPr>
-            <a:picLocks noChangeAspect="1"/>
-          </p:cNvPicPr>
-          <p:nvPr/>
-        </p:nvPicPr>
-        <p:blipFill>
-          <a:blip r:embed="rId9">
-            <a:extLst>
-              <a:ext uri="{28A0092B-C50C-407E-A947-70E740481C1C}">
-                <a14:useLocalDpi xmlns:a14="http://schemas.microsoft.com/office/drawing/2010/main" val="0"/>
-              </a:ext>
-              <a:ext uri="{96DAC541-7B7A-43D3-8B79-37D633B846F1}">
-                <asvg:svgBlip xmlns:asvg="http://schemas.microsoft.com/office/drawing/2016/SVG/main" r:embed="rId10"/>
-              </a:ext>
-            </a:extLst>
-          </a:blip>
-          <a:stretch>
-            <a:fillRect/>
-          </a:stretch>
-        </p:blipFill>
-        <p:spPr>
-          <a:xfrm>
-            <a:off x="3263578" y="4678350"/>
-            <a:ext cx="383550" cy="383550"/>
-          </a:xfrm>
-          <a:prstGeom prst="rect">
-            <a:avLst/>
-          </a:prstGeom>
-        </p:spPr>
-      </p:pic>
       <p:sp>
         <p:nvSpPr>
           <p:cNvPr id="48" name="TextBox 47">
@@ -5962,11 +5923,47 @@
                   <a:schemeClr val="bg1"/>
                 </a:solidFill>
               </a:rPr>
-              <a:t>Virtual Machine Scale Set</a:t>
+              <a:t>Managed DevOps Pool</a:t>
             </a:r>
           </a:p>
         </p:txBody>
       </p:sp>
+      <p:pic>
+        <p:nvPicPr>
+          <p:cNvPr id="5" name="Graphic 4">
+            <a:extLst>
+              <a:ext uri="{FF2B5EF4-FFF2-40B4-BE49-F238E27FC236}">
+                <a16:creationId xmlns:a16="http://schemas.microsoft.com/office/drawing/2014/main" id="{E2E30B24-57C7-2C35-FE2B-7B262452A80A}"/>
+              </a:ext>
+            </a:extLst>
+          </p:cNvPr>
+          <p:cNvPicPr>
+            <a:picLocks noChangeAspect="1"/>
+          </p:cNvPicPr>
+          <p:nvPr/>
+        </p:nvPicPr>
+        <p:blipFill>
+          <a:blip r:embed="rId9">
+            <a:extLst>
+              <a:ext uri="{96DAC541-7B7A-43D3-8B79-37D633B846F1}">
+                <asvg:svgBlip xmlns:asvg="http://schemas.microsoft.com/office/drawing/2016/SVG/main" r:embed="rId10"/>
+              </a:ext>
+            </a:extLst>
+          </a:blip>
+          <a:stretch>
+            <a:fillRect/>
+          </a:stretch>
+        </p:blipFill>
+        <p:spPr>
+          <a:xfrm>
+            <a:off x="3244095" y="4683855"/>
+            <a:ext cx="393225" cy="385200"/>
+          </a:xfrm>
+          <a:prstGeom prst="rect">
+            <a:avLst/>
+          </a:prstGeom>
+        </p:spPr>
+      </p:pic>
     </p:spTree>
     <p:extLst>
       <p:ext uri="{BB962C8B-B14F-4D97-AF65-F5344CB8AC3E}">
@@ -5999,10 +5996,10 @@
       </p:grpSpPr>
       <p:sp>
         <p:nvSpPr>
-          <p:cNvPr id="1027" name="Rectangle 1026">
-            <a:extLst>
-              <a:ext uri="{FF2B5EF4-FFF2-40B4-BE49-F238E27FC236}">
-                <a16:creationId xmlns:a16="http://schemas.microsoft.com/office/drawing/2014/main" id="{18AB4F2E-C5B2-831B-7B39-FB94A942B99B}"/>
+          <p:cNvPr id="1024" name="Rectangle 1023">
+            <a:extLst>
+              <a:ext uri="{FF2B5EF4-FFF2-40B4-BE49-F238E27FC236}">
+                <a16:creationId xmlns:a16="http://schemas.microsoft.com/office/drawing/2014/main" id="{2DB600C5-F2C2-FC11-FDAF-FDBDCDEC66D6}"/>
               </a:ext>
             </a:extLst>
           </p:cNvPr>
@@ -6011,8 +6008,8 @@
         </p:nvSpPr>
         <p:spPr>
           <a:xfrm>
-            <a:off x="5700870" y="3003478"/>
-            <a:ext cx="2034000" cy="438999"/>
+            <a:off x="4508526" y="2900941"/>
+            <a:ext cx="2099925" cy="438999"/>
           </a:xfrm>
           <a:prstGeom prst="rect">
             <a:avLst/>
@@ -6061,10 +6058,10 @@
       </p:sp>
       <p:sp>
         <p:nvSpPr>
-          <p:cNvPr id="1025" name="Rectangle 1024">
-            <a:extLst>
-              <a:ext uri="{FF2B5EF4-FFF2-40B4-BE49-F238E27FC236}">
-                <a16:creationId xmlns:a16="http://schemas.microsoft.com/office/drawing/2014/main" id="{8EA6B780-36F7-F8B0-BC2C-596F47190D17}"/>
+          <p:cNvPr id="63" name="Rectangle 62">
+            <a:extLst>
+              <a:ext uri="{FF2B5EF4-FFF2-40B4-BE49-F238E27FC236}">
+                <a16:creationId xmlns:a16="http://schemas.microsoft.com/office/drawing/2014/main" id="{C51BFF49-29D4-60A2-280B-00B222F978A3}"/>
               </a:ext>
             </a:extLst>
           </p:cNvPr>
@@ -6073,8 +6070,8 @@
         </p:nvSpPr>
         <p:spPr>
           <a:xfrm>
-            <a:off x="5661653" y="2970294"/>
-            <a:ext cx="2034000" cy="438999"/>
+            <a:off x="4466918" y="2863290"/>
+            <a:ext cx="2099925" cy="438999"/>
           </a:xfrm>
           <a:prstGeom prst="rect">
             <a:avLst/>
@@ -6123,10 +6120,10 @@
       </p:sp>
       <p:sp>
         <p:nvSpPr>
-          <p:cNvPr id="1024" name="Rectangle 1023">
-            <a:extLst>
-              <a:ext uri="{FF2B5EF4-FFF2-40B4-BE49-F238E27FC236}">
-                <a16:creationId xmlns:a16="http://schemas.microsoft.com/office/drawing/2014/main" id="{2DB600C5-F2C2-FC11-FDAF-FDBDCDEC66D6}"/>
+          <p:cNvPr id="62" name="Rectangle 61">
+            <a:extLst>
+              <a:ext uri="{FF2B5EF4-FFF2-40B4-BE49-F238E27FC236}">
+                <a16:creationId xmlns:a16="http://schemas.microsoft.com/office/drawing/2014/main" id="{47344394-0D66-C7AD-AFA1-F7FAE76A6743}"/>
               </a:ext>
             </a:extLst>
           </p:cNvPr>
@@ -6135,7 +6132,7 @@
         </p:nvSpPr>
         <p:spPr>
           <a:xfrm>
-            <a:off x="3198992" y="3007728"/>
+            <a:off x="4508526" y="4165288"/>
             <a:ext cx="2099925" cy="438999"/>
           </a:xfrm>
           <a:prstGeom prst="rect">
@@ -6185,10 +6182,10 @@
       </p:sp>
       <p:sp>
         <p:nvSpPr>
-          <p:cNvPr id="63" name="Rectangle 62">
-            <a:extLst>
-              <a:ext uri="{FF2B5EF4-FFF2-40B4-BE49-F238E27FC236}">
-                <a16:creationId xmlns:a16="http://schemas.microsoft.com/office/drawing/2014/main" id="{C51BFF49-29D4-60A2-280B-00B222F978A3}"/>
+          <p:cNvPr id="61" name="Rectangle 60">
+            <a:extLst>
+              <a:ext uri="{FF2B5EF4-FFF2-40B4-BE49-F238E27FC236}">
+                <a16:creationId xmlns:a16="http://schemas.microsoft.com/office/drawing/2014/main" id="{EC4F9CBF-6ABC-156C-FBD0-E65C257F4A4F}"/>
               </a:ext>
             </a:extLst>
           </p:cNvPr>
@@ -6197,7 +6194,7 @@
         </p:nvSpPr>
         <p:spPr>
           <a:xfrm>
-            <a:off x="3157384" y="2970077"/>
+            <a:off x="4466919" y="4131324"/>
             <a:ext cx="2099925" cy="438999"/>
           </a:xfrm>
           <a:prstGeom prst="rect">
@@ -6247,10 +6244,10 @@
       </p:sp>
       <p:sp>
         <p:nvSpPr>
-          <p:cNvPr id="62" name="Rectangle 61">
-            <a:extLst>
-              <a:ext uri="{FF2B5EF4-FFF2-40B4-BE49-F238E27FC236}">
-                <a16:creationId xmlns:a16="http://schemas.microsoft.com/office/drawing/2014/main" id="{47344394-0D66-C7AD-AFA1-F7FAE76A6743}"/>
+          <p:cNvPr id="5" name="Rectangle 4">
+            <a:extLst>
+              <a:ext uri="{FF2B5EF4-FFF2-40B4-BE49-F238E27FC236}">
+                <a16:creationId xmlns:a16="http://schemas.microsoft.com/office/drawing/2014/main" id="{6194339B-94A9-0761-EA71-17FDDAB7ACC2}"/>
               </a:ext>
             </a:extLst>
           </p:cNvPr>
@@ -6259,8 +6256,8 @@
         </p:nvSpPr>
         <p:spPr>
           <a:xfrm>
-            <a:off x="3198992" y="4212009"/>
-            <a:ext cx="2099925" cy="438999"/>
+            <a:off x="4451234" y="1643506"/>
+            <a:ext cx="2034372" cy="438999"/>
           </a:xfrm>
           <a:prstGeom prst="rect">
             <a:avLst/>
@@ -6299,20 +6296,83 @@
           <a:bodyPr rtlCol="0" anchor="ctr"/>
           <a:lstStyle/>
           <a:p>
+            <a:r>
+              <a:rPr lang="en-US" sz="1100" i="1" dirty="0">
+                <a:solidFill>
+                  <a:schemeClr val="bg1"/>
+                </a:solidFill>
+              </a:rPr>
+              <a:t>      </a:t>
+            </a:r>
+            <a:r>
+              <a:rPr lang="en-DE" sz="1100" i="1" dirty="0">
+                <a:solidFill>
+                  <a:schemeClr val="bg1"/>
+                </a:solidFill>
+              </a:rPr>
+              <a:t> </a:t>
+            </a:r>
+            <a:r>
+              <a:rPr lang="en-US" sz="1100" i="1" dirty="0">
+                <a:solidFill>
+                  <a:schemeClr val="bg1"/>
+                </a:solidFill>
+              </a:rPr>
+              <a:t> </a:t>
+            </a:r>
+            <a:r>
+              <a:rPr lang="en-US" sz="1100" i="1" dirty="0" err="1">
+                <a:solidFill>
+                  <a:schemeClr val="bg1"/>
+                </a:solidFill>
+              </a:rPr>
+              <a:t>pipeline.yml</a:t>
+            </a:r>
+            <a:r>
+              <a:rPr lang="en-DE" sz="1271" dirty="0">
+                <a:solidFill>
+                  <a:schemeClr val="bg1"/>
+                </a:solidFill>
+              </a:rPr>
+              <a:t> </a:t>
+            </a:r>
             <a:endParaRPr lang="en-US" sz="1271" dirty="0">
               <a:solidFill>
                 <a:schemeClr val="bg1"/>
               </a:solidFill>
             </a:endParaRPr>
           </a:p>
+          <a:p>
+            <a:r>
+              <a:rPr lang="en-US" sz="1271" dirty="0">
+                <a:solidFill>
+                  <a:schemeClr val="bg1"/>
+                </a:solidFill>
+              </a:rPr>
+              <a:t>       Pipeline </a:t>
+            </a:r>
+            <a:r>
+              <a:rPr lang="de-DE" sz="1271" dirty="0">
+                <a:solidFill>
+                  <a:schemeClr val="bg1"/>
+                </a:solidFill>
+              </a:rPr>
+              <a:t>Stage template</a:t>
+            </a:r>
+            <a:endParaRPr lang="en-US" sz="1271" dirty="0">
+              <a:solidFill>
+                <a:schemeClr val="bg1"/>
+              </a:solidFill>
+            </a:endParaRPr>
+          </a:p>
         </p:txBody>
       </p:sp>
       <p:sp>
         <p:nvSpPr>
-          <p:cNvPr id="61" name="Rectangle 60">
-            <a:extLst>
-              <a:ext uri="{FF2B5EF4-FFF2-40B4-BE49-F238E27FC236}">
-                <a16:creationId xmlns:a16="http://schemas.microsoft.com/office/drawing/2014/main" id="{EC4F9CBF-6ABC-156C-FBD0-E65C257F4A4F}"/>
+          <p:cNvPr id="7" name="Rectangle 6">
+            <a:extLst>
+              <a:ext uri="{FF2B5EF4-FFF2-40B4-BE49-F238E27FC236}">
+                <a16:creationId xmlns:a16="http://schemas.microsoft.com/office/drawing/2014/main" id="{42AAB230-4C59-8C5E-2A94-72B3D6B46503}"/>
               </a:ext>
             </a:extLst>
           </p:cNvPr>
@@ -6321,8 +6381,8 @@
         </p:nvSpPr>
         <p:spPr>
           <a:xfrm>
-            <a:off x="3157385" y="4178045"/>
-            <a:ext cx="2099925" cy="438999"/>
+            <a:off x="4451234" y="2233517"/>
+            <a:ext cx="2034372" cy="438999"/>
           </a:xfrm>
           <a:prstGeom prst="rect">
             <a:avLst/>
@@ -6361,6 +6421,61 @@
           <a:bodyPr rtlCol="0" anchor="ctr"/>
           <a:lstStyle/>
           <a:p>
+            <a:r>
+              <a:rPr lang="en-US" sz="1100" i="1" dirty="0">
+                <a:solidFill>
+                  <a:schemeClr val="bg1"/>
+                </a:solidFill>
+              </a:rPr>
+              <a:t>      </a:t>
+            </a:r>
+            <a:r>
+              <a:rPr lang="en-DE" sz="1100" i="1" dirty="0">
+                <a:solidFill>
+                  <a:schemeClr val="bg1"/>
+                </a:solidFill>
+              </a:rPr>
+              <a:t> </a:t>
+            </a:r>
+            <a:r>
+              <a:rPr lang="en-US" sz="1100" i="1" dirty="0">
+                <a:solidFill>
+                  <a:schemeClr val="bg1"/>
+                </a:solidFill>
+              </a:rPr>
+              <a:t> </a:t>
+            </a:r>
+            <a:r>
+              <a:rPr lang="en-US" sz="1100" i="1" dirty="0" err="1">
+                <a:solidFill>
+                  <a:schemeClr val="bg1"/>
+                </a:solidFill>
+              </a:rPr>
+              <a:t>pipeline.jobs.yml</a:t>
+            </a:r>
+            <a:endParaRPr lang="en-US" sz="1100" i="1" dirty="0">
+              <a:solidFill>
+                <a:schemeClr val="bg1"/>
+              </a:solidFill>
+            </a:endParaRPr>
+          </a:p>
+          <a:p>
+            <a:r>
+              <a:rPr lang="en-US" sz="1271" dirty="0">
+                <a:solidFill>
+                  <a:schemeClr val="bg1"/>
+                </a:solidFill>
+              </a:rPr>
+              <a:t>       Pipeline </a:t>
+            </a:r>
+            <a:r>
+              <a:rPr lang="de-DE" sz="1271" dirty="0">
+                <a:solidFill>
+                  <a:schemeClr val="bg1"/>
+                </a:solidFill>
+              </a:rPr>
+              <a:t>Jobs template</a:t>
+            </a:r>
             <a:endParaRPr lang="en-US" sz="1271" dirty="0">
               <a:solidFill>
                 <a:schemeClr val="bg1"/>
@@ -6371,10 +6486,10 @@
       </p:sp>
       <p:sp>
         <p:nvSpPr>
-          <p:cNvPr id="5" name="Rectangle 4">
-            <a:extLst>
-              <a:ext uri="{FF2B5EF4-FFF2-40B4-BE49-F238E27FC236}">
-                <a16:creationId xmlns:a16="http://schemas.microsoft.com/office/drawing/2014/main" id="{6194339B-94A9-0761-EA71-17FDDAB7ACC2}"/>
+          <p:cNvPr id="8" name="Rectangle 7">
+            <a:extLst>
+              <a:ext uri="{FF2B5EF4-FFF2-40B4-BE49-F238E27FC236}">
+                <a16:creationId xmlns:a16="http://schemas.microsoft.com/office/drawing/2014/main" id="{5DDE7DCB-283A-7CFB-6A53-535DA5D6DA5C}"/>
               </a:ext>
             </a:extLst>
           </p:cNvPr>
@@ -6383,8 +6498,8 @@
         </p:nvSpPr>
         <p:spPr>
           <a:xfrm>
-            <a:off x="4451234" y="1643506"/>
-            <a:ext cx="2034372" cy="438999"/>
+            <a:off x="4425131" y="2819621"/>
+            <a:ext cx="2099925" cy="438999"/>
           </a:xfrm>
           <a:prstGeom prst="rect">
             <a:avLst/>
@@ -6429,7 +6544,7 @@
                   <a:schemeClr val="bg1"/>
                 </a:solidFill>
               </a:rPr>
-              <a:t>      </a:t>
+              <a:t>     </a:t>
             </a:r>
             <a:r>
               <a:rPr lang="en-DE" sz="1100" i="1" dirty="0">
@@ -6445,7 +6560,7 @@
                   <a:schemeClr val="bg1"/>
                 </a:solidFill>
               </a:rPr>
-              <a:t> </a:t>
+              <a:t>  &lt;env&gt;.</a:t>
             </a:r>
             <a:r>
               <a:rPr lang="en-US" sz="1100" i="1" dirty="0" err="1">
@@ -6453,7 +6568,7 @@
                   <a:schemeClr val="bg1"/>
                 </a:solidFill>
               </a:rPr>
-              <a:t>pipeline.yml</a:t>
+              <a:t>pool.bicep</a:t>
             </a:r>
             <a:r>
               <a:rPr lang="en-DE" sz="1271" dirty="0">
@@ -6463,43 +6578,35 @@
               </a:rPr>
               <a:t> </a:t>
             </a:r>
+            <a:endParaRPr lang="de-DE" sz="1271" dirty="0">
+              <a:solidFill>
+                <a:schemeClr val="bg1"/>
+              </a:solidFill>
+            </a:endParaRPr>
+          </a:p>
+          <a:p>
+            <a:r>
+              <a:rPr lang="de-DE" sz="1271" dirty="0">
+                <a:solidFill>
+                  <a:schemeClr val="bg1"/>
+                </a:solidFill>
+              </a:rPr>
+              <a:t>       Bicep Deployment files</a:t>
+            </a:r>
             <a:endParaRPr lang="en-US" sz="1271" dirty="0">
               <a:solidFill>
                 <a:schemeClr val="bg1"/>
               </a:solidFill>
             </a:endParaRPr>
           </a:p>
-          <a:p>
-            <a:r>
-              <a:rPr lang="en-US" sz="1271" dirty="0">
-                <a:solidFill>
-                  <a:schemeClr val="bg1"/>
-                </a:solidFill>
-              </a:rPr>
-              <a:t>       Pipeline </a:t>
-            </a:r>
-            <a:r>
-              <a:rPr lang="de-DE" sz="1271" dirty="0">
-                <a:solidFill>
-                  <a:schemeClr val="bg1"/>
-                </a:solidFill>
-              </a:rPr>
-              <a:t>Stage template</a:t>
-            </a:r>
-            <a:endParaRPr lang="en-US" sz="1271" dirty="0">
-              <a:solidFill>
-                <a:schemeClr val="bg1"/>
-              </a:solidFill>
-            </a:endParaRPr>
-          </a:p>
         </p:txBody>
       </p:sp>
       <p:sp>
         <p:nvSpPr>
-          <p:cNvPr id="7" name="Rectangle 6">
-            <a:extLst>
-              <a:ext uri="{FF2B5EF4-FFF2-40B4-BE49-F238E27FC236}">
-                <a16:creationId xmlns:a16="http://schemas.microsoft.com/office/drawing/2014/main" id="{42AAB230-4C59-8C5E-2A94-72B3D6B46503}"/>
+          <p:cNvPr id="9" name="Rectangle 8">
+            <a:extLst>
+              <a:ext uri="{FF2B5EF4-FFF2-40B4-BE49-F238E27FC236}">
+                <a16:creationId xmlns:a16="http://schemas.microsoft.com/office/drawing/2014/main" id="{3662D512-14F8-C045-B068-6E2C3E24AD1C}"/>
               </a:ext>
             </a:extLst>
           </p:cNvPr>
@@ -6508,8 +6615,8 @@
         </p:nvSpPr>
         <p:spPr>
           <a:xfrm>
-            <a:off x="4451234" y="2233517"/>
-            <a:ext cx="2034372" cy="438999"/>
+            <a:off x="4425131" y="3472826"/>
+            <a:ext cx="2099925" cy="438999"/>
           </a:xfrm>
           <a:prstGeom prst="rect">
             <a:avLst/>
@@ -6554,7 +6661,15 @@
                   <a:schemeClr val="bg1"/>
                 </a:solidFill>
               </a:rPr>
-              <a:t>      </a:t>
+              <a:t>        </a:t>
+            </a:r>
+            <a:r>
+              <a:rPr lang="en-US" sz="1100" i="1" dirty="0" err="1">
+                <a:solidFill>
+                  <a:schemeClr val="bg1"/>
+                </a:solidFill>
+              </a:rPr>
+              <a:t>pool.deploy.bicep</a:t>
             </a:r>
             <a:r>
               <a:rPr lang="en-DE" sz="1100" i="1" dirty="0">
@@ -6564,44 +6679,20 @@
               </a:rPr>
               <a:t> </a:t>
             </a:r>
-            <a:r>
-              <a:rPr lang="en-US" sz="1100" i="1" dirty="0">
-                <a:solidFill>
-                  <a:schemeClr val="bg1"/>
-                </a:solidFill>
-              </a:rPr>
-              <a:t> </a:t>
-            </a:r>
-            <a:r>
-              <a:rPr lang="en-US" sz="1100" i="1" dirty="0" err="1">
-                <a:solidFill>
-                  <a:schemeClr val="bg1"/>
-                </a:solidFill>
-              </a:rPr>
-              <a:t>pipeline.jobs.yml</a:t>
-            </a:r>
-            <a:endParaRPr lang="en-US" sz="1100" i="1" dirty="0">
+            <a:endParaRPr lang="de-DE" sz="1100" i="1" dirty="0">
               <a:solidFill>
                 <a:schemeClr val="bg1"/>
               </a:solidFill>
             </a:endParaRPr>
           </a:p>
           <a:p>
-            <a:r>
-              <a:rPr lang="en-US" sz="1271" dirty="0">
-                <a:solidFill>
-                  <a:schemeClr val="bg1"/>
-                </a:solidFill>
-              </a:rPr>
-              <a:t>       Pipeline </a:t>
-            </a:r>
             <a:r>
               <a:rPr lang="de-DE" sz="1271" dirty="0">
                 <a:solidFill>
                   <a:schemeClr val="bg1"/>
                 </a:solidFill>
               </a:rPr>
-              <a:t>Jobs template</a:t>
+              <a:t>       Bicep Template file</a:t>
             </a:r>
             <a:endParaRPr lang="en-US" sz="1271" dirty="0">
               <a:solidFill>
@@ -6613,10 +6704,10 @@
       </p:sp>
       <p:sp>
         <p:nvSpPr>
-          <p:cNvPr id="8" name="Rectangle 7">
-            <a:extLst>
-              <a:ext uri="{FF2B5EF4-FFF2-40B4-BE49-F238E27FC236}">
-                <a16:creationId xmlns:a16="http://schemas.microsoft.com/office/drawing/2014/main" id="{5DDE7DCB-283A-7CFB-6A53-535DA5D6DA5C}"/>
+          <p:cNvPr id="10" name="Rectangle 9">
+            <a:extLst>
+              <a:ext uri="{FF2B5EF4-FFF2-40B4-BE49-F238E27FC236}">
+                <a16:creationId xmlns:a16="http://schemas.microsoft.com/office/drawing/2014/main" id="{2122E31B-CBD1-B807-DA4F-E00E3055915F}"/>
               </a:ext>
             </a:extLst>
           </p:cNvPr>
@@ -6625,7 +6716,7 @@
         </p:nvSpPr>
         <p:spPr>
           <a:xfrm>
-            <a:off x="3115597" y="2926408"/>
+            <a:off x="4425131" y="4093673"/>
             <a:ext cx="2099925" cy="438999"/>
           </a:xfrm>
           <a:prstGeom prst="rect">
@@ -6666,36 +6757,12 @@
           <a:lstStyle/>
           <a:p>
             <a:r>
-              <a:rPr lang="en-US" sz="1100" i="1" dirty="0">
+              <a:rPr lang="en-US" sz="1271" dirty="0">
                 <a:solidFill>
                   <a:schemeClr val="bg1"/>
                 </a:solidFill>
               </a:rPr>
               <a:t>     </a:t>
-            </a:r>
-            <a:r>
-              <a:rPr lang="en-DE" sz="1100" i="1" dirty="0">
-                <a:solidFill>
-                  <a:schemeClr val="bg1"/>
-                </a:solidFill>
-              </a:rPr>
-              <a:t> </a:t>
-            </a:r>
-            <a:r>
-              <a:rPr lang="en-US" sz="1100" i="1" dirty="0">
-                <a:solidFill>
-                  <a:schemeClr val="bg1"/>
-                </a:solidFill>
-              </a:rPr>
-              <a:t>  &lt;env&gt;.</a:t>
-            </a:r>
-            <a:r>
-              <a:rPr lang="en-US" sz="1100" i="1" dirty="0" err="1">
-                <a:solidFill>
-                  <a:schemeClr val="bg1"/>
-                </a:solidFill>
-              </a:rPr>
-              <a:t>scaleset.bicep</a:t>
             </a:r>
             <a:r>
               <a:rPr lang="en-DE" sz="1271" dirty="0">
@@ -6705,191 +6772,21 @@
               </a:rPr>
               <a:t> </a:t>
             </a:r>
-            <a:endParaRPr lang="de-DE" sz="1271" dirty="0">
-              <a:solidFill>
-                <a:schemeClr val="bg1"/>
-              </a:solidFill>
-            </a:endParaRPr>
-          </a:p>
-          <a:p>
-            <a:r>
-              <a:rPr lang="de-DE" sz="1271" dirty="0">
-                <a:solidFill>
-                  <a:schemeClr val="bg1"/>
-                </a:solidFill>
-              </a:rPr>
-              <a:t>       Bicep Deployment files</a:t>
-            </a:r>
-            <a:endParaRPr lang="en-US" sz="1271" dirty="0">
-              <a:solidFill>
-                <a:schemeClr val="bg1"/>
-              </a:solidFill>
-            </a:endParaRPr>
-          </a:p>
-        </p:txBody>
-      </p:sp>
-      <p:sp>
-        <p:nvSpPr>
-          <p:cNvPr id="9" name="Rectangle 8">
-            <a:extLst>
-              <a:ext uri="{FF2B5EF4-FFF2-40B4-BE49-F238E27FC236}">
-                <a16:creationId xmlns:a16="http://schemas.microsoft.com/office/drawing/2014/main" id="{3662D512-14F8-C045-B068-6E2C3E24AD1C}"/>
-              </a:ext>
-            </a:extLst>
-          </p:cNvPr>
-          <p:cNvSpPr/>
-          <p:nvPr/>
-        </p:nvSpPr>
-        <p:spPr>
-          <a:xfrm>
-            <a:off x="3115597" y="3519547"/>
-            <a:ext cx="2099925" cy="438999"/>
-          </a:xfrm>
-          <a:prstGeom prst="rect">
-            <a:avLst/>
-          </a:prstGeom>
-          <a:solidFill>
-            <a:schemeClr val="tx2">
-              <a:lumMod val="75000"/>
-            </a:schemeClr>
-          </a:solidFill>
-          <a:ln w="6350">
-            <a:solidFill>
-              <a:schemeClr val="tx1">
-                <a:lumMod val="50000"/>
-                <a:lumOff val="50000"/>
-              </a:schemeClr>
-            </a:solidFill>
-          </a:ln>
-        </p:spPr>
-        <p:style>
-          <a:lnRef idx="2">
-            <a:schemeClr val="accent1">
-              <a:shade val="50000"/>
-            </a:schemeClr>
-          </a:lnRef>
-          <a:fillRef idx="1">
-            <a:schemeClr val="accent1"/>
-          </a:fillRef>
-          <a:effectRef idx="0">
-            <a:schemeClr val="accent1"/>
-          </a:effectRef>
-          <a:fontRef idx="minor">
-            <a:schemeClr val="lt1"/>
-          </a:fontRef>
-        </p:style>
-        <p:txBody>
-          <a:bodyPr rtlCol="0" anchor="ctr"/>
-          <a:lstStyle/>
-          <a:p>
-            <a:r>
-              <a:rPr lang="en-US" sz="1100" i="1" dirty="0">
-                <a:solidFill>
-                  <a:schemeClr val="bg1"/>
-                </a:solidFill>
-              </a:rPr>
-              <a:t>        </a:t>
-            </a:r>
-            <a:r>
-              <a:rPr lang="en-US" sz="1100" i="1" dirty="0" err="1">
-                <a:solidFill>
-                  <a:schemeClr val="bg1"/>
-                </a:solidFill>
-              </a:rPr>
-              <a:t>scaleset.deploy.bicep</a:t>
-            </a:r>
-            <a:r>
-              <a:rPr lang="en-DE" sz="1100" i="1" dirty="0">
+            <a:r>
+              <a:rPr lang="en-US" sz="1271" dirty="0">
                 <a:solidFill>
                   <a:schemeClr val="bg1"/>
                 </a:solidFill>
               </a:rPr>
               <a:t> </a:t>
             </a:r>
-            <a:endParaRPr lang="de-DE" sz="1100" i="1" dirty="0">
-              <a:solidFill>
-                <a:schemeClr val="bg1"/>
-              </a:solidFill>
-            </a:endParaRPr>
-          </a:p>
-          <a:p>
-            <a:r>
-              <a:rPr lang="de-DE" sz="1271" dirty="0">
+            <a:r>
+              <a:rPr lang="en-US" sz="1271" i="1" dirty="0" err="1">
                 <a:solidFill>
                   <a:schemeClr val="bg1"/>
                 </a:solidFill>
               </a:rPr>
-              <a:t>       Bicep Template file</a:t>
-            </a:r>
-            <a:endParaRPr lang="en-US" sz="1271" dirty="0">
-              <a:solidFill>
-                <a:schemeClr val="bg1"/>
-              </a:solidFill>
-            </a:endParaRPr>
-          </a:p>
-        </p:txBody>
-      </p:sp>
-      <p:sp>
-        <p:nvSpPr>
-          <p:cNvPr id="10" name="Rectangle 9">
-            <a:extLst>
-              <a:ext uri="{FF2B5EF4-FFF2-40B4-BE49-F238E27FC236}">
-                <a16:creationId xmlns:a16="http://schemas.microsoft.com/office/drawing/2014/main" id="{2122E31B-CBD1-B807-DA4F-E00E3055915F}"/>
-              </a:ext>
-            </a:extLst>
-          </p:cNvPr>
-          <p:cNvSpPr/>
-          <p:nvPr/>
-        </p:nvSpPr>
-        <p:spPr>
-          <a:xfrm>
-            <a:off x="3115597" y="4140394"/>
-            <a:ext cx="2099925" cy="438999"/>
-          </a:xfrm>
-          <a:prstGeom prst="rect">
-            <a:avLst/>
-          </a:prstGeom>
-          <a:solidFill>
-            <a:schemeClr val="tx2">
-              <a:lumMod val="75000"/>
-            </a:schemeClr>
-          </a:solidFill>
-          <a:ln w="6350">
-            <a:solidFill>
-              <a:schemeClr val="tx1">
-                <a:lumMod val="50000"/>
-                <a:lumOff val="50000"/>
-              </a:schemeClr>
-            </a:solidFill>
-          </a:ln>
-        </p:spPr>
-        <p:style>
-          <a:lnRef idx="2">
-            <a:schemeClr val="accent1">
-              <a:shade val="50000"/>
-            </a:schemeClr>
-          </a:lnRef>
-          <a:fillRef idx="1">
-            <a:schemeClr val="accent1"/>
-          </a:fillRef>
-          <a:effectRef idx="0">
-            <a:schemeClr val="accent1"/>
-          </a:effectRef>
-          <a:fontRef idx="minor">
-            <a:schemeClr val="lt1"/>
-          </a:fontRef>
-        </p:style>
-        <p:txBody>
-          <a:bodyPr rtlCol="0" anchor="ctr"/>
-          <a:lstStyle/>
-          <a:p>
-            <a:r>
-              <a:rPr lang="en-US" sz="1271" dirty="0">
-                <a:solidFill>
-                  <a:schemeClr val="bg1"/>
-                </a:solidFill>
-              </a:rPr>
-              <a:t>     </a:t>
+              <a:t>main.bicep</a:t>
             </a:r>
             <a:r>
               <a:rPr lang="en-DE" sz="1271" dirty="0">
@@ -6899,30 +6796,6 @@
               </a:rPr>
               <a:t> </a:t>
             </a:r>
-            <a:r>
-              <a:rPr lang="en-US" sz="1271" dirty="0">
-                <a:solidFill>
-                  <a:schemeClr val="bg1"/>
-                </a:solidFill>
-              </a:rPr>
-              <a:t> </a:t>
-            </a:r>
-            <a:r>
-              <a:rPr lang="en-US" sz="1271" i="1" dirty="0" err="1">
-                <a:solidFill>
-                  <a:schemeClr val="bg1"/>
-                </a:solidFill>
-              </a:rPr>
-              <a:t>main.bicep</a:t>
-            </a:r>
-            <a:r>
-              <a:rPr lang="en-DE" sz="1271" dirty="0">
-                <a:solidFill>
-                  <a:schemeClr val="bg1"/>
-                </a:solidFill>
-              </a:rPr>
-              <a:t> </a:t>
-            </a:r>
             <a:endParaRPr lang="en-US" sz="1271" dirty="0">
               <a:solidFill>
                 <a:schemeClr val="bg1"/>
@@ -6944,7 +6817,7 @@
                   <a:schemeClr val="bg1"/>
                 </a:solidFill>
               </a:rPr>
-              <a:t>Bicep CARML modules</a:t>
+              <a:t>Bicep AVM modules</a:t>
             </a:r>
             <a:endParaRPr lang="en-US" sz="1271" dirty="0">
               <a:solidFill>
@@ -6954,112 +6827,6 @@
           </a:p>
         </p:txBody>
       </p:sp>
-      <p:sp>
-        <p:nvSpPr>
-          <p:cNvPr id="11" name="Rectangle 10">
-            <a:extLst>
-              <a:ext uri="{FF2B5EF4-FFF2-40B4-BE49-F238E27FC236}">
-                <a16:creationId xmlns:a16="http://schemas.microsoft.com/office/drawing/2014/main" id="{ECEC507C-5614-10B5-26E2-1E363D11EA53}"/>
-              </a:ext>
-            </a:extLst>
-          </p:cNvPr>
-          <p:cNvSpPr/>
-          <p:nvPr/>
-        </p:nvSpPr>
-        <p:spPr>
-          <a:xfrm>
-            <a:off x="5620045" y="2926408"/>
-            <a:ext cx="2034000" cy="438999"/>
-          </a:xfrm>
-          <a:prstGeom prst="rect">
-            <a:avLst/>
-          </a:prstGeom>
-          <a:solidFill>
-            <a:schemeClr val="tx2">
-              <a:lumMod val="75000"/>
-            </a:schemeClr>
-          </a:solidFill>
-          <a:ln w="6350">
-            <a:solidFill>
-              <a:schemeClr val="tx1">
-                <a:lumMod val="50000"/>
-                <a:lumOff val="50000"/>
-              </a:schemeClr>
-            </a:solidFill>
-          </a:ln>
-        </p:spPr>
-        <p:style>
-          <a:lnRef idx="2">
-            <a:schemeClr val="accent1">
-              <a:shade val="50000"/>
-            </a:schemeClr>
-          </a:lnRef>
-          <a:fillRef idx="1">
-            <a:schemeClr val="accent1"/>
-          </a:fillRef>
-          <a:effectRef idx="0">
-            <a:schemeClr val="accent1"/>
-          </a:effectRef>
-          <a:fontRef idx="minor">
-            <a:schemeClr val="lt1"/>
-          </a:fontRef>
-        </p:style>
-        <p:txBody>
-          <a:bodyPr rtlCol="0" anchor="ctr"/>
-          <a:lstStyle/>
-          <a:p>
-            <a:r>
-              <a:rPr lang="de-DE" sz="1271" dirty="0">
-                <a:solidFill>
-                  <a:schemeClr val="bg1"/>
-                </a:solidFill>
-              </a:rPr>
-              <a:t>       PowerShell scripts</a:t>
-            </a:r>
-            <a:endParaRPr lang="en-US" sz="1271" dirty="0">
-              <a:solidFill>
-                <a:schemeClr val="bg1"/>
-              </a:solidFill>
-            </a:endParaRPr>
-          </a:p>
-        </p:txBody>
-      </p:sp>
-      <p:pic>
-        <p:nvPicPr>
-          <p:cNvPr id="13" name="Picture 12" descr="A blue and white square with a symbol&#10;&#10;Description automatically generated">
-            <a:extLst>
-              <a:ext uri="{FF2B5EF4-FFF2-40B4-BE49-F238E27FC236}">
-                <a16:creationId xmlns:a16="http://schemas.microsoft.com/office/drawing/2014/main" id="{50178872-6A1E-350D-B1E6-5C7CB3EEC16A}"/>
-              </a:ext>
-            </a:extLst>
-          </p:cNvPr>
-          <p:cNvPicPr>
-            <a:picLocks noChangeAspect="1"/>
-          </p:cNvPicPr>
-          <p:nvPr/>
-        </p:nvPicPr>
-        <p:blipFill>
-          <a:blip r:embed="rId2">
-            <a:extLst>
-              <a:ext uri="{28A0092B-C50C-407E-A947-70E740481C1C}">
-                <a14:useLocalDpi xmlns:a14="http://schemas.microsoft.com/office/drawing/2010/main" val="0"/>
-              </a:ext>
-            </a:extLst>
-          </a:blip>
-          <a:stretch>
-            <a:fillRect/>
-          </a:stretch>
-        </p:blipFill>
-        <p:spPr>
-          <a:xfrm>
-            <a:off x="5700870" y="3047333"/>
-            <a:ext cx="204883" cy="204883"/>
-          </a:xfrm>
-          <a:prstGeom prst="rect">
-            <a:avLst/>
-          </a:prstGeom>
-        </p:spPr>
-      </p:pic>
       <p:grpSp>
         <p:nvGrpSpPr>
           <p:cNvPr id="17" name="Group 16">
@@ -7074,7 +6841,7 @@
         </p:nvGrpSpPr>
         <p:grpSpPr>
           <a:xfrm>
-            <a:off x="3132000" y="3015102"/>
+            <a:off x="4441534" y="2908315"/>
             <a:ext cx="304801" cy="261610"/>
             <a:chOff x="2509997" y="693359"/>
             <a:chExt cx="476596" cy="409061"/>
@@ -7189,7 +6956,7 @@
         </p:nvGrpSpPr>
         <p:grpSpPr>
           <a:xfrm>
-            <a:off x="3132000" y="3608241"/>
+            <a:off x="4441534" y="3561520"/>
             <a:ext cx="304801" cy="261610"/>
             <a:chOff x="2509997" y="693359"/>
             <a:chExt cx="476596" cy="409061"/>
@@ -7304,7 +7071,7 @@
         </p:nvGrpSpPr>
         <p:grpSpPr>
           <a:xfrm>
-            <a:off x="3132000" y="4229088"/>
+            <a:off x="4441534" y="4182367"/>
             <a:ext cx="304801" cy="261610"/>
             <a:chOff x="2509997" y="693359"/>
             <a:chExt cx="476596" cy="409061"/>
@@ -7494,7 +7261,7 @@
             <p:nvPr/>
           </p:nvPicPr>
           <p:blipFill>
-            <a:blip r:embed="rId3">
+            <a:blip r:embed="rId2">
               <a:duotone>
                 <a:prstClr val="black"/>
                 <a:srgbClr val="D2D2D2">
@@ -7616,7 +7383,7 @@
             <p:nvPr/>
           </p:nvPicPr>
           <p:blipFill>
-            <a:blip r:embed="rId3">
+            <a:blip r:embed="rId2">
               <a:duotone>
                 <a:prstClr val="black"/>
                 <a:srgbClr val="D2D2D2">
@@ -7717,7 +7484,7 @@
         </p:nvCxnSpPr>
         <p:spPr>
           <a:xfrm>
-            <a:off x="4165560" y="3958546"/>
+            <a:off x="5475094" y="3911825"/>
             <a:ext cx="0" cy="181848"/>
           </a:xfrm>
           <a:prstGeom prst="straightConnector1">
@@ -7767,8 +7534,8 @@
         </p:nvCxnSpPr>
         <p:spPr>
           <a:xfrm>
-            <a:off x="4165560" y="3365407"/>
-            <a:ext cx="0" cy="154140"/>
+            <a:off x="5475094" y="3258620"/>
+            <a:ext cx="0" cy="214206"/>
           </a:xfrm>
           <a:prstGeom prst="straightConnector1">
             <a:avLst/>
@@ -7816,335 +7583,9 @@
           <p:nvPr/>
         </p:nvCxnSpPr>
         <p:spPr>
-          <a:xfrm rot="5400000">
-            <a:off x="4690044" y="2148032"/>
-            <a:ext cx="253892" cy="1302860"/>
-          </a:xfrm>
-          <a:prstGeom prst="bentConnector3">
-            <a:avLst>
-              <a:gd name="adj1" fmla="val 50000"/>
-            </a:avLst>
-          </a:prstGeom>
-          <a:ln w="28575">
-            <a:solidFill>
-              <a:schemeClr val="tx2">
-                <a:lumMod val="60000"/>
-                <a:lumOff val="40000"/>
-              </a:schemeClr>
-            </a:solidFill>
-            <a:prstDash val="solid"/>
-            <a:tailEnd type="triangle" w="med" len="sm"/>
-          </a:ln>
-        </p:spPr>
-        <p:style>
-          <a:lnRef idx="1">
-            <a:schemeClr val="accent1"/>
-          </a:lnRef>
-          <a:fillRef idx="0">
-            <a:schemeClr val="accent1"/>
-          </a:fillRef>
-          <a:effectRef idx="0">
-            <a:schemeClr val="accent1"/>
-          </a:effectRef>
-          <a:fontRef idx="minor">
-            <a:schemeClr val="tx1"/>
-          </a:fontRef>
-        </p:style>
-      </p:cxnSp>
-      <p:cxnSp>
-        <p:nvCxnSpPr>
-          <p:cNvPr id="48" name="Straight Arrow Connector 12">
-            <a:extLst>
-              <a:ext uri="{FF2B5EF4-FFF2-40B4-BE49-F238E27FC236}">
-                <a16:creationId xmlns:a16="http://schemas.microsoft.com/office/drawing/2014/main" id="{D0B68F8F-822D-B8F1-BDDE-496B83730603}"/>
-              </a:ext>
-            </a:extLst>
-          </p:cNvPr>
-          <p:cNvCxnSpPr>
-            <a:cxnSpLocks/>
-            <a:stCxn id="7" idx="2"/>
-            <a:endCxn id="11" idx="0"/>
-          </p:cNvCxnSpPr>
-          <p:nvPr/>
-        </p:nvCxnSpPr>
-        <p:spPr>
-          <a:xfrm rot="16200000" flipH="1">
-            <a:off x="5925786" y="2215149"/>
-            <a:ext cx="253892" cy="1168625"/>
-          </a:xfrm>
-          <a:prstGeom prst="bentConnector3">
-            <a:avLst>
-              <a:gd name="adj1" fmla="val 50000"/>
-            </a:avLst>
-          </a:prstGeom>
-          <a:ln w="28575">
-            <a:solidFill>
-              <a:schemeClr val="tx2">
-                <a:lumMod val="60000"/>
-                <a:lumOff val="40000"/>
-              </a:schemeClr>
-            </a:solidFill>
-            <a:prstDash val="solid"/>
-            <a:tailEnd type="triangle" w="med" len="sm"/>
-          </a:ln>
-        </p:spPr>
-        <p:style>
-          <a:lnRef idx="1">
-            <a:schemeClr val="accent1"/>
-          </a:lnRef>
-          <a:fillRef idx="0">
-            <a:schemeClr val="accent1"/>
-          </a:fillRef>
-          <a:effectRef idx="0">
-            <a:schemeClr val="accent1"/>
-          </a:effectRef>
-          <a:fontRef idx="minor">
-            <a:schemeClr val="tx1"/>
-          </a:fontRef>
-        </p:style>
-      </p:cxnSp>
-      <p:sp>
-        <p:nvSpPr>
-          <p:cNvPr id="2" name="Rectangle 1">
-            <a:extLst>
-              <a:ext uri="{FF2B5EF4-FFF2-40B4-BE49-F238E27FC236}">
-                <a16:creationId xmlns:a16="http://schemas.microsoft.com/office/drawing/2014/main" id="{B357C7A1-4694-53D7-6015-67C05D1EF274}"/>
-              </a:ext>
-            </a:extLst>
-          </p:cNvPr>
-          <p:cNvSpPr/>
-          <p:nvPr/>
-        </p:nvSpPr>
-        <p:spPr>
           <a:xfrm>
-            <a:off x="5620045" y="3519547"/>
-            <a:ext cx="2034372" cy="438999"/>
-          </a:xfrm>
-          <a:prstGeom prst="rect">
-            <a:avLst/>
-          </a:prstGeom>
-          <a:solidFill>
-            <a:schemeClr val="tx2">
-              <a:lumMod val="75000"/>
-            </a:schemeClr>
-          </a:solidFill>
-          <a:ln w="6350">
-            <a:solidFill>
-              <a:schemeClr val="tx1">
-                <a:lumMod val="50000"/>
-                <a:lumOff val="50000"/>
-              </a:schemeClr>
-            </a:solidFill>
-          </a:ln>
-        </p:spPr>
-        <p:style>
-          <a:lnRef idx="2">
-            <a:schemeClr val="accent1">
-              <a:shade val="50000"/>
-            </a:schemeClr>
-          </a:lnRef>
-          <a:fillRef idx="1">
-            <a:schemeClr val="accent1"/>
-          </a:fillRef>
-          <a:effectRef idx="0">
-            <a:schemeClr val="accent1"/>
-          </a:effectRef>
-          <a:fontRef idx="minor">
-            <a:schemeClr val="lt1"/>
-          </a:fontRef>
-        </p:style>
-        <p:txBody>
-          <a:bodyPr rtlCol="0" anchor="ctr"/>
-          <a:lstStyle/>
-          <a:p>
-            <a:r>
-              <a:rPr lang="en-US" sz="1100" i="1" dirty="0">
-                <a:solidFill>
-                  <a:schemeClr val="bg1"/>
-                </a:solidFill>
-              </a:rPr>
-              <a:t>      </a:t>
-            </a:r>
-            <a:r>
-              <a:rPr lang="en-DE" sz="1100" i="1" dirty="0">
-                <a:solidFill>
-                  <a:schemeClr val="bg1"/>
-                </a:solidFill>
-              </a:rPr>
-              <a:t> </a:t>
-            </a:r>
-            <a:r>
-              <a:rPr lang="en-US" sz="1100" i="1" dirty="0">
-                <a:solidFill>
-                  <a:schemeClr val="bg1"/>
-                </a:solidFill>
-              </a:rPr>
-              <a:t> &lt;env&gt;.</a:t>
-            </a:r>
-            <a:r>
-              <a:rPr lang="en-US" sz="1100" i="1" dirty="0" err="1">
-                <a:solidFill>
-                  <a:schemeClr val="bg1"/>
-                </a:solidFill>
-              </a:rPr>
-              <a:t>agentpool.config.json</a:t>
-            </a:r>
-            <a:endParaRPr lang="en-US" sz="1271" dirty="0">
-              <a:solidFill>
-                <a:schemeClr val="bg1"/>
-              </a:solidFill>
-            </a:endParaRPr>
-          </a:p>
-          <a:p>
-            <a:r>
-              <a:rPr lang="en-US" sz="1271" dirty="0">
-                <a:solidFill>
-                  <a:schemeClr val="bg1"/>
-                </a:solidFill>
-              </a:rPr>
-              <a:t>       </a:t>
-            </a:r>
-            <a:r>
-              <a:rPr lang="en-US" sz="1271" dirty="0" err="1">
-                <a:solidFill>
-                  <a:schemeClr val="bg1"/>
-                </a:solidFill>
-              </a:rPr>
-              <a:t>AgentPool</a:t>
-            </a:r>
-            <a:r>
-              <a:rPr lang="en-US" sz="1271" dirty="0">
-                <a:solidFill>
-                  <a:schemeClr val="bg1"/>
-                </a:solidFill>
-              </a:rPr>
-              <a:t> Config</a:t>
-            </a:r>
-          </a:p>
-        </p:txBody>
-      </p:sp>
-      <p:sp>
-        <p:nvSpPr>
-          <p:cNvPr id="4" name="Oval 3">
-            <a:extLst>
-              <a:ext uri="{FF2B5EF4-FFF2-40B4-BE49-F238E27FC236}">
-                <a16:creationId xmlns:a16="http://schemas.microsoft.com/office/drawing/2014/main" id="{42421945-B0D9-A60E-432C-FA0A986A81CA}"/>
-              </a:ext>
-            </a:extLst>
-          </p:cNvPr>
-          <p:cNvSpPr/>
-          <p:nvPr/>
-        </p:nvSpPr>
-        <p:spPr>
-          <a:xfrm>
-            <a:off x="5683693" y="3641717"/>
-            <a:ext cx="212652" cy="212652"/>
-          </a:xfrm>
-          <a:prstGeom prst="ellipse">
-            <a:avLst/>
-          </a:prstGeom>
-          <a:solidFill>
-            <a:schemeClr val="bg1"/>
-          </a:solidFill>
-          <a:ln>
-            <a:solidFill>
-              <a:schemeClr val="tx1"/>
-            </a:solidFill>
-          </a:ln>
-        </p:spPr>
-        <p:style>
-          <a:lnRef idx="2">
-            <a:schemeClr val="accent1">
-              <a:shade val="15000"/>
-            </a:schemeClr>
-          </a:lnRef>
-          <a:fillRef idx="1">
-            <a:schemeClr val="accent1"/>
-          </a:fillRef>
-          <a:effectRef idx="0">
-            <a:schemeClr val="accent1"/>
-          </a:effectRef>
-          <a:fontRef idx="minor">
-            <a:schemeClr val="lt1"/>
-          </a:fontRef>
-        </p:style>
-        <p:txBody>
-          <a:bodyPr rtlCol="0" anchor="ctr"/>
-          <a:lstStyle/>
-          <a:p>
-            <a:pPr algn="ctr"/>
-            <a:endParaRPr lang="en-US" sz="600" dirty="0">
-              <a:solidFill>
-                <a:schemeClr val="bg2">
-                  <a:lumMod val="25000"/>
-                </a:schemeClr>
-              </a:solidFill>
-            </a:endParaRPr>
-          </a:p>
-        </p:txBody>
-      </p:sp>
-      <p:sp>
-        <p:nvSpPr>
-          <p:cNvPr id="12" name="TextBox 11">
-            <a:extLst>
-              <a:ext uri="{FF2B5EF4-FFF2-40B4-BE49-F238E27FC236}">
-                <a16:creationId xmlns:a16="http://schemas.microsoft.com/office/drawing/2014/main" id="{59DF5C1C-3796-D1A4-FBFC-0F08FCDEC357}"/>
-              </a:ext>
-            </a:extLst>
-          </p:cNvPr>
-          <p:cNvSpPr txBox="1"/>
-          <p:nvPr/>
-        </p:nvSpPr>
-        <p:spPr>
-          <a:xfrm>
-            <a:off x="5652802" y="3617238"/>
-            <a:ext cx="274434" cy="261610"/>
-          </a:xfrm>
-          <a:prstGeom prst="rect">
-            <a:avLst/>
-          </a:prstGeom>
-          <a:noFill/>
-        </p:spPr>
-        <p:txBody>
-          <a:bodyPr wrap="none" rtlCol="0">
-            <a:spAutoFit/>
-          </a:bodyPr>
-          <a:lstStyle/>
-          <a:p>
-            <a:pPr algn="ctr"/>
-            <a:r>
-              <a:rPr lang="en-US" sz="1100" dirty="0">
-                <a:solidFill>
-                  <a:schemeClr val="bg2">
-                    <a:lumMod val="25000"/>
-                  </a:schemeClr>
-                </a:solidFill>
-              </a:rPr>
-              <a:t>{}</a:t>
-            </a:r>
-          </a:p>
-        </p:txBody>
-      </p:sp>
-      <p:cxnSp>
-        <p:nvCxnSpPr>
-          <p:cNvPr id="14" name="Straight Arrow Connector 12">
-            <a:extLst>
-              <a:ext uri="{FF2B5EF4-FFF2-40B4-BE49-F238E27FC236}">
-                <a16:creationId xmlns:a16="http://schemas.microsoft.com/office/drawing/2014/main" id="{9F838D50-18C0-144C-FB62-BC780EC662D7}"/>
-              </a:ext>
-            </a:extLst>
-          </p:cNvPr>
-          <p:cNvCxnSpPr>
-            <a:cxnSpLocks/>
-            <a:stCxn id="11" idx="2"/>
-            <a:endCxn id="2" idx="0"/>
-          </p:cNvCxnSpPr>
-          <p:nvPr/>
-        </p:nvCxnSpPr>
-        <p:spPr>
-          <a:xfrm>
-            <a:off x="6637045" y="3365407"/>
-            <a:ext cx="186" cy="154140"/>
+            <a:off x="5468420" y="2672516"/>
+            <a:ext cx="6674" cy="147105"/>
           </a:xfrm>
           <a:prstGeom prst="straightConnector1">
             <a:avLst/>
@@ -13146,45 +12587,6 @@
           <a:xfrm>
             <a:off x="8567066" y="2448382"/>
             <a:ext cx="684000" cy="684000"/>
-          </a:xfrm>
-          <a:prstGeom prst="rect">
-            <a:avLst/>
-          </a:prstGeom>
-        </p:spPr>
-      </p:pic>
-      <p:pic>
-        <p:nvPicPr>
-          <p:cNvPr id="13" name="Graphic 12">
-            <a:extLst>
-              <a:ext uri="{FF2B5EF4-FFF2-40B4-BE49-F238E27FC236}">
-                <a16:creationId xmlns:a16="http://schemas.microsoft.com/office/drawing/2014/main" id="{55423B5D-922B-827E-B620-F82F977EF29D}"/>
-              </a:ext>
-            </a:extLst>
-          </p:cNvPr>
-          <p:cNvPicPr>
-            <a:picLocks noChangeAspect="1"/>
-          </p:cNvPicPr>
-          <p:nvPr/>
-        </p:nvPicPr>
-        <p:blipFill>
-          <a:blip r:embed="rId4">
-            <a:extLst>
-              <a:ext uri="{28A0092B-C50C-407E-A947-70E740481C1C}">
-                <a14:useLocalDpi xmlns:a14="http://schemas.microsoft.com/office/drawing/2010/main" val="0"/>
-              </a:ext>
-              <a:ext uri="{96DAC541-7B7A-43D3-8B79-37D633B846F1}">
-                <asvg:svgBlip xmlns:asvg="http://schemas.microsoft.com/office/drawing/2016/SVG/main" r:embed="rId5"/>
-              </a:ext>
-            </a:extLst>
-          </a:blip>
-          <a:stretch>
-            <a:fillRect/>
-          </a:stretch>
-        </p:blipFill>
-        <p:spPr>
-          <a:xfrm>
-            <a:off x="6281840" y="3565503"/>
-            <a:ext cx="1109408" cy="1109408"/>
           </a:xfrm>
           <a:prstGeom prst="rect">
             <a:avLst/>
@@ -13376,13 +12778,13 @@
             <p:nvPr/>
           </p:nvPicPr>
           <p:blipFill>
-            <a:blip r:embed="rId6">
+            <a:blip r:embed="rId4">
               <a:extLst>
                 <a:ext uri="{28A0092B-C50C-407E-A947-70E740481C1C}">
                   <a14:useLocalDpi xmlns:a14="http://schemas.microsoft.com/office/drawing/2010/main" val="0"/>
                 </a:ext>
                 <a:ext uri="{96DAC541-7B7A-43D3-8B79-37D633B846F1}">
-                  <asvg:svgBlip xmlns:asvg="http://schemas.microsoft.com/office/drawing/2016/SVG/main" r:embed="rId7"/>
+                  <asvg:svgBlip xmlns:asvg="http://schemas.microsoft.com/office/drawing/2016/SVG/main" r:embed="rId5"/>
                 </a:ext>
               </a:extLst>
             </a:blip>
@@ -13415,13 +12817,13 @@
             <p:nvPr/>
           </p:nvPicPr>
           <p:blipFill>
-            <a:blip r:embed="rId8">
+            <a:blip r:embed="rId6">
               <a:extLst>
                 <a:ext uri="{28A0092B-C50C-407E-A947-70E740481C1C}">
                   <a14:useLocalDpi xmlns:a14="http://schemas.microsoft.com/office/drawing/2010/main" val="0"/>
                 </a:ext>
                 <a:ext uri="{96DAC541-7B7A-43D3-8B79-37D633B846F1}">
-                  <asvg:svgBlip xmlns:asvg="http://schemas.microsoft.com/office/drawing/2016/SVG/main" r:embed="rId9"/>
+                  <asvg:svgBlip xmlns:asvg="http://schemas.microsoft.com/office/drawing/2016/SVG/main" r:embed="rId7"/>
                 </a:ext>
               </a:extLst>
             </a:blip>
@@ -13510,13 +12912,13 @@
             <p:nvPr/>
           </p:nvPicPr>
           <p:blipFill>
-            <a:blip r:embed="rId10">
+            <a:blip r:embed="rId8">
               <a:extLst>
                 <a:ext uri="{28A0092B-C50C-407E-A947-70E740481C1C}">
                   <a14:useLocalDpi xmlns:a14="http://schemas.microsoft.com/office/drawing/2010/main" val="0"/>
                 </a:ext>
                 <a:ext uri="{96DAC541-7B7A-43D3-8B79-37D633B846F1}">
-                  <asvg:svgBlip xmlns:asvg="http://schemas.microsoft.com/office/drawing/2016/SVG/main" r:embed="rId11"/>
+                  <asvg:svgBlip xmlns:asvg="http://schemas.microsoft.com/office/drawing/2016/SVG/main" r:embed="rId9"/>
                 </a:ext>
               </a:extLst>
             </a:blip>
@@ -13590,7 +12992,6 @@
           <p:cNvCxnSpPr>
             <a:cxnSpLocks/>
             <a:stCxn id="5" idx="1"/>
-            <a:endCxn id="13" idx="0"/>
           </p:cNvCxnSpPr>
           <p:nvPr/>
         </p:nvCxnSpPr>
@@ -13632,7 +13033,6 @@
           </p:cNvPr>
           <p:cNvCxnSpPr>
             <a:cxnSpLocks/>
-            <a:endCxn id="13" idx="1"/>
           </p:cNvCxnSpPr>
           <p:nvPr/>
         </p:nvCxnSpPr>
@@ -13733,13 +13133,13 @@
           <p:nvPr/>
         </p:nvPicPr>
         <p:blipFill>
-          <a:blip r:embed="rId12">
+          <a:blip r:embed="rId10">
             <a:extLst>
               <a:ext uri="{28A0092B-C50C-407E-A947-70E740481C1C}">
                 <a14:useLocalDpi xmlns:a14="http://schemas.microsoft.com/office/drawing/2010/main" val="0"/>
               </a:ext>
               <a:ext uri="{96DAC541-7B7A-43D3-8B79-37D633B846F1}">
-                <asvg:svgBlip xmlns:asvg="http://schemas.microsoft.com/office/drawing/2016/SVG/main" r:embed="rId13"/>
+                <asvg:svgBlip xmlns:asvg="http://schemas.microsoft.com/office/drawing/2016/SVG/main" r:embed="rId11"/>
               </a:ext>
             </a:extLst>
           </a:blip>
@@ -13851,7 +13251,7 @@
             <p:nvPr/>
           </p:nvPicPr>
           <p:blipFill>
-            <a:blip r:embed="rId14">
+            <a:blip r:embed="rId12">
               <a:biLevel thresh="25000"/>
               <a:extLst>
                 <a:ext uri="{28A0092B-C50C-407E-A947-70E740481C1C}">
@@ -13965,13 +13365,13 @@
             <p:nvPr/>
           </p:nvPicPr>
           <p:blipFill>
-            <a:blip r:embed="rId15">
+            <a:blip r:embed="rId13">
               <a:extLst>
                 <a:ext uri="{28A0092B-C50C-407E-A947-70E740481C1C}">
                   <a14:useLocalDpi xmlns:a14="http://schemas.microsoft.com/office/drawing/2010/main" val="0"/>
                 </a:ext>
                 <a:ext uri="{96DAC541-7B7A-43D3-8B79-37D633B846F1}">
-                  <asvg:svgBlip xmlns:asvg="http://schemas.microsoft.com/office/drawing/2016/SVG/main" r:embed="rId16"/>
+                  <asvg:svgBlip xmlns:asvg="http://schemas.microsoft.com/office/drawing/2016/SVG/main" r:embed="rId14"/>
                 </a:ext>
               </a:extLst>
             </a:blip>
@@ -14143,7 +13543,7 @@
                 </a:solidFill>
                 <a:latin typeface="-apple-system"/>
               </a:rPr>
-              <a:t>Azure DevOps Scale Set</a:t>
+              <a:t>Managed DevOps Pool</a:t>
             </a:r>
           </a:p>
           <a:p>
@@ -14436,6 +13836,42 @@
           </a:p>
         </p:txBody>
       </p:sp>
+      <p:pic>
+        <p:nvPicPr>
+          <p:cNvPr id="2" name="Graphic 1">
+            <a:extLst>
+              <a:ext uri="{FF2B5EF4-FFF2-40B4-BE49-F238E27FC236}">
+                <a16:creationId xmlns:a16="http://schemas.microsoft.com/office/drawing/2014/main" id="{1DD30565-C61E-1A54-63CB-AABDDB266096}"/>
+              </a:ext>
+            </a:extLst>
+          </p:cNvPr>
+          <p:cNvPicPr>
+            <a:picLocks noChangeAspect="1"/>
+          </p:cNvPicPr>
+          <p:nvPr/>
+        </p:nvPicPr>
+        <p:blipFill>
+          <a:blip r:embed="rId15">
+            <a:extLst>
+              <a:ext uri="{96DAC541-7B7A-43D3-8B79-37D633B846F1}">
+                <asvg:svgBlip xmlns:asvg="http://schemas.microsoft.com/office/drawing/2016/SVG/main" r:embed="rId16"/>
+              </a:ext>
+            </a:extLst>
+          </a:blip>
+          <a:stretch>
+            <a:fillRect/>
+          </a:stretch>
+        </p:blipFill>
+        <p:spPr>
+          <a:xfrm>
+            <a:off x="6400692" y="3694257"/>
+            <a:ext cx="919180" cy="900421"/>
+          </a:xfrm>
+          <a:prstGeom prst="rect">
+            <a:avLst/>
+          </a:prstGeom>
+        </p:spPr>
+      </p:pic>
     </p:spTree>
     <p:extLst>
       <p:ext uri="{BB962C8B-B14F-4D97-AF65-F5344CB8AC3E}">

--- a/docs/wiki/media/src/DevOps Self-Hosted Diagrams.pptx
+++ b/docs/wiki/media/src/DevOps Self-Hosted Diagrams.pptx
@@ -2146,7 +2146,7 @@
           <a:p>
             <a:fld id="{9142FDFA-952F-452D-9530-A8F25C82A8B5}" type="datetimeFigureOut">
               <a:rPr lang="en-US" smtClean="0"/>
-              <a:t>10/9/2024</a:t>
+              <a:t>10/10/2024</a:t>
             </a:fld>
             <a:endParaRPr lang="en-US"/>
           </a:p>
@@ -2344,7 +2344,7 @@
           <a:p>
             <a:fld id="{9142FDFA-952F-452D-9530-A8F25C82A8B5}" type="datetimeFigureOut">
               <a:rPr lang="en-US" smtClean="0"/>
-              <a:t>10/9/2024</a:t>
+              <a:t>10/10/2024</a:t>
             </a:fld>
             <a:endParaRPr lang="en-US"/>
           </a:p>
@@ -2552,7 +2552,7 @@
           <a:p>
             <a:fld id="{9142FDFA-952F-452D-9530-A8F25C82A8B5}" type="datetimeFigureOut">
               <a:rPr lang="en-US" smtClean="0"/>
-              <a:t>10/9/2024</a:t>
+              <a:t>10/10/2024</a:t>
             </a:fld>
             <a:endParaRPr lang="en-US"/>
           </a:p>
@@ -2750,7 +2750,7 @@
           <a:p>
             <a:fld id="{9142FDFA-952F-452D-9530-A8F25C82A8B5}" type="datetimeFigureOut">
               <a:rPr lang="en-US" smtClean="0"/>
-              <a:t>10/9/2024</a:t>
+              <a:t>10/10/2024</a:t>
             </a:fld>
             <a:endParaRPr lang="en-US"/>
           </a:p>
@@ -3025,7 +3025,7 @@
           <a:p>
             <a:fld id="{9142FDFA-952F-452D-9530-A8F25C82A8B5}" type="datetimeFigureOut">
               <a:rPr lang="en-US" smtClean="0"/>
-              <a:t>10/9/2024</a:t>
+              <a:t>10/10/2024</a:t>
             </a:fld>
             <a:endParaRPr lang="en-US"/>
           </a:p>
@@ -3290,7 +3290,7 @@
           <a:p>
             <a:fld id="{9142FDFA-952F-452D-9530-A8F25C82A8B5}" type="datetimeFigureOut">
               <a:rPr lang="en-US" smtClean="0"/>
-              <a:t>10/9/2024</a:t>
+              <a:t>10/10/2024</a:t>
             </a:fld>
             <a:endParaRPr lang="en-US"/>
           </a:p>
@@ -3702,7 +3702,7 @@
           <a:p>
             <a:fld id="{9142FDFA-952F-452D-9530-A8F25C82A8B5}" type="datetimeFigureOut">
               <a:rPr lang="en-US" smtClean="0"/>
-              <a:t>10/9/2024</a:t>
+              <a:t>10/10/2024</a:t>
             </a:fld>
             <a:endParaRPr lang="en-US"/>
           </a:p>
@@ -3843,7 +3843,7 @@
           <a:p>
             <a:fld id="{9142FDFA-952F-452D-9530-A8F25C82A8B5}" type="datetimeFigureOut">
               <a:rPr lang="en-US" smtClean="0"/>
-              <a:t>10/9/2024</a:t>
+              <a:t>10/10/2024</a:t>
             </a:fld>
             <a:endParaRPr lang="en-US"/>
           </a:p>
@@ -3956,7 +3956,7 @@
           <a:p>
             <a:fld id="{9142FDFA-952F-452D-9530-A8F25C82A8B5}" type="datetimeFigureOut">
               <a:rPr lang="en-US" smtClean="0"/>
-              <a:t>10/9/2024</a:t>
+              <a:t>10/10/2024</a:t>
             </a:fld>
             <a:endParaRPr lang="en-US"/>
           </a:p>
@@ -4267,7 +4267,7 @@
           <a:p>
             <a:fld id="{9142FDFA-952F-452D-9530-A8F25C82A8B5}" type="datetimeFigureOut">
               <a:rPr lang="en-US" smtClean="0"/>
-              <a:t>10/9/2024</a:t>
+              <a:t>10/10/2024</a:t>
             </a:fld>
             <a:endParaRPr lang="en-US"/>
           </a:p>
@@ -4555,7 +4555,7 @@
           <a:p>
             <a:fld id="{9142FDFA-952F-452D-9530-A8F25C82A8B5}" type="datetimeFigureOut">
               <a:rPr lang="en-US" smtClean="0"/>
-              <a:t>10/9/2024</a:t>
+              <a:t>10/10/2024</a:t>
             </a:fld>
             <a:endParaRPr lang="en-US"/>
           </a:p>
@@ -4796,7 +4796,7 @@
           <a:p>
             <a:fld id="{9142FDFA-952F-452D-9530-A8F25C82A8B5}" type="datetimeFigureOut">
               <a:rPr lang="en-US" smtClean="0"/>
-              <a:t>10/9/2024</a:t>
+              <a:t>10/10/2024</a:t>
             </a:fld>
             <a:endParaRPr lang="en-US"/>
           </a:p>
@@ -11264,7 +11264,7 @@
                   <a:schemeClr val="bg1"/>
                 </a:solidFill>
               </a:rPr>
-              <a:t>Bicep CARML modules</a:t>
+              <a:t>Bicep AVM modules</a:t>
             </a:r>
             <a:endParaRPr lang="en-US" sz="1271" dirty="0">
               <a:solidFill>

--- a/docs/wiki/media/src/DevOps Self-Hosted Diagrams.pptx
+++ b/docs/wiki/media/src/DevOps Self-Hosted Diagrams.pptx
@@ -5706,8 +5706,8 @@
           </a:prstGeom>
           <a:solidFill>
             <a:schemeClr val="tx1">
-              <a:lumMod val="85000"/>
-              <a:lumOff val="15000"/>
+              <a:lumMod val="95000"/>
+              <a:lumOff val="5000"/>
             </a:schemeClr>
           </a:solidFill>
         </p:spPr>
@@ -5751,8 +5751,8 @@
           </a:prstGeom>
           <a:solidFill>
             <a:schemeClr val="tx1">
-              <a:lumMod val="85000"/>
-              <a:lumOff val="15000"/>
+              <a:lumMod val="95000"/>
+              <a:lumOff val="5000"/>
             </a:schemeClr>
           </a:solidFill>
         </p:spPr>
@@ -5801,8 +5801,8 @@
           </a:prstGeom>
           <a:solidFill>
             <a:schemeClr val="tx1">
-              <a:lumMod val="85000"/>
-              <a:lumOff val="15000"/>
+              <a:lumMod val="95000"/>
+              <a:lumOff val="5000"/>
             </a:schemeClr>
           </a:solidFill>
         </p:spPr>
@@ -5845,8 +5845,9 @@
             <a:avLst/>
           </a:prstGeom>
           <a:solidFill>
-            <a:schemeClr val="bg1">
-              <a:lumMod val="65000"/>
+            <a:schemeClr val="tx1">
+              <a:lumMod val="75000"/>
+              <a:lumOff val="25000"/>
             </a:schemeClr>
           </a:solidFill>
           <a:ln>
@@ -5905,8 +5906,8 @@
           </a:prstGeom>
           <a:solidFill>
             <a:schemeClr val="tx1">
-              <a:lumMod val="85000"/>
-              <a:lumOff val="15000"/>
+              <a:lumMod val="95000"/>
+              <a:lumOff val="5000"/>
             </a:schemeClr>
           </a:solidFill>
         </p:spPr>
@@ -5930,10 +5931,10 @@
       </p:sp>
       <p:pic>
         <p:nvPicPr>
-          <p:cNvPr id="5" name="Graphic 4">
-            <a:extLst>
-              <a:ext uri="{FF2B5EF4-FFF2-40B4-BE49-F238E27FC236}">
-                <a16:creationId xmlns:a16="http://schemas.microsoft.com/office/drawing/2014/main" id="{E2E30B24-57C7-2C35-FE2B-7B262452A80A}"/>
+          <p:cNvPr id="3" name="Picture 2" descr="A blue folders with a cube in the center&#10;&#10;Description automatically generated">
+            <a:extLst>
+              <a:ext uri="{FF2B5EF4-FFF2-40B4-BE49-F238E27FC236}">
+                <a16:creationId xmlns:a16="http://schemas.microsoft.com/office/drawing/2014/main" id="{34B67B21-7F90-C667-D1E4-D785838A7D29}"/>
               </a:ext>
             </a:extLst>
           </p:cNvPr>
@@ -5945,8 +5946,8 @@
         <p:blipFill>
           <a:blip r:embed="rId9">
             <a:extLst>
-              <a:ext uri="{96DAC541-7B7A-43D3-8B79-37D633B846F1}">
-                <asvg:svgBlip xmlns:asvg="http://schemas.microsoft.com/office/drawing/2016/SVG/main" r:embed="rId10"/>
+              <a:ext uri="{28A0092B-C50C-407E-A947-70E740481C1C}">
+                <a14:useLocalDpi xmlns:a14="http://schemas.microsoft.com/office/drawing/2010/main" val="0"/>
               </a:ext>
             </a:extLst>
           </a:blip>
@@ -5956,8 +5957,8 @@
         </p:blipFill>
         <p:spPr>
           <a:xfrm>
-            <a:off x="3244095" y="4683855"/>
-            <a:ext cx="393225" cy="385200"/>
+            <a:off x="3263573" y="4684864"/>
+            <a:ext cx="398040" cy="385200"/>
           </a:xfrm>
           <a:prstGeom prst="rect">
             <a:avLst/>
@@ -13838,10 +13839,10 @@
       </p:sp>
       <p:pic>
         <p:nvPicPr>
-          <p:cNvPr id="2" name="Graphic 1">
-            <a:extLst>
-              <a:ext uri="{FF2B5EF4-FFF2-40B4-BE49-F238E27FC236}">
-                <a16:creationId xmlns:a16="http://schemas.microsoft.com/office/drawing/2014/main" id="{1DD30565-C61E-1A54-63CB-AABDDB266096}"/>
+          <p:cNvPr id="7" name="Picture 6" descr="A blue folders with a cube in the center&#10;&#10;Description automatically generated">
+            <a:extLst>
+              <a:ext uri="{FF2B5EF4-FFF2-40B4-BE49-F238E27FC236}">
+                <a16:creationId xmlns:a16="http://schemas.microsoft.com/office/drawing/2014/main" id="{60189A27-6399-C7C1-EFC2-46C5A6100D55}"/>
               </a:ext>
             </a:extLst>
           </p:cNvPr>
@@ -13853,8 +13854,8 @@
         <p:blipFill>
           <a:blip r:embed="rId15">
             <a:extLst>
-              <a:ext uri="{96DAC541-7B7A-43D3-8B79-37D633B846F1}">
-                <asvg:svgBlip xmlns:asvg="http://schemas.microsoft.com/office/drawing/2016/SVG/main" r:embed="rId16"/>
+              <a:ext uri="{28A0092B-C50C-407E-A947-70E740481C1C}">
+                <a14:useLocalDpi xmlns:a14="http://schemas.microsoft.com/office/drawing/2010/main" val="0"/>
               </a:ext>
             </a:extLst>
           </a:blip>
@@ -13864,8 +13865,8 @@
         </p:blipFill>
         <p:spPr>
           <a:xfrm>
-            <a:off x="6400692" y="3694257"/>
-            <a:ext cx="919180" cy="900421"/>
+            <a:off x="6444694" y="3703507"/>
+            <a:ext cx="783700" cy="758419"/>
           </a:xfrm>
           <a:prstGeom prst="rect">
             <a:avLst/>
